--- a/document/運作流程圖.pptx
+++ b/document/運作流程圖.pptx
@@ -5,7 +5,7 @@
     <p:sldMasterId id="2147483648" r:id="rId1"/>
   </p:sldMasterIdLst>
   <p:sldIdLst>
-    <p:sldId id="259" r:id="rId2"/>
+    <p:sldId id="272" r:id="rId2"/>
     <p:sldId id="258" r:id="rId3"/>
     <p:sldId id="263" r:id="rId4"/>
     <p:sldId id="264" r:id="rId5"/>
@@ -255,7 +255,7 @@
           <a:p>
             <a:fld id="{6B8FE16C-15A4-4ABA-B5E8-4C3E43F8969C}" type="datetimeFigureOut">
               <a:rPr lang="zh-TW" altLang="en-US" smtClean="0"/>
-              <a:t>2018/2/15</a:t>
+              <a:t>2018/4/1</a:t>
             </a:fld>
             <a:endParaRPr lang="zh-TW" altLang="en-US"/>
           </a:p>
@@ -425,7 +425,7 @@
           <a:p>
             <a:fld id="{6B8FE16C-15A4-4ABA-B5E8-4C3E43F8969C}" type="datetimeFigureOut">
               <a:rPr lang="zh-TW" altLang="en-US" smtClean="0"/>
-              <a:t>2018/2/15</a:t>
+              <a:t>2018/4/1</a:t>
             </a:fld>
             <a:endParaRPr lang="zh-TW" altLang="en-US"/>
           </a:p>
@@ -605,7 +605,7 @@
           <a:p>
             <a:fld id="{6B8FE16C-15A4-4ABA-B5E8-4C3E43F8969C}" type="datetimeFigureOut">
               <a:rPr lang="zh-TW" altLang="en-US" smtClean="0"/>
-              <a:t>2018/2/15</a:t>
+              <a:t>2018/4/1</a:t>
             </a:fld>
             <a:endParaRPr lang="zh-TW" altLang="en-US"/>
           </a:p>
@@ -775,7 +775,7 @@
           <a:p>
             <a:fld id="{6B8FE16C-15A4-4ABA-B5E8-4C3E43F8969C}" type="datetimeFigureOut">
               <a:rPr lang="zh-TW" altLang="en-US" smtClean="0"/>
-              <a:t>2018/2/15</a:t>
+              <a:t>2018/4/1</a:t>
             </a:fld>
             <a:endParaRPr lang="zh-TW" altLang="en-US"/>
           </a:p>
@@ -1021,7 +1021,7 @@
           <a:p>
             <a:fld id="{6B8FE16C-15A4-4ABA-B5E8-4C3E43F8969C}" type="datetimeFigureOut">
               <a:rPr lang="zh-TW" altLang="en-US" smtClean="0"/>
-              <a:t>2018/2/15</a:t>
+              <a:t>2018/4/1</a:t>
             </a:fld>
             <a:endParaRPr lang="zh-TW" altLang="en-US"/>
           </a:p>
@@ -1253,7 +1253,7 @@
           <a:p>
             <a:fld id="{6B8FE16C-15A4-4ABA-B5E8-4C3E43F8969C}" type="datetimeFigureOut">
               <a:rPr lang="zh-TW" altLang="en-US" smtClean="0"/>
-              <a:t>2018/2/15</a:t>
+              <a:t>2018/4/1</a:t>
             </a:fld>
             <a:endParaRPr lang="zh-TW" altLang="en-US"/>
           </a:p>
@@ -1620,7 +1620,7 @@
           <a:p>
             <a:fld id="{6B8FE16C-15A4-4ABA-B5E8-4C3E43F8969C}" type="datetimeFigureOut">
               <a:rPr lang="zh-TW" altLang="en-US" smtClean="0"/>
-              <a:t>2018/2/15</a:t>
+              <a:t>2018/4/1</a:t>
             </a:fld>
             <a:endParaRPr lang="zh-TW" altLang="en-US"/>
           </a:p>
@@ -1738,7 +1738,7 @@
           <a:p>
             <a:fld id="{6B8FE16C-15A4-4ABA-B5E8-4C3E43F8969C}" type="datetimeFigureOut">
               <a:rPr lang="zh-TW" altLang="en-US" smtClean="0"/>
-              <a:t>2018/2/15</a:t>
+              <a:t>2018/4/1</a:t>
             </a:fld>
             <a:endParaRPr lang="zh-TW" altLang="en-US"/>
           </a:p>
@@ -1833,7 +1833,7 @@
           <a:p>
             <a:fld id="{6B8FE16C-15A4-4ABA-B5E8-4C3E43F8969C}" type="datetimeFigureOut">
               <a:rPr lang="zh-TW" altLang="en-US" smtClean="0"/>
-              <a:t>2018/2/15</a:t>
+              <a:t>2018/4/1</a:t>
             </a:fld>
             <a:endParaRPr lang="zh-TW" altLang="en-US"/>
           </a:p>
@@ -2110,7 +2110,7 @@
           <a:p>
             <a:fld id="{6B8FE16C-15A4-4ABA-B5E8-4C3E43F8969C}" type="datetimeFigureOut">
               <a:rPr lang="zh-TW" altLang="en-US" smtClean="0"/>
-              <a:t>2018/2/15</a:t>
+              <a:t>2018/4/1</a:t>
             </a:fld>
             <a:endParaRPr lang="zh-TW" altLang="en-US"/>
           </a:p>
@@ -2363,7 +2363,7 @@
           <a:p>
             <a:fld id="{6B8FE16C-15A4-4ABA-B5E8-4C3E43F8969C}" type="datetimeFigureOut">
               <a:rPr lang="zh-TW" altLang="en-US" smtClean="0"/>
-              <a:t>2018/2/15</a:t>
+              <a:t>2018/4/1</a:t>
             </a:fld>
             <a:endParaRPr lang="zh-TW" altLang="en-US"/>
           </a:p>
@@ -2576,7 +2576,7 @@
           <a:p>
             <a:fld id="{6B8FE16C-15A4-4ABA-B5E8-4C3E43F8969C}" type="datetimeFigureOut">
               <a:rPr lang="zh-TW" altLang="en-US" smtClean="0"/>
-              <a:t>2018/2/15</a:t>
+              <a:t>2018/4/1</a:t>
             </a:fld>
             <a:endParaRPr lang="zh-TW" altLang="en-US"/>
           </a:p>
@@ -2989,8 +2989,8 @@
         </p:nvSpPr>
         <p:spPr>
           <a:xfrm>
-            <a:off x="997527" y="259820"/>
-            <a:ext cx="10113818" cy="5749636"/>
+            <a:off x="319576" y="325785"/>
+            <a:ext cx="7507431" cy="6002436"/>
           </a:xfrm>
           <a:prstGeom prst="rect">
             <a:avLst/>
@@ -3032,7 +3032,7 @@
         </p:nvSpPr>
         <p:spPr>
           <a:xfrm>
-            <a:off x="5943600" y="4569723"/>
+            <a:off x="5427509" y="3351029"/>
             <a:ext cx="2230582" cy="1288472"/>
           </a:xfrm>
           <a:prstGeom prst="roundRect">
@@ -3064,19 +3064,22 @@
           <a:p>
             <a:pPr algn="ctr"/>
             <a:r>
-              <a:rPr lang="zh-TW" altLang="en-US" dirty="0" smtClean="0"/>
-              <a:t>無線網路</a:t>
+              <a:rPr lang="zh-TW" altLang="en-US" dirty="0"/>
+              <a:t>影像</a:t>
+            </a:r>
+            <a:r>
+              <a:rPr lang="zh-TW" altLang="en-US" dirty="0" smtClean="0"/>
+              <a:t>辨識</a:t>
             </a:r>
             <a:r>
               <a:rPr lang="en-US" altLang="zh-TW" dirty="0" smtClean="0"/>
-              <a:t>IO&amp;</a:t>
-            </a:r>
-            <a:r>
-              <a:rPr lang="zh-TW" altLang="en-US" dirty="0" smtClean="0"/>
-              <a:t>判斷</a:t>
-            </a:r>
-            <a:r>
-              <a:rPr lang="en-US" altLang="zh-TW" dirty="0"/>
+              <a:t/>
+            </a:r>
+            <a:br>
+              <a:rPr lang="en-US" altLang="zh-TW" dirty="0" smtClean="0"/>
+            </a:br>
+            <a:r>
+              <a:rPr lang="en-US" altLang="zh-TW" dirty="0" smtClean="0"/>
               <a:t>(</a:t>
             </a:r>
             <a:r>
@@ -3095,7 +3098,7 @@
         </p:nvSpPr>
         <p:spPr>
           <a:xfrm>
-            <a:off x="5943600" y="974375"/>
+            <a:off x="5447546" y="460373"/>
             <a:ext cx="2230582" cy="1288472"/>
           </a:xfrm>
           <a:prstGeom prst="roundRect">
@@ -3128,15 +3131,7 @@
             <a:pPr algn="ctr"/>
             <a:r>
               <a:rPr lang="zh-TW" altLang="en-US" dirty="0" smtClean="0"/>
-              <a:t>車子相關</a:t>
-            </a:r>
-            <a:r>
-              <a:rPr lang="en-US" altLang="zh-TW" dirty="0" smtClean="0"/>
-              <a:t>Io</a:t>
-            </a:r>
-            <a:r>
-              <a:rPr lang="zh-TW" altLang="en-US" dirty="0" smtClean="0"/>
-              <a:t>控制</a:t>
+              <a:t>意外檢測</a:t>
             </a:r>
             <a:r>
               <a:rPr lang="en-US" altLang="zh-TW" dirty="0" smtClean="0"/>
@@ -3147,7 +3142,11 @@
             </a:br>
             <a:r>
               <a:rPr lang="en-US" altLang="zh-TW" dirty="0" smtClean="0"/>
-              <a:t>(pthread1)</a:t>
+              <a:t>(</a:t>
+            </a:r>
+            <a:r>
+              <a:rPr lang="en-US" altLang="zh-TW" dirty="0" smtClean="0"/>
+              <a:t>pthread1)</a:t>
             </a:r>
             <a:endParaRPr lang="zh-TW" altLang="en-US" dirty="0"/>
           </a:p>
@@ -3161,7 +3160,7 @@
         </p:nvSpPr>
         <p:spPr>
           <a:xfrm>
-            <a:off x="5943600" y="2743200"/>
+            <a:off x="5444080" y="1890417"/>
             <a:ext cx="2230582" cy="1288472"/>
           </a:xfrm>
           <a:prstGeom prst="roundRect">
@@ -3193,8 +3192,16 @@
           <a:p>
             <a:pPr algn="ctr"/>
             <a:r>
-              <a:rPr lang="zh-TW" altLang="en-US" dirty="0" smtClean="0"/>
-              <a:t>影像辨識</a:t>
+              <a:rPr lang="zh-TW" altLang="en-US" dirty="0"/>
+              <a:t>車子相關</a:t>
+            </a:r>
+            <a:r>
+              <a:rPr lang="en-US" altLang="zh-TW" dirty="0"/>
+              <a:t>Io</a:t>
+            </a:r>
+            <a:r>
+              <a:rPr lang="zh-TW" altLang="en-US" dirty="0" smtClean="0"/>
+              <a:t>控制</a:t>
             </a:r>
             <a:r>
               <a:rPr lang="en-US" altLang="zh-TW" dirty="0" smtClean="0"/>
@@ -3223,7 +3230,7 @@
         </p:nvSpPr>
         <p:spPr>
           <a:xfrm>
-            <a:off x="2114314" y="512618"/>
+            <a:off x="600564" y="419155"/>
             <a:ext cx="2282997" cy="707886"/>
           </a:xfrm>
           <a:prstGeom prst="rect">
@@ -3277,7 +3284,7 @@
         </p:nvCxnSpPr>
         <p:spPr>
           <a:xfrm flipH="1">
-            <a:off x="5043055" y="1618611"/>
+            <a:off x="4547001" y="1104609"/>
             <a:ext cx="900545" cy="1124589"/>
           </a:xfrm>
           <a:prstGeom prst="straightConnector1">
@@ -3305,15 +3312,13 @@
       <p:cxnSp>
         <p:nvCxnSpPr>
           <p:cNvPr id="19" name="直線單箭頭接點 18"/>
-          <p:cNvCxnSpPr>
-            <a:endCxn id="13" idx="1"/>
-          </p:cNvCxnSpPr>
+          <p:cNvCxnSpPr/>
           <p:nvPr/>
         </p:nvCxnSpPr>
         <p:spPr>
           <a:xfrm flipV="1">
-            <a:off x="4821367" y="1618611"/>
-            <a:ext cx="1122233" cy="708383"/>
+            <a:off x="4325313" y="963797"/>
+            <a:ext cx="1102196" cy="849196"/>
           </a:xfrm>
           <a:prstGeom prst="straightConnector1">
             <a:avLst/>
@@ -3351,7 +3356,7 @@
         </p:nvCxnSpPr>
         <p:spPr>
           <a:xfrm>
-            <a:off x="4821367" y="3382289"/>
+            <a:off x="4321847" y="2529506"/>
             <a:ext cx="1122233" cy="5147"/>
           </a:xfrm>
           <a:prstGeom prst="straightConnector1">
@@ -3390,8 +3395,8 @@
         </p:nvCxnSpPr>
         <p:spPr>
           <a:xfrm>
-            <a:off x="4793666" y="4471034"/>
-            <a:ext cx="1149934" cy="742925"/>
+            <a:off x="4277575" y="3995265"/>
+            <a:ext cx="1149934" cy="0"/>
           </a:xfrm>
           <a:prstGeom prst="straightConnector1">
             <a:avLst/>
@@ -3427,8 +3432,8 @@
         </p:nvSpPr>
         <p:spPr>
           <a:xfrm>
-            <a:off x="1233040" y="1626153"/>
-            <a:ext cx="3588327" cy="3616037"/>
+            <a:off x="652371" y="1244530"/>
+            <a:ext cx="3588327" cy="4612259"/>
           </a:xfrm>
           <a:prstGeom prst="roundRect">
             <a:avLst/>
@@ -3473,8 +3478,8 @@
         </p:nvSpPr>
         <p:spPr>
           <a:xfrm>
-            <a:off x="1517054" y="2150825"/>
-            <a:ext cx="3020301" cy="937553"/>
+            <a:off x="936385" y="1451045"/>
+            <a:ext cx="3020301" cy="1661360"/>
           </a:xfrm>
           <a:prstGeom prst="roundRect">
             <a:avLst/>
@@ -3508,9 +3513,34 @@
             <a:pPr algn="ctr"/>
             <a:r>
               <a:rPr lang="zh-TW" altLang="en-US" dirty="0" smtClean="0"/>
-              <a:t>共用全域變數</a:t>
-            </a:r>
-            <a:endParaRPr lang="zh-TW" altLang="en-US" dirty="0"/>
+              <a:t>共用全域</a:t>
+            </a:r>
+            <a:r>
+              <a:rPr lang="zh-TW" altLang="en-US" dirty="0" smtClean="0"/>
+              <a:t>變數</a:t>
+            </a:r>
+            <a:r>
+              <a:rPr lang="en-US" altLang="zh-TW" dirty="0" smtClean="0"/>
+              <a:t/>
+            </a:r>
+            <a:br>
+              <a:rPr lang="en-US" altLang="zh-TW" dirty="0" smtClean="0"/>
+            </a:br>
+            <a:r>
+              <a:rPr lang="en-US" altLang="zh-TW" dirty="0" smtClean="0"/>
+              <a:t/>
+            </a:r>
+            <a:br>
+              <a:rPr lang="en-US" altLang="zh-TW" dirty="0" smtClean="0"/>
+            </a:br>
+            <a:r>
+              <a:rPr lang="zh-TW" altLang="en-US" dirty="0" smtClean="0"/>
+              <a:t>共用資料</a:t>
+            </a:r>
+            <a:r>
+              <a:rPr lang="zh-TW" altLang="en-US" dirty="0"/>
+              <a:t>結構</a:t>
+            </a:r>
           </a:p>
         </p:txBody>
       </p:sp>
@@ -3522,8 +3552,8 @@
         </p:nvSpPr>
         <p:spPr>
           <a:xfrm>
-            <a:off x="1517054" y="3134638"/>
-            <a:ext cx="3020301" cy="1852998"/>
+            <a:off x="936385" y="3158663"/>
+            <a:ext cx="3020301" cy="2476453"/>
           </a:xfrm>
           <a:prstGeom prst="roundRect">
             <a:avLst/>
@@ -3565,23 +3595,686 @@
             </a:r>
             <a:r>
               <a:rPr lang="zh-TW" altLang="en-US" dirty="0"/>
-              <a:t>核心</a:t>
-            </a:r>
-            <a:r>
-              <a:rPr lang="zh-TW" altLang="en-US" dirty="0" smtClean="0"/>
-              <a:t>控制</a:t>
+              <a:t>主</a:t>
+            </a:r>
+            <a:r>
+              <a:rPr lang="zh-TW" altLang="en-US" dirty="0" smtClean="0"/>
+              <a:t>控制程式</a:t>
+            </a:r>
+            <a:r>
+              <a:rPr lang="en-US" altLang="zh-TW" dirty="0" smtClean="0"/>
+              <a:t/>
+            </a:r>
+            <a:br>
+              <a:rPr lang="en-US" altLang="zh-TW" dirty="0" smtClean="0"/>
+            </a:br>
+            <a:r>
+              <a:rPr lang="en-US" altLang="zh-TW" dirty="0" smtClean="0"/>
+              <a:t>(</a:t>
+            </a:r>
+            <a:r>
+              <a:rPr lang="zh-TW" altLang="en-US" dirty="0" smtClean="0"/>
+              <a:t>初始狀態設定</a:t>
+            </a:r>
+            <a:r>
+              <a:rPr lang="en-US" altLang="zh-TW" dirty="0"/>
+              <a:t>)</a:t>
+            </a:r>
+            <a:br>
+              <a:rPr lang="en-US" altLang="zh-TW" dirty="0"/>
+            </a:br>
+            <a:r>
+              <a:rPr lang="en-US" altLang="zh-TW" dirty="0"/>
+              <a:t>(</a:t>
             </a:r>
             <a:r>
               <a:rPr lang="zh-TW" altLang="en-US" dirty="0"/>
-              <a:t>程式</a:t>
-            </a:r>
+              <a:t>執行緒建立</a:t>
+            </a:r>
+            <a:r>
+              <a:rPr lang="en-US" altLang="zh-TW" dirty="0" smtClean="0"/>
+              <a:t>)</a:t>
+            </a:r>
+            <a:endParaRPr lang="zh-TW" altLang="en-US" dirty="0"/>
+          </a:p>
+        </p:txBody>
+      </p:sp>
+      <p:sp>
+        <p:nvSpPr>
+          <p:cNvPr id="16" name="圓角矩形 15"/>
+          <p:cNvSpPr/>
+          <p:nvPr/>
+        </p:nvSpPr>
+        <p:spPr>
+          <a:xfrm>
+            <a:off x="5427509" y="4828420"/>
+            <a:ext cx="2230582" cy="1288472"/>
+          </a:xfrm>
+          <a:prstGeom prst="roundRect">
+            <a:avLst/>
+          </a:prstGeom>
+          <a:solidFill>
+            <a:srgbClr val="FF0000"/>
+          </a:solidFill>
+        </p:spPr>
+        <p:style>
+          <a:lnRef idx="2">
+            <a:schemeClr val="accent1">
+              <a:shade val="50000"/>
+            </a:schemeClr>
+          </a:lnRef>
+          <a:fillRef idx="1">
+            <a:schemeClr val="accent1"/>
+          </a:fillRef>
+          <a:effectRef idx="0">
+            <a:schemeClr val="accent1"/>
+          </a:effectRef>
+          <a:fontRef idx="minor">
+            <a:schemeClr val="lt1"/>
+          </a:fontRef>
+        </p:style>
+        <p:txBody>
+          <a:bodyPr rtlCol="0" anchor="ctr"/>
+          <a:lstStyle/>
+          <a:p>
+            <a:pPr algn="ctr"/>
+            <a:r>
+              <a:rPr lang="zh-TW" altLang="en-US" dirty="0" smtClean="0"/>
+              <a:t>無線網路</a:t>
+            </a:r>
+            <a:r>
+              <a:rPr lang="en-US" altLang="zh-TW" dirty="0" smtClean="0"/>
+              <a:t>IO&amp;</a:t>
+            </a:r>
+            <a:r>
+              <a:rPr lang="zh-TW" altLang="en-US" dirty="0" smtClean="0"/>
+              <a:t>判斷</a:t>
+            </a:r>
+            <a:r>
+              <a:rPr lang="en-US" altLang="zh-TW" dirty="0"/>
+              <a:t>(</a:t>
+            </a:r>
+            <a:r>
+              <a:rPr lang="en-US" altLang="zh-TW" dirty="0" smtClean="0"/>
+              <a:t>pthread4)</a:t>
+            </a:r>
+            <a:endParaRPr lang="zh-TW" altLang="en-US" dirty="0"/>
+          </a:p>
+        </p:txBody>
+      </p:sp>
+      <p:cxnSp>
+        <p:nvCxnSpPr>
+          <p:cNvPr id="18" name="直線單箭頭接點 17"/>
+          <p:cNvCxnSpPr/>
+          <p:nvPr/>
+        </p:nvCxnSpPr>
+        <p:spPr>
+          <a:xfrm>
+            <a:off x="4277575" y="4780313"/>
+            <a:ext cx="1149934" cy="742925"/>
+          </a:xfrm>
+          <a:prstGeom prst="straightConnector1">
+            <a:avLst/>
+          </a:prstGeom>
+          <a:ln w="76200">
+            <a:solidFill>
+              <a:schemeClr val="tx1"/>
+            </a:solidFill>
+            <a:headEnd type="triangle"/>
+            <a:tailEnd type="triangle"/>
+          </a:ln>
+        </p:spPr>
+        <p:style>
+          <a:lnRef idx="1">
+            <a:schemeClr val="accent1"/>
+          </a:lnRef>
+          <a:fillRef idx="0">
+            <a:schemeClr val="accent1"/>
+          </a:fillRef>
+          <a:effectRef idx="0">
+            <a:schemeClr val="accent1"/>
+          </a:effectRef>
+          <a:fontRef idx="minor">
+            <a:schemeClr val="tx1"/>
+          </a:fontRef>
+        </p:style>
+      </p:cxnSp>
+      <p:sp>
+        <p:nvSpPr>
+          <p:cNvPr id="22" name="圓角矩形 21"/>
+          <p:cNvSpPr/>
+          <p:nvPr/>
+        </p:nvSpPr>
+        <p:spPr>
+          <a:xfrm>
+            <a:off x="9889626" y="475684"/>
+            <a:ext cx="2230582" cy="1288472"/>
+          </a:xfrm>
+          <a:prstGeom prst="roundRect">
+            <a:avLst/>
+          </a:prstGeom>
+          <a:solidFill>
+            <a:srgbClr val="FF0000"/>
+          </a:solidFill>
+        </p:spPr>
+        <p:style>
+          <a:lnRef idx="2">
+            <a:schemeClr val="accent1">
+              <a:shade val="50000"/>
+            </a:schemeClr>
+          </a:lnRef>
+          <a:fillRef idx="1">
+            <a:schemeClr val="accent1"/>
+          </a:fillRef>
+          <a:effectRef idx="0">
+            <a:schemeClr val="accent1"/>
+          </a:effectRef>
+          <a:fontRef idx="minor">
+            <a:schemeClr val="lt1"/>
+          </a:fontRef>
+        </p:style>
+        <p:txBody>
+          <a:bodyPr rtlCol="0" anchor="ctr"/>
+          <a:lstStyle/>
+          <a:p>
+            <a:pPr algn="ctr"/>
+            <a:r>
+              <a:rPr lang="zh-TW" altLang="en-US" sz="1600" dirty="0" smtClean="0"/>
+              <a:t>意外檢測功能</a:t>
+            </a:r>
+            <a:r>
+              <a:rPr lang="en-US" altLang="zh-TW" dirty="0"/>
+              <a:t/>
+            </a:r>
+            <a:br>
+              <a:rPr lang="en-US" altLang="zh-TW" dirty="0"/>
+            </a:br>
+            <a:r>
+              <a:rPr lang="en-US" altLang="zh-TW" sz="1600" dirty="0" err="1"/>
+              <a:t>accident_decection.c</a:t>
+            </a:r>
+            <a:endParaRPr lang="zh-TW" altLang="en-US" sz="1600" dirty="0"/>
+          </a:p>
+        </p:txBody>
+      </p:sp>
+      <p:sp>
+        <p:nvSpPr>
+          <p:cNvPr id="23" name="圓角矩形 22"/>
+          <p:cNvSpPr/>
+          <p:nvPr/>
+        </p:nvSpPr>
+        <p:spPr>
+          <a:xfrm>
+            <a:off x="9889626" y="4787615"/>
+            <a:ext cx="2230582" cy="1288472"/>
+          </a:xfrm>
+          <a:prstGeom prst="roundRect">
+            <a:avLst/>
+          </a:prstGeom>
+          <a:solidFill>
+            <a:srgbClr val="FF0000"/>
+          </a:solidFill>
+        </p:spPr>
+        <p:style>
+          <a:lnRef idx="2">
+            <a:schemeClr val="accent1">
+              <a:shade val="50000"/>
+            </a:schemeClr>
+          </a:lnRef>
+          <a:fillRef idx="1">
+            <a:schemeClr val="accent1"/>
+          </a:fillRef>
+          <a:effectRef idx="0">
+            <a:schemeClr val="accent1"/>
+          </a:effectRef>
+          <a:fontRef idx="minor">
+            <a:schemeClr val="lt1"/>
+          </a:fontRef>
+        </p:style>
+        <p:txBody>
+          <a:bodyPr rtlCol="0" anchor="ctr"/>
+          <a:lstStyle/>
+          <a:p>
+            <a:pPr algn="ctr"/>
+            <a:r>
+              <a:rPr lang="zh-TW" altLang="en-US" sz="1600" dirty="0" smtClean="0"/>
+              <a:t>無線網路資料接收</a:t>
+            </a:r>
+            <a:r>
+              <a:rPr lang="en-US" altLang="zh-TW" sz="1600" dirty="0"/>
+              <a:t/>
+            </a:r>
+            <a:br>
+              <a:rPr lang="en-US" altLang="zh-TW" sz="1600" dirty="0"/>
+            </a:br>
+            <a:r>
+              <a:rPr lang="en-US" altLang="zh-TW" sz="1600" dirty="0" err="1" smtClean="0"/>
+              <a:t>treatWifi.c</a:t>
+            </a:r>
+            <a:endParaRPr lang="zh-TW" altLang="en-US" sz="1600" dirty="0"/>
+          </a:p>
+        </p:txBody>
+      </p:sp>
+      <p:sp>
+        <p:nvSpPr>
+          <p:cNvPr id="24" name="圓角矩形 23"/>
+          <p:cNvSpPr/>
+          <p:nvPr/>
+        </p:nvSpPr>
+        <p:spPr>
+          <a:xfrm>
+            <a:off x="9889626" y="3327003"/>
+            <a:ext cx="2230582" cy="1288472"/>
+          </a:xfrm>
+          <a:prstGeom prst="roundRect">
+            <a:avLst/>
+          </a:prstGeom>
+          <a:solidFill>
+            <a:srgbClr val="FF0000"/>
+          </a:solidFill>
+        </p:spPr>
+        <p:style>
+          <a:lnRef idx="2">
+            <a:schemeClr val="accent1">
+              <a:shade val="50000"/>
+            </a:schemeClr>
+          </a:lnRef>
+          <a:fillRef idx="1">
+            <a:schemeClr val="accent1"/>
+          </a:fillRef>
+          <a:effectRef idx="0">
+            <a:schemeClr val="accent1"/>
+          </a:effectRef>
+          <a:fontRef idx="minor">
+            <a:schemeClr val="lt1"/>
+          </a:fontRef>
+        </p:style>
+        <p:txBody>
+          <a:bodyPr rtlCol="0" anchor="ctr"/>
+          <a:lstStyle/>
+          <a:p>
+            <a:pPr algn="ctr"/>
+            <a:r>
+              <a:rPr lang="zh-TW" altLang="en-US" sz="1600" dirty="0" smtClean="0"/>
+              <a:t>影像辨識功能</a:t>
+            </a:r>
+            <a:r>
+              <a:rPr lang="en-US" altLang="zh-TW" sz="1600" dirty="0"/>
+              <a:t/>
+            </a:r>
+            <a:br>
+              <a:rPr lang="en-US" altLang="zh-TW" sz="1600" dirty="0"/>
+            </a:br>
+            <a:r>
+              <a:rPr lang="en-US" altLang="zh-TW" sz="1600" dirty="0" err="1" smtClean="0"/>
+              <a:t>image_recognition.c</a:t>
+            </a:r>
+            <a:endParaRPr lang="zh-TW" altLang="en-US" sz="1600" dirty="0"/>
+          </a:p>
+        </p:txBody>
+      </p:sp>
+      <p:sp>
+        <p:nvSpPr>
+          <p:cNvPr id="25" name="圓角矩形 24"/>
+          <p:cNvSpPr/>
+          <p:nvPr/>
+        </p:nvSpPr>
+        <p:spPr>
+          <a:xfrm>
+            <a:off x="9889626" y="1859528"/>
+            <a:ext cx="2230582" cy="1288472"/>
+          </a:xfrm>
+          <a:prstGeom prst="roundRect">
+            <a:avLst/>
+          </a:prstGeom>
+          <a:solidFill>
+            <a:srgbClr val="FF0000"/>
+          </a:solidFill>
+        </p:spPr>
+        <p:style>
+          <a:lnRef idx="2">
+            <a:schemeClr val="accent1">
+              <a:shade val="50000"/>
+            </a:schemeClr>
+          </a:lnRef>
+          <a:fillRef idx="1">
+            <a:schemeClr val="accent1"/>
+          </a:fillRef>
+          <a:effectRef idx="0">
+            <a:schemeClr val="accent1"/>
+          </a:effectRef>
+          <a:fontRef idx="minor">
+            <a:schemeClr val="lt1"/>
+          </a:fontRef>
+        </p:style>
+        <p:txBody>
+          <a:bodyPr rtlCol="0" anchor="ctr"/>
+          <a:lstStyle/>
+          <a:p>
+            <a:pPr algn="ctr"/>
+            <a:r>
+              <a:rPr lang="zh-TW" altLang="en-US" sz="1600" dirty="0"/>
+              <a:t>車子相關</a:t>
+            </a:r>
+            <a:r>
+              <a:rPr lang="en-US" altLang="zh-TW" sz="1600" dirty="0"/>
+              <a:t>Io</a:t>
+            </a:r>
+            <a:r>
+              <a:rPr lang="zh-TW" altLang="en-US" sz="1600" dirty="0" smtClean="0"/>
+              <a:t>控制功能</a:t>
+            </a:r>
+            <a:r>
+              <a:rPr lang="en-US" altLang="zh-TW" sz="1600" dirty="0"/>
+              <a:t/>
+            </a:r>
+            <a:br>
+              <a:rPr lang="en-US" altLang="zh-TW" sz="1600" dirty="0"/>
+            </a:br>
+            <a:r>
+              <a:rPr lang="en-US" altLang="zh-TW" sz="1600" dirty="0" err="1"/>
+              <a:t>carMove.c</a:t>
+            </a:r>
+            <a:endParaRPr lang="zh-TW" altLang="en-US" sz="1600" dirty="0"/>
+          </a:p>
+        </p:txBody>
+      </p:sp>
+      <p:cxnSp>
+        <p:nvCxnSpPr>
+          <p:cNvPr id="26" name="直線單箭頭接點 25"/>
+          <p:cNvCxnSpPr>
+            <a:stCxn id="13" idx="3"/>
+            <a:endCxn id="22" idx="1"/>
+          </p:cNvCxnSpPr>
+          <p:nvPr/>
+        </p:nvCxnSpPr>
+        <p:spPr>
+          <a:xfrm>
+            <a:off x="7678128" y="1104609"/>
+            <a:ext cx="2211498" cy="15311"/>
+          </a:xfrm>
+          <a:prstGeom prst="straightConnector1">
+            <a:avLst/>
+          </a:prstGeom>
+          <a:ln w="76200">
+            <a:solidFill>
+              <a:schemeClr val="tx1"/>
+            </a:solidFill>
+            <a:headEnd type="triangle"/>
+            <a:tailEnd type="triangle"/>
+          </a:ln>
+        </p:spPr>
+        <p:style>
+          <a:lnRef idx="1">
+            <a:schemeClr val="accent1"/>
+          </a:lnRef>
+          <a:fillRef idx="0">
+            <a:schemeClr val="accent1"/>
+          </a:fillRef>
+          <a:effectRef idx="0">
+            <a:schemeClr val="accent1"/>
+          </a:effectRef>
+          <a:fontRef idx="minor">
+            <a:schemeClr val="tx1"/>
+          </a:fontRef>
+        </p:style>
+      </p:cxnSp>
+      <p:cxnSp>
+        <p:nvCxnSpPr>
+          <p:cNvPr id="27" name="直線單箭頭接點 26"/>
+          <p:cNvCxnSpPr>
+            <a:stCxn id="16" idx="3"/>
+            <a:endCxn id="23" idx="1"/>
+          </p:cNvCxnSpPr>
+          <p:nvPr/>
+        </p:nvCxnSpPr>
+        <p:spPr>
+          <a:xfrm flipV="1">
+            <a:off x="7658091" y="5431851"/>
+            <a:ext cx="2231535" cy="40805"/>
+          </a:xfrm>
+          <a:prstGeom prst="straightConnector1">
+            <a:avLst/>
+          </a:prstGeom>
+          <a:ln w="76200">
+            <a:solidFill>
+              <a:schemeClr val="tx1"/>
+            </a:solidFill>
+            <a:headEnd type="triangle"/>
+            <a:tailEnd type="triangle"/>
+          </a:ln>
+        </p:spPr>
+        <p:style>
+          <a:lnRef idx="1">
+            <a:schemeClr val="accent1"/>
+          </a:lnRef>
+          <a:fillRef idx="0">
+            <a:schemeClr val="accent1"/>
+          </a:fillRef>
+          <a:effectRef idx="0">
+            <a:schemeClr val="accent1"/>
+          </a:effectRef>
+          <a:fontRef idx="minor">
+            <a:schemeClr val="tx1"/>
+          </a:fontRef>
+        </p:style>
+      </p:cxnSp>
+      <p:cxnSp>
+        <p:nvCxnSpPr>
+          <p:cNvPr id="28" name="直線單箭頭接點 27"/>
+          <p:cNvCxnSpPr>
+            <a:stCxn id="24" idx="1"/>
+            <a:endCxn id="12" idx="3"/>
+          </p:cNvCxnSpPr>
+          <p:nvPr/>
+        </p:nvCxnSpPr>
+        <p:spPr>
+          <a:xfrm flipH="1">
+            <a:off x="7658091" y="3971239"/>
+            <a:ext cx="2231535" cy="24026"/>
+          </a:xfrm>
+          <a:prstGeom prst="straightConnector1">
+            <a:avLst/>
+          </a:prstGeom>
+          <a:ln w="76200">
+            <a:solidFill>
+              <a:schemeClr val="tx1"/>
+            </a:solidFill>
+            <a:headEnd type="triangle"/>
+            <a:tailEnd type="triangle"/>
+          </a:ln>
+        </p:spPr>
+        <p:style>
+          <a:lnRef idx="1">
+            <a:schemeClr val="accent1"/>
+          </a:lnRef>
+          <a:fillRef idx="0">
+            <a:schemeClr val="accent1"/>
+          </a:fillRef>
+          <a:effectRef idx="0">
+            <a:schemeClr val="accent1"/>
+          </a:effectRef>
+          <a:fontRef idx="minor">
+            <a:schemeClr val="tx1"/>
+          </a:fontRef>
+        </p:style>
+      </p:cxnSp>
+      <p:cxnSp>
+        <p:nvCxnSpPr>
+          <p:cNvPr id="29" name="直線單箭頭接點 28"/>
+          <p:cNvCxnSpPr>
+            <a:stCxn id="25" idx="1"/>
+            <a:endCxn id="14" idx="3"/>
+          </p:cNvCxnSpPr>
+          <p:nvPr/>
+        </p:nvCxnSpPr>
+        <p:spPr>
+          <a:xfrm flipH="1">
+            <a:off x="7674662" y="2503764"/>
+            <a:ext cx="2214964" cy="30889"/>
+          </a:xfrm>
+          <a:prstGeom prst="straightConnector1">
+            <a:avLst/>
+          </a:prstGeom>
+          <a:ln w="76200">
+            <a:solidFill>
+              <a:schemeClr val="tx1"/>
+            </a:solidFill>
+            <a:headEnd type="triangle"/>
+            <a:tailEnd type="triangle"/>
+          </a:ln>
+        </p:spPr>
+        <p:style>
+          <a:lnRef idx="1">
+            <a:schemeClr val="accent1"/>
+          </a:lnRef>
+          <a:fillRef idx="0">
+            <a:schemeClr val="accent1"/>
+          </a:fillRef>
+          <a:effectRef idx="0">
+            <a:schemeClr val="accent1"/>
+          </a:effectRef>
+          <a:fontRef idx="minor">
+            <a:schemeClr val="tx1"/>
+          </a:fontRef>
+        </p:style>
+      </p:cxnSp>
+      <p:sp>
+        <p:nvSpPr>
+          <p:cNvPr id="34" name="矩形 33"/>
+          <p:cNvSpPr/>
+          <p:nvPr/>
+        </p:nvSpPr>
+        <p:spPr>
+          <a:xfrm>
+            <a:off x="7803250" y="672633"/>
+            <a:ext cx="2155847" cy="369332"/>
+          </a:xfrm>
+          <a:prstGeom prst="rect">
+            <a:avLst/>
+          </a:prstGeom>
+        </p:spPr>
+        <p:txBody>
+          <a:bodyPr wrap="none">
+            <a:spAutoFit/>
+          </a:bodyPr>
+          <a:lstStyle/>
+          <a:p>
+            <a:pPr algn="ctr"/>
+            <a:r>
+              <a:rPr lang="en-US" altLang="zh-TW" b="1" dirty="0"/>
+              <a:t>accident_decection()</a:t>
+            </a:r>
+            <a:endParaRPr lang="zh-TW" altLang="en-US" b="1" dirty="0"/>
+          </a:p>
+        </p:txBody>
+      </p:sp>
+      <p:sp>
+        <p:nvSpPr>
+          <p:cNvPr id="35" name="矩形 34"/>
+          <p:cNvSpPr/>
+          <p:nvPr/>
+        </p:nvSpPr>
+        <p:spPr>
+          <a:xfrm>
+            <a:off x="8216153" y="2091135"/>
+            <a:ext cx="1166346" cy="369332"/>
+          </a:xfrm>
+          <a:prstGeom prst="rect">
+            <a:avLst/>
+          </a:prstGeom>
+        </p:spPr>
+        <p:txBody>
+          <a:bodyPr wrap="none">
+            <a:spAutoFit/>
+          </a:bodyPr>
+          <a:lstStyle/>
+          <a:p>
+            <a:pPr algn="ctr"/>
+            <a:r>
+              <a:rPr lang="en-US" altLang="zh-TW" b="1" dirty="0" err="1"/>
+              <a:t>carMove</a:t>
+            </a:r>
+            <a:r>
+              <a:rPr lang="en-US" altLang="zh-TW" b="1" dirty="0"/>
+              <a:t>()</a:t>
+            </a:r>
+            <a:endParaRPr lang="zh-TW" altLang="en-US" b="1" dirty="0"/>
+          </a:p>
+        </p:txBody>
+      </p:sp>
+      <p:sp>
+        <p:nvSpPr>
+          <p:cNvPr id="36" name="矩形 35"/>
+          <p:cNvSpPr/>
+          <p:nvPr/>
+        </p:nvSpPr>
+        <p:spPr>
+          <a:xfrm>
+            <a:off x="7771763" y="3476619"/>
+            <a:ext cx="2180598" cy="369332"/>
+          </a:xfrm>
+          <a:prstGeom prst="rect">
+            <a:avLst/>
+          </a:prstGeom>
+        </p:spPr>
+        <p:txBody>
+          <a:bodyPr wrap="none">
+            <a:spAutoFit/>
+          </a:bodyPr>
+          <a:lstStyle/>
+          <a:p>
+            <a:pPr algn="ctr"/>
+            <a:r>
+              <a:rPr lang="en-US" altLang="zh-TW" b="1" dirty="0" err="1"/>
+              <a:t>image_recognition</a:t>
+            </a:r>
+            <a:r>
+              <a:rPr lang="en-US" altLang="zh-TW" b="1" dirty="0" smtClean="0"/>
+              <a:t>()</a:t>
+            </a:r>
+            <a:endParaRPr lang="zh-TW" altLang="en-US" b="1" dirty="0"/>
+          </a:p>
+        </p:txBody>
+      </p:sp>
+      <p:sp>
+        <p:nvSpPr>
+          <p:cNvPr id="41" name="矩形 40"/>
+          <p:cNvSpPr/>
+          <p:nvPr/>
+        </p:nvSpPr>
+        <p:spPr>
+          <a:xfrm>
+            <a:off x="8266322" y="5062519"/>
+            <a:ext cx="1191480" cy="369332"/>
+          </a:xfrm>
+          <a:prstGeom prst="rect">
+            <a:avLst/>
+          </a:prstGeom>
+        </p:spPr>
+        <p:txBody>
+          <a:bodyPr wrap="none">
+            <a:spAutoFit/>
+          </a:bodyPr>
+          <a:lstStyle/>
+          <a:p>
+            <a:pPr algn="ctr"/>
+            <a:r>
+              <a:rPr lang="en-US" altLang="zh-TW" b="1" dirty="0" err="1"/>
+              <a:t>treatWifi</a:t>
+            </a:r>
+            <a:r>
+              <a:rPr lang="en-US" altLang="zh-TW" b="1" dirty="0"/>
+              <a:t>()</a:t>
+            </a:r>
+            <a:endParaRPr lang="zh-TW" altLang="en-US" b="1" dirty="0"/>
           </a:p>
         </p:txBody>
       </p:sp>
     </p:spTree>
     <p:extLst>
       <p:ext uri="{BB962C8B-B14F-4D97-AF65-F5344CB8AC3E}">
-        <p14:creationId xmlns:p14="http://schemas.microsoft.com/office/powerpoint/2010/main" val="1929588634"/>
+        <p14:creationId xmlns:p14="http://schemas.microsoft.com/office/powerpoint/2010/main" val="2287695484"/>
       </p:ext>
     </p:extLst>
   </p:cSld>

--- a/document/運作流程圖.pptx
+++ b/document/運作流程圖.pptx
@@ -258,7 +258,7 @@
           <a:p>
             <a:fld id="{6B8FE16C-15A4-4ABA-B5E8-4C3E43F8969C}" type="datetimeFigureOut">
               <a:rPr lang="zh-TW" altLang="en-US" smtClean="0"/>
-              <a:t>2018/4/2</a:t>
+              <a:t>2018/4/20</a:t>
             </a:fld>
             <a:endParaRPr lang="zh-TW" altLang="en-US"/>
           </a:p>
@@ -428,7 +428,7 @@
           <a:p>
             <a:fld id="{6B8FE16C-15A4-4ABA-B5E8-4C3E43F8969C}" type="datetimeFigureOut">
               <a:rPr lang="zh-TW" altLang="en-US" smtClean="0"/>
-              <a:t>2018/4/2</a:t>
+              <a:t>2018/4/20</a:t>
             </a:fld>
             <a:endParaRPr lang="zh-TW" altLang="en-US"/>
           </a:p>
@@ -608,7 +608,7 @@
           <a:p>
             <a:fld id="{6B8FE16C-15A4-4ABA-B5E8-4C3E43F8969C}" type="datetimeFigureOut">
               <a:rPr lang="zh-TW" altLang="en-US" smtClean="0"/>
-              <a:t>2018/4/2</a:t>
+              <a:t>2018/4/20</a:t>
             </a:fld>
             <a:endParaRPr lang="zh-TW" altLang="en-US"/>
           </a:p>
@@ -778,7 +778,7 @@
           <a:p>
             <a:fld id="{6B8FE16C-15A4-4ABA-B5E8-4C3E43F8969C}" type="datetimeFigureOut">
               <a:rPr lang="zh-TW" altLang="en-US" smtClean="0"/>
-              <a:t>2018/4/2</a:t>
+              <a:t>2018/4/20</a:t>
             </a:fld>
             <a:endParaRPr lang="zh-TW" altLang="en-US"/>
           </a:p>
@@ -1024,7 +1024,7 @@
           <a:p>
             <a:fld id="{6B8FE16C-15A4-4ABA-B5E8-4C3E43F8969C}" type="datetimeFigureOut">
               <a:rPr lang="zh-TW" altLang="en-US" smtClean="0"/>
-              <a:t>2018/4/2</a:t>
+              <a:t>2018/4/20</a:t>
             </a:fld>
             <a:endParaRPr lang="zh-TW" altLang="en-US"/>
           </a:p>
@@ -1256,7 +1256,7 @@
           <a:p>
             <a:fld id="{6B8FE16C-15A4-4ABA-B5E8-4C3E43F8969C}" type="datetimeFigureOut">
               <a:rPr lang="zh-TW" altLang="en-US" smtClean="0"/>
-              <a:t>2018/4/2</a:t>
+              <a:t>2018/4/20</a:t>
             </a:fld>
             <a:endParaRPr lang="zh-TW" altLang="en-US"/>
           </a:p>
@@ -1623,7 +1623,7 @@
           <a:p>
             <a:fld id="{6B8FE16C-15A4-4ABA-B5E8-4C3E43F8969C}" type="datetimeFigureOut">
               <a:rPr lang="zh-TW" altLang="en-US" smtClean="0"/>
-              <a:t>2018/4/2</a:t>
+              <a:t>2018/4/20</a:t>
             </a:fld>
             <a:endParaRPr lang="zh-TW" altLang="en-US"/>
           </a:p>
@@ -1741,7 +1741,7 @@
           <a:p>
             <a:fld id="{6B8FE16C-15A4-4ABA-B5E8-4C3E43F8969C}" type="datetimeFigureOut">
               <a:rPr lang="zh-TW" altLang="en-US" smtClean="0"/>
-              <a:t>2018/4/2</a:t>
+              <a:t>2018/4/20</a:t>
             </a:fld>
             <a:endParaRPr lang="zh-TW" altLang="en-US"/>
           </a:p>
@@ -1836,7 +1836,7 @@
           <a:p>
             <a:fld id="{6B8FE16C-15A4-4ABA-B5E8-4C3E43F8969C}" type="datetimeFigureOut">
               <a:rPr lang="zh-TW" altLang="en-US" smtClean="0"/>
-              <a:t>2018/4/2</a:t>
+              <a:t>2018/4/20</a:t>
             </a:fld>
             <a:endParaRPr lang="zh-TW" altLang="en-US"/>
           </a:p>
@@ -2113,7 +2113,7 @@
           <a:p>
             <a:fld id="{6B8FE16C-15A4-4ABA-B5E8-4C3E43F8969C}" type="datetimeFigureOut">
               <a:rPr lang="zh-TW" altLang="en-US" smtClean="0"/>
-              <a:t>2018/4/2</a:t>
+              <a:t>2018/4/20</a:t>
             </a:fld>
             <a:endParaRPr lang="zh-TW" altLang="en-US"/>
           </a:p>
@@ -2366,7 +2366,7 @@
           <a:p>
             <a:fld id="{6B8FE16C-15A4-4ABA-B5E8-4C3E43F8969C}" type="datetimeFigureOut">
               <a:rPr lang="zh-TW" altLang="en-US" smtClean="0"/>
-              <a:t>2018/4/2</a:t>
+              <a:t>2018/4/20</a:t>
             </a:fld>
             <a:endParaRPr lang="zh-TW" altLang="en-US"/>
           </a:p>
@@ -2579,7 +2579,7 @@
           <a:p>
             <a:fld id="{6B8FE16C-15A4-4ABA-B5E8-4C3E43F8969C}" type="datetimeFigureOut">
               <a:rPr lang="zh-TW" altLang="en-US" smtClean="0"/>
-              <a:t>2018/4/2</a:t>
+              <a:t>2018/4/20</a:t>
             </a:fld>
             <a:endParaRPr lang="zh-TW" altLang="en-US"/>
           </a:p>
@@ -12135,208 +12135,144 @@
           <a:p>
             <a:r>
               <a:rPr lang="en-US" altLang="zh-TW" dirty="0" smtClean="0"/>
-              <a:t>#23 </a:t>
-            </a:r>
-            <a:r>
-              <a:rPr lang="en-US" altLang="zh-TW" dirty="0"/>
-              <a:t>-</a:t>
-            </a:r>
-            <a:r>
-              <a:rPr lang="en-US" altLang="zh-TW" dirty="0" smtClean="0"/>
-              <a:t>5003-5002-999-17-0-22-0-0-0-</a:t>
-            </a:r>
-            <a:endParaRPr lang="en-US" altLang="zh-TW" dirty="0"/>
-          </a:p>
-          <a:p>
-            <a:r>
-              <a:rPr lang="en-US" altLang="zh-TW" dirty="0" smtClean="0"/>
-              <a:t>#22 </a:t>
-            </a:r>
-            <a:r>
-              <a:rPr lang="en-US" altLang="zh-TW" dirty="0"/>
-              <a:t>-</a:t>
-            </a:r>
-            <a:r>
-              <a:rPr lang="en-US" altLang="zh-TW" dirty="0" smtClean="0"/>
-              <a:t>5003-5001-999-23-0-21-0-0-0-</a:t>
-            </a:r>
-            <a:endParaRPr lang="en-US" altLang="zh-TW" dirty="0"/>
-          </a:p>
-          <a:p>
-            <a:r>
-              <a:rPr lang="en-US" altLang="zh-TW" dirty="0" smtClean="0"/>
-              <a:t>#21 </a:t>
-            </a:r>
-            <a:r>
-              <a:rPr lang="en-US" altLang="zh-TW" dirty="0"/>
-              <a:t>-</a:t>
-            </a:r>
-            <a:r>
-              <a:rPr lang="en-US" altLang="zh-TW" dirty="0" smtClean="0"/>
-              <a:t>5003-5000-999-22-0-0-20-0-0-</a:t>
-            </a:r>
-            <a:endParaRPr lang="en-US" altLang="zh-TW" dirty="0"/>
-          </a:p>
-          <a:p>
-            <a:r>
-              <a:rPr lang="en-US" altLang="zh-TW" dirty="0" smtClean="0"/>
-              <a:t>#20 </a:t>
-            </a:r>
-            <a:r>
-              <a:rPr lang="en-US" altLang="zh-TW" dirty="0"/>
-              <a:t>-</a:t>
-            </a:r>
-            <a:r>
-              <a:rPr lang="en-US" altLang="zh-TW" dirty="0" smtClean="0"/>
-              <a:t>5002-5000-999-0-21-0-8-0-0-</a:t>
+              <a:t>#23 -5003-5002-999-17-0-22-0-0-0-</a:t>
+            </a:r>
+          </a:p>
+          <a:p>
+            <a:r>
+              <a:rPr lang="en-US" altLang="zh-TW" dirty="0" smtClean="0"/>
+              <a:t>#22 -5003-5001-999-23-0-21-0-0-0-</a:t>
+            </a:r>
+          </a:p>
+          <a:p>
+            <a:r>
+              <a:rPr lang="en-US" altLang="zh-TW" dirty="0" smtClean="0"/>
+              <a:t>#21 -5003-5000-999-22-0-0-20-0-0-</a:t>
+            </a:r>
+          </a:p>
+          <a:p>
+            <a:r>
+              <a:rPr lang="en-US" altLang="zh-TW" dirty="0" smtClean="0"/>
+              <a:t>#20 -5002-5000-999-0-21-0-8-0-0-</a:t>
             </a:r>
             <a:br>
               <a:rPr lang="en-US" altLang="zh-TW" dirty="0" smtClean="0"/>
             </a:br>
             <a:r>
               <a:rPr lang="en-US" altLang="zh-TW" dirty="0" smtClean="0"/>
-              <a:t>#</a:t>
-            </a:r>
-            <a:r>
-              <a:rPr lang="en-US" altLang="zh-TW" dirty="0"/>
-              <a:t>19 -5005-5003-999-0-0-0-18-0-0-</a:t>
-            </a:r>
-          </a:p>
-          <a:p>
-            <a:r>
-              <a:rPr lang="en-US" altLang="zh-TW" dirty="0"/>
+              <a:t>#19 -5005-5003-999-0-0-0-18-0-0-</a:t>
+            </a:r>
+          </a:p>
+          <a:p>
+            <a:r>
+              <a:rPr lang="en-US" altLang="zh-TW" dirty="0" smtClean="0"/>
               <a:t>#18 -5004-5003-999-0-19-0-17-0-0-</a:t>
             </a:r>
           </a:p>
           <a:p>
             <a:r>
-              <a:rPr lang="en-US" altLang="zh-TW" dirty="0"/>
-              <a:t>#17 -</a:t>
-            </a:r>
-            <a:r>
-              <a:rPr lang="en-US" altLang="zh-TW" dirty="0" smtClean="0"/>
-              <a:t>5003-5003-999-0-18-23-15-0-0-</a:t>
-            </a:r>
-            <a:endParaRPr lang="en-US" altLang="zh-TW" dirty="0"/>
-          </a:p>
-          <a:p>
-            <a:r>
-              <a:rPr lang="en-US" altLang="zh-TW" dirty="0"/>
+              <a:rPr lang="en-US" altLang="zh-TW" dirty="0" smtClean="0"/>
+              <a:t>#17 -5003-5003-999-0-18-23-15-0-0-</a:t>
+            </a:r>
+          </a:p>
+          <a:p>
+            <a:r>
+              <a:rPr lang="en-US" altLang="zh-TW" dirty="0" smtClean="0"/>
               <a:t>#16 -5002-5004-999-0-0-15-12-0-0-</a:t>
             </a:r>
           </a:p>
           <a:p>
             <a:r>
-              <a:rPr lang="en-US" altLang="zh-TW" dirty="0"/>
-              <a:t>#15 -5002-5003-999-16-17-0-11-0-0-</a:t>
-            </a:r>
-          </a:p>
-          <a:p>
-            <a:r>
-              <a:rPr lang="en-US" altLang="zh-TW" dirty="0"/>
+              <a:rPr lang="en-US" altLang="zh-TW" dirty="0" smtClean="0"/>
+              <a:t>#15 </a:t>
+            </a:r>
+            <a:r>
+              <a:rPr lang="en-US" altLang="zh-TW" smtClean="0"/>
+              <a:t>-5002-5003-999-16-17-0-0-0-0-</a:t>
+            </a:r>
+            <a:endParaRPr lang="en-US" altLang="zh-TW" dirty="0" smtClean="0"/>
+          </a:p>
+          <a:p>
+            <a:r>
+              <a:rPr lang="en-US" altLang="zh-TW" dirty="0" smtClean="0"/>
               <a:t>#14 -5001-5006-999-0-0-13-7-0-0-</a:t>
             </a:r>
           </a:p>
           <a:p>
             <a:r>
-              <a:rPr lang="en-US" altLang="zh-TW" dirty="0"/>
+              <a:rPr lang="en-US" altLang="zh-TW" dirty="0" smtClean="0"/>
               <a:t>#13 -5001-5005-999-14-0-12-6-0-0-</a:t>
             </a:r>
           </a:p>
           <a:p>
             <a:r>
-              <a:rPr lang="en-US" altLang="zh-TW" dirty="0"/>
-              <a:t>#12 -</a:t>
-            </a:r>
-            <a:r>
-              <a:rPr lang="en-US" altLang="zh-TW" dirty="0" smtClean="0"/>
-              <a:t>5001-5004-999-13-16-0-5-0-0-</a:t>
-            </a:r>
-            <a:endParaRPr lang="en-US" altLang="zh-TW" dirty="0"/>
-          </a:p>
-          <a:p>
-            <a:r>
-              <a:rPr lang="en-US" altLang="zh-TW" dirty="0"/>
-              <a:t>#11 -</a:t>
-            </a:r>
-            <a:r>
-              <a:rPr lang="en-US" altLang="zh-TW" dirty="0" smtClean="0"/>
-              <a:t>5001-5003-999-0-0-0-0-0-0-</a:t>
-            </a:r>
-            <a:endParaRPr lang="en-US" altLang="zh-TW" dirty="0"/>
-          </a:p>
-          <a:p>
-            <a:r>
-              <a:rPr lang="en-US" altLang="zh-TW" dirty="0"/>
-              <a:t>#10 -</a:t>
-            </a:r>
-            <a:r>
-              <a:rPr lang="en-US" altLang="zh-TW" dirty="0" smtClean="0"/>
-              <a:t>5001-5002-999-0-0-9-3-0-0-</a:t>
-            </a:r>
-            <a:endParaRPr lang="en-US" altLang="zh-TW" dirty="0"/>
-          </a:p>
-          <a:p>
-            <a:r>
-              <a:rPr lang="en-US" altLang="zh-TW" dirty="0"/>
+              <a:rPr lang="en-US" altLang="zh-TW" dirty="0" smtClean="0"/>
+              <a:t>#12 -5001-5004-999-13-16-0-5-0-0-</a:t>
+            </a:r>
+          </a:p>
+          <a:p>
+            <a:r>
+              <a:rPr lang="en-US" altLang="zh-TW" dirty="0" smtClean="0"/>
+              <a:t>#11 -5001-5003-999-0-0-0-0-0-0-</a:t>
+            </a:r>
+          </a:p>
+          <a:p>
+            <a:r>
+              <a:rPr lang="en-US" altLang="zh-TW" dirty="0" smtClean="0"/>
+              <a:t>#10 -5001-5002-999-0-0-9-3-0-0-</a:t>
+            </a:r>
+          </a:p>
+          <a:p>
+            <a:r>
+              <a:rPr lang="en-US" altLang="zh-TW" dirty="0" smtClean="0"/>
               <a:t>#9 -5001-5001-999-10-0-8-2-0-0-</a:t>
             </a:r>
           </a:p>
           <a:p>
             <a:r>
-              <a:rPr lang="en-US" altLang="zh-TW" dirty="0"/>
-              <a:t>#8 -</a:t>
-            </a:r>
-            <a:r>
-              <a:rPr lang="en-US" altLang="zh-TW" dirty="0" smtClean="0"/>
-              <a:t>5001-5000-999-9-20-0-1-0-0-</a:t>
-            </a:r>
-            <a:endParaRPr lang="en-US" altLang="zh-TW" dirty="0"/>
-          </a:p>
-          <a:p>
-            <a:r>
-              <a:rPr lang="en-US" altLang="zh-TW" dirty="0"/>
+              <a:rPr lang="en-US" altLang="zh-TW" dirty="0" smtClean="0"/>
+              <a:t>#8 -5001-5000-999-9-20-0-1-0-0-</a:t>
+            </a:r>
+          </a:p>
+          <a:p>
+            <a:r>
+              <a:rPr lang="en-US" altLang="zh-TW" dirty="0" smtClean="0"/>
               <a:t>#7 -5000-5006-999-0-14-6-0-0-0-</a:t>
             </a:r>
           </a:p>
           <a:p>
             <a:r>
-              <a:rPr lang="en-US" altLang="zh-TW" dirty="0"/>
+              <a:rPr lang="en-US" altLang="zh-TW" dirty="0" smtClean="0"/>
               <a:t>#6 -5000-5005-999-7-13-5-0-0-0-</a:t>
             </a:r>
           </a:p>
           <a:p>
             <a:r>
-              <a:rPr lang="en-US" altLang="zh-TW" dirty="0"/>
+              <a:rPr lang="en-US" altLang="zh-TW" dirty="0" smtClean="0"/>
               <a:t>#5 -5000-5004-999-6-12-4-0-0-0-</a:t>
             </a:r>
           </a:p>
           <a:p>
             <a:r>
-              <a:rPr lang="en-US" altLang="zh-TW" dirty="0"/>
-              <a:t>#4 -</a:t>
-            </a:r>
-            <a:r>
-              <a:rPr lang="en-US" altLang="zh-TW" dirty="0" smtClean="0"/>
-              <a:t>5000-5003-999-5-0-3-0-0-0-</a:t>
-            </a:r>
-            <a:endParaRPr lang="en-US" altLang="zh-TW" dirty="0"/>
-          </a:p>
-          <a:p>
-            <a:r>
-              <a:rPr lang="en-US" altLang="zh-TW" dirty="0"/>
+              <a:rPr lang="en-US" altLang="zh-TW" dirty="0" smtClean="0"/>
+              <a:t>#4 -5000-5003-999-5-0-3-0-0-0-</a:t>
+            </a:r>
+          </a:p>
+          <a:p>
+            <a:r>
+              <a:rPr lang="en-US" altLang="zh-TW" dirty="0" smtClean="0"/>
               <a:t>#3 -5000-5002-999-4-10-2-0-0-0-</a:t>
             </a:r>
           </a:p>
           <a:p>
             <a:r>
-              <a:rPr lang="en-US" altLang="zh-TW" dirty="0"/>
+              <a:rPr lang="en-US" altLang="zh-TW" dirty="0" smtClean="0"/>
               <a:t>#2 -5000-5001-999-3-9-1-0-0-0-</a:t>
             </a:r>
           </a:p>
           <a:p>
             <a:r>
-              <a:rPr lang="en-US" altLang="zh-TW" dirty="0"/>
+              <a:rPr lang="en-US" altLang="zh-TW" dirty="0" smtClean="0"/>
               <a:t>#1 -5000-5000-999-2-8-0-0-0-0-</a:t>
             </a:r>
             <a:endParaRPr lang="zh-TW" altLang="en-US" dirty="0"/>
@@ -14784,8 +14720,44 @@
         </p:nvCxnSpPr>
         <p:spPr>
           <a:xfrm flipH="1">
-            <a:off x="3990109" y="2840182"/>
-            <a:ext cx="55418" cy="803563"/>
+            <a:off x="1884221" y="2730107"/>
+            <a:ext cx="1690252" cy="1"/>
+          </a:xfrm>
+          <a:prstGeom prst="straightConnector1">
+            <a:avLst/>
+          </a:prstGeom>
+          <a:ln>
+            <a:solidFill>
+              <a:srgbClr val="FF0000"/>
+            </a:solidFill>
+            <a:tailEnd type="triangle"/>
+          </a:ln>
+        </p:spPr>
+        <p:style>
+          <a:lnRef idx="1">
+            <a:schemeClr val="accent1"/>
+          </a:lnRef>
+          <a:fillRef idx="0">
+            <a:schemeClr val="accent1"/>
+          </a:fillRef>
+          <a:effectRef idx="0">
+            <a:schemeClr val="accent1"/>
+          </a:effectRef>
+          <a:fontRef idx="minor">
+            <a:schemeClr val="tx1"/>
+          </a:fontRef>
+        </p:style>
+      </p:cxnSp>
+      <p:cxnSp>
+        <p:nvCxnSpPr>
+          <p:cNvPr id="50" name="直線單箭頭接點 49"/>
+          <p:cNvCxnSpPr/>
+          <p:nvPr/>
+        </p:nvCxnSpPr>
+        <p:spPr>
+          <a:xfrm flipH="1">
+            <a:off x="1884221" y="2840182"/>
+            <a:ext cx="187175" cy="3211347"/>
           </a:xfrm>
           <a:prstGeom prst="straightConnector1">
             <a:avLst/>

--- a/document/運作流程圖.pptx
+++ b/document/運作流程圖.pptx
@@ -11721,13 +11721,13 @@
       </p:sp>
       <p:sp>
         <p:nvSpPr>
-          <p:cNvPr id="16" name="矩形 15"/>
+          <p:cNvPr id="18" name="矩形 17"/>
           <p:cNvSpPr/>
           <p:nvPr/>
         </p:nvSpPr>
         <p:spPr>
           <a:xfrm>
-            <a:off x="2632365" y="2500211"/>
+            <a:off x="2632365" y="3996501"/>
             <a:ext cx="803564" cy="748145"/>
           </a:xfrm>
           <a:prstGeom prst="rect">
@@ -11762,21 +11762,21 @@
             <a:pPr algn="ctr"/>
             <a:r>
               <a:rPr lang="en-US" altLang="zh-TW" dirty="0" smtClean="0"/>
-              <a:t>12</a:t>
-            </a:r>
-            <a:endParaRPr lang="zh-TW" altLang="en-US" dirty="0"/>
-          </a:p>
-        </p:txBody>
-      </p:sp>
-      <p:sp>
-        <p:nvSpPr>
-          <p:cNvPr id="18" name="矩形 17"/>
+              <a:t>10</a:t>
+            </a:r>
+            <a:endParaRPr lang="zh-TW" altLang="en-US" dirty="0"/>
+          </a:p>
+        </p:txBody>
+      </p:sp>
+      <p:sp>
+        <p:nvSpPr>
+          <p:cNvPr id="19" name="矩形 18"/>
           <p:cNvSpPr/>
           <p:nvPr/>
         </p:nvSpPr>
         <p:spPr>
           <a:xfrm>
-            <a:off x="2632365" y="3996501"/>
+            <a:off x="2632365" y="4744646"/>
             <a:ext cx="803564" cy="748145"/>
           </a:xfrm>
           <a:prstGeom prst="rect">
@@ -11811,21 +11811,21 @@
             <a:pPr algn="ctr"/>
             <a:r>
               <a:rPr lang="en-US" altLang="zh-TW" dirty="0" smtClean="0"/>
-              <a:t>10</a:t>
-            </a:r>
-            <a:endParaRPr lang="zh-TW" altLang="en-US" dirty="0"/>
-          </a:p>
-        </p:txBody>
-      </p:sp>
-      <p:sp>
-        <p:nvSpPr>
-          <p:cNvPr id="19" name="矩形 18"/>
+              <a:t>9</a:t>
+            </a:r>
+            <a:endParaRPr lang="zh-TW" altLang="en-US" dirty="0"/>
+          </a:p>
+        </p:txBody>
+      </p:sp>
+      <p:sp>
+        <p:nvSpPr>
+          <p:cNvPr id="20" name="矩形 19"/>
           <p:cNvSpPr/>
           <p:nvPr/>
         </p:nvSpPr>
         <p:spPr>
           <a:xfrm>
-            <a:off x="2632365" y="4744646"/>
+            <a:off x="2632365" y="5492791"/>
             <a:ext cx="803564" cy="748145"/>
           </a:xfrm>
           <a:prstGeom prst="rect">
@@ -11860,21 +11860,21 @@
             <a:pPr algn="ctr"/>
             <a:r>
               <a:rPr lang="en-US" altLang="zh-TW" dirty="0" smtClean="0"/>
-              <a:t>9</a:t>
-            </a:r>
-            <a:endParaRPr lang="zh-TW" altLang="en-US" dirty="0"/>
-          </a:p>
-        </p:txBody>
-      </p:sp>
-      <p:sp>
-        <p:nvSpPr>
-          <p:cNvPr id="20" name="矩形 19"/>
+              <a:t>8</a:t>
+            </a:r>
+            <a:endParaRPr lang="zh-TW" altLang="en-US" dirty="0"/>
+          </a:p>
+        </p:txBody>
+      </p:sp>
+      <p:sp>
+        <p:nvSpPr>
+          <p:cNvPr id="21" name="矩形 20"/>
           <p:cNvSpPr/>
           <p:nvPr/>
         </p:nvSpPr>
         <p:spPr>
           <a:xfrm>
-            <a:off x="2632365" y="5492791"/>
+            <a:off x="3435929" y="3248356"/>
             <a:ext cx="803564" cy="748145"/>
           </a:xfrm>
           <a:prstGeom prst="rect">
@@ -11909,21 +11909,21 @@
             <a:pPr algn="ctr"/>
             <a:r>
               <a:rPr lang="en-US" altLang="zh-TW" dirty="0" smtClean="0"/>
-              <a:t>8</a:t>
-            </a:r>
-            <a:endParaRPr lang="zh-TW" altLang="en-US" dirty="0"/>
-          </a:p>
-        </p:txBody>
-      </p:sp>
-      <p:sp>
-        <p:nvSpPr>
-          <p:cNvPr id="21" name="矩形 20"/>
+              <a:t>15</a:t>
+            </a:r>
+            <a:endParaRPr lang="zh-TW" altLang="en-US" dirty="0"/>
+          </a:p>
+        </p:txBody>
+      </p:sp>
+      <p:sp>
+        <p:nvSpPr>
+          <p:cNvPr id="22" name="矩形 21"/>
           <p:cNvSpPr/>
           <p:nvPr/>
         </p:nvSpPr>
         <p:spPr>
           <a:xfrm>
-            <a:off x="3435929" y="3248356"/>
+            <a:off x="4239493" y="3248356"/>
             <a:ext cx="803564" cy="748145"/>
           </a:xfrm>
           <a:prstGeom prst="rect">
@@ -11958,21 +11958,21 @@
             <a:pPr algn="ctr"/>
             <a:r>
               <a:rPr lang="en-US" altLang="zh-TW" dirty="0" smtClean="0"/>
-              <a:t>15</a:t>
-            </a:r>
-            <a:endParaRPr lang="zh-TW" altLang="en-US" dirty="0"/>
-          </a:p>
-        </p:txBody>
-      </p:sp>
-      <p:sp>
-        <p:nvSpPr>
-          <p:cNvPr id="22" name="矩形 21"/>
+              <a:t>17</a:t>
+            </a:r>
+            <a:endParaRPr lang="zh-TW" altLang="en-US" dirty="0"/>
+          </a:p>
+        </p:txBody>
+      </p:sp>
+      <p:sp>
+        <p:nvSpPr>
+          <p:cNvPr id="23" name="矩形 22"/>
           <p:cNvSpPr/>
           <p:nvPr/>
         </p:nvSpPr>
         <p:spPr>
           <a:xfrm>
-            <a:off x="4239493" y="3248356"/>
+            <a:off x="5043057" y="3248356"/>
             <a:ext cx="803564" cy="748145"/>
           </a:xfrm>
           <a:prstGeom prst="rect">
@@ -12007,21 +12007,21 @@
             <a:pPr algn="ctr"/>
             <a:r>
               <a:rPr lang="en-US" altLang="zh-TW" dirty="0" smtClean="0"/>
-              <a:t>17</a:t>
-            </a:r>
-            <a:endParaRPr lang="zh-TW" altLang="en-US" dirty="0"/>
-          </a:p>
-        </p:txBody>
-      </p:sp>
-      <p:sp>
-        <p:nvSpPr>
-          <p:cNvPr id="23" name="矩形 22"/>
+              <a:t>18</a:t>
+            </a:r>
+            <a:endParaRPr lang="zh-TW" altLang="en-US" dirty="0"/>
+          </a:p>
+        </p:txBody>
+      </p:sp>
+      <p:sp>
+        <p:nvSpPr>
+          <p:cNvPr id="24" name="矩形 23"/>
           <p:cNvSpPr/>
           <p:nvPr/>
         </p:nvSpPr>
         <p:spPr>
           <a:xfrm>
-            <a:off x="5043057" y="3248356"/>
+            <a:off x="5846621" y="3248356"/>
             <a:ext cx="803564" cy="748145"/>
           </a:xfrm>
           <a:prstGeom prst="rect">
@@ -12056,55 +12056,6 @@
             <a:pPr algn="ctr"/>
             <a:r>
               <a:rPr lang="en-US" altLang="zh-TW" dirty="0" smtClean="0"/>
-              <a:t>18</a:t>
-            </a:r>
-            <a:endParaRPr lang="zh-TW" altLang="en-US" dirty="0"/>
-          </a:p>
-        </p:txBody>
-      </p:sp>
-      <p:sp>
-        <p:nvSpPr>
-          <p:cNvPr id="24" name="矩形 23"/>
-          <p:cNvSpPr/>
-          <p:nvPr/>
-        </p:nvSpPr>
-        <p:spPr>
-          <a:xfrm>
-            <a:off x="5846621" y="3248356"/>
-            <a:ext cx="803564" cy="748145"/>
-          </a:xfrm>
-          <a:prstGeom prst="rect">
-            <a:avLst/>
-          </a:prstGeom>
-          <a:ln>
-            <a:solidFill>
-              <a:schemeClr val="tx1"/>
-            </a:solidFill>
-          </a:ln>
-        </p:spPr>
-        <p:style>
-          <a:lnRef idx="2">
-            <a:schemeClr val="accent1">
-              <a:shade val="50000"/>
-            </a:schemeClr>
-          </a:lnRef>
-          <a:fillRef idx="1">
-            <a:schemeClr val="accent1"/>
-          </a:fillRef>
-          <a:effectRef idx="0">
-            <a:schemeClr val="accent1"/>
-          </a:effectRef>
-          <a:fontRef idx="minor">
-            <a:schemeClr val="lt1"/>
-          </a:fontRef>
-        </p:style>
-        <p:txBody>
-          <a:bodyPr rtlCol="0" anchor="ctr"/>
-          <a:lstStyle/>
-          <a:p>
-            <a:pPr algn="ctr"/>
-            <a:r>
-              <a:rPr lang="en-US" altLang="zh-TW" dirty="0" smtClean="0"/>
               <a:t>19</a:t>
             </a:r>
             <a:endParaRPr lang="zh-TW" altLang="en-US" dirty="0"/>
@@ -12178,19 +12129,14 @@
           <a:p>
             <a:r>
               <a:rPr lang="en-US" altLang="zh-TW" dirty="0" smtClean="0"/>
-              <a:t>#16 -5002-5004-999-0-0-15-12-0-0-</a:t>
-            </a:r>
-          </a:p>
-          <a:p>
-            <a:r>
-              <a:rPr lang="en-US" altLang="zh-TW" dirty="0" smtClean="0"/>
-              <a:t>#15 </a:t>
-            </a:r>
-            <a:r>
-              <a:rPr lang="en-US" altLang="zh-TW" smtClean="0"/>
-              <a:t>-5002-5003-999-16-17-0-0-0-0-</a:t>
-            </a:r>
-            <a:endParaRPr lang="en-US" altLang="zh-TW" dirty="0" smtClean="0"/>
+              <a:t>#16 -5002-5004-999-0-0-15-0-0-0-</a:t>
+            </a:r>
+          </a:p>
+          <a:p>
+            <a:r>
+              <a:rPr lang="en-US" altLang="zh-TW" dirty="0" smtClean="0"/>
+              <a:t>#15 -5002-5003-999-16-17-0-0-0-0-</a:t>
+            </a:r>
           </a:p>
           <a:p>
             <a:r>
@@ -12201,13 +12147,13 @@
           <a:p>
             <a:r>
               <a:rPr lang="en-US" altLang="zh-TW" dirty="0" smtClean="0"/>
-              <a:t>#13 -5001-5005-999-14-0-12-6-0-0-</a:t>
-            </a:r>
-          </a:p>
-          <a:p>
-            <a:r>
-              <a:rPr lang="en-US" altLang="zh-TW" dirty="0" smtClean="0"/>
-              <a:t>#12 -5001-5004-999-13-16-0-5-0-0-</a:t>
+              <a:t>#13 -5001-5005-999-14-0-0-6-0-0-</a:t>
+            </a:r>
+          </a:p>
+          <a:p>
+            <a:r>
+              <a:rPr lang="en-US" altLang="zh-TW" dirty="0" smtClean="0"/>
+              <a:t>#12 -5001-5004-999-0-0-0-0-0-0-</a:t>
             </a:r>
           </a:p>
           <a:p>
@@ -12249,7 +12195,7 @@
           <a:p>
             <a:r>
               <a:rPr lang="en-US" altLang="zh-TW" dirty="0" smtClean="0"/>
-              <a:t>#5 -5000-5004-999-6-12-4-0-0-0-</a:t>
+              <a:t>#5 -5000-5004-999-6-0-4-0-0-0-</a:t>
             </a:r>
           </a:p>
           <a:p>

--- a/document/運作流程圖.pptx
+++ b/document/運作流程圖.pptx
@@ -13,17 +13,20 @@
     <p:sldId id="274" r:id="rId7"/>
     <p:sldId id="275" r:id="rId8"/>
     <p:sldId id="276" r:id="rId9"/>
-    <p:sldId id="258" r:id="rId10"/>
-    <p:sldId id="263" r:id="rId11"/>
-    <p:sldId id="264" r:id="rId12"/>
-    <p:sldId id="256" r:id="rId13"/>
-    <p:sldId id="278" r:id="rId14"/>
-    <p:sldId id="266" r:id="rId15"/>
-    <p:sldId id="262" r:id="rId16"/>
-    <p:sldId id="257" r:id="rId17"/>
-    <p:sldId id="267" r:id="rId18"/>
-    <p:sldId id="265" r:id="rId19"/>
-    <p:sldId id="271" r:id="rId20"/>
+    <p:sldId id="283" r:id="rId10"/>
+    <p:sldId id="284" r:id="rId11"/>
+    <p:sldId id="281" r:id="rId12"/>
+    <p:sldId id="282" r:id="rId13"/>
+    <p:sldId id="258" r:id="rId14"/>
+    <p:sldId id="263" r:id="rId15"/>
+    <p:sldId id="264" r:id="rId16"/>
+    <p:sldId id="256" r:id="rId17"/>
+    <p:sldId id="278" r:id="rId18"/>
+    <p:sldId id="262" r:id="rId19"/>
+    <p:sldId id="257" r:id="rId20"/>
+    <p:sldId id="267" r:id="rId21"/>
+    <p:sldId id="265" r:id="rId22"/>
+    <p:sldId id="271" r:id="rId23"/>
   </p:sldIdLst>
   <p:sldSz cx="12192000" cy="6858000"/>
   <p:notesSz cx="6858000" cy="9144000"/>
@@ -124,7 +127,18 @@
   </p:defaultTextStyle>
   <p:extLst>
     <p:ext uri="{EFAFB233-063F-42B5-8137-9DF3F51BA10A}">
-      <p15:sldGuideLst xmlns:p15="http://schemas.microsoft.com/office/powerpoint/2012/main"/>
+      <p15:sldGuideLst xmlns:p15="http://schemas.microsoft.com/office/powerpoint/2012/main">
+        <p15:guide id="1" orient="horz" pos="2160">
+          <p15:clr>
+            <a:srgbClr val="A4A3A4"/>
+          </p15:clr>
+        </p15:guide>
+        <p15:guide id="2" pos="3840">
+          <p15:clr>
+            <a:srgbClr val="A4A3A4"/>
+          </p15:clr>
+        </p15:guide>
+      </p15:sldGuideLst>
     </p:ext>
   </p:extLst>
 </p:presentation>
@@ -261,7 +275,7 @@
           <a:p>
             <a:fld id="{6B8FE16C-15A4-4ABA-B5E8-4C3E43F8969C}" type="datetimeFigureOut">
               <a:rPr lang="zh-TW" altLang="en-US" smtClean="0"/>
-              <a:t>2018/6/3</a:t>
+              <a:t>2018/6/10</a:t>
             </a:fld>
             <a:endParaRPr lang="zh-TW" altLang="en-US"/>
           </a:p>
@@ -431,7 +445,7 @@
           <a:p>
             <a:fld id="{6B8FE16C-15A4-4ABA-B5E8-4C3E43F8969C}" type="datetimeFigureOut">
               <a:rPr lang="zh-TW" altLang="en-US" smtClean="0"/>
-              <a:t>2018/6/3</a:t>
+              <a:t>2018/6/10</a:t>
             </a:fld>
             <a:endParaRPr lang="zh-TW" altLang="en-US"/>
           </a:p>
@@ -611,7 +625,7 @@
           <a:p>
             <a:fld id="{6B8FE16C-15A4-4ABA-B5E8-4C3E43F8969C}" type="datetimeFigureOut">
               <a:rPr lang="zh-TW" altLang="en-US" smtClean="0"/>
-              <a:t>2018/6/3</a:t>
+              <a:t>2018/6/10</a:t>
             </a:fld>
             <a:endParaRPr lang="zh-TW" altLang="en-US"/>
           </a:p>
@@ -781,7 +795,7 @@
           <a:p>
             <a:fld id="{6B8FE16C-15A4-4ABA-B5E8-4C3E43F8969C}" type="datetimeFigureOut">
               <a:rPr lang="zh-TW" altLang="en-US" smtClean="0"/>
-              <a:t>2018/6/3</a:t>
+              <a:t>2018/6/10</a:t>
             </a:fld>
             <a:endParaRPr lang="zh-TW" altLang="en-US"/>
           </a:p>
@@ -1027,7 +1041,7 @@
           <a:p>
             <a:fld id="{6B8FE16C-15A4-4ABA-B5E8-4C3E43F8969C}" type="datetimeFigureOut">
               <a:rPr lang="zh-TW" altLang="en-US" smtClean="0"/>
-              <a:t>2018/6/3</a:t>
+              <a:t>2018/6/10</a:t>
             </a:fld>
             <a:endParaRPr lang="zh-TW" altLang="en-US"/>
           </a:p>
@@ -1259,7 +1273,7 @@
           <a:p>
             <a:fld id="{6B8FE16C-15A4-4ABA-B5E8-4C3E43F8969C}" type="datetimeFigureOut">
               <a:rPr lang="zh-TW" altLang="en-US" smtClean="0"/>
-              <a:t>2018/6/3</a:t>
+              <a:t>2018/6/10</a:t>
             </a:fld>
             <a:endParaRPr lang="zh-TW" altLang="en-US"/>
           </a:p>
@@ -1626,7 +1640,7 @@
           <a:p>
             <a:fld id="{6B8FE16C-15A4-4ABA-B5E8-4C3E43F8969C}" type="datetimeFigureOut">
               <a:rPr lang="zh-TW" altLang="en-US" smtClean="0"/>
-              <a:t>2018/6/3</a:t>
+              <a:t>2018/6/10</a:t>
             </a:fld>
             <a:endParaRPr lang="zh-TW" altLang="en-US"/>
           </a:p>
@@ -1744,7 +1758,7 @@
           <a:p>
             <a:fld id="{6B8FE16C-15A4-4ABA-B5E8-4C3E43F8969C}" type="datetimeFigureOut">
               <a:rPr lang="zh-TW" altLang="en-US" smtClean="0"/>
-              <a:t>2018/6/3</a:t>
+              <a:t>2018/6/10</a:t>
             </a:fld>
             <a:endParaRPr lang="zh-TW" altLang="en-US"/>
           </a:p>
@@ -1839,7 +1853,7 @@
           <a:p>
             <a:fld id="{6B8FE16C-15A4-4ABA-B5E8-4C3E43F8969C}" type="datetimeFigureOut">
               <a:rPr lang="zh-TW" altLang="en-US" smtClean="0"/>
-              <a:t>2018/6/3</a:t>
+              <a:t>2018/6/10</a:t>
             </a:fld>
             <a:endParaRPr lang="zh-TW" altLang="en-US"/>
           </a:p>
@@ -2116,7 +2130,7 @@
           <a:p>
             <a:fld id="{6B8FE16C-15A4-4ABA-B5E8-4C3E43F8969C}" type="datetimeFigureOut">
               <a:rPr lang="zh-TW" altLang="en-US" smtClean="0"/>
-              <a:t>2018/6/3</a:t>
+              <a:t>2018/6/10</a:t>
             </a:fld>
             <a:endParaRPr lang="zh-TW" altLang="en-US"/>
           </a:p>
@@ -2369,7 +2383,7 @@
           <a:p>
             <a:fld id="{6B8FE16C-15A4-4ABA-B5E8-4C3E43F8969C}" type="datetimeFigureOut">
               <a:rPr lang="zh-TW" altLang="en-US" smtClean="0"/>
-              <a:t>2018/6/3</a:t>
+              <a:t>2018/6/10</a:t>
             </a:fld>
             <a:endParaRPr lang="zh-TW" altLang="en-US"/>
           </a:p>
@@ -2582,7 +2596,7 @@
           <a:p>
             <a:fld id="{6B8FE16C-15A4-4ABA-B5E8-4C3E43F8969C}" type="datetimeFigureOut">
               <a:rPr lang="zh-TW" altLang="en-US" smtClean="0"/>
-              <a:t>2018/6/3</a:t>
+              <a:t>2018/6/10</a:t>
             </a:fld>
             <a:endParaRPr lang="zh-TW" altLang="en-US"/>
           </a:p>
@@ -4520,11 +4534,7 @@
             </a:r>
             <a:r>
               <a:rPr lang="zh-TW" altLang="en-US" dirty="0" smtClean="0"/>
-              <a:t>色</a:t>
-            </a:r>
-            <a:r>
-              <a:rPr lang="zh-TW" altLang="en-US" dirty="0" smtClean="0"/>
-              <a:t>底色</a:t>
+              <a:t>色底色</a:t>
             </a:r>
             <a:endParaRPr lang="en-US" altLang="zh-TW" dirty="0" smtClean="0"/>
           </a:p>
@@ -4586,6 +4596,1682 @@
       </p:grpSpPr>
       <p:sp>
         <p:nvSpPr>
+          <p:cNvPr id="2" name="標題 1"/>
+          <p:cNvSpPr>
+            <a:spLocks noGrp="1"/>
+          </p:cNvSpPr>
+          <p:nvPr>
+            <p:ph type="title"/>
+          </p:nvPr>
+        </p:nvSpPr>
+        <p:spPr/>
+        <p:txBody>
+          <a:bodyPr/>
+          <a:lstStyle/>
+          <a:p>
+            <a:r>
+              <a:rPr lang="zh-TW" altLang="en-US" dirty="0"/>
+              <a:t>外部環境偵測與地圖建立</a:t>
+            </a:r>
+          </a:p>
+        </p:txBody>
+      </p:sp>
+      <p:sp>
+        <p:nvSpPr>
+          <p:cNvPr id="3" name="內容版面配置區 2"/>
+          <p:cNvSpPr>
+            <a:spLocks noGrp="1"/>
+          </p:cNvSpPr>
+          <p:nvPr>
+            <p:ph idx="1"/>
+          </p:nvPr>
+        </p:nvSpPr>
+        <p:spPr>
+          <a:xfrm>
+            <a:off x="838200" y="1825624"/>
+            <a:ext cx="10515600" cy="598921"/>
+          </a:xfrm>
+        </p:spPr>
+        <p:txBody>
+          <a:bodyPr/>
+          <a:lstStyle/>
+          <a:p>
+            <a:r>
+              <a:rPr lang="zh-TW" altLang="en-US" dirty="0" smtClean="0"/>
+              <a:t>藉由</a:t>
+            </a:r>
+            <a:r>
+              <a:rPr lang="zh-TW" altLang="zh-TW" dirty="0"/>
+              <a:t>超聲波感測</a:t>
+            </a:r>
+            <a:r>
+              <a:rPr lang="zh-TW" altLang="zh-TW" dirty="0" smtClean="0"/>
+              <a:t>器</a:t>
+            </a:r>
+            <a:r>
+              <a:rPr lang="zh-TW" altLang="en-US" dirty="0" smtClean="0"/>
+              <a:t>回傳的數值計算牆壁距離並生成地圖</a:t>
+            </a:r>
+            <a:endParaRPr lang="zh-TW" altLang="en-US" dirty="0"/>
+          </a:p>
+        </p:txBody>
+      </p:sp>
+      <p:pic>
+        <p:nvPicPr>
+          <p:cNvPr id="5" name="圖片 4"/>
+          <p:cNvPicPr>
+            <a:picLocks noChangeAspect="1"/>
+          </p:cNvPicPr>
+          <p:nvPr/>
+        </p:nvPicPr>
+        <p:blipFill>
+          <a:blip r:embed="rId2">
+            <a:extLst>
+              <a:ext uri="{28A0092B-C50C-407E-A947-70E740481C1C}">
+                <a14:useLocalDpi xmlns:a14="http://schemas.microsoft.com/office/drawing/2010/main" val="0"/>
+              </a:ext>
+            </a:extLst>
+          </a:blip>
+          <a:stretch>
+            <a:fillRect/>
+          </a:stretch>
+        </p:blipFill>
+        <p:spPr>
+          <a:xfrm>
+            <a:off x="1174708" y="2559481"/>
+            <a:ext cx="4744112" cy="3982006"/>
+          </a:xfrm>
+          <a:prstGeom prst="rect">
+            <a:avLst/>
+          </a:prstGeom>
+        </p:spPr>
+      </p:pic>
+      <p:pic>
+        <p:nvPicPr>
+          <p:cNvPr id="6" name="圖片 5"/>
+          <p:cNvPicPr>
+            <a:picLocks noChangeAspect="1"/>
+          </p:cNvPicPr>
+          <p:nvPr/>
+        </p:nvPicPr>
+        <p:blipFill>
+          <a:blip r:embed="rId3">
+            <a:extLst>
+              <a:ext uri="{28A0092B-C50C-407E-A947-70E740481C1C}">
+                <a14:useLocalDpi xmlns:a14="http://schemas.microsoft.com/office/drawing/2010/main" val="0"/>
+              </a:ext>
+            </a:extLst>
+          </a:blip>
+          <a:stretch>
+            <a:fillRect/>
+          </a:stretch>
+        </p:blipFill>
+        <p:spPr>
+          <a:xfrm>
+            <a:off x="6842151" y="2816692"/>
+            <a:ext cx="3772426" cy="3467584"/>
+          </a:xfrm>
+          <a:prstGeom prst="rect">
+            <a:avLst/>
+          </a:prstGeom>
+        </p:spPr>
+      </p:pic>
+    </p:spTree>
+    <p:extLst>
+      <p:ext uri="{BB962C8B-B14F-4D97-AF65-F5344CB8AC3E}">
+        <p14:creationId xmlns:p14="http://schemas.microsoft.com/office/powerpoint/2010/main" val="237290072"/>
+      </p:ext>
+    </p:extLst>
+  </p:cSld>
+  <p:clrMapOvr>
+    <a:masterClrMapping/>
+  </p:clrMapOvr>
+</p:sld>
+</file>
+
+<file path=ppt/slides/slide11.xml><?xml version="1.0" encoding="utf-8"?>
+<p:sld xmlns:a="http://schemas.openxmlformats.org/drawingml/2006/main" xmlns:r="http://schemas.openxmlformats.org/officeDocument/2006/relationships" xmlns:p="http://schemas.openxmlformats.org/presentationml/2006/main">
+  <p:cSld>
+    <p:spTree>
+      <p:nvGrpSpPr>
+        <p:cNvPr id="1" name=""/>
+        <p:cNvGrpSpPr/>
+        <p:nvPr/>
+      </p:nvGrpSpPr>
+      <p:grpSpPr>
+        <a:xfrm>
+          <a:off x="0" y="0"/>
+          <a:ext cx="0" cy="0"/>
+          <a:chOff x="0" y="0"/>
+          <a:chExt cx="0" cy="0"/>
+        </a:xfrm>
+      </p:grpSpPr>
+      <p:sp>
+        <p:nvSpPr>
+          <p:cNvPr id="2" name="標題 1"/>
+          <p:cNvSpPr>
+            <a:spLocks noGrp="1"/>
+          </p:cNvSpPr>
+          <p:nvPr>
+            <p:ph type="title"/>
+          </p:nvPr>
+        </p:nvSpPr>
+        <p:spPr/>
+        <p:txBody>
+          <a:bodyPr/>
+          <a:lstStyle/>
+          <a:p>
+            <a:r>
+              <a:rPr lang="zh-TW" altLang="en-US" dirty="0" smtClean="0"/>
+              <a:t>地圖說明</a:t>
+            </a:r>
+            <a:endParaRPr lang="zh-TW" altLang="en-US" dirty="0"/>
+          </a:p>
+        </p:txBody>
+      </p:sp>
+      <p:sp>
+        <p:nvSpPr>
+          <p:cNvPr id="3" name="內容版面配置區 2"/>
+          <p:cNvSpPr>
+            <a:spLocks noGrp="1"/>
+          </p:cNvSpPr>
+          <p:nvPr>
+            <p:ph idx="1"/>
+          </p:nvPr>
+        </p:nvSpPr>
+        <p:spPr/>
+        <p:txBody>
+          <a:bodyPr/>
+          <a:lstStyle/>
+          <a:p>
+            <a:r>
+              <a:rPr lang="zh-TW" altLang="en-US" dirty="0" smtClean="0"/>
+              <a:t>用途</a:t>
+            </a:r>
+            <a:r>
+              <a:rPr lang="en-US" altLang="zh-TW" dirty="0" smtClean="0"/>
+              <a:t>:</a:t>
+            </a:r>
+            <a:r>
+              <a:rPr lang="zh-TW" altLang="en-US" dirty="0" smtClean="0"/>
+              <a:t>用於紀錄車子曾經走過的路徑、移動方式、外部環境樣</a:t>
+            </a:r>
+            <a:r>
+              <a:rPr lang="zh-TW" altLang="en-US" dirty="0" smtClean="0"/>
+              <a:t>貌，並結合路徑規劃，使車子可在空間中移動、避障。</a:t>
+            </a:r>
+            <a:endParaRPr lang="en-US" altLang="zh-TW" dirty="0" smtClean="0"/>
+          </a:p>
+          <a:p>
+            <a:endParaRPr lang="en-US" altLang="zh-TW" dirty="0"/>
+          </a:p>
+          <a:p>
+            <a:r>
+              <a:rPr lang="zh-TW" altLang="en-US" dirty="0" smtClean="0"/>
+              <a:t>地圖格式</a:t>
+            </a:r>
+            <a:r>
+              <a:rPr lang="en-US" altLang="zh-TW" dirty="0" smtClean="0"/>
+              <a:t>:</a:t>
+            </a:r>
+            <a:r>
+              <a:rPr lang="zh-TW" altLang="en-US" dirty="0" smtClean="0"/>
+              <a:t>為了可以方便做資料存取，定義出的一個格式</a:t>
+            </a:r>
+            <a:endParaRPr lang="en-US" altLang="zh-TW" dirty="0" smtClean="0"/>
+          </a:p>
+          <a:p>
+            <a:pPr marL="457200" lvl="1" indent="0">
+              <a:buNone/>
+            </a:pPr>
+            <a:r>
+              <a:rPr lang="zh-TW" altLang="zh-TW" dirty="0" smtClean="0"/>
+              <a:t>使用</a:t>
+            </a:r>
+            <a:r>
+              <a:rPr lang="en-US" altLang="zh-TW" dirty="0" smtClean="0"/>
+              <a:t> “#” </a:t>
+            </a:r>
+            <a:r>
+              <a:rPr lang="zh-TW" altLang="zh-TW" dirty="0"/>
+              <a:t>作為開頭</a:t>
+            </a:r>
+            <a:r>
+              <a:rPr lang="en-US" altLang="zh-TW" dirty="0"/>
+              <a:t> </a:t>
+            </a:r>
+            <a:r>
+              <a:rPr lang="en-US" altLang="zh-TW" dirty="0" smtClean="0"/>
+              <a:t>“-” </a:t>
+            </a:r>
+            <a:r>
+              <a:rPr lang="zh-TW" altLang="en-US" dirty="0" smtClean="0"/>
+              <a:t>與空白</a:t>
+            </a:r>
+            <a:r>
+              <a:rPr lang="zh-TW" altLang="zh-TW" dirty="0" smtClean="0"/>
+              <a:t>作為分隔</a:t>
+            </a:r>
+            <a:r>
+              <a:rPr lang="zh-TW" altLang="en-US" dirty="0" smtClean="0"/>
+              <a:t>，資料以數字表示。 </a:t>
+            </a:r>
+            <a:endParaRPr lang="en-US" altLang="zh-TW" dirty="0" smtClean="0"/>
+          </a:p>
+          <a:p>
+            <a:pPr marL="457200" lvl="1" indent="0">
+              <a:buNone/>
+            </a:pPr>
+            <a:r>
+              <a:rPr lang="en-US" altLang="zh-TW" dirty="0" smtClean="0"/>
+              <a:t>#</a:t>
+            </a:r>
+            <a:r>
+              <a:rPr lang="zh-TW" altLang="en-US" dirty="0" smtClean="0"/>
+              <a:t>數字</a:t>
+            </a:r>
+            <a:r>
+              <a:rPr lang="zh-TW" altLang="en-US" dirty="0"/>
+              <a:t>空白</a:t>
+            </a:r>
+            <a:r>
+              <a:rPr lang="en-US" altLang="zh-TW" dirty="0" smtClean="0"/>
+              <a:t>-</a:t>
+            </a:r>
+            <a:r>
+              <a:rPr lang="zh-TW" altLang="en-US" dirty="0"/>
+              <a:t>數字</a:t>
+            </a:r>
+            <a:r>
+              <a:rPr lang="en-US" altLang="zh-TW" dirty="0" smtClean="0"/>
+              <a:t>-</a:t>
+            </a:r>
+            <a:r>
+              <a:rPr lang="zh-TW" altLang="en-US" dirty="0"/>
+              <a:t>數字</a:t>
+            </a:r>
+            <a:r>
+              <a:rPr lang="en-US" altLang="zh-TW" dirty="0" smtClean="0"/>
+              <a:t>-</a:t>
+            </a:r>
+            <a:r>
+              <a:rPr lang="zh-TW" altLang="en-US" dirty="0"/>
+              <a:t>數字</a:t>
+            </a:r>
+            <a:r>
+              <a:rPr lang="en-US" altLang="zh-TW" dirty="0" smtClean="0"/>
+              <a:t>-</a:t>
+            </a:r>
+            <a:r>
+              <a:rPr lang="zh-TW" altLang="en-US" dirty="0"/>
+              <a:t>數字</a:t>
+            </a:r>
+            <a:r>
+              <a:rPr lang="en-US" altLang="zh-TW" dirty="0" smtClean="0"/>
+              <a:t>-</a:t>
+            </a:r>
+            <a:r>
+              <a:rPr lang="zh-TW" altLang="en-US" dirty="0"/>
+              <a:t>數字</a:t>
+            </a:r>
+            <a:r>
+              <a:rPr lang="en-US" altLang="zh-TW" dirty="0" smtClean="0"/>
+              <a:t>-</a:t>
+            </a:r>
+            <a:r>
+              <a:rPr lang="zh-TW" altLang="en-US" dirty="0"/>
+              <a:t>數字</a:t>
+            </a:r>
+            <a:r>
+              <a:rPr lang="en-US" altLang="zh-TW" dirty="0" smtClean="0"/>
+              <a:t>-</a:t>
+            </a:r>
+            <a:r>
+              <a:rPr lang="zh-TW" altLang="en-US" dirty="0"/>
+              <a:t>數字</a:t>
+            </a:r>
+            <a:r>
+              <a:rPr lang="en-US" altLang="zh-TW" dirty="0" smtClean="0"/>
+              <a:t>-</a:t>
+            </a:r>
+            <a:r>
+              <a:rPr lang="zh-TW" altLang="en-US" dirty="0"/>
+              <a:t>數字</a:t>
+            </a:r>
+            <a:r>
+              <a:rPr lang="en-US" altLang="zh-TW" dirty="0" smtClean="0"/>
+              <a:t>-</a:t>
+            </a:r>
+            <a:r>
+              <a:rPr lang="zh-TW" altLang="en-US" dirty="0"/>
+              <a:t>數字</a:t>
+            </a:r>
+            <a:r>
+              <a:rPr lang="en-US" altLang="zh-TW" dirty="0" smtClean="0"/>
+              <a:t>-</a:t>
+            </a:r>
+          </a:p>
+          <a:p>
+            <a:pPr marL="457200" lvl="1" indent="0">
+              <a:buNone/>
+            </a:pPr>
+            <a:r>
+              <a:rPr lang="zh-TW" altLang="en-US" dirty="0" smtClean="0"/>
+              <a:t>在此儲存格式下每個位置的資料將有不同的資料含意。</a:t>
+            </a:r>
+            <a:endParaRPr lang="zh-TW" altLang="zh-TW" dirty="0"/>
+          </a:p>
+          <a:p>
+            <a:pPr marL="457200" lvl="1" indent="0">
+              <a:buNone/>
+            </a:pPr>
+            <a:endParaRPr lang="en-US" altLang="zh-TW" dirty="0" smtClean="0"/>
+          </a:p>
+          <a:p>
+            <a:pPr marL="457200" lvl="1" indent="0">
+              <a:buNone/>
+            </a:pPr>
+            <a:endParaRPr lang="en-US" altLang="zh-TW" dirty="0" smtClean="0"/>
+          </a:p>
+          <a:p>
+            <a:endParaRPr lang="en-US" altLang="zh-TW" dirty="0"/>
+          </a:p>
+          <a:p>
+            <a:endParaRPr lang="en-US" altLang="zh-TW" dirty="0" smtClean="0"/>
+          </a:p>
+        </p:txBody>
+      </p:sp>
+    </p:spTree>
+    <p:extLst>
+      <p:ext uri="{BB962C8B-B14F-4D97-AF65-F5344CB8AC3E}">
+        <p14:creationId xmlns:p14="http://schemas.microsoft.com/office/powerpoint/2010/main" val="2912730656"/>
+      </p:ext>
+    </p:extLst>
+  </p:cSld>
+  <p:clrMapOvr>
+    <a:masterClrMapping/>
+  </p:clrMapOvr>
+</p:sld>
+</file>
+
+<file path=ppt/slides/slide12.xml><?xml version="1.0" encoding="utf-8"?>
+<p:sld xmlns:a="http://schemas.openxmlformats.org/drawingml/2006/main" xmlns:r="http://schemas.openxmlformats.org/officeDocument/2006/relationships" xmlns:p="http://schemas.openxmlformats.org/presentationml/2006/main">
+  <p:cSld>
+    <p:spTree>
+      <p:nvGrpSpPr>
+        <p:cNvPr id="1" name=""/>
+        <p:cNvGrpSpPr/>
+        <p:nvPr/>
+      </p:nvGrpSpPr>
+      <p:grpSpPr>
+        <a:xfrm>
+          <a:off x="0" y="0"/>
+          <a:ext cx="0" cy="0"/>
+          <a:chOff x="0" y="0"/>
+          <a:chExt cx="0" cy="0"/>
+        </a:xfrm>
+      </p:grpSpPr>
+      <p:sp>
+        <p:nvSpPr>
+          <p:cNvPr id="2" name="標題 1"/>
+          <p:cNvSpPr>
+            <a:spLocks noGrp="1"/>
+          </p:cNvSpPr>
+          <p:nvPr>
+            <p:ph type="title"/>
+          </p:nvPr>
+        </p:nvSpPr>
+        <p:spPr/>
+        <p:txBody>
+          <a:bodyPr/>
+          <a:lstStyle/>
+          <a:p>
+            <a:r>
+              <a:rPr lang="zh-TW" altLang="en-US" dirty="0"/>
+              <a:t>地圖</a:t>
+            </a:r>
+            <a:r>
+              <a:rPr lang="zh-TW" altLang="en-US" dirty="0" smtClean="0"/>
+              <a:t>說明</a:t>
+            </a:r>
+            <a:r>
+              <a:rPr lang="en-US" altLang="zh-TW" dirty="0" smtClean="0"/>
+              <a:t>-</a:t>
+            </a:r>
+            <a:r>
+              <a:rPr lang="zh-TW" altLang="en-US" sz="4000" dirty="0" smtClean="0"/>
+              <a:t>資料意義</a:t>
+            </a:r>
+            <a:r>
+              <a:rPr lang="en-US" altLang="zh-TW" sz="4000" dirty="0" smtClean="0"/>
+              <a:t>(</a:t>
+            </a:r>
+            <a:r>
+              <a:rPr lang="zh-TW" altLang="en-US" sz="4000" dirty="0" smtClean="0"/>
+              <a:t>格式</a:t>
+            </a:r>
+            <a:r>
+              <a:rPr lang="en-US" altLang="zh-TW" sz="4000" dirty="0" smtClean="0"/>
+              <a:t>999)</a:t>
+            </a:r>
+            <a:endParaRPr lang="zh-TW" altLang="en-US" sz="4000" dirty="0"/>
+          </a:p>
+        </p:txBody>
+      </p:sp>
+      <p:sp>
+        <p:nvSpPr>
+          <p:cNvPr id="3" name="內容版面配置區 2"/>
+          <p:cNvSpPr>
+            <a:spLocks noGrp="1"/>
+          </p:cNvSpPr>
+          <p:nvPr>
+            <p:ph idx="1"/>
+          </p:nvPr>
+        </p:nvSpPr>
+        <p:spPr/>
+        <p:txBody>
+          <a:bodyPr>
+            <a:normAutofit fontScale="85000" lnSpcReduction="20000"/>
+          </a:bodyPr>
+          <a:lstStyle/>
+          <a:p>
+            <a:r>
+              <a:rPr lang="en-US" altLang="zh-TW" dirty="0" smtClean="0"/>
+              <a:t>#</a:t>
+            </a:r>
+            <a:r>
+              <a:rPr lang="zh-TW" altLang="zh-TW" dirty="0"/>
+              <a:t>序號</a:t>
+            </a:r>
+            <a:r>
+              <a:rPr lang="en-US" altLang="zh-TW" dirty="0"/>
+              <a:t> -X-Y-</a:t>
+            </a:r>
+            <a:r>
+              <a:rPr lang="zh-TW" altLang="zh-TW" dirty="0"/>
+              <a:t>格式</a:t>
+            </a:r>
+            <a:r>
+              <a:rPr lang="en-US" altLang="zh-TW" dirty="0"/>
+              <a:t>999-</a:t>
+            </a:r>
+            <a:r>
+              <a:rPr lang="zh-TW" altLang="zh-TW" dirty="0"/>
+              <a:t>北</a:t>
+            </a:r>
+            <a:r>
+              <a:rPr lang="en-US" altLang="zh-TW" dirty="0"/>
+              <a:t>-</a:t>
+            </a:r>
+            <a:r>
+              <a:rPr lang="zh-TW" altLang="zh-TW" dirty="0"/>
+              <a:t>東</a:t>
+            </a:r>
+            <a:r>
+              <a:rPr lang="en-US" altLang="zh-TW" dirty="0"/>
+              <a:t>-</a:t>
+            </a:r>
+            <a:r>
+              <a:rPr lang="zh-TW" altLang="zh-TW" dirty="0"/>
+              <a:t>南</a:t>
+            </a:r>
+            <a:r>
+              <a:rPr lang="en-US" altLang="zh-TW" dirty="0"/>
+              <a:t>-</a:t>
+            </a:r>
+            <a:r>
+              <a:rPr lang="zh-TW" altLang="zh-TW" dirty="0"/>
+              <a:t>西</a:t>
+            </a:r>
+            <a:r>
+              <a:rPr lang="en-US" altLang="zh-TW" dirty="0"/>
+              <a:t>-</a:t>
+            </a:r>
+            <a:r>
+              <a:rPr lang="zh-TW" altLang="zh-TW" dirty="0"/>
+              <a:t>分區</a:t>
+            </a:r>
+            <a:r>
+              <a:rPr lang="en-US" altLang="zh-TW" dirty="0"/>
+              <a:t>-</a:t>
+            </a:r>
+            <a:r>
+              <a:rPr lang="zh-TW" altLang="zh-TW" dirty="0"/>
+              <a:t>預留</a:t>
+            </a:r>
+            <a:r>
+              <a:rPr lang="en-US" altLang="zh-TW" dirty="0"/>
+              <a:t>-(</a:t>
+            </a:r>
+            <a:r>
+              <a:rPr lang="zh-TW" altLang="zh-TW" dirty="0"/>
+              <a:t>環境資訊</a:t>
+            </a:r>
+            <a:r>
+              <a:rPr lang="en-US" altLang="zh-TW" dirty="0"/>
+              <a:t>)</a:t>
+            </a:r>
+            <a:endParaRPr lang="zh-TW" altLang="zh-TW" dirty="0"/>
+          </a:p>
+          <a:p>
+            <a:pPr marL="457200" lvl="1" indent="0">
+              <a:buNone/>
+            </a:pPr>
+            <a:r>
+              <a:rPr lang="zh-TW" altLang="zh-TW" dirty="0" smtClean="0"/>
+              <a:t>序號</a:t>
+            </a:r>
+            <a:r>
+              <a:rPr lang="en-US" altLang="zh-TW" dirty="0"/>
+              <a:t>:</a:t>
+            </a:r>
+            <a:r>
+              <a:rPr lang="zh-TW" altLang="zh-TW" dirty="0"/>
+              <a:t>用於從地圖檔讀取資料的</a:t>
+            </a:r>
+            <a:r>
+              <a:rPr lang="en-US" altLang="zh-TW" dirty="0"/>
+              <a:t>key</a:t>
+            </a:r>
+            <a:r>
+              <a:rPr lang="zh-TW" altLang="zh-TW" dirty="0"/>
+              <a:t>，儲存序號由</a:t>
+            </a:r>
+            <a:r>
+              <a:rPr lang="en-US" altLang="zh-TW" dirty="0"/>
+              <a:t>1</a:t>
+            </a:r>
+            <a:r>
+              <a:rPr lang="zh-TW" altLang="zh-TW" dirty="0"/>
+              <a:t>開始向後累加，當同一份地圖檔當中出現重複序號時以最新一筆為讀取目標</a:t>
+            </a:r>
+            <a:r>
+              <a:rPr lang="zh-TW" altLang="zh-TW" dirty="0" smtClean="0"/>
+              <a:t>。</a:t>
+            </a:r>
+            <a:endParaRPr lang="en-US" altLang="zh-TW" dirty="0" smtClean="0"/>
+          </a:p>
+          <a:p>
+            <a:pPr marL="457200" lvl="1" indent="0">
+              <a:buNone/>
+            </a:pPr>
+            <a:r>
+              <a:rPr lang="zh-TW" altLang="zh-TW" dirty="0" smtClean="0"/>
+              <a:t>序號</a:t>
+            </a:r>
+            <a:r>
+              <a:rPr lang="en-US" altLang="zh-TW" dirty="0" smtClean="0"/>
+              <a:t>0:</a:t>
+            </a:r>
+            <a:r>
+              <a:rPr lang="zh-TW" altLang="zh-TW" dirty="0" smtClean="0"/>
+              <a:t>為</a:t>
+            </a:r>
+            <a:r>
+              <a:rPr lang="zh-TW" altLang="en-US" dirty="0" smtClean="0"/>
+              <a:t>定義地圖檔案的標頭與結尾，不儲存資料。</a:t>
+            </a:r>
+            <a:r>
+              <a:rPr lang="en-US" altLang="zh-TW" dirty="0" smtClean="0"/>
+              <a:t/>
+            </a:r>
+            <a:br>
+              <a:rPr lang="en-US" altLang="zh-TW" dirty="0" smtClean="0"/>
+            </a:br>
+            <a:endParaRPr lang="zh-TW" altLang="zh-TW" dirty="0"/>
+          </a:p>
+          <a:p>
+            <a:r>
+              <a:rPr lang="en-US" altLang="zh-TW" dirty="0"/>
+              <a:t>X Y:</a:t>
+            </a:r>
+            <a:r>
+              <a:rPr lang="zh-TW" altLang="zh-TW" dirty="0"/>
+              <a:t>分別儲存地圖中</a:t>
+            </a:r>
+            <a:r>
+              <a:rPr lang="en-US" altLang="zh-TW" dirty="0"/>
+              <a:t>x</a:t>
+            </a:r>
+            <a:r>
+              <a:rPr lang="zh-TW" altLang="zh-TW" dirty="0"/>
+              <a:t>軸</a:t>
+            </a:r>
+            <a:r>
+              <a:rPr lang="en-US" altLang="zh-TW" dirty="0"/>
+              <a:t>y</a:t>
+            </a:r>
+            <a:r>
+              <a:rPr lang="zh-TW" altLang="zh-TW" dirty="0"/>
+              <a:t>軸的</a:t>
+            </a:r>
+            <a:r>
+              <a:rPr lang="zh-TW" altLang="zh-TW" dirty="0" smtClean="0"/>
+              <a:t>位置</a:t>
+            </a:r>
+            <a:r>
+              <a:rPr lang="zh-TW" altLang="en-US" dirty="0" smtClean="0"/>
+              <a:t>。</a:t>
+            </a:r>
+            <a:r>
+              <a:rPr lang="en-US" altLang="zh-TW" dirty="0" smtClean="0"/>
+              <a:t/>
+            </a:r>
+            <a:br>
+              <a:rPr lang="en-US" altLang="zh-TW" dirty="0" smtClean="0"/>
+            </a:br>
+            <a:endParaRPr lang="zh-TW" altLang="zh-TW" dirty="0"/>
+          </a:p>
+          <a:p>
+            <a:r>
+              <a:rPr lang="zh-TW" altLang="zh-TW" dirty="0"/>
+              <a:t>格式</a:t>
+            </a:r>
+            <a:r>
+              <a:rPr lang="en-US" altLang="zh-TW" dirty="0"/>
+              <a:t>:</a:t>
+            </a:r>
+            <a:r>
+              <a:rPr lang="zh-TW" altLang="zh-TW" dirty="0"/>
+              <a:t>利用數字定義後面儲存的資料</a:t>
+            </a:r>
+            <a:r>
+              <a:rPr lang="zh-TW" altLang="zh-TW" dirty="0" smtClean="0"/>
+              <a:t>格式</a:t>
+            </a:r>
+            <a:r>
+              <a:rPr lang="zh-TW" altLang="en-US" dirty="0" smtClean="0"/>
+              <a:t>，使地圖檔可以存放各種不同意義的資料。</a:t>
+            </a:r>
+            <a:r>
+              <a:rPr lang="en-US" altLang="zh-TW" dirty="0" smtClean="0"/>
+              <a:t/>
+            </a:r>
+            <a:br>
+              <a:rPr lang="en-US" altLang="zh-TW" dirty="0" smtClean="0"/>
+            </a:br>
+            <a:endParaRPr lang="en-US" altLang="zh-TW" dirty="0" smtClean="0"/>
+          </a:p>
+          <a:p>
+            <a:pPr marL="228600" lvl="1">
+              <a:spcBef>
+                <a:spcPts val="1000"/>
+              </a:spcBef>
+            </a:pPr>
+            <a:r>
+              <a:rPr lang="zh-TW" altLang="zh-TW" dirty="0" smtClean="0"/>
+              <a:t>格式</a:t>
+            </a:r>
+            <a:r>
+              <a:rPr lang="en-US" altLang="zh-TW" dirty="0" smtClean="0"/>
+              <a:t>999</a:t>
+            </a:r>
+            <a:r>
+              <a:rPr lang="zh-TW" altLang="en-US" dirty="0"/>
+              <a:t>說明</a:t>
+            </a:r>
+            <a:r>
+              <a:rPr lang="en-US" altLang="zh-TW" dirty="0" smtClean="0"/>
+              <a:t>(</a:t>
+            </a:r>
+            <a:r>
+              <a:rPr lang="zh-TW" altLang="en-US" dirty="0" smtClean="0"/>
+              <a:t>記錄</a:t>
+            </a:r>
+            <a:r>
+              <a:rPr lang="zh-TW" altLang="zh-TW" dirty="0" smtClean="0"/>
+              <a:t>環境</a:t>
+            </a:r>
+            <a:r>
+              <a:rPr lang="zh-TW" altLang="zh-TW" dirty="0"/>
+              <a:t>資訊</a:t>
+            </a:r>
+            <a:r>
+              <a:rPr lang="en-US" altLang="zh-TW" dirty="0" smtClean="0"/>
+              <a:t>)</a:t>
+            </a:r>
+            <a:r>
+              <a:rPr lang="zh-TW" altLang="en-US" dirty="0" smtClean="0"/>
+              <a:t> </a:t>
+            </a:r>
+            <a:r>
+              <a:rPr lang="en-US" altLang="zh-TW" dirty="0" smtClean="0"/>
+              <a:t>:</a:t>
+            </a:r>
+            <a:endParaRPr lang="zh-TW" altLang="zh-TW" dirty="0"/>
+          </a:p>
+          <a:p>
+            <a:pPr marL="457200" lvl="1" indent="0">
+              <a:buNone/>
+            </a:pPr>
+            <a:r>
+              <a:rPr lang="en-US" altLang="zh-TW" dirty="0"/>
+              <a:t>#</a:t>
+            </a:r>
+            <a:r>
+              <a:rPr lang="zh-TW" altLang="zh-TW" dirty="0" smtClean="0"/>
+              <a:t>序號</a:t>
+            </a:r>
+            <a:r>
+              <a:rPr lang="zh-TW" altLang="en-US" dirty="0" smtClean="0"/>
+              <a:t>空</a:t>
+            </a:r>
+            <a:r>
+              <a:rPr lang="zh-TW" altLang="en-US" dirty="0"/>
+              <a:t>格</a:t>
+            </a:r>
+            <a:r>
+              <a:rPr lang="en-US" altLang="zh-TW" dirty="0" smtClean="0"/>
+              <a:t>-</a:t>
+            </a:r>
+            <a:r>
+              <a:rPr lang="en-US" altLang="zh-TW" dirty="0"/>
+              <a:t>X-Y-</a:t>
+            </a:r>
+            <a:r>
+              <a:rPr lang="zh-TW" altLang="zh-TW" dirty="0"/>
+              <a:t>格式</a:t>
+            </a:r>
+            <a:r>
+              <a:rPr lang="en-US" altLang="zh-TW" dirty="0"/>
+              <a:t>999-</a:t>
+            </a:r>
+            <a:r>
+              <a:rPr lang="zh-TW" altLang="zh-TW" dirty="0"/>
+              <a:t>北</a:t>
+            </a:r>
+            <a:r>
+              <a:rPr lang="en-US" altLang="zh-TW" dirty="0"/>
+              <a:t>-</a:t>
+            </a:r>
+            <a:r>
+              <a:rPr lang="zh-TW" altLang="zh-TW" dirty="0"/>
+              <a:t>東</a:t>
+            </a:r>
+            <a:r>
+              <a:rPr lang="en-US" altLang="zh-TW" dirty="0"/>
+              <a:t>-</a:t>
+            </a:r>
+            <a:r>
+              <a:rPr lang="zh-TW" altLang="zh-TW" dirty="0"/>
+              <a:t>南</a:t>
+            </a:r>
+            <a:r>
+              <a:rPr lang="en-US" altLang="zh-TW" dirty="0"/>
+              <a:t>-</a:t>
+            </a:r>
+            <a:r>
+              <a:rPr lang="zh-TW" altLang="zh-TW" dirty="0"/>
+              <a:t>西</a:t>
+            </a:r>
+            <a:r>
+              <a:rPr lang="en-US" altLang="zh-TW" dirty="0"/>
+              <a:t>-</a:t>
+            </a:r>
+            <a:r>
+              <a:rPr lang="zh-TW" altLang="zh-TW" dirty="0"/>
+              <a:t>分區</a:t>
+            </a:r>
+            <a:r>
+              <a:rPr lang="en-US" altLang="zh-TW" dirty="0"/>
+              <a:t>-</a:t>
+            </a:r>
+            <a:r>
+              <a:rPr lang="zh-TW" altLang="zh-TW" dirty="0"/>
+              <a:t>預</a:t>
+            </a:r>
+            <a:r>
+              <a:rPr lang="zh-TW" altLang="zh-TW" dirty="0" smtClean="0"/>
+              <a:t>留</a:t>
+            </a:r>
+            <a:r>
+              <a:rPr lang="en-US" altLang="zh-TW" dirty="0" smtClean="0"/>
+              <a:t/>
+            </a:r>
+            <a:br>
+              <a:rPr lang="en-US" altLang="zh-TW" dirty="0" smtClean="0"/>
+            </a:br>
+            <a:r>
+              <a:rPr lang="en-US" altLang="zh-TW" dirty="0" smtClean="0"/>
+              <a:t>#</a:t>
+            </a:r>
+            <a:r>
+              <a:rPr lang="en-US" altLang="zh-TW" dirty="0"/>
+              <a:t>1 -</a:t>
+            </a:r>
+            <a:r>
+              <a:rPr lang="en-US" altLang="zh-TW" dirty="0" smtClean="0"/>
+              <a:t>5000-5000-999-2-8-0-0-0-0-</a:t>
+            </a:r>
+            <a:r>
+              <a:rPr lang="en-US" altLang="zh-TW" dirty="0"/>
+              <a:t/>
+            </a:r>
+            <a:br>
+              <a:rPr lang="en-US" altLang="zh-TW" dirty="0"/>
+            </a:br>
+            <a:r>
+              <a:rPr lang="zh-TW" altLang="zh-TW" dirty="0" smtClean="0"/>
+              <a:t>此</a:t>
+            </a:r>
+            <a:r>
+              <a:rPr lang="zh-TW" altLang="zh-TW" dirty="0"/>
+              <a:t>例</a:t>
+            </a:r>
+            <a:r>
+              <a:rPr lang="zh-TW" altLang="zh-TW" dirty="0" smtClean="0"/>
+              <a:t>中代表</a:t>
+            </a:r>
+            <a:r>
+              <a:rPr lang="zh-TW" altLang="zh-TW" dirty="0"/>
+              <a:t>在序號</a:t>
+            </a:r>
+            <a:r>
+              <a:rPr lang="en-US" altLang="zh-TW" dirty="0"/>
+              <a:t>1</a:t>
+            </a:r>
+            <a:r>
+              <a:rPr lang="zh-TW" altLang="zh-TW" dirty="0"/>
+              <a:t>這一個位置中 向北是序號</a:t>
+            </a:r>
+            <a:r>
+              <a:rPr lang="en-US" altLang="zh-TW" dirty="0"/>
+              <a:t>2</a:t>
+            </a:r>
+            <a:r>
+              <a:rPr lang="zh-TW" altLang="zh-TW" dirty="0"/>
+              <a:t>，東為序號</a:t>
+            </a:r>
+            <a:r>
+              <a:rPr lang="en-US" altLang="zh-TW" dirty="0"/>
+              <a:t>8</a:t>
+            </a:r>
+            <a:r>
+              <a:rPr lang="zh-TW" altLang="zh-TW" dirty="0"/>
+              <a:t>，</a:t>
+            </a:r>
+            <a:r>
+              <a:rPr lang="en-US" altLang="zh-TW" dirty="0"/>
+              <a:t>0</a:t>
+            </a:r>
+            <a:r>
+              <a:rPr lang="zh-TW" altLang="zh-TW" dirty="0"/>
+              <a:t>則代表無路可走，也就是代表</a:t>
+            </a:r>
+            <a:r>
+              <a:rPr lang="en-US" altLang="zh-TW" dirty="0"/>
+              <a:t>0</a:t>
+            </a:r>
+            <a:r>
+              <a:rPr lang="zh-TW" altLang="zh-TW" dirty="0"/>
+              <a:t>是邊界或障礙。</a:t>
+            </a:r>
+          </a:p>
+          <a:p>
+            <a:endParaRPr lang="zh-TW" altLang="en-US" dirty="0"/>
+          </a:p>
+        </p:txBody>
+      </p:sp>
+    </p:spTree>
+    <p:extLst>
+      <p:ext uri="{BB962C8B-B14F-4D97-AF65-F5344CB8AC3E}">
+        <p14:creationId xmlns:p14="http://schemas.microsoft.com/office/powerpoint/2010/main" val="2178693816"/>
+      </p:ext>
+    </p:extLst>
+  </p:cSld>
+  <p:clrMapOvr>
+    <a:masterClrMapping/>
+  </p:clrMapOvr>
+</p:sld>
+</file>
+
+<file path=ppt/slides/slide13.xml><?xml version="1.0" encoding="utf-8"?>
+<p:sld xmlns:a="http://schemas.openxmlformats.org/drawingml/2006/main" xmlns:r="http://schemas.openxmlformats.org/officeDocument/2006/relationships" xmlns:p="http://schemas.openxmlformats.org/presentationml/2006/main">
+  <p:cSld>
+    <p:spTree>
+      <p:nvGrpSpPr>
+        <p:cNvPr id="1" name=""/>
+        <p:cNvGrpSpPr/>
+        <p:nvPr/>
+      </p:nvGrpSpPr>
+      <p:grpSpPr>
+        <a:xfrm>
+          <a:off x="0" y="0"/>
+          <a:ext cx="0" cy="0"/>
+          <a:chOff x="0" y="0"/>
+          <a:chExt cx="0" cy="0"/>
+        </a:xfrm>
+      </p:grpSpPr>
+      <p:sp>
+        <p:nvSpPr>
+          <p:cNvPr id="4" name="橢圓 3"/>
+          <p:cNvSpPr/>
+          <p:nvPr/>
+        </p:nvSpPr>
+        <p:spPr>
+          <a:xfrm>
+            <a:off x="2168286" y="154584"/>
+            <a:ext cx="1371600" cy="1288472"/>
+          </a:xfrm>
+          <a:prstGeom prst="ellipse">
+            <a:avLst/>
+          </a:prstGeom>
+          <a:solidFill>
+            <a:schemeClr val="accent1"/>
+          </a:solidFill>
+        </p:spPr>
+        <p:style>
+          <a:lnRef idx="2">
+            <a:schemeClr val="accent1">
+              <a:shade val="50000"/>
+            </a:schemeClr>
+          </a:lnRef>
+          <a:fillRef idx="1">
+            <a:schemeClr val="accent1"/>
+          </a:fillRef>
+          <a:effectRef idx="0">
+            <a:schemeClr val="accent1"/>
+          </a:effectRef>
+          <a:fontRef idx="minor">
+            <a:schemeClr val="lt1"/>
+          </a:fontRef>
+        </p:style>
+        <p:txBody>
+          <a:bodyPr rtlCol="0" anchor="ctr"/>
+          <a:lstStyle/>
+          <a:p>
+            <a:pPr algn="ctr"/>
+            <a:r>
+              <a:rPr lang="zh-TW" altLang="en-US" dirty="0" smtClean="0"/>
+              <a:t>主架構</a:t>
+            </a:r>
+            <a:endParaRPr lang="zh-TW" altLang="en-US" dirty="0"/>
+          </a:p>
+        </p:txBody>
+      </p:sp>
+      <p:sp>
+        <p:nvSpPr>
+          <p:cNvPr id="5" name="圓角矩形 4"/>
+          <p:cNvSpPr/>
+          <p:nvPr/>
+        </p:nvSpPr>
+        <p:spPr>
+          <a:xfrm>
+            <a:off x="4367626" y="154584"/>
+            <a:ext cx="1676400" cy="1288472"/>
+          </a:xfrm>
+          <a:prstGeom prst="roundRect">
+            <a:avLst/>
+          </a:prstGeom>
+          <a:solidFill>
+            <a:schemeClr val="accent1"/>
+          </a:solidFill>
+        </p:spPr>
+        <p:style>
+          <a:lnRef idx="2">
+            <a:schemeClr val="accent1">
+              <a:shade val="50000"/>
+            </a:schemeClr>
+          </a:lnRef>
+          <a:fillRef idx="1">
+            <a:schemeClr val="accent1"/>
+          </a:fillRef>
+          <a:effectRef idx="0">
+            <a:schemeClr val="accent1"/>
+          </a:effectRef>
+          <a:fontRef idx="minor">
+            <a:schemeClr val="lt1"/>
+          </a:fontRef>
+        </p:style>
+        <p:txBody>
+          <a:bodyPr rtlCol="0" anchor="ctr"/>
+          <a:lstStyle/>
+          <a:p>
+            <a:pPr algn="ctr"/>
+            <a:r>
+              <a:rPr lang="zh-TW" altLang="en-US" dirty="0" smtClean="0"/>
+              <a:t>細部流程</a:t>
+            </a:r>
+            <a:endParaRPr lang="zh-TW" altLang="en-US" dirty="0"/>
+          </a:p>
+        </p:txBody>
+      </p:sp>
+      <p:sp>
+        <p:nvSpPr>
+          <p:cNvPr id="9" name="圓角矩形 8"/>
+          <p:cNvSpPr/>
+          <p:nvPr/>
+        </p:nvSpPr>
+        <p:spPr>
+          <a:xfrm>
+            <a:off x="1330086" y="4213965"/>
+            <a:ext cx="1676400" cy="1288472"/>
+          </a:xfrm>
+          <a:prstGeom prst="roundRect">
+            <a:avLst/>
+          </a:prstGeom>
+          <a:solidFill>
+            <a:srgbClr val="FF0000"/>
+          </a:solidFill>
+          <a:ln>
+            <a:solidFill>
+              <a:schemeClr val="bg1"/>
+            </a:solidFill>
+          </a:ln>
+        </p:spPr>
+        <p:style>
+          <a:lnRef idx="2">
+            <a:schemeClr val="accent1">
+              <a:shade val="50000"/>
+            </a:schemeClr>
+          </a:lnRef>
+          <a:fillRef idx="1">
+            <a:schemeClr val="accent1"/>
+          </a:fillRef>
+          <a:effectRef idx="0">
+            <a:schemeClr val="accent1"/>
+          </a:effectRef>
+          <a:fontRef idx="minor">
+            <a:schemeClr val="lt1"/>
+          </a:fontRef>
+        </p:style>
+        <p:txBody>
+          <a:bodyPr rtlCol="0" anchor="ctr"/>
+          <a:lstStyle/>
+          <a:p>
+            <a:pPr algn="ctr"/>
+            <a:r>
+              <a:rPr lang="zh-TW" altLang="en-US" dirty="0" smtClean="0"/>
+              <a:t>紅色底色</a:t>
+            </a:r>
+            <a:endParaRPr lang="en-US" altLang="zh-TW" dirty="0" smtClean="0"/>
+          </a:p>
+          <a:p>
+            <a:pPr algn="ctr"/>
+            <a:r>
+              <a:rPr lang="en-US" altLang="zh-TW" dirty="0" smtClean="0"/>
+              <a:t>(</a:t>
+            </a:r>
+            <a:r>
+              <a:rPr lang="zh-TW" altLang="en-US" dirty="0" smtClean="0"/>
+              <a:t>未開始</a:t>
+            </a:r>
+            <a:r>
+              <a:rPr lang="en-US" altLang="zh-TW" dirty="0" smtClean="0"/>
+              <a:t>)</a:t>
+            </a:r>
+            <a:endParaRPr lang="zh-TW" altLang="en-US" dirty="0"/>
+          </a:p>
+        </p:txBody>
+      </p:sp>
+      <p:sp>
+        <p:nvSpPr>
+          <p:cNvPr id="10" name="圓角矩形 9"/>
+          <p:cNvSpPr/>
+          <p:nvPr/>
+        </p:nvSpPr>
+        <p:spPr>
+          <a:xfrm>
+            <a:off x="5565168" y="4213965"/>
+            <a:ext cx="1676400" cy="1288472"/>
+          </a:xfrm>
+          <a:prstGeom prst="roundRect">
+            <a:avLst/>
+          </a:prstGeom>
+          <a:solidFill>
+            <a:schemeClr val="accent4"/>
+          </a:solidFill>
+          <a:ln>
+            <a:solidFill>
+              <a:schemeClr val="bg1"/>
+            </a:solidFill>
+          </a:ln>
+        </p:spPr>
+        <p:style>
+          <a:lnRef idx="2">
+            <a:schemeClr val="accent1">
+              <a:shade val="50000"/>
+            </a:schemeClr>
+          </a:lnRef>
+          <a:fillRef idx="1">
+            <a:schemeClr val="accent1"/>
+          </a:fillRef>
+          <a:effectRef idx="0">
+            <a:schemeClr val="accent1"/>
+          </a:effectRef>
+          <a:fontRef idx="minor">
+            <a:schemeClr val="lt1"/>
+          </a:fontRef>
+        </p:style>
+        <p:txBody>
+          <a:bodyPr rtlCol="0" anchor="ctr"/>
+          <a:lstStyle/>
+          <a:p>
+            <a:pPr algn="ctr"/>
+            <a:r>
+              <a:rPr lang="zh-TW" altLang="en-US" dirty="0"/>
+              <a:t>黃色底色</a:t>
+            </a:r>
+            <a:endParaRPr lang="en-US" altLang="zh-TW" dirty="0"/>
+          </a:p>
+          <a:p>
+            <a:pPr algn="ctr"/>
+            <a:r>
+              <a:rPr lang="en-US" altLang="zh-TW" dirty="0"/>
+              <a:t>(</a:t>
+            </a:r>
+            <a:r>
+              <a:rPr lang="zh-TW" altLang="en-US" dirty="0"/>
+              <a:t>待驗證</a:t>
+            </a:r>
+            <a:r>
+              <a:rPr lang="en-US" altLang="zh-TW" dirty="0"/>
+              <a:t>)</a:t>
+            </a:r>
+            <a:endParaRPr lang="zh-TW" altLang="en-US" dirty="0"/>
+          </a:p>
+        </p:txBody>
+      </p:sp>
+      <p:sp>
+        <p:nvSpPr>
+          <p:cNvPr id="11" name="圓角矩形 10"/>
+          <p:cNvSpPr/>
+          <p:nvPr/>
+        </p:nvSpPr>
+        <p:spPr>
+          <a:xfrm>
+            <a:off x="7765424" y="4193183"/>
+            <a:ext cx="1676400" cy="1288472"/>
+          </a:xfrm>
+          <a:prstGeom prst="roundRect">
+            <a:avLst/>
+          </a:prstGeom>
+          <a:solidFill>
+            <a:schemeClr val="accent6"/>
+          </a:solidFill>
+          <a:ln>
+            <a:solidFill>
+              <a:schemeClr val="bg1"/>
+            </a:solidFill>
+          </a:ln>
+        </p:spPr>
+        <p:style>
+          <a:lnRef idx="2">
+            <a:schemeClr val="accent1">
+              <a:shade val="50000"/>
+            </a:schemeClr>
+          </a:lnRef>
+          <a:fillRef idx="1">
+            <a:schemeClr val="accent1"/>
+          </a:fillRef>
+          <a:effectRef idx="0">
+            <a:schemeClr val="accent1"/>
+          </a:effectRef>
+          <a:fontRef idx="minor">
+            <a:schemeClr val="lt1"/>
+          </a:fontRef>
+        </p:style>
+        <p:txBody>
+          <a:bodyPr rtlCol="0" anchor="ctr"/>
+          <a:lstStyle/>
+          <a:p>
+            <a:pPr algn="ctr"/>
+            <a:r>
+              <a:rPr lang="zh-TW" altLang="en-US" dirty="0" smtClean="0"/>
+              <a:t>綠色底色</a:t>
+            </a:r>
+            <a:endParaRPr lang="en-US" altLang="zh-TW" dirty="0" smtClean="0"/>
+          </a:p>
+          <a:p>
+            <a:pPr algn="ctr"/>
+            <a:r>
+              <a:rPr lang="en-US" altLang="zh-TW" dirty="0" smtClean="0"/>
+              <a:t>(</a:t>
+            </a:r>
+            <a:r>
+              <a:rPr lang="zh-TW" altLang="en-US" dirty="0" smtClean="0"/>
+              <a:t>已完成</a:t>
+            </a:r>
+            <a:r>
+              <a:rPr lang="en-US" altLang="zh-TW" dirty="0" smtClean="0"/>
+              <a:t>)</a:t>
+            </a:r>
+            <a:endParaRPr lang="zh-TW" altLang="en-US" dirty="0"/>
+          </a:p>
+        </p:txBody>
+      </p:sp>
+      <p:sp>
+        <p:nvSpPr>
+          <p:cNvPr id="12" name="圓角矩形 11"/>
+          <p:cNvSpPr/>
+          <p:nvPr/>
+        </p:nvSpPr>
+        <p:spPr>
+          <a:xfrm>
+            <a:off x="2247880" y="1930681"/>
+            <a:ext cx="3796146" cy="1704109"/>
+          </a:xfrm>
+          <a:prstGeom prst="roundRect">
+            <a:avLst/>
+          </a:prstGeom>
+          <a:solidFill>
+            <a:schemeClr val="accent1">
+              <a:lumMod val="40000"/>
+              <a:lumOff val="60000"/>
+            </a:schemeClr>
+          </a:solidFill>
+        </p:spPr>
+        <p:style>
+          <a:lnRef idx="2">
+            <a:schemeClr val="accent1">
+              <a:shade val="50000"/>
+            </a:schemeClr>
+          </a:lnRef>
+          <a:fillRef idx="1">
+            <a:schemeClr val="accent1"/>
+          </a:fillRef>
+          <a:effectRef idx="0">
+            <a:schemeClr val="accent1"/>
+          </a:effectRef>
+          <a:fontRef idx="minor">
+            <a:schemeClr val="lt1"/>
+          </a:fontRef>
+        </p:style>
+        <p:txBody>
+          <a:bodyPr rtlCol="0" anchor="ctr"/>
+          <a:lstStyle/>
+          <a:p>
+            <a:pPr algn="ctr"/>
+            <a:endParaRPr lang="zh-TW" altLang="en-US"/>
+          </a:p>
+        </p:txBody>
+      </p:sp>
+      <p:sp>
+        <p:nvSpPr>
+          <p:cNvPr id="13" name="圓角矩形 12"/>
+          <p:cNvSpPr/>
+          <p:nvPr/>
+        </p:nvSpPr>
+        <p:spPr>
+          <a:xfrm>
+            <a:off x="2462624" y="2126829"/>
+            <a:ext cx="1676400" cy="1288472"/>
+          </a:xfrm>
+          <a:prstGeom prst="roundRect">
+            <a:avLst/>
+          </a:prstGeom>
+          <a:solidFill>
+            <a:schemeClr val="accent1"/>
+          </a:solidFill>
+        </p:spPr>
+        <p:style>
+          <a:lnRef idx="2">
+            <a:schemeClr val="accent1">
+              <a:shade val="50000"/>
+            </a:schemeClr>
+          </a:lnRef>
+          <a:fillRef idx="1">
+            <a:schemeClr val="accent1"/>
+          </a:fillRef>
+          <a:effectRef idx="0">
+            <a:schemeClr val="accent1"/>
+          </a:effectRef>
+          <a:fontRef idx="minor">
+            <a:schemeClr val="lt1"/>
+          </a:fontRef>
+        </p:style>
+        <p:txBody>
+          <a:bodyPr rtlCol="0" anchor="ctr"/>
+          <a:lstStyle/>
+          <a:p>
+            <a:pPr algn="ctr"/>
+            <a:r>
+              <a:rPr lang="zh-TW" altLang="en-US" dirty="0" smtClean="0"/>
+              <a:t>多選多</a:t>
+            </a:r>
+            <a:r>
+              <a:rPr lang="en-US" altLang="zh-TW" dirty="0" smtClean="0"/>
+              <a:t/>
+            </a:r>
+            <a:br>
+              <a:rPr lang="en-US" altLang="zh-TW" dirty="0" smtClean="0"/>
+            </a:br>
+            <a:r>
+              <a:rPr lang="zh-TW" altLang="en-US" dirty="0" smtClean="0"/>
+              <a:t>流程</a:t>
+            </a:r>
+            <a:r>
+              <a:rPr lang="en-US" altLang="zh-TW" dirty="0" smtClean="0"/>
+              <a:t>1</a:t>
+            </a:r>
+            <a:endParaRPr lang="zh-TW" altLang="en-US" dirty="0"/>
+          </a:p>
+        </p:txBody>
+      </p:sp>
+      <p:sp>
+        <p:nvSpPr>
+          <p:cNvPr id="14" name="圓角矩形 13"/>
+          <p:cNvSpPr/>
+          <p:nvPr/>
+        </p:nvSpPr>
+        <p:spPr>
+          <a:xfrm>
+            <a:off x="4270505" y="2131572"/>
+            <a:ext cx="1676400" cy="1288472"/>
+          </a:xfrm>
+          <a:prstGeom prst="roundRect">
+            <a:avLst/>
+          </a:prstGeom>
+          <a:solidFill>
+            <a:schemeClr val="accent1"/>
+          </a:solidFill>
+        </p:spPr>
+        <p:style>
+          <a:lnRef idx="2">
+            <a:schemeClr val="accent1">
+              <a:shade val="50000"/>
+            </a:schemeClr>
+          </a:lnRef>
+          <a:fillRef idx="1">
+            <a:schemeClr val="accent1"/>
+          </a:fillRef>
+          <a:effectRef idx="0">
+            <a:schemeClr val="accent1"/>
+          </a:effectRef>
+          <a:fontRef idx="minor">
+            <a:schemeClr val="lt1"/>
+          </a:fontRef>
+        </p:style>
+        <p:txBody>
+          <a:bodyPr rtlCol="0" anchor="ctr"/>
+          <a:lstStyle/>
+          <a:p>
+            <a:pPr algn="ctr"/>
+            <a:r>
+              <a:rPr lang="zh-TW" altLang="en-US" dirty="0"/>
+              <a:t>多選</a:t>
+            </a:r>
+            <a:r>
+              <a:rPr lang="zh-TW" altLang="en-US" dirty="0" smtClean="0"/>
+              <a:t>多</a:t>
+            </a:r>
+            <a:r>
+              <a:rPr lang="en-US" altLang="zh-TW" dirty="0" smtClean="0"/>
+              <a:t/>
+            </a:r>
+            <a:br>
+              <a:rPr lang="en-US" altLang="zh-TW" dirty="0" smtClean="0"/>
+            </a:br>
+            <a:r>
+              <a:rPr lang="zh-TW" altLang="en-US" dirty="0" smtClean="0"/>
+              <a:t>流程</a:t>
+            </a:r>
+            <a:r>
+              <a:rPr lang="en-US" altLang="zh-TW" dirty="0"/>
+              <a:t>2</a:t>
+            </a:r>
+            <a:endParaRPr lang="zh-TW" altLang="en-US" dirty="0"/>
+          </a:p>
+        </p:txBody>
+      </p:sp>
+      <p:sp>
+        <p:nvSpPr>
+          <p:cNvPr id="2" name="橢圓 1"/>
+          <p:cNvSpPr/>
+          <p:nvPr/>
+        </p:nvSpPr>
+        <p:spPr>
+          <a:xfrm>
+            <a:off x="6611816" y="1704798"/>
+            <a:ext cx="4747846" cy="2057400"/>
+          </a:xfrm>
+          <a:prstGeom prst="ellipse">
+            <a:avLst/>
+          </a:prstGeom>
+          <a:solidFill>
+            <a:schemeClr val="accent5">
+              <a:lumMod val="20000"/>
+              <a:lumOff val="80000"/>
+            </a:schemeClr>
+          </a:solidFill>
+        </p:spPr>
+        <p:style>
+          <a:lnRef idx="2">
+            <a:schemeClr val="accent1">
+              <a:shade val="50000"/>
+            </a:schemeClr>
+          </a:lnRef>
+          <a:fillRef idx="1">
+            <a:schemeClr val="accent1"/>
+          </a:fillRef>
+          <a:effectRef idx="0">
+            <a:schemeClr val="accent1"/>
+          </a:effectRef>
+          <a:fontRef idx="minor">
+            <a:schemeClr val="lt1"/>
+          </a:fontRef>
+        </p:style>
+        <p:txBody>
+          <a:bodyPr rtlCol="0" anchor="ctr"/>
+          <a:lstStyle/>
+          <a:p>
+            <a:pPr algn="ctr"/>
+            <a:endParaRPr lang="zh-TW" altLang="en-US"/>
+          </a:p>
+        </p:txBody>
+      </p:sp>
+      <p:sp>
+        <p:nvSpPr>
+          <p:cNvPr id="15" name="圓角矩形 14"/>
+          <p:cNvSpPr/>
+          <p:nvPr/>
+        </p:nvSpPr>
+        <p:spPr>
+          <a:xfrm>
+            <a:off x="7414846" y="2083962"/>
+            <a:ext cx="1676400" cy="1288472"/>
+          </a:xfrm>
+          <a:prstGeom prst="roundRect">
+            <a:avLst/>
+          </a:prstGeom>
+          <a:solidFill>
+            <a:schemeClr val="accent1"/>
+          </a:solidFill>
+        </p:spPr>
+        <p:style>
+          <a:lnRef idx="2">
+            <a:schemeClr val="accent1">
+              <a:shade val="50000"/>
+            </a:schemeClr>
+          </a:lnRef>
+          <a:fillRef idx="1">
+            <a:schemeClr val="accent1"/>
+          </a:fillRef>
+          <a:effectRef idx="0">
+            <a:schemeClr val="accent1"/>
+          </a:effectRef>
+          <a:fontRef idx="minor">
+            <a:schemeClr val="lt1"/>
+          </a:fontRef>
+        </p:style>
+        <p:txBody>
+          <a:bodyPr rtlCol="0" anchor="ctr"/>
+          <a:lstStyle/>
+          <a:p>
+            <a:pPr algn="ctr"/>
+            <a:r>
+              <a:rPr lang="zh-TW" altLang="en-US" dirty="0" smtClean="0"/>
+              <a:t>多選一流程</a:t>
+            </a:r>
+            <a:r>
+              <a:rPr lang="en-US" altLang="zh-TW" dirty="0" smtClean="0"/>
+              <a:t>1</a:t>
+            </a:r>
+            <a:endParaRPr lang="zh-TW" altLang="en-US" dirty="0"/>
+          </a:p>
+        </p:txBody>
+      </p:sp>
+      <p:sp>
+        <p:nvSpPr>
+          <p:cNvPr id="16" name="圓角矩形 15"/>
+          <p:cNvSpPr/>
+          <p:nvPr/>
+        </p:nvSpPr>
+        <p:spPr>
+          <a:xfrm>
+            <a:off x="9091246" y="2083962"/>
+            <a:ext cx="1676400" cy="1288472"/>
+          </a:xfrm>
+          <a:prstGeom prst="roundRect">
+            <a:avLst/>
+          </a:prstGeom>
+          <a:solidFill>
+            <a:schemeClr val="accent1"/>
+          </a:solidFill>
+        </p:spPr>
+        <p:style>
+          <a:lnRef idx="2">
+            <a:schemeClr val="accent1">
+              <a:shade val="50000"/>
+            </a:schemeClr>
+          </a:lnRef>
+          <a:fillRef idx="1">
+            <a:schemeClr val="accent1"/>
+          </a:fillRef>
+          <a:effectRef idx="0">
+            <a:schemeClr val="accent1"/>
+          </a:effectRef>
+          <a:fontRef idx="minor">
+            <a:schemeClr val="lt1"/>
+          </a:fontRef>
+        </p:style>
+        <p:txBody>
+          <a:bodyPr rtlCol="0" anchor="ctr"/>
+          <a:lstStyle/>
+          <a:p>
+            <a:pPr algn="ctr"/>
+            <a:r>
+              <a:rPr lang="zh-TW" altLang="en-US" dirty="0" smtClean="0"/>
+              <a:t>多選一流程</a:t>
+            </a:r>
+            <a:r>
+              <a:rPr lang="en-US" altLang="zh-TW" dirty="0"/>
+              <a:t>2</a:t>
+            </a:r>
+            <a:endParaRPr lang="zh-TW" altLang="en-US" dirty="0"/>
+          </a:p>
+        </p:txBody>
+      </p:sp>
+      <p:sp>
+        <p:nvSpPr>
+          <p:cNvPr id="17" name="圓角矩形 16"/>
+          <p:cNvSpPr/>
+          <p:nvPr/>
+        </p:nvSpPr>
+        <p:spPr>
+          <a:xfrm>
+            <a:off x="3364912" y="4193183"/>
+            <a:ext cx="1676400" cy="1288472"/>
+          </a:xfrm>
+          <a:prstGeom prst="roundRect">
+            <a:avLst/>
+          </a:prstGeom>
+          <a:solidFill>
+            <a:schemeClr val="accent2"/>
+          </a:solidFill>
+          <a:ln>
+            <a:solidFill>
+              <a:schemeClr val="bg1"/>
+            </a:solidFill>
+          </a:ln>
+        </p:spPr>
+        <p:style>
+          <a:lnRef idx="2">
+            <a:schemeClr val="accent1">
+              <a:shade val="50000"/>
+            </a:schemeClr>
+          </a:lnRef>
+          <a:fillRef idx="1">
+            <a:schemeClr val="accent1"/>
+          </a:fillRef>
+          <a:effectRef idx="0">
+            <a:schemeClr val="accent1"/>
+          </a:effectRef>
+          <a:fontRef idx="minor">
+            <a:schemeClr val="lt1"/>
+          </a:fontRef>
+        </p:style>
+        <p:txBody>
+          <a:bodyPr rtlCol="0" anchor="ctr"/>
+          <a:lstStyle/>
+          <a:p>
+            <a:pPr algn="ctr"/>
+            <a:r>
+              <a:rPr lang="zh-TW" altLang="en-US" dirty="0" smtClean="0"/>
+              <a:t>橘色底色</a:t>
+            </a:r>
+            <a:r>
+              <a:rPr lang="en-US" altLang="zh-TW" dirty="0" smtClean="0"/>
+              <a:t/>
+            </a:r>
+            <a:br>
+              <a:rPr lang="en-US" altLang="zh-TW" dirty="0" smtClean="0"/>
+            </a:br>
+            <a:r>
+              <a:rPr lang="en-US" altLang="zh-TW" dirty="0" smtClean="0"/>
+              <a:t>(</a:t>
+            </a:r>
+            <a:r>
+              <a:rPr lang="zh-TW" altLang="en-US" dirty="0" smtClean="0"/>
+              <a:t>進行中</a:t>
+            </a:r>
+            <a:r>
+              <a:rPr lang="en-US" altLang="zh-TW" dirty="0" smtClean="0"/>
+              <a:t>)</a:t>
+            </a:r>
+            <a:endParaRPr lang="zh-TW" altLang="en-US" dirty="0"/>
+          </a:p>
+        </p:txBody>
+      </p:sp>
+    </p:spTree>
+    <p:extLst>
+      <p:ext uri="{BB962C8B-B14F-4D97-AF65-F5344CB8AC3E}">
+        <p14:creationId xmlns:p14="http://schemas.microsoft.com/office/powerpoint/2010/main" val="328797581"/>
+      </p:ext>
+    </p:extLst>
+  </p:cSld>
+  <p:clrMapOvr>
+    <a:masterClrMapping/>
+  </p:clrMapOvr>
+  <p:timing>
+    <p:tnLst>
+      <p:par>
+        <p:cTn id="1" dur="indefinite" restart="never" nodeType="tmRoot"/>
+      </p:par>
+    </p:tnLst>
+  </p:timing>
+</p:sld>
+</file>
+
+<file path=ppt/slides/slide14.xml><?xml version="1.0" encoding="utf-8"?>
+<p:sld xmlns:a="http://schemas.openxmlformats.org/drawingml/2006/main" xmlns:r="http://schemas.openxmlformats.org/officeDocument/2006/relationships" xmlns:p="http://schemas.openxmlformats.org/presentationml/2006/main">
+  <p:cSld>
+    <p:spTree>
+      <p:nvGrpSpPr>
+        <p:cNvPr id="1" name=""/>
+        <p:cNvGrpSpPr/>
+        <p:nvPr/>
+      </p:nvGrpSpPr>
+      <p:grpSpPr>
+        <a:xfrm>
+          <a:off x="0" y="0"/>
+          <a:ext cx="0" cy="0"/>
+          <a:chOff x="0" y="0"/>
+          <a:chExt cx="0" cy="0"/>
+        </a:xfrm>
+      </p:grpSpPr>
+      <p:sp>
+        <p:nvSpPr>
           <p:cNvPr id="4" name="橢圓 3">
             <a:hlinkClick r:id="rId2" action="ppaction://hlinksldjump"/>
           </p:cNvPr>
@@ -5270,7 +6956,7 @@
 </p:sld>
 </file>
 
-<file path=ppt/slides/slide11.xml><?xml version="1.0" encoding="utf-8"?>
+<file path=ppt/slides/slide15.xml><?xml version="1.0" encoding="utf-8"?>
 <p:sld xmlns:a="http://schemas.openxmlformats.org/drawingml/2006/main" xmlns:r="http://schemas.openxmlformats.org/officeDocument/2006/relationships" xmlns:p="http://schemas.openxmlformats.org/presentationml/2006/main">
   <p:cSld>
     <p:spTree>
@@ -6330,7 +8016,7 @@
 </p:sld>
 </file>
 
-<file path=ppt/slides/slide12.xml><?xml version="1.0" encoding="utf-8"?>
+<file path=ppt/slides/slide16.xml><?xml version="1.0" encoding="utf-8"?>
 <p:sld xmlns:a="http://schemas.openxmlformats.org/drawingml/2006/main" xmlns:r="http://schemas.openxmlformats.org/officeDocument/2006/relationships" xmlns:p="http://schemas.openxmlformats.org/presentationml/2006/main">
   <p:cSld>
     <p:spTree>
@@ -6407,210 +8093,6 @@
       </p:sp>
       <p:sp>
         <p:nvSpPr>
-          <p:cNvPr id="7" name="圓角矩形 6"/>
-          <p:cNvSpPr/>
-          <p:nvPr/>
-        </p:nvSpPr>
-        <p:spPr>
-          <a:xfrm>
-            <a:off x="4682835" y="803564"/>
-            <a:ext cx="1676400" cy="1288472"/>
-          </a:xfrm>
-          <a:prstGeom prst="roundRect">
-            <a:avLst/>
-          </a:prstGeom>
-          <a:solidFill>
-            <a:schemeClr val="accent2"/>
-          </a:solidFill>
-        </p:spPr>
-        <p:style>
-          <a:lnRef idx="2">
-            <a:schemeClr val="accent1">
-              <a:shade val="50000"/>
-            </a:schemeClr>
-          </a:lnRef>
-          <a:fillRef idx="1">
-            <a:schemeClr val="accent1"/>
-          </a:fillRef>
-          <a:effectRef idx="0">
-            <a:schemeClr val="accent1"/>
-          </a:effectRef>
-          <a:fontRef idx="minor">
-            <a:schemeClr val="lt1"/>
-          </a:fontRef>
-        </p:style>
-        <p:txBody>
-          <a:bodyPr rtlCol="0" anchor="ctr"/>
-          <a:lstStyle/>
-          <a:p>
-            <a:pPr algn="ctr"/>
-            <a:r>
-              <a:rPr lang="zh-TW" altLang="en-US" dirty="0"/>
-              <a:t>查找目前是否已經有可用地圖</a:t>
-            </a:r>
-          </a:p>
-        </p:txBody>
-      </p:sp>
-      <p:cxnSp>
-        <p:nvCxnSpPr>
-          <p:cNvPr id="14" name="直線單箭頭接點 13"/>
-          <p:cNvCxnSpPr/>
-          <p:nvPr/>
-        </p:nvCxnSpPr>
-        <p:spPr>
-          <a:xfrm>
-            <a:off x="2145782" y="2461368"/>
-            <a:ext cx="554690" cy="1021954"/>
-          </a:xfrm>
-          <a:prstGeom prst="straightConnector1">
-            <a:avLst/>
-          </a:prstGeom>
-          <a:ln>
-            <a:tailEnd type="triangle"/>
-          </a:ln>
-        </p:spPr>
-        <p:style>
-          <a:lnRef idx="1">
-            <a:schemeClr val="accent1"/>
-          </a:lnRef>
-          <a:fillRef idx="0">
-            <a:schemeClr val="accent1"/>
-          </a:fillRef>
-          <a:effectRef idx="0">
-            <a:schemeClr val="accent1"/>
-          </a:effectRef>
-          <a:fontRef idx="minor">
-            <a:schemeClr val="tx1"/>
-          </a:fontRef>
-        </p:style>
-      </p:cxnSp>
-      <p:cxnSp>
-        <p:nvCxnSpPr>
-          <p:cNvPr id="16" name="直線單箭頭接點 15"/>
-          <p:cNvCxnSpPr/>
-          <p:nvPr/>
-        </p:nvCxnSpPr>
-        <p:spPr>
-          <a:xfrm flipV="1">
-            <a:off x="6622472" y="921327"/>
-            <a:ext cx="3380327" cy="526474"/>
-          </a:xfrm>
-          <a:prstGeom prst="straightConnector1">
-            <a:avLst/>
-          </a:prstGeom>
-          <a:ln>
-            <a:tailEnd type="triangle"/>
-          </a:ln>
-        </p:spPr>
-        <p:style>
-          <a:lnRef idx="1">
-            <a:schemeClr val="accent1"/>
-          </a:lnRef>
-          <a:fillRef idx="0">
-            <a:schemeClr val="accent1"/>
-          </a:fillRef>
-          <a:effectRef idx="0">
-            <a:schemeClr val="accent1"/>
-          </a:effectRef>
-          <a:fontRef idx="minor">
-            <a:schemeClr val="tx1"/>
-          </a:fontRef>
-        </p:style>
-      </p:cxnSp>
-      <p:cxnSp>
-        <p:nvCxnSpPr>
-          <p:cNvPr id="18" name="直線單箭頭接點 17"/>
-          <p:cNvCxnSpPr/>
-          <p:nvPr/>
-        </p:nvCxnSpPr>
-        <p:spPr>
-          <a:xfrm>
-            <a:off x="6622472" y="1769918"/>
-            <a:ext cx="872837" cy="644236"/>
-          </a:xfrm>
-          <a:prstGeom prst="straightConnector1">
-            <a:avLst/>
-          </a:prstGeom>
-          <a:ln>
-            <a:tailEnd type="triangle"/>
-          </a:ln>
-        </p:spPr>
-        <p:style>
-          <a:lnRef idx="1">
-            <a:schemeClr val="accent1"/>
-          </a:lnRef>
-          <a:fillRef idx="0">
-            <a:schemeClr val="accent1"/>
-          </a:fillRef>
-          <a:effectRef idx="0">
-            <a:schemeClr val="accent1"/>
-          </a:effectRef>
-          <a:fontRef idx="minor">
-            <a:schemeClr val="tx1"/>
-          </a:fontRef>
-        </p:style>
-      </p:cxnSp>
-      <p:sp>
-        <p:nvSpPr>
-          <p:cNvPr id="19" name="文字方塊 18"/>
-          <p:cNvSpPr txBox="1"/>
-          <p:nvPr/>
-        </p:nvSpPr>
-        <p:spPr>
-          <a:xfrm>
-            <a:off x="7938724" y="751885"/>
-            <a:ext cx="415498" cy="369332"/>
-          </a:xfrm>
-          <a:prstGeom prst="rect">
-            <a:avLst/>
-          </a:prstGeom>
-          <a:noFill/>
-        </p:spPr>
-        <p:txBody>
-          <a:bodyPr wrap="none" rtlCol="0">
-            <a:spAutoFit/>
-          </a:bodyPr>
-          <a:lstStyle/>
-          <a:p>
-            <a:r>
-              <a:rPr lang="zh-TW" altLang="en-US" dirty="0" smtClean="0"/>
-              <a:t>有</a:t>
-            </a:r>
-            <a:endParaRPr lang="zh-TW" altLang="en-US" dirty="0"/>
-          </a:p>
-        </p:txBody>
-      </p:sp>
-      <p:sp>
-        <p:nvSpPr>
-          <p:cNvPr id="20" name="文字方塊 19"/>
-          <p:cNvSpPr txBox="1"/>
-          <p:nvPr/>
-        </p:nvSpPr>
-        <p:spPr>
-          <a:xfrm>
-            <a:off x="6604038" y="2092036"/>
-            <a:ext cx="646331" cy="369332"/>
-          </a:xfrm>
-          <a:prstGeom prst="rect">
-            <a:avLst/>
-          </a:prstGeom>
-          <a:noFill/>
-        </p:spPr>
-        <p:txBody>
-          <a:bodyPr wrap="none" rtlCol="0">
-            <a:spAutoFit/>
-          </a:bodyPr>
-          <a:lstStyle/>
-          <a:p>
-            <a:r>
-              <a:rPr lang="zh-TW" altLang="en-US" dirty="0"/>
-              <a:t>沒有</a:t>
-            </a:r>
-          </a:p>
-        </p:txBody>
-      </p:sp>
-      <p:sp>
-        <p:nvSpPr>
           <p:cNvPr id="21" name="橢圓 20"/>
           <p:cNvSpPr/>
           <p:nvPr/>
@@ -6929,9 +8411,9 @@
           <p:nvPr/>
         </p:nvCxnSpPr>
         <p:spPr>
-          <a:xfrm flipV="1">
-            <a:off x="3643745" y="1565564"/>
-            <a:ext cx="845128" cy="1768637"/>
+          <a:xfrm>
+            <a:off x="2882537" y="1565564"/>
+            <a:ext cx="1606336" cy="1"/>
           </a:xfrm>
           <a:prstGeom prst="straightConnector1">
             <a:avLst/>
@@ -6963,14 +8445,14 @@
         </p:nvSpPr>
         <p:spPr>
           <a:xfrm>
-            <a:off x="2156444" y="3572097"/>
+            <a:off x="4750527" y="506693"/>
             <a:ext cx="1911747" cy="1793162"/>
           </a:xfrm>
           <a:prstGeom prst="ellipse">
             <a:avLst/>
           </a:prstGeom>
           <a:solidFill>
-            <a:schemeClr val="accent2"/>
+            <a:schemeClr val="accent4"/>
           </a:solidFill>
         </p:spPr>
         <p:style>
@@ -7013,10 +8495,42 @@
               <a:rPr lang="zh-TW" altLang="en-US" dirty="0"/>
               <a:t>始環境</a:t>
             </a:r>
-            <a:endParaRPr lang="zh-TW" altLang="en-US" dirty="0"/>
-          </a:p>
-        </p:txBody>
-      </p:sp>
+          </a:p>
+        </p:txBody>
+      </p:sp>
+      <p:cxnSp>
+        <p:nvCxnSpPr>
+          <p:cNvPr id="25" name="直線單箭頭接點 24"/>
+          <p:cNvCxnSpPr/>
+          <p:nvPr/>
+        </p:nvCxnSpPr>
+        <p:spPr>
+          <a:xfrm flipV="1">
+            <a:off x="6979920" y="1079863"/>
+            <a:ext cx="3052354" cy="385747"/>
+          </a:xfrm>
+          <a:prstGeom prst="straightConnector1">
+            <a:avLst/>
+          </a:prstGeom>
+          <a:ln>
+            <a:tailEnd type="triangle"/>
+          </a:ln>
+        </p:spPr>
+        <p:style>
+          <a:lnRef idx="1">
+            <a:schemeClr val="accent1"/>
+          </a:lnRef>
+          <a:fillRef idx="0">
+            <a:schemeClr val="accent1"/>
+          </a:fillRef>
+          <a:effectRef idx="0">
+            <a:schemeClr val="accent1"/>
+          </a:effectRef>
+          <a:fontRef idx="minor">
+            <a:schemeClr val="tx1"/>
+          </a:fontRef>
+        </p:style>
+      </p:cxnSp>
     </p:spTree>
     <p:extLst>
       <p:ext uri="{BB962C8B-B14F-4D97-AF65-F5344CB8AC3E}">
@@ -7037,2259 +8551,6 @@
 </p:sld>
 </file>
 
-<file path=ppt/slides/slide13.xml><?xml version="1.0" encoding="utf-8"?>
-<p:sld xmlns:a="http://schemas.openxmlformats.org/drawingml/2006/main" xmlns:r="http://schemas.openxmlformats.org/officeDocument/2006/relationships" xmlns:p="http://schemas.openxmlformats.org/presentationml/2006/main">
-  <p:cSld>
-    <p:spTree>
-      <p:nvGrpSpPr>
-        <p:cNvPr id="1" name=""/>
-        <p:cNvGrpSpPr/>
-        <p:nvPr/>
-      </p:nvGrpSpPr>
-      <p:grpSpPr>
-        <a:xfrm>
-          <a:off x="0" y="0"/>
-          <a:ext cx="0" cy="0"/>
-          <a:chOff x="0" y="0"/>
-          <a:chExt cx="0" cy="0"/>
-        </a:xfrm>
-      </p:grpSpPr>
-      <p:sp>
-        <p:nvSpPr>
-          <p:cNvPr id="4" name="橢圓 3"/>
-          <p:cNvSpPr/>
-          <p:nvPr/>
-        </p:nvSpPr>
-        <p:spPr>
-          <a:xfrm>
-            <a:off x="632444" y="496388"/>
-            <a:ext cx="1911747" cy="1793162"/>
-          </a:xfrm>
-          <a:prstGeom prst="ellipse">
-            <a:avLst/>
-          </a:prstGeom>
-          <a:solidFill>
-            <a:schemeClr val="accent2"/>
-          </a:solidFill>
-        </p:spPr>
-        <p:style>
-          <a:lnRef idx="2">
-            <a:schemeClr val="accent1">
-              <a:shade val="50000"/>
-            </a:schemeClr>
-          </a:lnRef>
-          <a:fillRef idx="1">
-            <a:schemeClr val="accent1"/>
-          </a:fillRef>
-          <a:effectRef idx="0">
-            <a:schemeClr val="accent1"/>
-          </a:effectRef>
-          <a:fontRef idx="minor">
-            <a:schemeClr val="lt1"/>
-          </a:fontRef>
-        </p:style>
-        <p:txBody>
-          <a:bodyPr rtlCol="0" anchor="ctr"/>
-          <a:lstStyle/>
-          <a:p>
-            <a:pPr algn="ctr"/>
-            <a:r>
-              <a:rPr lang="zh-TW" altLang="en-US" dirty="0" smtClean="0"/>
-              <a:t>建立</a:t>
-            </a:r>
-            <a:r>
-              <a:rPr lang="en-US" altLang="zh-TW" dirty="0" smtClean="0"/>
-              <a:t/>
-            </a:r>
-            <a:br>
-              <a:rPr lang="en-US" altLang="zh-TW" dirty="0" smtClean="0"/>
-            </a:br>
-            <a:r>
-              <a:rPr lang="zh-TW" altLang="en-US" dirty="0" smtClean="0"/>
-              <a:t>初</a:t>
-            </a:r>
-            <a:r>
-              <a:rPr lang="zh-TW" altLang="en-US" dirty="0"/>
-              <a:t>始環境</a:t>
-            </a:r>
-            <a:endParaRPr lang="zh-TW" altLang="en-US" dirty="0"/>
-          </a:p>
-        </p:txBody>
-      </p:sp>
-      <p:sp>
-        <p:nvSpPr>
-          <p:cNvPr id="5" name="圓角矩形 4"/>
-          <p:cNvSpPr/>
-          <p:nvPr/>
-        </p:nvSpPr>
-        <p:spPr>
-          <a:xfrm>
-            <a:off x="4073234" y="907473"/>
-            <a:ext cx="1676400" cy="1288472"/>
-          </a:xfrm>
-          <a:prstGeom prst="roundRect">
-            <a:avLst/>
-          </a:prstGeom>
-          <a:solidFill>
-            <a:schemeClr val="accent2"/>
-          </a:solidFill>
-        </p:spPr>
-        <p:style>
-          <a:lnRef idx="2">
-            <a:schemeClr val="accent1">
-              <a:shade val="50000"/>
-            </a:schemeClr>
-          </a:lnRef>
-          <a:fillRef idx="1">
-            <a:schemeClr val="accent1"/>
-          </a:fillRef>
-          <a:effectRef idx="0">
-            <a:schemeClr val="accent1"/>
-          </a:effectRef>
-          <a:fontRef idx="minor">
-            <a:schemeClr val="lt1"/>
-          </a:fontRef>
-        </p:style>
-        <p:txBody>
-          <a:bodyPr rtlCol="0" anchor="ctr"/>
-          <a:lstStyle/>
-          <a:p>
-            <a:pPr algn="ctr"/>
-            <a:r>
-              <a:rPr lang="zh-TW" altLang="en-US" dirty="0" smtClean="0"/>
-              <a:t>使用</a:t>
-            </a:r>
-            <a:r>
-              <a:rPr lang="en-US" altLang="zh-TW" dirty="0" err="1" smtClean="0"/>
-              <a:t>modeJ</a:t>
-            </a:r>
-            <a:r>
-              <a:rPr lang="en-US" altLang="zh-TW" dirty="0" smtClean="0"/>
-              <a:t/>
-            </a:r>
-            <a:br>
-              <a:rPr lang="en-US" altLang="zh-TW" dirty="0" smtClean="0"/>
-            </a:br>
-            <a:r>
-              <a:rPr lang="zh-TW" altLang="en-US" dirty="0" smtClean="0"/>
-              <a:t>環境掃描</a:t>
-            </a:r>
-            <a:r>
-              <a:rPr lang="en-US" altLang="zh-TW" dirty="0" smtClean="0"/>
-              <a:t/>
-            </a:r>
-            <a:br>
-              <a:rPr lang="en-US" altLang="zh-TW" dirty="0" smtClean="0"/>
-            </a:br>
-            <a:r>
-              <a:rPr lang="en-US" altLang="zh-TW" dirty="0" smtClean="0"/>
-              <a:t>(</a:t>
-            </a:r>
-            <a:r>
-              <a:rPr lang="zh-TW" altLang="en-US" dirty="0" smtClean="0"/>
-              <a:t>開機時北方</a:t>
-            </a:r>
-            <a:r>
-              <a:rPr lang="en-US" altLang="zh-TW" dirty="0" smtClean="0"/>
-              <a:t>)</a:t>
-            </a:r>
-            <a:endParaRPr lang="zh-TW" altLang="en-US" dirty="0"/>
-          </a:p>
-        </p:txBody>
-      </p:sp>
-      <p:cxnSp>
-        <p:nvCxnSpPr>
-          <p:cNvPr id="6" name="直線單箭頭接點 5"/>
-          <p:cNvCxnSpPr/>
-          <p:nvPr/>
-        </p:nvCxnSpPr>
-        <p:spPr>
-          <a:xfrm>
-            <a:off x="2798618" y="1551709"/>
-            <a:ext cx="858982" cy="0"/>
-          </a:xfrm>
-          <a:prstGeom prst="straightConnector1">
-            <a:avLst/>
-          </a:prstGeom>
-          <a:ln>
-            <a:tailEnd type="triangle"/>
-          </a:ln>
-        </p:spPr>
-        <p:style>
-          <a:lnRef idx="1">
-            <a:schemeClr val="accent1"/>
-          </a:lnRef>
-          <a:fillRef idx="0">
-            <a:schemeClr val="accent1"/>
-          </a:fillRef>
-          <a:effectRef idx="0">
-            <a:schemeClr val="accent1"/>
-          </a:effectRef>
-          <a:fontRef idx="minor">
-            <a:schemeClr val="tx1"/>
-          </a:fontRef>
-        </p:style>
-      </p:cxnSp>
-      <p:sp>
-        <p:nvSpPr>
-          <p:cNvPr id="9" name="圓角矩形 8"/>
-          <p:cNvSpPr/>
-          <p:nvPr/>
-        </p:nvSpPr>
-        <p:spPr>
-          <a:xfrm>
-            <a:off x="7278677" y="691125"/>
-            <a:ext cx="1676400" cy="1908377"/>
-          </a:xfrm>
-          <a:prstGeom prst="roundRect">
-            <a:avLst/>
-          </a:prstGeom>
-          <a:solidFill>
-            <a:schemeClr val="accent2"/>
-          </a:solidFill>
-        </p:spPr>
-        <p:style>
-          <a:lnRef idx="2">
-            <a:schemeClr val="accent1">
-              <a:shade val="50000"/>
-            </a:schemeClr>
-          </a:lnRef>
-          <a:fillRef idx="1">
-            <a:schemeClr val="accent1"/>
-          </a:fillRef>
-          <a:effectRef idx="0">
-            <a:schemeClr val="accent1"/>
-          </a:effectRef>
-          <a:fontRef idx="minor">
-            <a:schemeClr val="lt1"/>
-          </a:fontRef>
-        </p:style>
-        <p:txBody>
-          <a:bodyPr rtlCol="0" anchor="ctr"/>
-          <a:lstStyle/>
-          <a:p>
-            <a:pPr algn="ctr"/>
-            <a:r>
-              <a:rPr lang="zh-TW" altLang="en-US" dirty="0" smtClean="0"/>
-              <a:t>使用</a:t>
-            </a:r>
-            <a:r>
-              <a:rPr lang="en-US" altLang="zh-TW" dirty="0" err="1" smtClean="0"/>
-              <a:t>initScanXY</a:t>
-            </a:r>
-            <a:r>
-              <a:rPr lang="en-US" altLang="zh-TW" dirty="0"/>
-              <a:t>()</a:t>
-            </a:r>
-            <a:endParaRPr lang="zh-TW" altLang="en-US" dirty="0"/>
-          </a:p>
-          <a:p>
-            <a:pPr algn="ctr"/>
-            <a:r>
-              <a:rPr lang="zh-TW" altLang="en-US" dirty="0" smtClean="0"/>
-              <a:t>把初始環境</a:t>
-            </a:r>
-            <a:r>
-              <a:rPr lang="en-US" altLang="zh-TW" dirty="0" smtClean="0"/>
-              <a:t/>
-            </a:r>
-            <a:br>
-              <a:rPr lang="en-US" altLang="zh-TW" dirty="0" smtClean="0"/>
-            </a:br>
-            <a:r>
-              <a:rPr lang="zh-TW" altLang="en-US" dirty="0" smtClean="0"/>
-              <a:t>資料存於</a:t>
-            </a:r>
-            <a:r>
-              <a:rPr lang="en-US" altLang="zh-TW" dirty="0"/>
-              <a:t/>
-            </a:r>
-            <a:br>
-              <a:rPr lang="en-US" altLang="zh-TW" dirty="0"/>
-            </a:br>
-            <a:r>
-              <a:rPr lang="en-US" altLang="zh-TW" dirty="0" err="1"/>
-              <a:t>car.map</a:t>
-            </a:r>
-            <a:endParaRPr lang="zh-TW" altLang="en-US" dirty="0"/>
-          </a:p>
-        </p:txBody>
-      </p:sp>
-      <p:cxnSp>
-        <p:nvCxnSpPr>
-          <p:cNvPr id="10" name="直線單箭頭接點 9"/>
-          <p:cNvCxnSpPr/>
-          <p:nvPr/>
-        </p:nvCxnSpPr>
-        <p:spPr>
-          <a:xfrm>
-            <a:off x="6004061" y="1645314"/>
-            <a:ext cx="858982" cy="0"/>
-          </a:xfrm>
-          <a:prstGeom prst="straightConnector1">
-            <a:avLst/>
-          </a:prstGeom>
-          <a:ln>
-            <a:tailEnd type="triangle"/>
-          </a:ln>
-        </p:spPr>
-        <p:style>
-          <a:lnRef idx="1">
-            <a:schemeClr val="accent1"/>
-          </a:lnRef>
-          <a:fillRef idx="0">
-            <a:schemeClr val="accent1"/>
-          </a:fillRef>
-          <a:effectRef idx="0">
-            <a:schemeClr val="accent1"/>
-          </a:effectRef>
-          <a:fontRef idx="minor">
-            <a:schemeClr val="tx1"/>
-          </a:fontRef>
-        </p:style>
-      </p:cxnSp>
-    </p:spTree>
-    <p:extLst>
-      <p:ext uri="{BB962C8B-B14F-4D97-AF65-F5344CB8AC3E}">
-        <p14:creationId xmlns:p14="http://schemas.microsoft.com/office/powerpoint/2010/main" val="3944393233"/>
-      </p:ext>
-    </p:extLst>
-  </p:cSld>
-  <p:clrMapOvr>
-    <a:masterClrMapping/>
-  </p:clrMapOvr>
-</p:sld>
-</file>
-
-<file path=ppt/slides/slide14.xml><?xml version="1.0" encoding="utf-8"?>
-<p:sld xmlns:a="http://schemas.openxmlformats.org/drawingml/2006/main" xmlns:r="http://schemas.openxmlformats.org/officeDocument/2006/relationships" xmlns:p="http://schemas.openxmlformats.org/presentationml/2006/main">
-  <p:cSld>
-    <p:spTree>
-      <p:nvGrpSpPr>
-        <p:cNvPr id="1" name=""/>
-        <p:cNvGrpSpPr/>
-        <p:nvPr/>
-      </p:nvGrpSpPr>
-      <p:grpSpPr>
-        <a:xfrm>
-          <a:off x="0" y="0"/>
-          <a:ext cx="0" cy="0"/>
-          <a:chOff x="0" y="0"/>
-          <a:chExt cx="0" cy="0"/>
-        </a:xfrm>
-      </p:grpSpPr>
-      <p:sp>
-        <p:nvSpPr>
-          <p:cNvPr id="7" name="圓角矩形 6"/>
-          <p:cNvSpPr/>
-          <p:nvPr/>
-        </p:nvSpPr>
-        <p:spPr>
-          <a:xfrm>
-            <a:off x="318653" y="194466"/>
-            <a:ext cx="1676400" cy="1288472"/>
-          </a:xfrm>
-          <a:prstGeom prst="roundRect">
-            <a:avLst/>
-          </a:prstGeom>
-          <a:solidFill>
-            <a:schemeClr val="accent2"/>
-          </a:solidFill>
-        </p:spPr>
-        <p:style>
-          <a:lnRef idx="2">
-            <a:schemeClr val="accent1">
-              <a:shade val="50000"/>
-            </a:schemeClr>
-          </a:lnRef>
-          <a:fillRef idx="1">
-            <a:schemeClr val="accent1"/>
-          </a:fillRef>
-          <a:effectRef idx="0">
-            <a:schemeClr val="accent1"/>
-          </a:effectRef>
-          <a:fontRef idx="minor">
-            <a:schemeClr val="lt1"/>
-          </a:fontRef>
-        </p:style>
-        <p:txBody>
-          <a:bodyPr rtlCol="0" anchor="ctr"/>
-          <a:lstStyle/>
-          <a:p>
-            <a:pPr algn="ctr"/>
-            <a:r>
-              <a:rPr lang="zh-TW" altLang="en-US" dirty="0"/>
-              <a:t>查找目前是否已經有可用地圖</a:t>
-            </a:r>
-          </a:p>
-        </p:txBody>
-      </p:sp>
-      <p:cxnSp>
-        <p:nvCxnSpPr>
-          <p:cNvPr id="16" name="直線單箭頭接點 15"/>
-          <p:cNvCxnSpPr/>
-          <p:nvPr/>
-        </p:nvCxnSpPr>
-        <p:spPr>
-          <a:xfrm>
-            <a:off x="2216883" y="838702"/>
-            <a:ext cx="1059842" cy="0"/>
-          </a:xfrm>
-          <a:prstGeom prst="straightConnector1">
-            <a:avLst/>
-          </a:prstGeom>
-          <a:ln>
-            <a:tailEnd type="triangle"/>
-          </a:ln>
-        </p:spPr>
-        <p:style>
-          <a:lnRef idx="1">
-            <a:schemeClr val="accent1"/>
-          </a:lnRef>
-          <a:fillRef idx="0">
-            <a:schemeClr val="accent1"/>
-          </a:fillRef>
-          <a:effectRef idx="0">
-            <a:schemeClr val="accent1"/>
-          </a:effectRef>
-          <a:fontRef idx="minor">
-            <a:schemeClr val="tx1"/>
-          </a:fontRef>
-        </p:style>
-      </p:cxnSp>
-      <p:cxnSp>
-        <p:nvCxnSpPr>
-          <p:cNvPr id="18" name="直線單箭頭接點 17"/>
-          <p:cNvCxnSpPr/>
-          <p:nvPr/>
-        </p:nvCxnSpPr>
-        <p:spPr>
-          <a:xfrm>
-            <a:off x="6622472" y="1769918"/>
-            <a:ext cx="872837" cy="644236"/>
-          </a:xfrm>
-          <a:prstGeom prst="straightConnector1">
-            <a:avLst/>
-          </a:prstGeom>
-          <a:ln>
-            <a:tailEnd type="triangle"/>
-          </a:ln>
-        </p:spPr>
-        <p:style>
-          <a:lnRef idx="1">
-            <a:schemeClr val="accent1"/>
-          </a:lnRef>
-          <a:fillRef idx="0">
-            <a:schemeClr val="accent1"/>
-          </a:fillRef>
-          <a:effectRef idx="0">
-            <a:schemeClr val="accent1"/>
-          </a:effectRef>
-          <a:fontRef idx="minor">
-            <a:schemeClr val="tx1"/>
-          </a:fontRef>
-        </p:style>
-      </p:cxnSp>
-      <p:sp>
-        <p:nvSpPr>
-          <p:cNvPr id="19" name="文字方塊 18"/>
-          <p:cNvSpPr txBox="1"/>
-          <p:nvPr/>
-        </p:nvSpPr>
-        <p:spPr>
-          <a:xfrm>
-            <a:off x="8253885" y="477658"/>
-            <a:ext cx="1124603" cy="369332"/>
-          </a:xfrm>
-          <a:prstGeom prst="rect">
-            <a:avLst/>
-          </a:prstGeom>
-          <a:noFill/>
-        </p:spPr>
-        <p:txBody>
-          <a:bodyPr wrap="none" rtlCol="0">
-            <a:spAutoFit/>
-          </a:bodyPr>
-          <a:lstStyle/>
-          <a:p>
-            <a:r>
-              <a:rPr lang="zh-TW" altLang="en-US" dirty="0" smtClean="0"/>
-              <a:t>有</a:t>
-            </a:r>
-            <a:r>
-              <a:rPr lang="en-US" altLang="zh-TW" dirty="0" smtClean="0"/>
-              <a:t>return1</a:t>
-            </a:r>
-            <a:endParaRPr lang="zh-TW" altLang="en-US" dirty="0"/>
-          </a:p>
-        </p:txBody>
-      </p:sp>
-      <p:sp>
-        <p:nvSpPr>
-          <p:cNvPr id="20" name="文字方塊 19"/>
-          <p:cNvSpPr txBox="1"/>
-          <p:nvPr/>
-        </p:nvSpPr>
-        <p:spPr>
-          <a:xfrm>
-            <a:off x="5624064" y="2172521"/>
-            <a:ext cx="1408334" cy="369332"/>
-          </a:xfrm>
-          <a:prstGeom prst="rect">
-            <a:avLst/>
-          </a:prstGeom>
-          <a:noFill/>
-        </p:spPr>
-        <p:txBody>
-          <a:bodyPr wrap="none" rtlCol="0">
-            <a:spAutoFit/>
-          </a:bodyPr>
-          <a:lstStyle/>
-          <a:p>
-            <a:r>
-              <a:rPr lang="zh-TW" altLang="en-US" dirty="0" smtClean="0"/>
-              <a:t>沒有</a:t>
-            </a:r>
-            <a:r>
-              <a:rPr lang="en-US" altLang="zh-TW" dirty="0" smtClean="0"/>
-              <a:t>return 0</a:t>
-            </a:r>
-            <a:endParaRPr lang="zh-TW" altLang="en-US" dirty="0"/>
-          </a:p>
-        </p:txBody>
-      </p:sp>
-      <p:sp>
-        <p:nvSpPr>
-          <p:cNvPr id="21" name="橢圓 20"/>
-          <p:cNvSpPr/>
-          <p:nvPr/>
-        </p:nvSpPr>
-        <p:spPr>
-          <a:xfrm>
-            <a:off x="7665982" y="1927052"/>
-            <a:ext cx="1570008" cy="1467397"/>
-          </a:xfrm>
-          <a:prstGeom prst="ellipse">
-            <a:avLst/>
-          </a:prstGeom>
-          <a:solidFill>
-            <a:schemeClr val="accent2"/>
-          </a:solidFill>
-        </p:spPr>
-        <p:style>
-          <a:lnRef idx="2">
-            <a:schemeClr val="accent1">
-              <a:shade val="50000"/>
-            </a:schemeClr>
-          </a:lnRef>
-          <a:fillRef idx="1">
-            <a:schemeClr val="accent1"/>
-          </a:fillRef>
-          <a:effectRef idx="0">
-            <a:schemeClr val="accent1"/>
-          </a:effectRef>
-          <a:fontRef idx="minor">
-            <a:schemeClr val="lt1"/>
-          </a:fontRef>
-        </p:style>
-        <p:txBody>
-          <a:bodyPr rtlCol="0" anchor="ctr"/>
-          <a:lstStyle/>
-          <a:p>
-            <a:pPr algn="ctr"/>
-            <a:r>
-              <a:rPr lang="zh-TW" altLang="en-US" dirty="0" smtClean="0"/>
-              <a:t>建立新地圖</a:t>
-            </a:r>
-            <a:endParaRPr lang="zh-TW" altLang="en-US" dirty="0"/>
-          </a:p>
-        </p:txBody>
-      </p:sp>
-      <p:cxnSp>
-        <p:nvCxnSpPr>
-          <p:cNvPr id="45" name="直線單箭頭接點 44"/>
-          <p:cNvCxnSpPr/>
-          <p:nvPr/>
-        </p:nvCxnSpPr>
-        <p:spPr>
-          <a:xfrm flipH="1">
-            <a:off x="9337964" y="1769918"/>
-            <a:ext cx="928252" cy="529937"/>
-          </a:xfrm>
-          <a:prstGeom prst="straightConnector1">
-            <a:avLst/>
-          </a:prstGeom>
-          <a:ln>
-            <a:tailEnd type="triangle"/>
-          </a:ln>
-        </p:spPr>
-        <p:style>
-          <a:lnRef idx="1">
-            <a:schemeClr val="accent1"/>
-          </a:lnRef>
-          <a:fillRef idx="0">
-            <a:schemeClr val="accent1"/>
-          </a:fillRef>
-          <a:effectRef idx="0">
-            <a:schemeClr val="accent1"/>
-          </a:effectRef>
-          <a:fontRef idx="minor">
-            <a:schemeClr val="tx1"/>
-          </a:fontRef>
-        </p:style>
-      </p:cxnSp>
-      <p:sp>
-        <p:nvSpPr>
-          <p:cNvPr id="46" name="文字方塊 45"/>
-          <p:cNvSpPr txBox="1"/>
-          <p:nvPr/>
-        </p:nvSpPr>
-        <p:spPr>
-          <a:xfrm>
-            <a:off x="9393199" y="2461368"/>
-            <a:ext cx="1107996" cy="369332"/>
-          </a:xfrm>
-          <a:prstGeom prst="rect">
-            <a:avLst/>
-          </a:prstGeom>
-          <a:noFill/>
-        </p:spPr>
-        <p:txBody>
-          <a:bodyPr wrap="none" rtlCol="0">
-            <a:spAutoFit/>
-          </a:bodyPr>
-          <a:lstStyle/>
-          <a:p>
-            <a:r>
-              <a:rPr lang="zh-TW" altLang="en-US" dirty="0" smtClean="0"/>
-              <a:t>判斷失敗</a:t>
-            </a:r>
-            <a:endParaRPr lang="zh-TW" altLang="en-US" dirty="0"/>
-          </a:p>
-        </p:txBody>
-      </p:sp>
-      <p:sp>
-        <p:nvSpPr>
-          <p:cNvPr id="47" name="文字方塊 46"/>
-          <p:cNvSpPr txBox="1"/>
-          <p:nvPr/>
-        </p:nvSpPr>
-        <p:spPr>
-          <a:xfrm>
-            <a:off x="8783966" y="4565068"/>
-            <a:ext cx="1107996" cy="369332"/>
-          </a:xfrm>
-          <a:prstGeom prst="rect">
-            <a:avLst/>
-          </a:prstGeom>
-          <a:noFill/>
-        </p:spPr>
-        <p:txBody>
-          <a:bodyPr wrap="none" rtlCol="0">
-            <a:spAutoFit/>
-          </a:bodyPr>
-          <a:lstStyle/>
-          <a:p>
-            <a:r>
-              <a:rPr lang="zh-TW" altLang="en-US" dirty="0" smtClean="0"/>
-              <a:t>判斷成功</a:t>
-            </a:r>
-            <a:endParaRPr lang="zh-TW" altLang="en-US" dirty="0"/>
-          </a:p>
-        </p:txBody>
-      </p:sp>
-      <p:sp>
-        <p:nvSpPr>
-          <p:cNvPr id="54" name="圓角矩形 53"/>
-          <p:cNvSpPr/>
-          <p:nvPr/>
-        </p:nvSpPr>
-        <p:spPr>
-          <a:xfrm>
-            <a:off x="5390716" y="4331729"/>
-            <a:ext cx="1676400" cy="1288472"/>
-          </a:xfrm>
-          <a:prstGeom prst="roundRect">
-            <a:avLst/>
-          </a:prstGeom>
-          <a:solidFill>
-            <a:srgbClr val="FF0000"/>
-          </a:solidFill>
-        </p:spPr>
-        <p:style>
-          <a:lnRef idx="2">
-            <a:schemeClr val="accent1">
-              <a:shade val="50000"/>
-            </a:schemeClr>
-          </a:lnRef>
-          <a:fillRef idx="1">
-            <a:schemeClr val="accent1"/>
-          </a:fillRef>
-          <a:effectRef idx="0">
-            <a:schemeClr val="accent1"/>
-          </a:effectRef>
-          <a:fontRef idx="minor">
-            <a:schemeClr val="lt1"/>
-          </a:fontRef>
-        </p:style>
-        <p:txBody>
-          <a:bodyPr rtlCol="0" anchor="ctr"/>
-          <a:lstStyle/>
-          <a:p>
-            <a:pPr algn="ctr"/>
-            <a:r>
-              <a:rPr lang="zh-TW" altLang="en-US" dirty="0" smtClean="0"/>
-              <a:t>回傳地圖</a:t>
-            </a:r>
-            <a:r>
-              <a:rPr lang="en-US" altLang="zh-TW" dirty="0" smtClean="0"/>
-              <a:t>ID</a:t>
-            </a:r>
-          </a:p>
-          <a:p>
-            <a:pPr algn="ctr"/>
-            <a:r>
-              <a:rPr lang="zh-TW" altLang="en-US" dirty="0" smtClean="0"/>
-              <a:t>和面相方位</a:t>
-            </a:r>
-            <a:endParaRPr lang="zh-TW" altLang="en-US" dirty="0"/>
-          </a:p>
-        </p:txBody>
-      </p:sp>
-      <p:cxnSp>
-        <p:nvCxnSpPr>
-          <p:cNvPr id="3" name="直線單箭頭接點 2"/>
-          <p:cNvCxnSpPr/>
-          <p:nvPr/>
-        </p:nvCxnSpPr>
-        <p:spPr>
-          <a:xfrm flipH="1">
-            <a:off x="6228916" y="3042349"/>
-            <a:ext cx="1335666" cy="1242166"/>
-          </a:xfrm>
-          <a:prstGeom prst="straightConnector1">
-            <a:avLst/>
-          </a:prstGeom>
-          <a:ln>
-            <a:tailEnd type="triangle"/>
-          </a:ln>
-        </p:spPr>
-        <p:style>
-          <a:lnRef idx="1">
-            <a:schemeClr val="accent1"/>
-          </a:lnRef>
-          <a:fillRef idx="0">
-            <a:schemeClr val="accent1"/>
-          </a:fillRef>
-          <a:effectRef idx="0">
-            <a:schemeClr val="accent1"/>
-          </a:effectRef>
-          <a:fontRef idx="minor">
-            <a:schemeClr val="tx1"/>
-          </a:fontRef>
-        </p:style>
-      </p:cxnSp>
-      <p:sp>
-        <p:nvSpPr>
-          <p:cNvPr id="23" name="橢圓 22"/>
-          <p:cNvSpPr/>
-          <p:nvPr/>
-        </p:nvSpPr>
-        <p:spPr>
-          <a:xfrm>
-            <a:off x="10266216" y="194466"/>
-            <a:ext cx="1690255" cy="1561005"/>
-          </a:xfrm>
-          <a:prstGeom prst="ellipse">
-            <a:avLst/>
-          </a:prstGeom>
-          <a:solidFill>
-            <a:srgbClr val="FF0000"/>
-          </a:solidFill>
-        </p:spPr>
-        <p:style>
-          <a:lnRef idx="2">
-            <a:schemeClr val="accent1">
-              <a:shade val="50000"/>
-            </a:schemeClr>
-          </a:lnRef>
-          <a:fillRef idx="1">
-            <a:schemeClr val="accent1"/>
-          </a:fillRef>
-          <a:effectRef idx="0">
-            <a:schemeClr val="accent1"/>
-          </a:effectRef>
-          <a:fontRef idx="minor">
-            <a:schemeClr val="lt1"/>
-          </a:fontRef>
-        </p:style>
-        <p:txBody>
-          <a:bodyPr rtlCol="0" anchor="ctr"/>
-          <a:lstStyle/>
-          <a:p>
-            <a:pPr algn="ctr"/>
-            <a:r>
-              <a:rPr lang="zh-TW" altLang="en-US" dirty="0" smtClean="0"/>
-              <a:t>檢測地圖可用性</a:t>
-            </a:r>
-            <a:endParaRPr lang="zh-TW" altLang="en-US" dirty="0"/>
-          </a:p>
-        </p:txBody>
-      </p:sp>
-      <p:cxnSp>
-        <p:nvCxnSpPr>
-          <p:cNvPr id="12" name="肘形接點 11"/>
-          <p:cNvCxnSpPr/>
-          <p:nvPr/>
-        </p:nvCxnSpPr>
-        <p:spPr>
-          <a:xfrm rot="10800000" flipV="1">
-            <a:off x="7282565" y="1734000"/>
-            <a:ext cx="3888686" cy="3200400"/>
-          </a:xfrm>
-          <a:prstGeom prst="bentConnector3">
-            <a:avLst>
-              <a:gd name="adj1" fmla="val 121"/>
-            </a:avLst>
-          </a:prstGeom>
-          <a:ln>
-            <a:tailEnd type="triangle"/>
-          </a:ln>
-        </p:spPr>
-        <p:style>
-          <a:lnRef idx="1">
-            <a:schemeClr val="accent1"/>
-          </a:lnRef>
-          <a:fillRef idx="0">
-            <a:schemeClr val="accent1"/>
-          </a:fillRef>
-          <a:effectRef idx="0">
-            <a:schemeClr val="accent1"/>
-          </a:effectRef>
-          <a:fontRef idx="minor">
-            <a:schemeClr val="tx1"/>
-          </a:fontRef>
-        </p:style>
-      </p:cxnSp>
-      <p:sp>
-        <p:nvSpPr>
-          <p:cNvPr id="22" name="圓角矩形 21"/>
-          <p:cNvSpPr/>
-          <p:nvPr/>
-        </p:nvSpPr>
-        <p:spPr>
-          <a:xfrm>
-            <a:off x="3570977" y="194466"/>
-            <a:ext cx="3086075" cy="1288472"/>
-          </a:xfrm>
-          <a:prstGeom prst="roundRect">
-            <a:avLst/>
-          </a:prstGeom>
-          <a:solidFill>
-            <a:schemeClr val="accent2"/>
-          </a:solidFill>
-        </p:spPr>
-        <p:style>
-          <a:lnRef idx="2">
-            <a:schemeClr val="accent1">
-              <a:shade val="50000"/>
-            </a:schemeClr>
-          </a:lnRef>
-          <a:fillRef idx="1">
-            <a:schemeClr val="accent1"/>
-          </a:fillRef>
-          <a:effectRef idx="0">
-            <a:schemeClr val="accent1"/>
-          </a:effectRef>
-          <a:fontRef idx="minor">
-            <a:schemeClr val="lt1"/>
-          </a:fontRef>
-        </p:style>
-        <p:txBody>
-          <a:bodyPr rtlCol="0" anchor="ctr"/>
-          <a:lstStyle/>
-          <a:p>
-            <a:pPr algn="ctr"/>
-            <a:r>
-              <a:rPr lang="zh-TW" altLang="en-US" dirty="0" smtClean="0"/>
-              <a:t>確認目前是否有地圖檔</a:t>
-            </a:r>
-            <a:endParaRPr lang="en-US" altLang="zh-TW" dirty="0" smtClean="0"/>
-          </a:p>
-          <a:p>
-            <a:pPr algn="ctr"/>
-            <a:r>
-              <a:rPr lang="zh-TW" altLang="en-US" dirty="0" smtClean="0"/>
-              <a:t>呼叫</a:t>
-            </a:r>
-            <a:r>
-              <a:rPr lang="en-US" altLang="zh-TW" dirty="0" err="1" smtClean="0"/>
-              <a:t>checkDataExist</a:t>
-            </a:r>
-            <a:r>
-              <a:rPr lang="en-US" altLang="zh-TW" dirty="0" smtClean="0"/>
-              <a:t>(“</a:t>
-            </a:r>
-            <a:r>
-              <a:rPr lang="en-US" altLang="zh-TW" dirty="0" err="1" smtClean="0"/>
-              <a:t>car.map</a:t>
-            </a:r>
-            <a:r>
-              <a:rPr lang="en-US" altLang="zh-TW" dirty="0" smtClean="0"/>
-              <a:t>”)</a:t>
-            </a:r>
-            <a:endParaRPr lang="zh-TW" altLang="en-US" dirty="0"/>
-          </a:p>
-        </p:txBody>
-      </p:sp>
-      <p:cxnSp>
-        <p:nvCxnSpPr>
-          <p:cNvPr id="24" name="直線單箭頭接點 23"/>
-          <p:cNvCxnSpPr/>
-          <p:nvPr/>
-        </p:nvCxnSpPr>
-        <p:spPr>
-          <a:xfrm>
-            <a:off x="7067116" y="974968"/>
-            <a:ext cx="3005139" cy="0"/>
-          </a:xfrm>
-          <a:prstGeom prst="straightConnector1">
-            <a:avLst/>
-          </a:prstGeom>
-          <a:ln>
-            <a:tailEnd type="triangle"/>
-          </a:ln>
-        </p:spPr>
-        <p:style>
-          <a:lnRef idx="1">
-            <a:schemeClr val="accent1"/>
-          </a:lnRef>
-          <a:fillRef idx="0">
-            <a:schemeClr val="accent1"/>
-          </a:fillRef>
-          <a:effectRef idx="0">
-            <a:schemeClr val="accent1"/>
-          </a:effectRef>
-          <a:fontRef idx="minor">
-            <a:schemeClr val="tx1"/>
-          </a:fontRef>
-        </p:style>
-      </p:cxnSp>
-    </p:spTree>
-    <p:extLst>
-      <p:ext uri="{BB962C8B-B14F-4D97-AF65-F5344CB8AC3E}">
-        <p14:creationId xmlns:p14="http://schemas.microsoft.com/office/powerpoint/2010/main" val="1098373218"/>
-      </p:ext>
-    </p:extLst>
-  </p:cSld>
-  <p:clrMapOvr>
-    <a:masterClrMapping/>
-  </p:clrMapOvr>
-</p:sld>
-</file>
-
-<file path=ppt/slides/slide15.xml><?xml version="1.0" encoding="utf-8"?>
-<p:sld xmlns:a="http://schemas.openxmlformats.org/drawingml/2006/main" xmlns:r="http://schemas.openxmlformats.org/officeDocument/2006/relationships" xmlns:p="http://schemas.openxmlformats.org/presentationml/2006/main">
-  <p:cSld>
-    <p:spTree>
-      <p:nvGrpSpPr>
-        <p:cNvPr id="1" name=""/>
-        <p:cNvGrpSpPr/>
-        <p:nvPr/>
-      </p:nvGrpSpPr>
-      <p:grpSpPr>
-        <a:xfrm>
-          <a:off x="0" y="0"/>
-          <a:ext cx="0" cy="0"/>
-          <a:chOff x="0" y="0"/>
-          <a:chExt cx="0" cy="0"/>
-        </a:xfrm>
-      </p:grpSpPr>
-      <p:sp>
-        <p:nvSpPr>
-          <p:cNvPr id="7" name="圓角矩形 6"/>
-          <p:cNvSpPr/>
-          <p:nvPr/>
-        </p:nvSpPr>
-        <p:spPr>
-          <a:xfrm>
-            <a:off x="4682835" y="803564"/>
-            <a:ext cx="1676400" cy="1288472"/>
-          </a:xfrm>
-          <a:prstGeom prst="roundRect">
-            <a:avLst/>
-          </a:prstGeom>
-          <a:solidFill>
-            <a:srgbClr val="FF0000"/>
-          </a:solidFill>
-        </p:spPr>
-        <p:style>
-          <a:lnRef idx="2">
-            <a:schemeClr val="accent1">
-              <a:shade val="50000"/>
-            </a:schemeClr>
-          </a:lnRef>
-          <a:fillRef idx="1">
-            <a:schemeClr val="accent1"/>
-          </a:fillRef>
-          <a:effectRef idx="0">
-            <a:schemeClr val="accent1"/>
-          </a:effectRef>
-          <a:fontRef idx="minor">
-            <a:schemeClr val="lt1"/>
-          </a:fontRef>
-        </p:style>
-        <p:txBody>
-          <a:bodyPr rtlCol="0" anchor="ctr"/>
-          <a:lstStyle/>
-          <a:p>
-            <a:pPr algn="ctr"/>
-            <a:r>
-              <a:rPr lang="zh-TW" altLang="en-US" dirty="0" smtClean="0"/>
-              <a:t>檢測目前車子位於地圖中哪一個點</a:t>
-            </a:r>
-            <a:endParaRPr lang="zh-TW" altLang="en-US" dirty="0"/>
-          </a:p>
-        </p:txBody>
-      </p:sp>
-      <p:cxnSp>
-        <p:nvCxnSpPr>
-          <p:cNvPr id="14" name="直線單箭頭接點 13"/>
-          <p:cNvCxnSpPr/>
-          <p:nvPr/>
-        </p:nvCxnSpPr>
-        <p:spPr>
-          <a:xfrm>
-            <a:off x="2604655" y="1447800"/>
-            <a:ext cx="1939636" cy="0"/>
-          </a:xfrm>
-          <a:prstGeom prst="straightConnector1">
-            <a:avLst/>
-          </a:prstGeom>
-          <a:ln>
-            <a:tailEnd type="triangle"/>
-          </a:ln>
-        </p:spPr>
-        <p:style>
-          <a:lnRef idx="1">
-            <a:schemeClr val="accent1"/>
-          </a:lnRef>
-          <a:fillRef idx="0">
-            <a:schemeClr val="accent1"/>
-          </a:fillRef>
-          <a:effectRef idx="0">
-            <a:schemeClr val="accent1"/>
-          </a:effectRef>
-          <a:fontRef idx="minor">
-            <a:schemeClr val="tx1"/>
-          </a:fontRef>
-        </p:style>
-      </p:cxnSp>
-      <p:cxnSp>
-        <p:nvCxnSpPr>
-          <p:cNvPr id="24" name="肘形接點 23"/>
-          <p:cNvCxnSpPr/>
-          <p:nvPr/>
-        </p:nvCxnSpPr>
-        <p:spPr>
-          <a:xfrm>
-            <a:off x="6719455" y="1447802"/>
-            <a:ext cx="3470830" cy="3114488"/>
-          </a:xfrm>
-          <a:prstGeom prst="bentConnector3">
-            <a:avLst>
-              <a:gd name="adj1" fmla="val 99904"/>
-            </a:avLst>
-          </a:prstGeom>
-          <a:ln>
-            <a:tailEnd type="triangle"/>
-          </a:ln>
-        </p:spPr>
-        <p:style>
-          <a:lnRef idx="1">
-            <a:schemeClr val="accent1"/>
-          </a:lnRef>
-          <a:fillRef idx="0">
-            <a:schemeClr val="accent1"/>
-          </a:fillRef>
-          <a:effectRef idx="0">
-            <a:schemeClr val="accent1"/>
-          </a:effectRef>
-          <a:fontRef idx="minor">
-            <a:schemeClr val="tx1"/>
-          </a:fontRef>
-        </p:style>
-      </p:cxnSp>
-      <p:cxnSp>
-        <p:nvCxnSpPr>
-          <p:cNvPr id="45" name="直線單箭頭接點 44"/>
-          <p:cNvCxnSpPr/>
-          <p:nvPr/>
-        </p:nvCxnSpPr>
-        <p:spPr>
-          <a:xfrm flipH="1" flipV="1">
-            <a:off x="6453803" y="3119829"/>
-            <a:ext cx="2962759" cy="1513423"/>
-          </a:xfrm>
-          <a:prstGeom prst="straightConnector1">
-            <a:avLst/>
-          </a:prstGeom>
-          <a:ln>
-            <a:tailEnd type="triangle"/>
-          </a:ln>
-        </p:spPr>
-        <p:style>
-          <a:lnRef idx="1">
-            <a:schemeClr val="accent1"/>
-          </a:lnRef>
-          <a:fillRef idx="0">
-            <a:schemeClr val="accent1"/>
-          </a:fillRef>
-          <a:effectRef idx="0">
-            <a:schemeClr val="accent1"/>
-          </a:effectRef>
-          <a:fontRef idx="minor">
-            <a:schemeClr val="tx1"/>
-          </a:fontRef>
-        </p:style>
-      </p:cxnSp>
-      <p:sp>
-        <p:nvSpPr>
-          <p:cNvPr id="46" name="文字方塊 45"/>
-          <p:cNvSpPr txBox="1"/>
-          <p:nvPr/>
-        </p:nvSpPr>
-        <p:spPr>
-          <a:xfrm>
-            <a:off x="7842040" y="3408573"/>
-            <a:ext cx="1107996" cy="369332"/>
-          </a:xfrm>
-          <a:prstGeom prst="rect">
-            <a:avLst/>
-          </a:prstGeom>
-          <a:noFill/>
-        </p:spPr>
-        <p:txBody>
-          <a:bodyPr wrap="none" rtlCol="0">
-            <a:spAutoFit/>
-          </a:bodyPr>
-          <a:lstStyle/>
-          <a:p>
-            <a:r>
-              <a:rPr lang="zh-TW" altLang="en-US" dirty="0" smtClean="0"/>
-              <a:t>判斷失敗</a:t>
-            </a:r>
-            <a:endParaRPr lang="zh-TW" altLang="en-US" dirty="0"/>
-          </a:p>
-        </p:txBody>
-      </p:sp>
-      <p:sp>
-        <p:nvSpPr>
-          <p:cNvPr id="47" name="文字方塊 46"/>
-          <p:cNvSpPr txBox="1"/>
-          <p:nvPr/>
-        </p:nvSpPr>
-        <p:spPr>
-          <a:xfrm>
-            <a:off x="6625835" y="4657498"/>
-            <a:ext cx="1107996" cy="369332"/>
-          </a:xfrm>
-          <a:prstGeom prst="rect">
-            <a:avLst/>
-          </a:prstGeom>
-          <a:noFill/>
-        </p:spPr>
-        <p:txBody>
-          <a:bodyPr wrap="none" rtlCol="0">
-            <a:spAutoFit/>
-          </a:bodyPr>
-          <a:lstStyle/>
-          <a:p>
-            <a:r>
-              <a:rPr lang="zh-TW" altLang="en-US" dirty="0" smtClean="0"/>
-              <a:t>判斷成功</a:t>
-            </a:r>
-            <a:endParaRPr lang="zh-TW" altLang="en-US" dirty="0"/>
-          </a:p>
-        </p:txBody>
-      </p:sp>
-      <p:cxnSp>
-        <p:nvCxnSpPr>
-          <p:cNvPr id="50" name="直線單箭頭接點 49"/>
-          <p:cNvCxnSpPr/>
-          <p:nvPr/>
-        </p:nvCxnSpPr>
-        <p:spPr>
-          <a:xfrm flipH="1" flipV="1">
-            <a:off x="6453803" y="5082245"/>
-            <a:ext cx="840615" cy="157970"/>
-          </a:xfrm>
-          <a:prstGeom prst="straightConnector1">
-            <a:avLst/>
-          </a:prstGeom>
-          <a:ln>
-            <a:tailEnd type="triangle"/>
-          </a:ln>
-        </p:spPr>
-        <p:style>
-          <a:lnRef idx="1">
-            <a:schemeClr val="accent1"/>
-          </a:lnRef>
-          <a:fillRef idx="0">
-            <a:schemeClr val="accent1"/>
-          </a:fillRef>
-          <a:effectRef idx="0">
-            <a:schemeClr val="accent1"/>
-          </a:effectRef>
-          <a:fontRef idx="minor">
-            <a:schemeClr val="tx1"/>
-          </a:fontRef>
-        </p:style>
-      </p:cxnSp>
-      <p:sp>
-        <p:nvSpPr>
-          <p:cNvPr id="54" name="圓角矩形 53"/>
-          <p:cNvSpPr/>
-          <p:nvPr/>
-        </p:nvSpPr>
-        <p:spPr>
-          <a:xfrm>
-            <a:off x="4544291" y="4233654"/>
-            <a:ext cx="1676400" cy="1507961"/>
-          </a:xfrm>
-          <a:prstGeom prst="roundRect">
-            <a:avLst/>
-          </a:prstGeom>
-          <a:solidFill>
-            <a:srgbClr val="FF0000"/>
-          </a:solidFill>
-        </p:spPr>
-        <p:style>
-          <a:lnRef idx="2">
-            <a:schemeClr val="accent1">
-              <a:shade val="50000"/>
-            </a:schemeClr>
-          </a:lnRef>
-          <a:fillRef idx="1">
-            <a:schemeClr val="accent1"/>
-          </a:fillRef>
-          <a:effectRef idx="0">
-            <a:schemeClr val="accent1"/>
-          </a:effectRef>
-          <a:fontRef idx="minor">
-            <a:schemeClr val="lt1"/>
-          </a:fontRef>
-        </p:style>
-        <p:txBody>
-          <a:bodyPr rtlCol="0" anchor="ctr"/>
-          <a:lstStyle/>
-          <a:p>
-            <a:pPr algn="ctr"/>
-            <a:r>
-              <a:rPr lang="zh-TW" altLang="en-US" dirty="0" smtClean="0"/>
-              <a:t>回傳目前</a:t>
-            </a:r>
-            <a:r>
-              <a:rPr lang="en-US" altLang="zh-TW" dirty="0" smtClean="0"/>
-              <a:t/>
-            </a:r>
-            <a:br>
-              <a:rPr lang="en-US" altLang="zh-TW" dirty="0" smtClean="0"/>
-            </a:br>
-            <a:r>
-              <a:rPr lang="zh-TW" altLang="en-US" dirty="0" smtClean="0"/>
-              <a:t>位置</a:t>
-            </a:r>
-            <a:r>
-              <a:rPr lang="en-US" altLang="zh-TW" dirty="0" smtClean="0"/>
-              <a:t>ID</a:t>
-            </a:r>
-            <a:br>
-              <a:rPr lang="en-US" altLang="zh-TW" dirty="0" smtClean="0"/>
-            </a:br>
-            <a:r>
-              <a:rPr lang="zh-TW" altLang="en-US" dirty="0" smtClean="0"/>
-              <a:t>和面相方位</a:t>
-            </a:r>
-            <a:endParaRPr lang="zh-TW" altLang="en-US" dirty="0"/>
-          </a:p>
-        </p:txBody>
-      </p:sp>
-      <p:sp>
-        <p:nvSpPr>
-          <p:cNvPr id="23" name="橢圓 22"/>
-          <p:cNvSpPr/>
-          <p:nvPr/>
-        </p:nvSpPr>
-        <p:spPr>
-          <a:xfrm>
-            <a:off x="775855" y="551721"/>
-            <a:ext cx="1690255" cy="1561005"/>
-          </a:xfrm>
-          <a:prstGeom prst="ellipse">
-            <a:avLst/>
-          </a:prstGeom>
-          <a:solidFill>
-            <a:srgbClr val="FF0000"/>
-          </a:solidFill>
-        </p:spPr>
-        <p:style>
-          <a:lnRef idx="2">
-            <a:schemeClr val="accent1">
-              <a:shade val="50000"/>
-            </a:schemeClr>
-          </a:lnRef>
-          <a:fillRef idx="1">
-            <a:schemeClr val="accent1"/>
-          </a:fillRef>
-          <a:effectRef idx="0">
-            <a:schemeClr val="accent1"/>
-          </a:effectRef>
-          <a:fontRef idx="minor">
-            <a:schemeClr val="lt1"/>
-          </a:fontRef>
-        </p:style>
-        <p:txBody>
-          <a:bodyPr rtlCol="0" anchor="ctr"/>
-          <a:lstStyle/>
-          <a:p>
-            <a:pPr algn="ctr"/>
-            <a:r>
-              <a:rPr lang="zh-TW" altLang="en-US" dirty="0" smtClean="0"/>
-              <a:t>檢測地圖可用性</a:t>
-            </a:r>
-            <a:endParaRPr lang="zh-TW" altLang="en-US" dirty="0"/>
-          </a:p>
-        </p:txBody>
-      </p:sp>
-      <p:sp>
-        <p:nvSpPr>
-          <p:cNvPr id="27" name="圓角矩形 26"/>
-          <p:cNvSpPr/>
-          <p:nvPr/>
-        </p:nvSpPr>
-        <p:spPr>
-          <a:xfrm>
-            <a:off x="4544291" y="2518609"/>
-            <a:ext cx="1676400" cy="1288472"/>
-          </a:xfrm>
-          <a:prstGeom prst="roundRect">
-            <a:avLst/>
-          </a:prstGeom>
-          <a:solidFill>
-            <a:srgbClr val="FF0000"/>
-          </a:solidFill>
-        </p:spPr>
-        <p:style>
-          <a:lnRef idx="2">
-            <a:schemeClr val="accent1">
-              <a:shade val="50000"/>
-            </a:schemeClr>
-          </a:lnRef>
-          <a:fillRef idx="1">
-            <a:schemeClr val="accent1"/>
-          </a:fillRef>
-          <a:effectRef idx="0">
-            <a:schemeClr val="accent1"/>
-          </a:effectRef>
-          <a:fontRef idx="minor">
-            <a:schemeClr val="lt1"/>
-          </a:fontRef>
-        </p:style>
-        <p:txBody>
-          <a:bodyPr rtlCol="0" anchor="ctr"/>
-          <a:lstStyle/>
-          <a:p>
-            <a:pPr algn="ctr"/>
-            <a:r>
-              <a:rPr lang="zh-TW" altLang="en-US" dirty="0" smtClean="0"/>
-              <a:t>回傳失敗</a:t>
-            </a:r>
-            <a:endParaRPr lang="zh-TW" altLang="en-US" dirty="0"/>
-          </a:p>
-        </p:txBody>
-      </p:sp>
-      <p:sp>
-        <p:nvSpPr>
-          <p:cNvPr id="15" name="橢圓 14"/>
-          <p:cNvSpPr/>
-          <p:nvPr/>
-        </p:nvSpPr>
-        <p:spPr>
-          <a:xfrm>
-            <a:off x="7294417" y="4712915"/>
-            <a:ext cx="4747846" cy="2057400"/>
-          </a:xfrm>
-          <a:prstGeom prst="ellipse">
-            <a:avLst/>
-          </a:prstGeom>
-          <a:solidFill>
-            <a:schemeClr val="accent5">
-              <a:lumMod val="20000"/>
-              <a:lumOff val="80000"/>
-            </a:schemeClr>
-          </a:solidFill>
-        </p:spPr>
-        <p:style>
-          <a:lnRef idx="2">
-            <a:schemeClr val="accent1">
-              <a:shade val="50000"/>
-            </a:schemeClr>
-          </a:lnRef>
-          <a:fillRef idx="1">
-            <a:schemeClr val="accent1"/>
-          </a:fillRef>
-          <a:effectRef idx="0">
-            <a:schemeClr val="accent1"/>
-          </a:effectRef>
-          <a:fontRef idx="minor">
-            <a:schemeClr val="lt1"/>
-          </a:fontRef>
-        </p:style>
-        <p:txBody>
-          <a:bodyPr rtlCol="0" anchor="ctr"/>
-          <a:lstStyle/>
-          <a:p>
-            <a:pPr algn="ctr"/>
-            <a:endParaRPr lang="zh-TW" altLang="en-US"/>
-          </a:p>
-        </p:txBody>
-      </p:sp>
-      <p:sp>
-        <p:nvSpPr>
-          <p:cNvPr id="16" name="圓角矩形 15"/>
-          <p:cNvSpPr/>
-          <p:nvPr/>
-        </p:nvSpPr>
-        <p:spPr>
-          <a:xfrm>
-            <a:off x="7991940" y="5082245"/>
-            <a:ext cx="1676400" cy="1288472"/>
-          </a:xfrm>
-          <a:prstGeom prst="roundRect">
-            <a:avLst/>
-          </a:prstGeom>
-          <a:solidFill>
-            <a:srgbClr val="FF0000"/>
-          </a:solidFill>
-        </p:spPr>
-        <p:style>
-          <a:lnRef idx="2">
-            <a:schemeClr val="accent1">
-              <a:shade val="50000"/>
-            </a:schemeClr>
-          </a:lnRef>
-          <a:fillRef idx="1">
-            <a:schemeClr val="accent1"/>
-          </a:fillRef>
-          <a:effectRef idx="0">
-            <a:schemeClr val="accent1"/>
-          </a:effectRef>
-          <a:fontRef idx="minor">
-            <a:schemeClr val="lt1"/>
-          </a:fontRef>
-        </p:style>
-        <p:txBody>
-          <a:bodyPr rtlCol="0" anchor="ctr"/>
-          <a:lstStyle/>
-          <a:p>
-            <a:pPr algn="ctr"/>
-            <a:r>
-              <a:rPr lang="zh-TW" altLang="en-US" dirty="0" smtClean="0"/>
-              <a:t>和現有地圖每</a:t>
-            </a:r>
-            <a:r>
-              <a:rPr lang="en-US" altLang="zh-TW" dirty="0" smtClean="0"/>
-              <a:t>1</a:t>
-            </a:r>
-            <a:r>
-              <a:rPr lang="zh-TW" altLang="en-US" dirty="0"/>
-              <a:t>筆</a:t>
-            </a:r>
-            <a:r>
-              <a:rPr lang="zh-TW" altLang="en-US" dirty="0" smtClean="0"/>
-              <a:t>比對</a:t>
-            </a:r>
-            <a:endParaRPr lang="zh-TW" altLang="en-US" dirty="0"/>
-          </a:p>
-        </p:txBody>
-      </p:sp>
-      <p:sp>
-        <p:nvSpPr>
-          <p:cNvPr id="17" name="圓角矩形 16"/>
-          <p:cNvSpPr/>
-          <p:nvPr/>
-        </p:nvSpPr>
-        <p:spPr>
-          <a:xfrm>
-            <a:off x="9799821" y="5086988"/>
-            <a:ext cx="1676400" cy="1288472"/>
-          </a:xfrm>
-          <a:prstGeom prst="roundRect">
-            <a:avLst/>
-          </a:prstGeom>
-          <a:solidFill>
-            <a:srgbClr val="FF0000"/>
-          </a:solidFill>
-        </p:spPr>
-        <p:style>
-          <a:lnRef idx="2">
-            <a:schemeClr val="accent1">
-              <a:shade val="50000"/>
-            </a:schemeClr>
-          </a:lnRef>
-          <a:fillRef idx="1">
-            <a:schemeClr val="accent1"/>
-          </a:fillRef>
-          <a:effectRef idx="0">
-            <a:schemeClr val="accent1"/>
-          </a:effectRef>
-          <a:fontRef idx="minor">
-            <a:schemeClr val="lt1"/>
-          </a:fontRef>
-        </p:style>
-        <p:txBody>
-          <a:bodyPr rtlCol="0" anchor="ctr"/>
-          <a:lstStyle/>
-          <a:p>
-            <a:pPr algn="ctr"/>
-            <a:r>
-              <a:rPr lang="zh-TW" altLang="en-US" dirty="0"/>
-              <a:t>相機</a:t>
-            </a:r>
-            <a:r>
-              <a:rPr lang="en-US" altLang="zh-TW" dirty="0" err="1"/>
-              <a:t>qrcode</a:t>
-            </a:r>
-            <a:r>
-              <a:rPr lang="en-US" altLang="zh-TW" dirty="0"/>
-              <a:t> </a:t>
-            </a:r>
-            <a:r>
-              <a:rPr lang="zh-TW" altLang="en-US" dirty="0"/>
-              <a:t>判斷</a:t>
-            </a:r>
-          </a:p>
-        </p:txBody>
-      </p:sp>
-    </p:spTree>
-    <p:extLst>
-      <p:ext uri="{BB962C8B-B14F-4D97-AF65-F5344CB8AC3E}">
-        <p14:creationId xmlns:p14="http://schemas.microsoft.com/office/powerpoint/2010/main" val="3702527412"/>
-      </p:ext>
-    </p:extLst>
-  </p:cSld>
-  <p:clrMapOvr>
-    <a:masterClrMapping/>
-  </p:clrMapOvr>
-</p:sld>
-</file>
-
-<file path=ppt/slides/slide16.xml><?xml version="1.0" encoding="utf-8"?>
-<p:sld xmlns:a="http://schemas.openxmlformats.org/drawingml/2006/main" xmlns:r="http://schemas.openxmlformats.org/officeDocument/2006/relationships" xmlns:p="http://schemas.openxmlformats.org/presentationml/2006/main">
-  <p:cSld>
-    <p:spTree>
-      <p:nvGrpSpPr>
-        <p:cNvPr id="1" name=""/>
-        <p:cNvGrpSpPr/>
-        <p:nvPr/>
-      </p:nvGrpSpPr>
-      <p:grpSpPr>
-        <a:xfrm>
-          <a:off x="0" y="0"/>
-          <a:ext cx="0" cy="0"/>
-          <a:chOff x="0" y="0"/>
-          <a:chExt cx="0" cy="0"/>
-        </a:xfrm>
-      </p:grpSpPr>
-      <p:sp>
-        <p:nvSpPr>
-          <p:cNvPr id="4" name="橢圓 3"/>
-          <p:cNvSpPr/>
-          <p:nvPr/>
-        </p:nvSpPr>
-        <p:spPr>
-          <a:xfrm>
-            <a:off x="359665" y="129247"/>
-            <a:ext cx="1371600" cy="1288472"/>
-          </a:xfrm>
-          <a:prstGeom prst="ellipse">
-            <a:avLst/>
-          </a:prstGeom>
-          <a:solidFill>
-            <a:schemeClr val="accent2"/>
-          </a:solidFill>
-        </p:spPr>
-        <p:style>
-          <a:lnRef idx="2">
-            <a:schemeClr val="accent1">
-              <a:shade val="50000"/>
-            </a:schemeClr>
-          </a:lnRef>
-          <a:fillRef idx="1">
-            <a:schemeClr val="accent1"/>
-          </a:fillRef>
-          <a:effectRef idx="0">
-            <a:schemeClr val="accent1"/>
-          </a:effectRef>
-          <a:fontRef idx="minor">
-            <a:schemeClr val="lt1"/>
-          </a:fontRef>
-        </p:style>
-        <p:txBody>
-          <a:bodyPr rtlCol="0" anchor="ctr"/>
-          <a:lstStyle/>
-          <a:p>
-            <a:pPr algn="ctr"/>
-            <a:r>
-              <a:rPr lang="zh-TW" altLang="en-US" dirty="0" smtClean="0"/>
-              <a:t>建立新地圖</a:t>
-            </a:r>
-            <a:endParaRPr lang="zh-TW" altLang="en-US" dirty="0"/>
-          </a:p>
-        </p:txBody>
-      </p:sp>
-      <p:cxnSp>
-        <p:nvCxnSpPr>
-          <p:cNvPr id="10" name="直線單箭頭接點 9"/>
-          <p:cNvCxnSpPr/>
-          <p:nvPr/>
-        </p:nvCxnSpPr>
-        <p:spPr>
-          <a:xfrm>
-            <a:off x="1891010" y="784966"/>
-            <a:ext cx="935318" cy="0"/>
-          </a:xfrm>
-          <a:prstGeom prst="straightConnector1">
-            <a:avLst/>
-          </a:prstGeom>
-          <a:ln>
-            <a:tailEnd type="triangle"/>
-          </a:ln>
-        </p:spPr>
-        <p:style>
-          <a:lnRef idx="1">
-            <a:schemeClr val="accent1"/>
-          </a:lnRef>
-          <a:fillRef idx="0">
-            <a:schemeClr val="accent1"/>
-          </a:fillRef>
-          <a:effectRef idx="0">
-            <a:schemeClr val="accent1"/>
-          </a:effectRef>
-          <a:fontRef idx="minor">
-            <a:schemeClr val="tx1"/>
-          </a:fontRef>
-        </p:style>
-      </p:cxnSp>
-      <p:sp>
-        <p:nvSpPr>
-          <p:cNvPr id="13" name="圓角矩形 12"/>
-          <p:cNvSpPr/>
-          <p:nvPr/>
-        </p:nvSpPr>
-        <p:spPr>
-          <a:xfrm>
-            <a:off x="3211458" y="140730"/>
-            <a:ext cx="1967212" cy="1186908"/>
-          </a:xfrm>
-          <a:prstGeom prst="roundRect">
-            <a:avLst/>
-          </a:prstGeom>
-          <a:solidFill>
-            <a:schemeClr val="accent2"/>
-          </a:solidFill>
-        </p:spPr>
-        <p:style>
-          <a:lnRef idx="2">
-            <a:schemeClr val="accent1">
-              <a:shade val="50000"/>
-            </a:schemeClr>
-          </a:lnRef>
-          <a:fillRef idx="1">
-            <a:schemeClr val="accent1"/>
-          </a:fillRef>
-          <a:effectRef idx="0">
-            <a:schemeClr val="accent1"/>
-          </a:effectRef>
-          <a:fontRef idx="minor">
-            <a:schemeClr val="lt1"/>
-          </a:fontRef>
-        </p:style>
-        <p:txBody>
-          <a:bodyPr rtlCol="0" anchor="ctr"/>
-          <a:lstStyle/>
-          <a:p>
-            <a:pPr algn="ctr"/>
-            <a:r>
-              <a:rPr lang="zh-TW" altLang="en-US" dirty="0" smtClean="0"/>
-              <a:t>發送探測指令</a:t>
-            </a:r>
-            <a:endParaRPr lang="zh-TW" altLang="en-US" dirty="0"/>
-          </a:p>
-        </p:txBody>
-      </p:sp>
-      <p:sp>
-        <p:nvSpPr>
-          <p:cNvPr id="14" name="圓角矩形 13"/>
-          <p:cNvSpPr/>
-          <p:nvPr/>
-        </p:nvSpPr>
-        <p:spPr>
-          <a:xfrm>
-            <a:off x="6658863" y="89948"/>
-            <a:ext cx="1676400" cy="1288472"/>
-          </a:xfrm>
-          <a:prstGeom prst="roundRect">
-            <a:avLst/>
-          </a:prstGeom>
-          <a:solidFill>
-            <a:schemeClr val="accent6"/>
-          </a:solidFill>
-        </p:spPr>
-        <p:style>
-          <a:lnRef idx="2">
-            <a:schemeClr val="accent1">
-              <a:shade val="50000"/>
-            </a:schemeClr>
-          </a:lnRef>
-          <a:fillRef idx="1">
-            <a:schemeClr val="accent1"/>
-          </a:fillRef>
-          <a:effectRef idx="0">
-            <a:schemeClr val="accent1"/>
-          </a:effectRef>
-          <a:fontRef idx="minor">
-            <a:schemeClr val="lt1"/>
-          </a:fontRef>
-        </p:style>
-        <p:txBody>
-          <a:bodyPr rtlCol="0" anchor="ctr"/>
-          <a:lstStyle/>
-          <a:p>
-            <a:pPr algn="ctr"/>
-            <a:r>
-              <a:rPr lang="zh-TW" altLang="en-US" dirty="0"/>
-              <a:t>接收回</a:t>
-            </a:r>
-            <a:r>
-              <a:rPr lang="zh-TW" altLang="en-US" dirty="0" smtClean="0"/>
-              <a:t>傳</a:t>
-            </a:r>
-            <a:endParaRPr lang="en-US" altLang="zh-TW" dirty="0" smtClean="0"/>
-          </a:p>
-          <a:p>
-            <a:pPr algn="ctr"/>
-            <a:r>
-              <a:rPr lang="zh-TW" altLang="en-US" dirty="0" smtClean="0"/>
-              <a:t>資料</a:t>
-            </a:r>
-            <a:endParaRPr lang="zh-TW" altLang="en-US" dirty="0"/>
-          </a:p>
-        </p:txBody>
-      </p:sp>
-      <p:sp>
-        <p:nvSpPr>
-          <p:cNvPr id="17" name="圓角矩形 16"/>
-          <p:cNvSpPr/>
-          <p:nvPr/>
-        </p:nvSpPr>
-        <p:spPr>
-          <a:xfrm>
-            <a:off x="238531" y="2179377"/>
-            <a:ext cx="2819396" cy="1560462"/>
-          </a:xfrm>
-          <a:prstGeom prst="roundRect">
-            <a:avLst/>
-          </a:prstGeom>
-          <a:solidFill>
-            <a:srgbClr val="FF0000"/>
-          </a:solidFill>
-        </p:spPr>
-        <p:style>
-          <a:lnRef idx="2">
-            <a:schemeClr val="accent1">
-              <a:shade val="50000"/>
-            </a:schemeClr>
-          </a:lnRef>
-          <a:fillRef idx="1">
-            <a:schemeClr val="accent1"/>
-          </a:fillRef>
-          <a:effectRef idx="0">
-            <a:schemeClr val="accent1"/>
-          </a:effectRef>
-          <a:fontRef idx="minor">
-            <a:schemeClr val="lt1"/>
-          </a:fontRef>
-        </p:style>
-        <p:txBody>
-          <a:bodyPr rtlCol="0" anchor="ctr"/>
-          <a:lstStyle/>
-          <a:p>
-            <a:pPr algn="ctr"/>
-            <a:r>
-              <a:rPr lang="zh-TW" altLang="en-US" dirty="0"/>
-              <a:t>回</a:t>
-            </a:r>
-            <a:r>
-              <a:rPr lang="zh-TW" altLang="en-US" dirty="0" smtClean="0"/>
-              <a:t>傳</a:t>
-            </a:r>
-            <a:r>
-              <a:rPr lang="zh-TW" altLang="en-US" dirty="0"/>
-              <a:t>最終點</a:t>
-            </a:r>
-            <a:r>
-              <a:rPr lang="zh-TW" altLang="en-US" dirty="0" smtClean="0"/>
-              <a:t>地圖</a:t>
-            </a:r>
-            <a:r>
-              <a:rPr lang="en-US" altLang="zh-TW" dirty="0"/>
-              <a:t>ID</a:t>
-            </a:r>
-          </a:p>
-          <a:p>
-            <a:pPr algn="ctr"/>
-            <a:r>
-              <a:rPr lang="zh-TW" altLang="en-US" dirty="0"/>
-              <a:t>和面相方位</a:t>
-            </a:r>
-          </a:p>
-        </p:txBody>
-      </p:sp>
-      <p:cxnSp>
-        <p:nvCxnSpPr>
-          <p:cNvPr id="21" name="直線單箭頭接點 20"/>
-          <p:cNvCxnSpPr/>
-          <p:nvPr/>
-        </p:nvCxnSpPr>
-        <p:spPr>
-          <a:xfrm>
-            <a:off x="8483492" y="728013"/>
-            <a:ext cx="942109" cy="0"/>
-          </a:xfrm>
-          <a:prstGeom prst="straightConnector1">
-            <a:avLst/>
-          </a:prstGeom>
-          <a:ln>
-            <a:tailEnd type="triangle"/>
-          </a:ln>
-        </p:spPr>
-        <p:style>
-          <a:lnRef idx="1">
-            <a:schemeClr val="accent1"/>
-          </a:lnRef>
-          <a:fillRef idx="0">
-            <a:schemeClr val="accent1"/>
-          </a:fillRef>
-          <a:effectRef idx="0">
-            <a:schemeClr val="accent1"/>
-          </a:effectRef>
-          <a:fontRef idx="minor">
-            <a:schemeClr val="tx1"/>
-          </a:fontRef>
-        </p:style>
-      </p:cxnSp>
-      <p:cxnSp>
-        <p:nvCxnSpPr>
-          <p:cNvPr id="25" name="直線單箭頭接點 24"/>
-          <p:cNvCxnSpPr/>
-          <p:nvPr/>
-        </p:nvCxnSpPr>
-        <p:spPr>
-          <a:xfrm flipH="1">
-            <a:off x="7781192" y="4073698"/>
-            <a:ext cx="2593731" cy="1621386"/>
-          </a:xfrm>
-          <a:prstGeom prst="straightConnector1">
-            <a:avLst/>
-          </a:prstGeom>
-          <a:ln>
-            <a:tailEnd type="triangle"/>
-          </a:ln>
-        </p:spPr>
-        <p:style>
-          <a:lnRef idx="1">
-            <a:schemeClr val="accent1"/>
-          </a:lnRef>
-          <a:fillRef idx="0">
-            <a:schemeClr val="accent1"/>
-          </a:fillRef>
-          <a:effectRef idx="0">
-            <a:schemeClr val="accent1"/>
-          </a:effectRef>
-          <a:fontRef idx="minor">
-            <a:schemeClr val="tx1"/>
-          </a:fontRef>
-        </p:style>
-      </p:cxnSp>
-      <p:cxnSp>
-        <p:nvCxnSpPr>
-          <p:cNvPr id="22" name="直線單箭頭接點 21"/>
-          <p:cNvCxnSpPr/>
-          <p:nvPr/>
-        </p:nvCxnSpPr>
-        <p:spPr>
-          <a:xfrm>
-            <a:off x="5462421" y="731413"/>
-            <a:ext cx="942109" cy="0"/>
-          </a:xfrm>
-          <a:prstGeom prst="straightConnector1">
-            <a:avLst/>
-          </a:prstGeom>
-          <a:ln>
-            <a:tailEnd type="triangle"/>
-          </a:ln>
-        </p:spPr>
-        <p:style>
-          <a:lnRef idx="1">
-            <a:schemeClr val="accent1"/>
-          </a:lnRef>
-          <a:fillRef idx="0">
-            <a:schemeClr val="accent1"/>
-          </a:fillRef>
-          <a:effectRef idx="0">
-            <a:schemeClr val="accent1"/>
-          </a:effectRef>
-          <a:fontRef idx="minor">
-            <a:schemeClr val="tx1"/>
-          </a:fontRef>
-        </p:style>
-      </p:cxnSp>
-      <p:sp>
-        <p:nvSpPr>
-          <p:cNvPr id="24" name="圓角矩形 23"/>
-          <p:cNvSpPr/>
-          <p:nvPr/>
-        </p:nvSpPr>
-        <p:spPr>
-          <a:xfrm>
-            <a:off x="9727223" y="2582943"/>
-            <a:ext cx="1676400" cy="1288472"/>
-          </a:xfrm>
-          <a:prstGeom prst="roundRect">
-            <a:avLst/>
-          </a:prstGeom>
-          <a:solidFill>
-            <a:schemeClr val="accent6"/>
-          </a:solidFill>
-        </p:spPr>
-        <p:style>
-          <a:lnRef idx="2">
-            <a:schemeClr val="accent1">
-              <a:shade val="50000"/>
-            </a:schemeClr>
-          </a:lnRef>
-          <a:fillRef idx="1">
-            <a:schemeClr val="accent1"/>
-          </a:fillRef>
-          <a:effectRef idx="0">
-            <a:schemeClr val="accent1"/>
-          </a:effectRef>
-          <a:fontRef idx="minor">
-            <a:schemeClr val="lt1"/>
-          </a:fontRef>
-        </p:style>
-        <p:txBody>
-          <a:bodyPr rtlCol="0" anchor="ctr"/>
-          <a:lstStyle/>
-          <a:p>
-            <a:pPr algn="ctr"/>
-            <a:r>
-              <a:rPr lang="zh-TW" altLang="en-US" dirty="0" smtClean="0"/>
-              <a:t>將資料加上</a:t>
-            </a:r>
-            <a:r>
-              <a:rPr lang="en-US" altLang="zh-TW" dirty="0" smtClean="0"/>
-              <a:t>ID</a:t>
-            </a:r>
-            <a:br>
-              <a:rPr lang="en-US" altLang="zh-TW" dirty="0" smtClean="0"/>
-            </a:br>
-            <a:r>
-              <a:rPr lang="zh-TW" altLang="en-US" dirty="0" smtClean="0"/>
-              <a:t>寫入地圖檔</a:t>
-            </a:r>
-            <a:endParaRPr lang="zh-TW" altLang="en-US" dirty="0"/>
-          </a:p>
-        </p:txBody>
-      </p:sp>
-      <p:cxnSp>
-        <p:nvCxnSpPr>
-          <p:cNvPr id="26" name="直線單箭頭接點 25"/>
-          <p:cNvCxnSpPr/>
-          <p:nvPr/>
-        </p:nvCxnSpPr>
-        <p:spPr>
-          <a:xfrm flipH="1">
-            <a:off x="10626969" y="1574626"/>
-            <a:ext cx="1" cy="772920"/>
-          </a:xfrm>
-          <a:prstGeom prst="straightConnector1">
-            <a:avLst/>
-          </a:prstGeom>
-          <a:ln>
-            <a:tailEnd type="triangle"/>
-          </a:ln>
-        </p:spPr>
-        <p:style>
-          <a:lnRef idx="1">
-            <a:schemeClr val="accent1"/>
-          </a:lnRef>
-          <a:fillRef idx="0">
-            <a:schemeClr val="accent1"/>
-          </a:fillRef>
-          <a:effectRef idx="0">
-            <a:schemeClr val="accent1"/>
-          </a:effectRef>
-          <a:fontRef idx="minor">
-            <a:schemeClr val="tx1"/>
-          </a:fontRef>
-        </p:style>
-      </p:cxnSp>
-      <p:sp>
-        <p:nvSpPr>
-          <p:cNvPr id="28" name="橢圓 27"/>
-          <p:cNvSpPr/>
-          <p:nvPr/>
-        </p:nvSpPr>
-        <p:spPr>
-          <a:xfrm>
-            <a:off x="4740080" y="4497461"/>
-            <a:ext cx="2699969" cy="2273236"/>
-          </a:xfrm>
-          <a:prstGeom prst="ellipse">
-            <a:avLst/>
-          </a:prstGeom>
-          <a:solidFill>
-            <a:schemeClr val="accent2"/>
-          </a:solidFill>
-        </p:spPr>
-        <p:style>
-          <a:lnRef idx="2">
-            <a:schemeClr val="accent1">
-              <a:shade val="50000"/>
-            </a:schemeClr>
-          </a:lnRef>
-          <a:fillRef idx="1">
-            <a:schemeClr val="accent1"/>
-          </a:fillRef>
-          <a:effectRef idx="0">
-            <a:schemeClr val="accent1"/>
-          </a:effectRef>
-          <a:fontRef idx="minor">
-            <a:schemeClr val="lt1"/>
-          </a:fontRef>
-        </p:style>
-        <p:txBody>
-          <a:bodyPr rtlCol="0" anchor="ctr"/>
-          <a:lstStyle/>
-          <a:p>
-            <a:pPr algn="ctr"/>
-            <a:r>
-              <a:rPr lang="zh-TW" altLang="en-US" dirty="0"/>
-              <a:t>依演算法</a:t>
-            </a:r>
-            <a:r>
-              <a:rPr lang="en-US" altLang="zh-TW" dirty="0"/>
-              <a:t/>
-            </a:r>
-            <a:br>
-              <a:rPr lang="en-US" altLang="zh-TW" dirty="0"/>
-            </a:br>
-            <a:r>
-              <a:rPr lang="zh-TW" altLang="en-US" dirty="0"/>
-              <a:t>移動到下一個點</a:t>
-            </a:r>
-          </a:p>
-        </p:txBody>
-      </p:sp>
-      <p:sp>
-        <p:nvSpPr>
-          <p:cNvPr id="29" name="文字方塊 28"/>
-          <p:cNvSpPr txBox="1"/>
-          <p:nvPr/>
-        </p:nvSpPr>
-        <p:spPr>
-          <a:xfrm>
-            <a:off x="5236313" y="3440625"/>
-            <a:ext cx="1338828" cy="369332"/>
-          </a:xfrm>
-          <a:prstGeom prst="rect">
-            <a:avLst/>
-          </a:prstGeom>
-          <a:noFill/>
-        </p:spPr>
-        <p:txBody>
-          <a:bodyPr wrap="none" rtlCol="0">
-            <a:spAutoFit/>
-          </a:bodyPr>
-          <a:lstStyle/>
-          <a:p>
-            <a:r>
-              <a:rPr lang="zh-TW" altLang="en-US" dirty="0" smtClean="0"/>
-              <a:t>不是最終點</a:t>
-            </a:r>
-            <a:endParaRPr lang="zh-TW" altLang="en-US" dirty="0"/>
-          </a:p>
-        </p:txBody>
-      </p:sp>
-      <p:cxnSp>
-        <p:nvCxnSpPr>
-          <p:cNvPr id="30" name="直線單箭頭接點 29"/>
-          <p:cNvCxnSpPr/>
-          <p:nvPr/>
-        </p:nvCxnSpPr>
-        <p:spPr>
-          <a:xfrm flipH="1" flipV="1">
-            <a:off x="1891012" y="3807070"/>
-            <a:ext cx="2707365" cy="1327179"/>
-          </a:xfrm>
-          <a:prstGeom prst="straightConnector1">
-            <a:avLst/>
-          </a:prstGeom>
-          <a:ln>
-            <a:tailEnd type="triangle"/>
-          </a:ln>
-        </p:spPr>
-        <p:style>
-          <a:lnRef idx="1">
-            <a:schemeClr val="accent1"/>
-          </a:lnRef>
-          <a:fillRef idx="0">
-            <a:schemeClr val="accent1"/>
-          </a:fillRef>
-          <a:effectRef idx="0">
-            <a:schemeClr val="accent1"/>
-          </a:effectRef>
-          <a:fontRef idx="minor">
-            <a:schemeClr val="tx1"/>
-          </a:fontRef>
-        </p:style>
-      </p:cxnSp>
-      <p:sp>
-        <p:nvSpPr>
-          <p:cNvPr id="32" name="文字方塊 31"/>
-          <p:cNvSpPr txBox="1"/>
-          <p:nvPr/>
-        </p:nvSpPr>
-        <p:spPr>
-          <a:xfrm>
-            <a:off x="770927" y="4073698"/>
-            <a:ext cx="1107996" cy="369332"/>
-          </a:xfrm>
-          <a:prstGeom prst="rect">
-            <a:avLst/>
-          </a:prstGeom>
-          <a:noFill/>
-        </p:spPr>
-        <p:txBody>
-          <a:bodyPr wrap="none" rtlCol="0">
-            <a:spAutoFit/>
-          </a:bodyPr>
-          <a:lstStyle/>
-          <a:p>
-            <a:r>
-              <a:rPr lang="zh-TW" altLang="en-US" dirty="0" smtClean="0"/>
-              <a:t>是最終點</a:t>
-            </a:r>
-            <a:endParaRPr lang="zh-TW" altLang="en-US" dirty="0"/>
-          </a:p>
-        </p:txBody>
-      </p:sp>
-      <p:sp>
-        <p:nvSpPr>
-          <p:cNvPr id="23" name="圓角矩形 22"/>
-          <p:cNvSpPr/>
-          <p:nvPr/>
-        </p:nvSpPr>
-        <p:spPr>
-          <a:xfrm>
-            <a:off x="9508213" y="89948"/>
-            <a:ext cx="1956956" cy="1288472"/>
-          </a:xfrm>
-          <a:prstGeom prst="roundRect">
-            <a:avLst/>
-          </a:prstGeom>
-          <a:solidFill>
-            <a:schemeClr val="accent6"/>
-          </a:solidFill>
-        </p:spPr>
-        <p:style>
-          <a:lnRef idx="2">
-            <a:schemeClr val="accent1">
-              <a:shade val="50000"/>
-            </a:schemeClr>
-          </a:lnRef>
-          <a:fillRef idx="1">
-            <a:schemeClr val="accent1"/>
-          </a:fillRef>
-          <a:effectRef idx="0">
-            <a:schemeClr val="accent1"/>
-          </a:effectRef>
-          <a:fontRef idx="minor">
-            <a:schemeClr val="lt1"/>
-          </a:fontRef>
-        </p:style>
-        <p:txBody>
-          <a:bodyPr rtlCol="0" anchor="ctr"/>
-          <a:lstStyle/>
-          <a:p>
-            <a:pPr algn="ctr"/>
-            <a:r>
-              <a:rPr lang="zh-TW" altLang="en-US" dirty="0" smtClean="0"/>
-              <a:t>資料修正與轉換</a:t>
-            </a:r>
-            <a:endParaRPr lang="zh-TW" altLang="en-US" dirty="0"/>
-          </a:p>
-        </p:txBody>
-      </p:sp>
-      <p:cxnSp>
-        <p:nvCxnSpPr>
-          <p:cNvPr id="31" name="直線單箭頭接點 30"/>
-          <p:cNvCxnSpPr/>
-          <p:nvPr/>
-        </p:nvCxnSpPr>
-        <p:spPr>
-          <a:xfrm flipH="1" flipV="1">
-            <a:off x="4740080" y="1483158"/>
-            <a:ext cx="408617" cy="3198969"/>
-          </a:xfrm>
-          <a:prstGeom prst="straightConnector1">
-            <a:avLst/>
-          </a:prstGeom>
-          <a:ln>
-            <a:tailEnd type="triangle"/>
-          </a:ln>
-        </p:spPr>
-        <p:style>
-          <a:lnRef idx="1">
-            <a:schemeClr val="accent1"/>
-          </a:lnRef>
-          <a:fillRef idx="0">
-            <a:schemeClr val="accent1"/>
-          </a:fillRef>
-          <a:effectRef idx="0">
-            <a:schemeClr val="accent1"/>
-          </a:effectRef>
-          <a:fontRef idx="minor">
-            <a:schemeClr val="tx1"/>
-          </a:fontRef>
-        </p:style>
-      </p:cxnSp>
-    </p:spTree>
-    <p:extLst>
-      <p:ext uri="{BB962C8B-B14F-4D97-AF65-F5344CB8AC3E}">
-        <p14:creationId xmlns:p14="http://schemas.microsoft.com/office/powerpoint/2010/main" val="1671653774"/>
-      </p:ext>
-    </p:extLst>
-  </p:cSld>
-  <p:clrMapOvr>
-    <a:masterClrMapping/>
-  </p:clrMapOvr>
-</p:sld>
-</file>
-
 <file path=ppt/slides/slide17.xml><?xml version="1.0" encoding="utf-8"?>
 <p:sld xmlns:a="http://schemas.openxmlformats.org/drawingml/2006/main" xmlns:r="http://schemas.openxmlformats.org/officeDocument/2006/relationships" xmlns:p="http://schemas.openxmlformats.org/presentationml/2006/main">
   <p:cSld>
@@ -9307,55 +8568,22 @@
           <a:chExt cx="0" cy="0"/>
         </a:xfrm>
       </p:grpSpPr>
-      <p:cxnSp>
-        <p:nvCxnSpPr>
-          <p:cNvPr id="21" name="直線單箭頭接點 20"/>
-          <p:cNvCxnSpPr/>
-          <p:nvPr/>
-        </p:nvCxnSpPr>
-        <p:spPr>
-          <a:xfrm>
-            <a:off x="9467184" y="4009292"/>
-            <a:ext cx="308255" cy="1237827"/>
-          </a:xfrm>
-          <a:prstGeom prst="straightConnector1">
-            <a:avLst/>
-          </a:prstGeom>
-          <a:ln>
-            <a:tailEnd type="triangle"/>
-          </a:ln>
-        </p:spPr>
-        <p:style>
-          <a:lnRef idx="1">
-            <a:schemeClr val="accent1"/>
-          </a:lnRef>
-          <a:fillRef idx="0">
-            <a:schemeClr val="accent1"/>
-          </a:fillRef>
-          <a:effectRef idx="0">
-            <a:schemeClr val="accent1"/>
-          </a:effectRef>
-          <a:fontRef idx="minor">
-            <a:schemeClr val="tx1"/>
-          </a:fontRef>
-        </p:style>
-      </p:cxnSp>
-      <p:sp>
-        <p:nvSpPr>
-          <p:cNvPr id="28" name="橢圓 27"/>
+      <p:sp>
+        <p:nvSpPr>
+          <p:cNvPr id="4" name="橢圓 3"/>
           <p:cNvSpPr/>
           <p:nvPr/>
         </p:nvSpPr>
         <p:spPr>
           <a:xfrm>
-            <a:off x="429607" y="223463"/>
-            <a:ext cx="2605694" cy="1933255"/>
+            <a:off x="632444" y="496388"/>
+            <a:ext cx="1911747" cy="1793162"/>
           </a:xfrm>
           <a:prstGeom prst="ellipse">
             <a:avLst/>
           </a:prstGeom>
           <a:solidFill>
-            <a:schemeClr val="accent2"/>
+            <a:schemeClr val="accent4"/>
           </a:solidFill>
         </p:spPr>
         <p:style>
@@ -9380,39 +8608,43 @@
           <a:p>
             <a:pPr algn="ctr"/>
             <a:r>
+              <a:rPr lang="zh-TW" altLang="en-US" dirty="0" smtClean="0"/>
+              <a:t>建立</a:t>
+            </a:r>
+            <a:r>
+              <a:rPr lang="en-US" altLang="zh-TW" dirty="0" smtClean="0"/>
+              <a:t/>
+            </a:r>
+            <a:br>
+              <a:rPr lang="en-US" altLang="zh-TW" dirty="0" smtClean="0"/>
+            </a:br>
+            <a:r>
+              <a:rPr lang="zh-TW" altLang="en-US" dirty="0" smtClean="0"/>
+              <a:t>初</a:t>
+            </a:r>
+            <a:r>
               <a:rPr lang="zh-TW" altLang="en-US" dirty="0"/>
-              <a:t>依演算法</a:t>
-            </a:r>
-            <a:r>
-              <a:rPr lang="en-US" altLang="zh-TW" dirty="0"/>
-              <a:t/>
-            </a:r>
-            <a:br>
-              <a:rPr lang="en-US" altLang="zh-TW" dirty="0"/>
-            </a:br>
-            <a:r>
-              <a:rPr lang="zh-TW" altLang="en-US" dirty="0"/>
-              <a:t>移動到下一個點</a:t>
-            </a:r>
-          </a:p>
-        </p:txBody>
-      </p:sp>
-      <p:sp>
-        <p:nvSpPr>
-          <p:cNvPr id="18" name="橢圓 17"/>
+              <a:t>始環境</a:t>
+            </a:r>
+          </a:p>
+        </p:txBody>
+      </p:sp>
+      <p:sp>
+        <p:nvSpPr>
+          <p:cNvPr id="5" name="圓角矩形 4"/>
           <p:cNvSpPr/>
           <p:nvPr/>
         </p:nvSpPr>
         <p:spPr>
           <a:xfrm>
-            <a:off x="8871803" y="5262815"/>
-            <a:ext cx="3267443" cy="1537945"/>
-          </a:xfrm>
-          <a:prstGeom prst="ellipse">
+            <a:off x="4073234" y="907473"/>
+            <a:ext cx="1676400" cy="1288472"/>
+          </a:xfrm>
+          <a:prstGeom prst="roundRect">
             <a:avLst/>
           </a:prstGeom>
           <a:solidFill>
-            <a:srgbClr val="FF0000"/>
+            <a:schemeClr val="accent4"/>
           </a:solidFill>
         </p:spPr>
         <p:style>
@@ -9438,58 +8670,95 @@
             <a:pPr algn="ctr"/>
             <a:r>
               <a:rPr lang="zh-TW" altLang="en-US" dirty="0" smtClean="0"/>
-              <a:t>實際移動功能</a:t>
-            </a:r>
-            <a:endParaRPr lang="zh-TW" altLang="en-US" dirty="0"/>
-          </a:p>
-        </p:txBody>
-      </p:sp>
-      <p:sp>
-        <p:nvSpPr>
-          <p:cNvPr id="23" name="文字方塊 22"/>
-          <p:cNvSpPr txBox="1"/>
-          <p:nvPr/>
-        </p:nvSpPr>
-        <p:spPr>
-          <a:xfrm>
-            <a:off x="9714698" y="4458620"/>
-            <a:ext cx="2262158" cy="369332"/>
-          </a:xfrm>
-          <a:prstGeom prst="rect">
-            <a:avLst/>
-          </a:prstGeom>
-          <a:noFill/>
-        </p:spPr>
-        <p:txBody>
-          <a:bodyPr wrap="none" rtlCol="0">
-            <a:spAutoFit/>
-          </a:bodyPr>
-          <a:lstStyle/>
-          <a:p>
+              <a:t>使用</a:t>
+            </a:r>
+            <a:r>
+              <a:rPr lang="en-US" altLang="zh-TW" dirty="0" err="1" smtClean="0"/>
+              <a:t>modeJ</a:t>
+            </a:r>
+            <a:r>
+              <a:rPr lang="en-US" altLang="zh-TW" dirty="0" smtClean="0"/>
+              <a:t/>
+            </a:r>
+            <a:br>
+              <a:rPr lang="en-US" altLang="zh-TW" dirty="0" smtClean="0"/>
+            </a:br>
             <a:r>
               <a:rPr lang="zh-TW" altLang="en-US" dirty="0" smtClean="0"/>
-              <a:t>送出移動方向和距離</a:t>
-            </a:r>
-            <a:endParaRPr lang="zh-TW" altLang="en-US" dirty="0"/>
-          </a:p>
-        </p:txBody>
-      </p:sp>
-      <p:sp>
-        <p:nvSpPr>
-          <p:cNvPr id="36" name="圓角矩形 35"/>
+              <a:t>環境掃描</a:t>
+            </a:r>
+            <a:r>
+              <a:rPr lang="en-US" altLang="zh-TW" dirty="0" smtClean="0"/>
+              <a:t/>
+            </a:r>
+            <a:br>
+              <a:rPr lang="en-US" altLang="zh-TW" dirty="0" smtClean="0"/>
+            </a:br>
+            <a:r>
+              <a:rPr lang="en-US" altLang="zh-TW" dirty="0" smtClean="0"/>
+              <a:t>(</a:t>
+            </a:r>
+            <a:r>
+              <a:rPr lang="zh-TW" altLang="en-US" dirty="0" smtClean="0"/>
+              <a:t>開機時北方</a:t>
+            </a:r>
+            <a:r>
+              <a:rPr lang="en-US" altLang="zh-TW" dirty="0" smtClean="0"/>
+              <a:t>)</a:t>
+            </a:r>
+            <a:endParaRPr lang="zh-TW" altLang="en-US" dirty="0"/>
+          </a:p>
+        </p:txBody>
+      </p:sp>
+      <p:cxnSp>
+        <p:nvCxnSpPr>
+          <p:cNvPr id="6" name="直線單箭頭接點 5"/>
+          <p:cNvCxnSpPr/>
+          <p:nvPr/>
+        </p:nvCxnSpPr>
+        <p:spPr>
+          <a:xfrm>
+            <a:off x="2798618" y="1551709"/>
+            <a:ext cx="858982" cy="0"/>
+          </a:xfrm>
+          <a:prstGeom prst="straightConnector1">
+            <a:avLst/>
+          </a:prstGeom>
+          <a:ln>
+            <a:tailEnd type="triangle"/>
+          </a:ln>
+        </p:spPr>
+        <p:style>
+          <a:lnRef idx="1">
+            <a:schemeClr val="accent1"/>
+          </a:lnRef>
+          <a:fillRef idx="0">
+            <a:schemeClr val="accent1"/>
+          </a:fillRef>
+          <a:effectRef idx="0">
+            <a:schemeClr val="accent1"/>
+          </a:effectRef>
+          <a:fontRef idx="minor">
+            <a:schemeClr val="tx1"/>
+          </a:fontRef>
+        </p:style>
+      </p:cxnSp>
+      <p:sp>
+        <p:nvSpPr>
+          <p:cNvPr id="9" name="圓角矩形 8"/>
           <p:cNvSpPr/>
           <p:nvPr/>
         </p:nvSpPr>
         <p:spPr>
           <a:xfrm>
-            <a:off x="9573723" y="153230"/>
-            <a:ext cx="2136857" cy="1288472"/>
+            <a:off x="7278677" y="691125"/>
+            <a:ext cx="1676400" cy="1908377"/>
           </a:xfrm>
           <a:prstGeom prst="roundRect">
             <a:avLst/>
           </a:prstGeom>
           <a:solidFill>
-            <a:srgbClr val="FF0000"/>
+            <a:schemeClr val="accent4"/>
           </a:solidFill>
         </p:spPr>
         <p:style>
@@ -9514,16 +8783,24 @@
           <a:p>
             <a:pPr algn="ctr"/>
             <a:r>
-              <a:rPr lang="zh-TW" altLang="en-US" dirty="0"/>
-              <a:t>距離與</a:t>
+              <a:rPr lang="zh-TW" altLang="en-US" dirty="0" smtClean="0"/>
+              <a:t>使用</a:t>
+            </a:r>
+            <a:r>
+              <a:rPr lang="en-US" altLang="zh-TW" dirty="0" err="1" smtClean="0"/>
+              <a:t>initScanXY</a:t>
             </a:r>
             <a:r>
               <a:rPr lang="en-US" altLang="zh-TW" dirty="0"/>
-              <a:t>XY</a:t>
-            </a:r>
+              <a:t>()</a:t>
+            </a:r>
+            <a:endParaRPr lang="zh-TW" altLang="en-US" dirty="0"/>
+          </a:p>
+          <a:p>
+            <a:pPr algn="ctr"/>
             <a:r>
               <a:rPr lang="zh-TW" altLang="en-US" dirty="0" smtClean="0"/>
-              <a:t>轉換</a:t>
+              <a:t>把初始環境</a:t>
             </a:r>
             <a:r>
               <a:rPr lang="en-US" altLang="zh-TW" dirty="0" smtClean="0"/>
@@ -9534,76 +8811,18 @@
             </a:br>
             <a:r>
               <a:rPr lang="zh-TW" altLang="en-US" dirty="0" smtClean="0"/>
-              <a:t>車子面向方向</a:t>
-            </a:r>
-            <a:r>
-              <a:rPr lang="en-US" altLang="zh-TW" dirty="0" smtClean="0"/>
+              <a:t>資料存於</a:t>
+            </a:r>
+            <a:r>
+              <a:rPr lang="en-US" altLang="zh-TW" dirty="0"/>
               <a:t/>
             </a:r>
             <a:br>
-              <a:rPr lang="en-US" altLang="zh-TW" dirty="0" smtClean="0"/>
+              <a:rPr lang="en-US" altLang="zh-TW" dirty="0"/>
             </a:br>
             <a:r>
-              <a:rPr lang="zh-TW" altLang="en-US" dirty="0" smtClean="0"/>
-              <a:t>地圖資料更新</a:t>
-            </a:r>
-            <a:endParaRPr lang="zh-TW" altLang="en-US" dirty="0"/>
-          </a:p>
-        </p:txBody>
-      </p:sp>
-      <p:sp>
-        <p:nvSpPr>
-          <p:cNvPr id="38" name="圓角矩形 37"/>
-          <p:cNvSpPr/>
-          <p:nvPr/>
-        </p:nvSpPr>
-        <p:spPr>
-          <a:xfrm>
-            <a:off x="4878278" y="545854"/>
-            <a:ext cx="2136857" cy="1288472"/>
-          </a:xfrm>
-          <a:prstGeom prst="roundRect">
-            <a:avLst/>
-          </a:prstGeom>
-          <a:solidFill>
-            <a:schemeClr val="accent2"/>
-          </a:solidFill>
-        </p:spPr>
-        <p:style>
-          <a:lnRef idx="2">
-            <a:schemeClr val="accent1">
-              <a:shade val="50000"/>
-            </a:schemeClr>
-          </a:lnRef>
-          <a:fillRef idx="1">
-            <a:schemeClr val="accent1"/>
-          </a:fillRef>
-          <a:effectRef idx="0">
-            <a:schemeClr val="accent1"/>
-          </a:effectRef>
-          <a:fontRef idx="minor">
-            <a:schemeClr val="lt1"/>
-          </a:fontRef>
-        </p:style>
-        <p:txBody>
-          <a:bodyPr rtlCol="0" anchor="ctr"/>
-          <a:lstStyle/>
-          <a:p>
-            <a:pPr algn="ctr"/>
-            <a:r>
-              <a:rPr lang="zh-TW" altLang="en-US" dirty="0" smtClean="0"/>
-              <a:t>判斷地圖還是否</a:t>
-            </a:r>
-            <a:r>
-              <a:rPr lang="en-US" altLang="zh-TW" dirty="0" smtClean="0"/>
-              <a:t/>
-            </a:r>
-            <a:br>
-              <a:rPr lang="en-US" altLang="zh-TW" dirty="0" smtClean="0"/>
-            </a:br>
-            <a:r>
-              <a:rPr lang="zh-TW" altLang="en-US" dirty="0" smtClean="0"/>
-              <a:t>需要繼續製作</a:t>
+              <a:rPr lang="en-US" altLang="zh-TW" dirty="0" err="1"/>
+              <a:t>car.map</a:t>
             </a:r>
             <a:endParaRPr lang="zh-TW" altLang="en-US" dirty="0"/>
           </a:p>
@@ -9611,651 +8830,14 @@
       </p:sp>
       <p:cxnSp>
         <p:nvCxnSpPr>
-          <p:cNvPr id="39" name="直線單箭頭接點 38"/>
+          <p:cNvPr id="10" name="直線單箭頭接點 9"/>
           <p:cNvCxnSpPr/>
           <p:nvPr/>
         </p:nvCxnSpPr>
         <p:spPr>
           <a:xfrm>
-            <a:off x="3557151" y="1120121"/>
-            <a:ext cx="942109" cy="0"/>
-          </a:xfrm>
-          <a:prstGeom prst="straightConnector1">
-            <a:avLst/>
-          </a:prstGeom>
-          <a:ln>
-            <a:tailEnd type="triangle"/>
-          </a:ln>
-        </p:spPr>
-        <p:style>
-          <a:lnRef idx="1">
-            <a:schemeClr val="accent1"/>
-          </a:lnRef>
-          <a:fillRef idx="0">
-            <a:schemeClr val="accent1"/>
-          </a:fillRef>
-          <a:effectRef idx="0">
-            <a:schemeClr val="accent1"/>
-          </a:effectRef>
-          <a:fontRef idx="minor">
-            <a:schemeClr val="tx1"/>
-          </a:fontRef>
-        </p:style>
-      </p:cxnSp>
-      <p:sp>
-        <p:nvSpPr>
-          <p:cNvPr id="40" name="圓角矩形 39"/>
-          <p:cNvSpPr/>
-          <p:nvPr/>
-        </p:nvSpPr>
-        <p:spPr>
-          <a:xfrm>
-            <a:off x="74045" y="2785626"/>
-            <a:ext cx="5922512" cy="3975657"/>
-          </a:xfrm>
-          <a:prstGeom prst="roundRect">
-            <a:avLst/>
-          </a:prstGeom>
-          <a:solidFill>
-            <a:schemeClr val="accent1">
-              <a:lumMod val="40000"/>
-              <a:lumOff val="60000"/>
-            </a:schemeClr>
-          </a:solidFill>
-        </p:spPr>
-        <p:style>
-          <a:lnRef idx="2">
-            <a:schemeClr val="accent1">
-              <a:shade val="50000"/>
-            </a:schemeClr>
-          </a:lnRef>
-          <a:fillRef idx="1">
-            <a:schemeClr val="accent1"/>
-          </a:fillRef>
-          <a:effectRef idx="0">
-            <a:schemeClr val="accent1"/>
-          </a:effectRef>
-          <a:fontRef idx="minor">
-            <a:schemeClr val="lt1"/>
-          </a:fontRef>
-        </p:style>
-        <p:txBody>
-          <a:bodyPr rtlCol="0" anchor="ctr"/>
-          <a:lstStyle/>
-          <a:p>
-            <a:pPr algn="ctr"/>
-            <a:endParaRPr lang="zh-TW" altLang="en-US"/>
-          </a:p>
-        </p:txBody>
-      </p:sp>
-      <p:sp>
-        <p:nvSpPr>
-          <p:cNvPr id="41" name="圓角矩形 40"/>
-          <p:cNvSpPr/>
-          <p:nvPr/>
-        </p:nvSpPr>
-        <p:spPr>
-          <a:xfrm>
-            <a:off x="3097771" y="5247119"/>
-            <a:ext cx="2651272" cy="1288472"/>
-          </a:xfrm>
-          <a:prstGeom prst="roundRect">
-            <a:avLst/>
-          </a:prstGeom>
-          <a:solidFill>
-            <a:srgbClr val="FF0000"/>
-          </a:solidFill>
-        </p:spPr>
-        <p:style>
-          <a:lnRef idx="2">
-            <a:schemeClr val="accent1">
-              <a:shade val="50000"/>
-            </a:schemeClr>
-          </a:lnRef>
-          <a:fillRef idx="1">
-            <a:schemeClr val="accent1"/>
-          </a:fillRef>
-          <a:effectRef idx="0">
-            <a:schemeClr val="accent1"/>
-          </a:effectRef>
-          <a:fontRef idx="minor">
-            <a:schemeClr val="lt1"/>
-          </a:fontRef>
-        </p:style>
-        <p:txBody>
-          <a:bodyPr rtlCol="0" anchor="ctr"/>
-          <a:lstStyle/>
-          <a:p>
-            <a:pPr algn="ctr"/>
-            <a:r>
-              <a:rPr lang="zh-TW" altLang="en-US" dirty="0" smtClean="0"/>
-              <a:t>計算是否有超出初始邊界的點</a:t>
-            </a:r>
-            <a:r>
-              <a:rPr lang="en-US" altLang="zh-TW" dirty="0" smtClean="0"/>
-              <a:t/>
-            </a:r>
-            <a:br>
-              <a:rPr lang="en-US" altLang="zh-TW" dirty="0" smtClean="0"/>
-            </a:br>
-            <a:r>
-              <a:rPr lang="zh-TW" altLang="en-US" dirty="0" smtClean="0"/>
-              <a:t>如有從此點再做前</a:t>
-            </a:r>
-            <a:r>
-              <a:rPr lang="en-US" altLang="zh-TW" dirty="0"/>
-              <a:t>4</a:t>
-            </a:r>
-            <a:r>
-              <a:rPr lang="zh-TW" altLang="en-US" dirty="0"/>
-              <a:t>步行</a:t>
-            </a:r>
-            <a:r>
-              <a:rPr lang="zh-TW" altLang="en-US" dirty="0" smtClean="0"/>
-              <a:t>走直到無邊界外的點</a:t>
-            </a:r>
-            <a:endParaRPr lang="zh-TW" altLang="en-US" dirty="0"/>
-          </a:p>
-        </p:txBody>
-      </p:sp>
-      <p:sp>
-        <p:nvSpPr>
-          <p:cNvPr id="42" name="文字方塊 41"/>
-          <p:cNvSpPr txBox="1"/>
-          <p:nvPr/>
-        </p:nvSpPr>
-        <p:spPr>
-          <a:xfrm>
-            <a:off x="694633" y="4768843"/>
-            <a:ext cx="1338828" cy="369332"/>
-          </a:xfrm>
-          <a:prstGeom prst="rect">
-            <a:avLst/>
-          </a:prstGeom>
-          <a:noFill/>
-        </p:spPr>
-        <p:txBody>
-          <a:bodyPr wrap="none" rtlCol="0">
-            <a:spAutoFit/>
-          </a:bodyPr>
-          <a:lstStyle/>
-          <a:p>
-            <a:r>
-              <a:rPr lang="zh-TW" altLang="en-US" dirty="0" smtClean="0"/>
-              <a:t>遇到邊界點</a:t>
-            </a:r>
-            <a:endParaRPr lang="zh-TW" altLang="en-US" dirty="0"/>
-          </a:p>
-        </p:txBody>
-      </p:sp>
-      <p:sp>
-        <p:nvSpPr>
-          <p:cNvPr id="43" name="圓角矩形 42"/>
-          <p:cNvSpPr/>
-          <p:nvPr/>
-        </p:nvSpPr>
-        <p:spPr>
-          <a:xfrm>
-            <a:off x="241992" y="3218093"/>
-            <a:ext cx="2136857" cy="1288472"/>
-          </a:xfrm>
-          <a:prstGeom prst="roundRect">
-            <a:avLst/>
-          </a:prstGeom>
-          <a:solidFill>
-            <a:srgbClr val="FF0000"/>
-          </a:solidFill>
-        </p:spPr>
-        <p:style>
-          <a:lnRef idx="2">
-            <a:schemeClr val="accent1">
-              <a:shade val="50000"/>
-            </a:schemeClr>
-          </a:lnRef>
-          <a:fillRef idx="1">
-            <a:schemeClr val="accent1"/>
-          </a:fillRef>
-          <a:effectRef idx="0">
-            <a:schemeClr val="accent1"/>
-          </a:effectRef>
-          <a:fontRef idx="minor">
-            <a:schemeClr val="lt1"/>
-          </a:fontRef>
-        </p:style>
-        <p:txBody>
-          <a:bodyPr rtlCol="0" anchor="ctr"/>
-          <a:lstStyle/>
-          <a:p>
-            <a:r>
-              <a:rPr lang="en-US" altLang="zh-TW" dirty="0"/>
-              <a:t>1</a:t>
-            </a:r>
-            <a:r>
-              <a:rPr lang="zh-TW" altLang="en-US" dirty="0" smtClean="0"/>
-              <a:t>直走</a:t>
-            </a:r>
-            <a:endParaRPr lang="en-US" altLang="zh-TW" dirty="0" smtClean="0"/>
-          </a:p>
-          <a:p>
-            <a:r>
-              <a:rPr lang="en-US" altLang="zh-TW" dirty="0" smtClean="0"/>
-              <a:t>2</a:t>
-            </a:r>
-            <a:r>
-              <a:rPr lang="zh-TW" altLang="en-US" dirty="0" smtClean="0"/>
-              <a:t>最遠</a:t>
-            </a:r>
-            <a:r>
-              <a:rPr lang="en-US" altLang="zh-TW" dirty="0" smtClean="0"/>
-              <a:t>45</a:t>
-            </a:r>
-            <a:r>
-              <a:rPr lang="zh-TW" altLang="en-US" dirty="0" smtClean="0"/>
-              <a:t>度角</a:t>
-            </a:r>
-            <a:endParaRPr lang="en-US" altLang="zh-TW" dirty="0" smtClean="0"/>
-          </a:p>
-          <a:p>
-            <a:r>
-              <a:rPr lang="en-US" altLang="zh-TW" dirty="0" smtClean="0"/>
-              <a:t>3</a:t>
-            </a:r>
-            <a:r>
-              <a:rPr lang="zh-TW" altLang="en-US" dirty="0" smtClean="0"/>
-              <a:t>右優先</a:t>
-            </a:r>
-            <a:endParaRPr lang="en-US" altLang="zh-TW" dirty="0" smtClean="0"/>
-          </a:p>
-        </p:txBody>
-      </p:sp>
-      <p:sp>
-        <p:nvSpPr>
-          <p:cNvPr id="44" name="圓角矩形 43"/>
-          <p:cNvSpPr/>
-          <p:nvPr/>
-        </p:nvSpPr>
-        <p:spPr>
-          <a:xfrm>
-            <a:off x="3177524" y="3221740"/>
-            <a:ext cx="2136857" cy="1288472"/>
-          </a:xfrm>
-          <a:prstGeom prst="roundRect">
-            <a:avLst/>
-          </a:prstGeom>
-          <a:solidFill>
-            <a:srgbClr val="FF0000"/>
-          </a:solidFill>
-        </p:spPr>
-        <p:style>
-          <a:lnRef idx="2">
-            <a:schemeClr val="accent1">
-              <a:shade val="50000"/>
-            </a:schemeClr>
-          </a:lnRef>
-          <a:fillRef idx="1">
-            <a:schemeClr val="accent1"/>
-          </a:fillRef>
-          <a:effectRef idx="0">
-            <a:schemeClr val="accent1"/>
-          </a:effectRef>
-          <a:fontRef idx="minor">
-            <a:schemeClr val="lt1"/>
-          </a:fontRef>
-        </p:style>
-        <p:txBody>
-          <a:bodyPr rtlCol="0" anchor="ctr"/>
-          <a:lstStyle/>
-          <a:p>
-            <a:pPr algn="ctr"/>
-            <a:r>
-              <a:rPr lang="en-US" altLang="zh-TW" dirty="0" smtClean="0"/>
-              <a:t>1</a:t>
-            </a:r>
-            <a:r>
-              <a:rPr lang="zh-TW" altLang="en-US" dirty="0" smtClean="0"/>
-              <a:t>找四邊緣</a:t>
-            </a:r>
-            <a:endParaRPr lang="en-US" altLang="zh-TW" dirty="0" smtClean="0"/>
-          </a:p>
-          <a:p>
-            <a:pPr algn="ctr"/>
-            <a:r>
-              <a:rPr lang="en-US" altLang="zh-TW" dirty="0" smtClean="0"/>
-              <a:t>2</a:t>
-            </a:r>
-            <a:r>
-              <a:rPr lang="zh-TW" altLang="en-US" dirty="0" smtClean="0"/>
-              <a:t>找四邊角</a:t>
-            </a:r>
-            <a:endParaRPr lang="zh-TW" altLang="en-US" dirty="0"/>
-          </a:p>
-        </p:txBody>
-      </p:sp>
-      <p:sp>
-        <p:nvSpPr>
-          <p:cNvPr id="45" name="圓角矩形 44"/>
-          <p:cNvSpPr/>
-          <p:nvPr/>
-        </p:nvSpPr>
-        <p:spPr>
-          <a:xfrm>
-            <a:off x="295619" y="5247119"/>
-            <a:ext cx="2136857" cy="1288472"/>
-          </a:xfrm>
-          <a:prstGeom prst="roundRect">
-            <a:avLst/>
-          </a:prstGeom>
-          <a:solidFill>
-            <a:srgbClr val="FF0000"/>
-          </a:solidFill>
-        </p:spPr>
-        <p:style>
-          <a:lnRef idx="2">
-            <a:schemeClr val="accent1">
-              <a:shade val="50000"/>
-            </a:schemeClr>
-          </a:lnRef>
-          <a:fillRef idx="1">
-            <a:schemeClr val="accent1"/>
-          </a:fillRef>
-          <a:effectRef idx="0">
-            <a:schemeClr val="accent1"/>
-          </a:effectRef>
-          <a:fontRef idx="minor">
-            <a:schemeClr val="lt1"/>
-          </a:fontRef>
-        </p:style>
-        <p:txBody>
-          <a:bodyPr rtlCol="0" anchor="ctr"/>
-          <a:lstStyle/>
-          <a:p>
-            <a:r>
-              <a:rPr lang="en-US" altLang="zh-TW" dirty="0" smtClean="0"/>
-              <a:t>1</a:t>
-            </a:r>
-            <a:r>
-              <a:rPr lang="zh-TW" altLang="en-US" dirty="0" smtClean="0"/>
-              <a:t>退回上一個點</a:t>
-            </a:r>
-            <a:endParaRPr lang="en-US" altLang="zh-TW" dirty="0" smtClean="0"/>
-          </a:p>
-          <a:p>
-            <a:r>
-              <a:rPr lang="en-US" altLang="zh-TW" dirty="0" smtClean="0"/>
-              <a:t>2</a:t>
-            </a:r>
-            <a:r>
-              <a:rPr lang="zh-TW" altLang="en-US" dirty="0" smtClean="0"/>
-              <a:t>並記錄此點</a:t>
-            </a:r>
-            <a:endParaRPr lang="en-US" altLang="zh-TW" dirty="0" smtClean="0"/>
-          </a:p>
-        </p:txBody>
-      </p:sp>
-      <p:sp>
-        <p:nvSpPr>
-          <p:cNvPr id="46" name="文字方塊 45"/>
-          <p:cNvSpPr txBox="1"/>
-          <p:nvPr/>
-        </p:nvSpPr>
-        <p:spPr>
-          <a:xfrm>
-            <a:off x="581794" y="2848761"/>
-            <a:ext cx="1569660" cy="369332"/>
-          </a:xfrm>
-          <a:prstGeom prst="rect">
-            <a:avLst/>
-          </a:prstGeom>
-          <a:noFill/>
-        </p:spPr>
-        <p:txBody>
-          <a:bodyPr wrap="none" rtlCol="0">
-            <a:spAutoFit/>
-          </a:bodyPr>
-          <a:lstStyle/>
-          <a:p>
-            <a:r>
-              <a:rPr lang="zh-TW" altLang="en-US" dirty="0" smtClean="0"/>
-              <a:t>一般行走規則</a:t>
-            </a:r>
-            <a:endParaRPr lang="zh-TW" altLang="en-US" dirty="0"/>
-          </a:p>
-        </p:txBody>
-      </p:sp>
-      <p:sp>
-        <p:nvSpPr>
-          <p:cNvPr id="47" name="文字方塊 46"/>
-          <p:cNvSpPr txBox="1"/>
-          <p:nvPr/>
-        </p:nvSpPr>
-        <p:spPr>
-          <a:xfrm>
-            <a:off x="3402613" y="2785627"/>
-            <a:ext cx="1686680" cy="369332"/>
-          </a:xfrm>
-          <a:prstGeom prst="rect">
-            <a:avLst/>
-          </a:prstGeom>
-          <a:noFill/>
-        </p:spPr>
-        <p:txBody>
-          <a:bodyPr wrap="none" rtlCol="0">
-            <a:spAutoFit/>
-          </a:bodyPr>
-          <a:lstStyle/>
-          <a:p>
-            <a:r>
-              <a:rPr lang="zh-TW" altLang="en-US" dirty="0" smtClean="0"/>
-              <a:t>前</a:t>
-            </a:r>
-            <a:r>
-              <a:rPr lang="en-US" altLang="zh-TW" dirty="0" smtClean="0"/>
-              <a:t>4</a:t>
-            </a:r>
-            <a:r>
-              <a:rPr lang="zh-TW" altLang="en-US" dirty="0" smtClean="0"/>
-              <a:t>步行走規則</a:t>
-            </a:r>
-            <a:endParaRPr lang="zh-TW" altLang="en-US" dirty="0"/>
-          </a:p>
-        </p:txBody>
-      </p:sp>
-      <p:sp>
-        <p:nvSpPr>
-          <p:cNvPr id="48" name="文字方塊 47"/>
-          <p:cNvSpPr txBox="1"/>
-          <p:nvPr/>
-        </p:nvSpPr>
-        <p:spPr>
-          <a:xfrm>
-            <a:off x="3292328" y="4877787"/>
-            <a:ext cx="2262158" cy="369332"/>
-          </a:xfrm>
-          <a:prstGeom prst="rect">
-            <a:avLst/>
-          </a:prstGeom>
-          <a:noFill/>
-        </p:spPr>
-        <p:txBody>
-          <a:bodyPr wrap="none" rtlCol="0">
-            <a:spAutoFit/>
-          </a:bodyPr>
-          <a:lstStyle/>
-          <a:p>
-            <a:r>
-              <a:rPr lang="zh-TW" altLang="en-US" dirty="0" smtClean="0"/>
-              <a:t>地圖邊界擴張與結束</a:t>
-            </a:r>
-            <a:endParaRPr lang="zh-TW" altLang="en-US" dirty="0"/>
-          </a:p>
-        </p:txBody>
-      </p:sp>
-      <p:sp>
-        <p:nvSpPr>
-          <p:cNvPr id="49" name="文字方塊 48"/>
-          <p:cNvSpPr txBox="1"/>
-          <p:nvPr/>
-        </p:nvSpPr>
-        <p:spPr>
-          <a:xfrm>
-            <a:off x="2543773" y="2349513"/>
-            <a:ext cx="1107996" cy="369332"/>
-          </a:xfrm>
-          <a:prstGeom prst="rect">
-            <a:avLst/>
-          </a:prstGeom>
-          <a:noFill/>
-        </p:spPr>
-        <p:txBody>
-          <a:bodyPr wrap="none" rtlCol="0">
-            <a:spAutoFit/>
-          </a:bodyPr>
-          <a:lstStyle/>
-          <a:p>
-            <a:r>
-              <a:rPr lang="zh-TW" altLang="en-US" dirty="0" smtClean="0"/>
-              <a:t>移動規則</a:t>
-            </a:r>
-            <a:endParaRPr lang="zh-TW" altLang="en-US" dirty="0"/>
-          </a:p>
-        </p:txBody>
-      </p:sp>
-      <p:cxnSp>
-        <p:nvCxnSpPr>
-          <p:cNvPr id="50" name="直線單箭頭接點 49"/>
-          <p:cNvCxnSpPr/>
-          <p:nvPr/>
-        </p:nvCxnSpPr>
-        <p:spPr>
-          <a:xfrm flipH="1">
-            <a:off x="9608388" y="1521537"/>
-            <a:ext cx="212620" cy="868281"/>
-          </a:xfrm>
-          <a:prstGeom prst="straightConnector1">
-            <a:avLst/>
-          </a:prstGeom>
-          <a:ln w="38100">
-            <a:headEnd type="triangle"/>
-            <a:tailEnd type="triangle"/>
-          </a:ln>
-        </p:spPr>
-        <p:style>
-          <a:lnRef idx="1">
-            <a:schemeClr val="accent1"/>
-          </a:lnRef>
-          <a:fillRef idx="0">
-            <a:schemeClr val="accent1"/>
-          </a:fillRef>
-          <a:effectRef idx="0">
-            <a:schemeClr val="accent1"/>
-          </a:effectRef>
-          <a:fontRef idx="minor">
-            <a:schemeClr val="tx1"/>
-          </a:fontRef>
-        </p:style>
-      </p:cxnSp>
-      <p:cxnSp>
-        <p:nvCxnSpPr>
-          <p:cNvPr id="51" name="直線單箭頭接點 50"/>
-          <p:cNvCxnSpPr/>
-          <p:nvPr/>
-        </p:nvCxnSpPr>
-        <p:spPr>
-          <a:xfrm flipH="1">
-            <a:off x="6279713" y="3218093"/>
-            <a:ext cx="1791625" cy="1288472"/>
-          </a:xfrm>
-          <a:prstGeom prst="straightConnector1">
-            <a:avLst/>
-          </a:prstGeom>
-          <a:ln w="38100">
-            <a:headEnd type="triangle"/>
-            <a:tailEnd type="triangle"/>
-          </a:ln>
-        </p:spPr>
-        <p:style>
-          <a:lnRef idx="1">
-            <a:schemeClr val="accent1"/>
-          </a:lnRef>
-          <a:fillRef idx="0">
-            <a:schemeClr val="accent1"/>
-          </a:fillRef>
-          <a:effectRef idx="0">
-            <a:schemeClr val="accent1"/>
-          </a:effectRef>
-          <a:fontRef idx="minor">
-            <a:schemeClr val="tx1"/>
-          </a:fontRef>
-        </p:style>
-      </p:cxnSp>
-      <p:sp>
-        <p:nvSpPr>
-          <p:cNvPr id="52" name="圓角矩形 51"/>
-          <p:cNvSpPr/>
-          <p:nvPr/>
-        </p:nvSpPr>
-        <p:spPr>
-          <a:xfrm>
-            <a:off x="8285146" y="2512953"/>
-            <a:ext cx="2646485" cy="1288472"/>
-          </a:xfrm>
-          <a:prstGeom prst="roundRect">
-            <a:avLst/>
-          </a:prstGeom>
-          <a:solidFill>
-            <a:srgbClr val="FF0000"/>
-          </a:solidFill>
-        </p:spPr>
-        <p:style>
-          <a:lnRef idx="2">
-            <a:schemeClr val="accent1">
-              <a:shade val="50000"/>
-            </a:schemeClr>
-          </a:lnRef>
-          <a:fillRef idx="1">
-            <a:schemeClr val="accent1"/>
-          </a:fillRef>
-          <a:effectRef idx="0">
-            <a:schemeClr val="accent1"/>
-          </a:effectRef>
-          <a:fontRef idx="minor">
-            <a:schemeClr val="lt1"/>
-          </a:fontRef>
-        </p:style>
-        <p:txBody>
-          <a:bodyPr rtlCol="0" anchor="ctr"/>
-          <a:lstStyle/>
-          <a:p>
-            <a:pPr algn="ctr"/>
-            <a:r>
-              <a:rPr lang="zh-TW" altLang="en-US" dirty="0" smtClean="0"/>
-              <a:t>依規則、現有資料判斷</a:t>
-            </a:r>
-            <a:r>
-              <a:rPr lang="en-US" altLang="zh-TW" dirty="0" smtClean="0"/>
-              <a:t/>
-            </a:r>
-            <a:br>
-              <a:rPr lang="en-US" altLang="zh-TW" dirty="0" smtClean="0"/>
-            </a:br>
-            <a:r>
-              <a:rPr lang="zh-TW" altLang="en-US" dirty="0" smtClean="0"/>
-              <a:t>計算下一步命令</a:t>
-            </a:r>
-            <a:endParaRPr lang="zh-TW" altLang="en-US" dirty="0"/>
-          </a:p>
-        </p:txBody>
-      </p:sp>
-      <p:cxnSp>
-        <p:nvCxnSpPr>
-          <p:cNvPr id="53" name="直線單箭頭接點 52"/>
-          <p:cNvCxnSpPr/>
-          <p:nvPr/>
-        </p:nvCxnSpPr>
-        <p:spPr>
-          <a:xfrm>
-            <a:off x="7015135" y="1925566"/>
-            <a:ext cx="1056203" cy="793279"/>
+            <a:off x="6004061" y="1645314"/>
+            <a:ext cx="858982" cy="0"/>
           </a:xfrm>
           <a:prstGeom prst="straightConnector1">
             <a:avLst/>
@@ -10282,7 +8864,7 @@
     </p:spTree>
     <p:extLst>
       <p:ext uri="{BB962C8B-B14F-4D97-AF65-F5344CB8AC3E}">
-        <p14:creationId xmlns:p14="http://schemas.microsoft.com/office/powerpoint/2010/main" val="3511601821"/>
+        <p14:creationId xmlns:p14="http://schemas.microsoft.com/office/powerpoint/2010/main" val="3944393233"/>
       </p:ext>
     </p:extLst>
   </p:cSld>
@@ -10311,198 +8893,575 @@
       </p:grpSpPr>
       <p:sp>
         <p:nvSpPr>
-          <p:cNvPr id="2" name="標題 1"/>
-          <p:cNvSpPr>
-            <a:spLocks noGrp="1"/>
-          </p:cNvSpPr>
-          <p:nvPr>
-            <p:ph type="title"/>
-          </p:nvPr>
-        </p:nvSpPr>
-        <p:spPr/>
-        <p:txBody>
-          <a:bodyPr/>
-          <a:lstStyle/>
-          <a:p>
+          <p:cNvPr id="7" name="圓角矩形 6"/>
+          <p:cNvSpPr/>
+          <p:nvPr/>
+        </p:nvSpPr>
+        <p:spPr>
+          <a:xfrm>
+            <a:off x="4682835" y="803564"/>
+            <a:ext cx="1676400" cy="1288472"/>
+          </a:xfrm>
+          <a:prstGeom prst="roundRect">
+            <a:avLst/>
+          </a:prstGeom>
+          <a:solidFill>
+            <a:schemeClr val="accent2"/>
+          </a:solidFill>
+        </p:spPr>
+        <p:style>
+          <a:lnRef idx="2">
+            <a:schemeClr val="accent1">
+              <a:shade val="50000"/>
+            </a:schemeClr>
+          </a:lnRef>
+          <a:fillRef idx="1">
+            <a:schemeClr val="accent1"/>
+          </a:fillRef>
+          <a:effectRef idx="0">
+            <a:schemeClr val="accent1"/>
+          </a:effectRef>
+          <a:fontRef idx="minor">
+            <a:schemeClr val="lt1"/>
+          </a:fontRef>
+        </p:style>
+        <p:txBody>
+          <a:bodyPr rtlCol="0" anchor="ctr"/>
+          <a:lstStyle/>
+          <a:p>
+            <a:pPr algn="ctr"/>
             <a:r>
               <a:rPr lang="zh-TW" altLang="en-US" dirty="0" smtClean="0"/>
-              <a:t>程式</a:t>
-            </a:r>
-            <a:endParaRPr lang="zh-TW" altLang="en-US" dirty="0"/>
-          </a:p>
-        </p:txBody>
-      </p:sp>
-      <p:sp>
-        <p:nvSpPr>
-          <p:cNvPr id="3" name="內容版面配置區 2"/>
-          <p:cNvSpPr>
-            <a:spLocks noGrp="1"/>
-          </p:cNvSpPr>
-          <p:nvPr>
-            <p:ph idx="1"/>
-          </p:nvPr>
-        </p:nvSpPr>
-        <p:spPr/>
-        <p:txBody>
-          <a:bodyPr>
-            <a:normAutofit fontScale="92500" lnSpcReduction="10000"/>
+              <a:t>檢測目前車子位於地圖中哪一個點</a:t>
+            </a:r>
+            <a:endParaRPr lang="zh-TW" altLang="en-US" dirty="0"/>
+          </a:p>
+        </p:txBody>
+      </p:sp>
+      <p:cxnSp>
+        <p:nvCxnSpPr>
+          <p:cNvPr id="14" name="直線單箭頭接點 13"/>
+          <p:cNvCxnSpPr/>
+          <p:nvPr/>
+        </p:nvCxnSpPr>
+        <p:spPr>
+          <a:xfrm>
+            <a:off x="2604655" y="1447800"/>
+            <a:ext cx="1939636" cy="0"/>
+          </a:xfrm>
+          <a:prstGeom prst="straightConnector1">
+            <a:avLst/>
+          </a:prstGeom>
+          <a:ln>
+            <a:tailEnd type="triangle"/>
+          </a:ln>
+        </p:spPr>
+        <p:style>
+          <a:lnRef idx="1">
+            <a:schemeClr val="accent1"/>
+          </a:lnRef>
+          <a:fillRef idx="0">
+            <a:schemeClr val="accent1"/>
+          </a:fillRef>
+          <a:effectRef idx="0">
+            <a:schemeClr val="accent1"/>
+          </a:effectRef>
+          <a:fontRef idx="minor">
+            <a:schemeClr val="tx1"/>
+          </a:fontRef>
+        </p:style>
+      </p:cxnSp>
+      <p:cxnSp>
+        <p:nvCxnSpPr>
+          <p:cNvPr id="24" name="肘形接點 23"/>
+          <p:cNvCxnSpPr/>
+          <p:nvPr/>
+        </p:nvCxnSpPr>
+        <p:spPr>
+          <a:xfrm>
+            <a:off x="6719455" y="1447802"/>
+            <a:ext cx="3470830" cy="3114488"/>
+          </a:xfrm>
+          <a:prstGeom prst="bentConnector3">
+            <a:avLst>
+              <a:gd name="adj1" fmla="val 99904"/>
+            </a:avLst>
+          </a:prstGeom>
+          <a:ln>
+            <a:tailEnd type="triangle"/>
+          </a:ln>
+        </p:spPr>
+        <p:style>
+          <a:lnRef idx="1">
+            <a:schemeClr val="accent1"/>
+          </a:lnRef>
+          <a:fillRef idx="0">
+            <a:schemeClr val="accent1"/>
+          </a:fillRef>
+          <a:effectRef idx="0">
+            <a:schemeClr val="accent1"/>
+          </a:effectRef>
+          <a:fontRef idx="minor">
+            <a:schemeClr val="tx1"/>
+          </a:fontRef>
+        </p:style>
+      </p:cxnSp>
+      <p:cxnSp>
+        <p:nvCxnSpPr>
+          <p:cNvPr id="45" name="直線單箭頭接點 44"/>
+          <p:cNvCxnSpPr/>
+          <p:nvPr/>
+        </p:nvCxnSpPr>
+        <p:spPr>
+          <a:xfrm flipH="1" flipV="1">
+            <a:off x="6453803" y="3119829"/>
+            <a:ext cx="2962759" cy="1513423"/>
+          </a:xfrm>
+          <a:prstGeom prst="straightConnector1">
+            <a:avLst/>
+          </a:prstGeom>
+          <a:ln>
+            <a:tailEnd type="triangle"/>
+          </a:ln>
+        </p:spPr>
+        <p:style>
+          <a:lnRef idx="1">
+            <a:schemeClr val="accent1"/>
+          </a:lnRef>
+          <a:fillRef idx="0">
+            <a:schemeClr val="accent1"/>
+          </a:fillRef>
+          <a:effectRef idx="0">
+            <a:schemeClr val="accent1"/>
+          </a:effectRef>
+          <a:fontRef idx="minor">
+            <a:schemeClr val="tx1"/>
+          </a:fontRef>
+        </p:style>
+      </p:cxnSp>
+      <p:sp>
+        <p:nvSpPr>
+          <p:cNvPr id="46" name="文字方塊 45"/>
+          <p:cNvSpPr txBox="1"/>
+          <p:nvPr/>
+        </p:nvSpPr>
+        <p:spPr>
+          <a:xfrm>
+            <a:off x="7842040" y="3408573"/>
+            <a:ext cx="1107996" cy="369332"/>
+          </a:xfrm>
+          <a:prstGeom prst="rect">
+            <a:avLst/>
+          </a:prstGeom>
+          <a:noFill/>
+        </p:spPr>
+        <p:txBody>
+          <a:bodyPr wrap="none" rtlCol="0">
+            <a:spAutoFit/>
           </a:bodyPr>
           <a:lstStyle/>
           <a:p>
-            <a:pPr marL="0" indent="0">
-              <a:buNone/>
-            </a:pPr>
-            <a:r>
-              <a:rPr lang="en-US" altLang="zh-TW" dirty="0" smtClean="0"/>
-              <a:t>car_all_v5.0.ino</a:t>
-            </a:r>
             <a:r>
               <a:rPr lang="zh-TW" altLang="en-US" dirty="0" smtClean="0"/>
+              <a:t>判斷失敗</a:t>
+            </a:r>
+            <a:endParaRPr lang="zh-TW" altLang="en-US" dirty="0"/>
+          </a:p>
+        </p:txBody>
+      </p:sp>
+      <p:sp>
+        <p:nvSpPr>
+          <p:cNvPr id="47" name="文字方塊 46"/>
+          <p:cNvSpPr txBox="1"/>
+          <p:nvPr/>
+        </p:nvSpPr>
+        <p:spPr>
+          <a:xfrm>
+            <a:off x="6625835" y="4657498"/>
+            <a:ext cx="1107996" cy="369332"/>
+          </a:xfrm>
+          <a:prstGeom prst="rect">
+            <a:avLst/>
+          </a:prstGeom>
+          <a:noFill/>
+        </p:spPr>
+        <p:txBody>
+          <a:bodyPr wrap="none" rtlCol="0">
+            <a:spAutoFit/>
+          </a:bodyPr>
+          <a:lstStyle/>
+          <a:p>
+            <a:r>
+              <a:rPr lang="zh-TW" altLang="en-US" dirty="0" smtClean="0"/>
+              <a:t>判斷成功</a:t>
+            </a:r>
+            <a:endParaRPr lang="zh-TW" altLang="en-US" dirty="0"/>
+          </a:p>
+        </p:txBody>
+      </p:sp>
+      <p:cxnSp>
+        <p:nvCxnSpPr>
+          <p:cNvPr id="50" name="直線單箭頭接點 49"/>
+          <p:cNvCxnSpPr/>
+          <p:nvPr/>
+        </p:nvCxnSpPr>
+        <p:spPr>
+          <a:xfrm flipH="1" flipV="1">
+            <a:off x="6453803" y="5082245"/>
+            <a:ext cx="840615" cy="157970"/>
+          </a:xfrm>
+          <a:prstGeom prst="straightConnector1">
+            <a:avLst/>
+          </a:prstGeom>
+          <a:ln>
+            <a:tailEnd type="triangle"/>
+          </a:ln>
+        </p:spPr>
+        <p:style>
+          <a:lnRef idx="1">
+            <a:schemeClr val="accent1"/>
+          </a:lnRef>
+          <a:fillRef idx="0">
+            <a:schemeClr val="accent1"/>
+          </a:fillRef>
+          <a:effectRef idx="0">
+            <a:schemeClr val="accent1"/>
+          </a:effectRef>
+          <a:fontRef idx="minor">
+            <a:schemeClr val="tx1"/>
+          </a:fontRef>
+        </p:style>
+      </p:cxnSp>
+      <p:sp>
+        <p:nvSpPr>
+          <p:cNvPr id="54" name="圓角矩形 53"/>
+          <p:cNvSpPr/>
+          <p:nvPr/>
+        </p:nvSpPr>
+        <p:spPr>
+          <a:xfrm>
+            <a:off x="4544291" y="4233654"/>
+            <a:ext cx="1676400" cy="1507961"/>
+          </a:xfrm>
+          <a:prstGeom prst="roundRect">
+            <a:avLst/>
+          </a:prstGeom>
+          <a:solidFill>
+            <a:srgbClr val="FF0000"/>
+          </a:solidFill>
+        </p:spPr>
+        <p:style>
+          <a:lnRef idx="2">
+            <a:schemeClr val="accent1">
+              <a:shade val="50000"/>
+            </a:schemeClr>
+          </a:lnRef>
+          <a:fillRef idx="1">
+            <a:schemeClr val="accent1"/>
+          </a:fillRef>
+          <a:effectRef idx="0">
+            <a:schemeClr val="accent1"/>
+          </a:effectRef>
+          <a:fontRef idx="minor">
+            <a:schemeClr val="lt1"/>
+          </a:fontRef>
+        </p:style>
+        <p:txBody>
+          <a:bodyPr rtlCol="0" anchor="ctr"/>
+          <a:lstStyle/>
+          <a:p>
+            <a:pPr algn="ctr"/>
+            <a:r>
+              <a:rPr lang="zh-TW" altLang="en-US" dirty="0" smtClean="0"/>
+              <a:t>回傳目前</a:t>
+            </a:r>
+            <a:r>
+              <a:rPr lang="en-US" altLang="zh-TW" dirty="0" smtClean="0"/>
+              <a:t/>
+            </a:r>
+            <a:br>
+              <a:rPr lang="en-US" altLang="zh-TW" dirty="0" smtClean="0"/>
+            </a:br>
+            <a:r>
+              <a:rPr lang="zh-TW" altLang="en-US" dirty="0" smtClean="0"/>
+              <a:t>位置</a:t>
+            </a:r>
+            <a:r>
+              <a:rPr lang="en-US" altLang="zh-TW" dirty="0" smtClean="0"/>
+              <a:t>ID</a:t>
+            </a:r>
+            <a:br>
+              <a:rPr lang="en-US" altLang="zh-TW" dirty="0" smtClean="0"/>
+            </a:br>
+            <a:r>
+              <a:rPr lang="zh-TW" altLang="en-US" dirty="0" smtClean="0"/>
+              <a:t>和面相方位</a:t>
+            </a:r>
+            <a:endParaRPr lang="zh-TW" altLang="en-US" dirty="0"/>
+          </a:p>
+        </p:txBody>
+      </p:sp>
+      <p:sp>
+        <p:nvSpPr>
+          <p:cNvPr id="23" name="橢圓 22"/>
+          <p:cNvSpPr/>
+          <p:nvPr/>
+        </p:nvSpPr>
+        <p:spPr>
+          <a:xfrm>
+            <a:off x="775855" y="551721"/>
+            <a:ext cx="1690255" cy="1561005"/>
+          </a:xfrm>
+          <a:prstGeom prst="ellipse">
+            <a:avLst/>
+          </a:prstGeom>
+          <a:solidFill>
+            <a:schemeClr val="accent2"/>
+          </a:solidFill>
+        </p:spPr>
+        <p:style>
+          <a:lnRef idx="2">
+            <a:schemeClr val="accent1">
+              <a:shade val="50000"/>
+            </a:schemeClr>
+          </a:lnRef>
+          <a:fillRef idx="1">
+            <a:schemeClr val="accent1"/>
+          </a:fillRef>
+          <a:effectRef idx="0">
+            <a:schemeClr val="accent1"/>
+          </a:effectRef>
+          <a:fontRef idx="minor">
+            <a:schemeClr val="lt1"/>
+          </a:fontRef>
+        </p:style>
+        <p:txBody>
+          <a:bodyPr rtlCol="0" anchor="ctr"/>
+          <a:lstStyle/>
+          <a:p>
+            <a:pPr algn="ctr"/>
+            <a:r>
+              <a:rPr lang="zh-TW" altLang="en-US" dirty="0" smtClean="0"/>
+              <a:t>檢測地圖可用性</a:t>
+            </a:r>
+            <a:endParaRPr lang="zh-TW" altLang="en-US" dirty="0"/>
+          </a:p>
+        </p:txBody>
+      </p:sp>
+      <p:sp>
+        <p:nvSpPr>
+          <p:cNvPr id="27" name="圓角矩形 26"/>
+          <p:cNvSpPr/>
+          <p:nvPr/>
+        </p:nvSpPr>
+        <p:spPr>
+          <a:xfrm>
+            <a:off x="4544291" y="2518609"/>
+            <a:ext cx="1676400" cy="1288472"/>
+          </a:xfrm>
+          <a:prstGeom prst="roundRect">
+            <a:avLst/>
+          </a:prstGeom>
+          <a:solidFill>
+            <a:srgbClr val="FF0000"/>
+          </a:solidFill>
+        </p:spPr>
+        <p:style>
+          <a:lnRef idx="2">
+            <a:schemeClr val="accent1">
+              <a:shade val="50000"/>
+            </a:schemeClr>
+          </a:lnRef>
+          <a:fillRef idx="1">
+            <a:schemeClr val="accent1"/>
+          </a:fillRef>
+          <a:effectRef idx="0">
+            <a:schemeClr val="accent1"/>
+          </a:effectRef>
+          <a:fontRef idx="minor">
+            <a:schemeClr val="lt1"/>
+          </a:fontRef>
+        </p:style>
+        <p:txBody>
+          <a:bodyPr rtlCol="0" anchor="ctr"/>
+          <a:lstStyle/>
+          <a:p>
+            <a:pPr algn="ctr"/>
+            <a:r>
+              <a:rPr lang="zh-TW" altLang="en-US" dirty="0" smtClean="0"/>
+              <a:t>回傳失敗</a:t>
+            </a:r>
+            <a:endParaRPr lang="zh-TW" altLang="en-US" dirty="0"/>
+          </a:p>
+        </p:txBody>
+      </p:sp>
+      <p:sp>
+        <p:nvSpPr>
+          <p:cNvPr id="15" name="橢圓 14"/>
+          <p:cNvSpPr/>
+          <p:nvPr/>
+        </p:nvSpPr>
+        <p:spPr>
+          <a:xfrm>
+            <a:off x="7294417" y="4712915"/>
+            <a:ext cx="4747846" cy="2057400"/>
+          </a:xfrm>
+          <a:prstGeom prst="ellipse">
+            <a:avLst/>
+          </a:prstGeom>
+          <a:solidFill>
+            <a:schemeClr val="accent5">
+              <a:lumMod val="20000"/>
+              <a:lumOff val="80000"/>
+            </a:schemeClr>
+          </a:solidFill>
+        </p:spPr>
+        <p:style>
+          <a:lnRef idx="2">
+            <a:schemeClr val="accent1">
+              <a:shade val="50000"/>
+            </a:schemeClr>
+          </a:lnRef>
+          <a:fillRef idx="1">
+            <a:schemeClr val="accent1"/>
+          </a:fillRef>
+          <a:effectRef idx="0">
+            <a:schemeClr val="accent1"/>
+          </a:effectRef>
+          <a:fontRef idx="minor">
+            <a:schemeClr val="lt1"/>
+          </a:fontRef>
+        </p:style>
+        <p:txBody>
+          <a:bodyPr rtlCol="0" anchor="ctr"/>
+          <a:lstStyle/>
+          <a:p>
+            <a:pPr algn="ctr"/>
+            <a:endParaRPr lang="zh-TW" altLang="en-US"/>
+          </a:p>
+        </p:txBody>
+      </p:sp>
+      <p:sp>
+        <p:nvSpPr>
+          <p:cNvPr id="16" name="圓角矩形 15"/>
+          <p:cNvSpPr/>
+          <p:nvPr/>
+        </p:nvSpPr>
+        <p:spPr>
+          <a:xfrm>
+            <a:off x="7991940" y="5082245"/>
+            <a:ext cx="1676400" cy="1288472"/>
+          </a:xfrm>
+          <a:prstGeom prst="roundRect">
+            <a:avLst/>
+          </a:prstGeom>
+          <a:solidFill>
+            <a:srgbClr val="FF0000"/>
+          </a:solidFill>
+        </p:spPr>
+        <p:style>
+          <a:lnRef idx="2">
+            <a:schemeClr val="accent1">
+              <a:shade val="50000"/>
+            </a:schemeClr>
+          </a:lnRef>
+          <a:fillRef idx="1">
+            <a:schemeClr val="accent1"/>
+          </a:fillRef>
+          <a:effectRef idx="0">
+            <a:schemeClr val="accent1"/>
+          </a:effectRef>
+          <a:fontRef idx="minor">
+            <a:schemeClr val="lt1"/>
+          </a:fontRef>
+        </p:style>
+        <p:txBody>
+          <a:bodyPr rtlCol="0" anchor="ctr"/>
+          <a:lstStyle/>
+          <a:p>
+            <a:pPr algn="ctr"/>
+            <a:r>
+              <a:rPr lang="zh-TW" altLang="en-US" dirty="0" smtClean="0"/>
+              <a:t>和現有地圖每</a:t>
+            </a:r>
+            <a:r>
+              <a:rPr lang="en-US" altLang="zh-TW" dirty="0" smtClean="0"/>
+              <a:t>1</a:t>
+            </a:r>
+            <a:r>
+              <a:rPr lang="zh-TW" altLang="en-US" dirty="0"/>
+              <a:t>筆</a:t>
+            </a:r>
+            <a:r>
+              <a:rPr lang="zh-TW" altLang="en-US" dirty="0" smtClean="0"/>
+              <a:t>比對</a:t>
+            </a:r>
+            <a:endParaRPr lang="zh-TW" altLang="en-US" dirty="0"/>
+          </a:p>
+        </p:txBody>
+      </p:sp>
+      <p:sp>
+        <p:nvSpPr>
+          <p:cNvPr id="17" name="圓角矩形 16"/>
+          <p:cNvSpPr/>
+          <p:nvPr/>
+        </p:nvSpPr>
+        <p:spPr>
+          <a:xfrm>
+            <a:off x="9799821" y="5086988"/>
+            <a:ext cx="1676400" cy="1288472"/>
+          </a:xfrm>
+          <a:prstGeom prst="roundRect">
+            <a:avLst/>
+          </a:prstGeom>
+          <a:solidFill>
+            <a:srgbClr val="FF0000"/>
+          </a:solidFill>
+        </p:spPr>
+        <p:style>
+          <a:lnRef idx="2">
+            <a:schemeClr val="accent1">
+              <a:shade val="50000"/>
+            </a:schemeClr>
+          </a:lnRef>
+          <a:fillRef idx="1">
+            <a:schemeClr val="accent1"/>
+          </a:fillRef>
+          <a:effectRef idx="0">
+            <a:schemeClr val="accent1"/>
+          </a:effectRef>
+          <a:fontRef idx="minor">
+            <a:schemeClr val="lt1"/>
+          </a:fontRef>
+        </p:style>
+        <p:txBody>
+          <a:bodyPr rtlCol="0" anchor="ctr"/>
+          <a:lstStyle/>
+          <a:p>
+            <a:pPr algn="ctr"/>
+            <a:r>
+              <a:rPr lang="zh-TW" altLang="en-US" dirty="0"/>
+              <a:t>相機</a:t>
+            </a:r>
+            <a:r>
+              <a:rPr lang="en-US" altLang="zh-TW" dirty="0" err="1"/>
+              <a:t>qrcode</a:t>
+            </a:r>
+            <a:r>
+              <a:rPr lang="en-US" altLang="zh-TW" dirty="0"/>
               <a:t> </a:t>
             </a:r>
             <a:r>
-              <a:rPr lang="en-US" altLang="zh-TW" dirty="0" smtClean="0"/>
-              <a:t>		</a:t>
-            </a:r>
-            <a:r>
-              <a:rPr lang="en-US" altLang="zh-TW" dirty="0" err="1" smtClean="0"/>
-              <a:t>arduino</a:t>
-            </a:r>
-            <a:r>
-              <a:rPr lang="zh-TW" altLang="en-US" dirty="0" smtClean="0"/>
-              <a:t>原始碼</a:t>
-            </a:r>
-            <a:endParaRPr lang="en-US" altLang="zh-TW" dirty="0" smtClean="0"/>
-          </a:p>
-          <a:p>
-            <a:pPr marL="0" indent="0">
-              <a:buNone/>
-            </a:pPr>
-            <a:r>
-              <a:rPr lang="en-US" altLang="zh-TW" dirty="0" err="1" smtClean="0"/>
-              <a:t>uart_setting.c</a:t>
-            </a:r>
-            <a:r>
-              <a:rPr lang="en-US" altLang="zh-TW" dirty="0" smtClean="0"/>
-              <a:t>		</a:t>
-            </a:r>
-            <a:r>
-              <a:rPr lang="en-US" altLang="zh-TW" dirty="0" err="1" smtClean="0"/>
-              <a:t>uart</a:t>
-            </a:r>
-            <a:r>
-              <a:rPr lang="zh-TW" altLang="en-US" dirty="0" smtClean="0"/>
-              <a:t>設定函式</a:t>
-            </a:r>
-            <a:endParaRPr lang="en-US" altLang="zh-TW" dirty="0"/>
-          </a:p>
-          <a:p>
-            <a:pPr marL="0" indent="0">
-              <a:buNone/>
-            </a:pPr>
-            <a:r>
-              <a:rPr lang="en-US" altLang="zh-TW" dirty="0" err="1" smtClean="0"/>
-              <a:t>sm_car.c</a:t>
-            </a:r>
-            <a:r>
-              <a:rPr lang="en-US" altLang="zh-TW" dirty="0" smtClean="0"/>
-              <a:t>			</a:t>
-            </a:r>
-            <a:r>
-              <a:rPr lang="zh-TW" altLang="en-US" dirty="0" smtClean="0"/>
-              <a:t>智能車操作函式庫</a:t>
-            </a:r>
-            <a:endParaRPr lang="en-US" altLang="zh-TW" dirty="0" smtClean="0"/>
-          </a:p>
-          <a:p>
-            <a:pPr marL="0" indent="0">
-              <a:buNone/>
-            </a:pPr>
-            <a:endParaRPr lang="en-US" altLang="zh-TW" dirty="0" smtClean="0"/>
-          </a:p>
-          <a:p>
-            <a:pPr marL="0" indent="0">
-              <a:buNone/>
-            </a:pPr>
-            <a:r>
-              <a:rPr lang="en-US" altLang="zh-TW" dirty="0" smtClean="0"/>
-              <a:t>https</a:t>
-            </a:r>
-            <a:r>
-              <a:rPr lang="en-US" altLang="zh-TW" dirty="0"/>
-              <a:t>://drive.google.com/drive/folders/0BysmffTc7ivUeC1XWUVXUlh1bUE?usp=sharing</a:t>
-            </a:r>
-          </a:p>
-          <a:p>
-            <a:pPr marL="0" indent="0">
-              <a:buNone/>
-            </a:pPr>
-            <a:endParaRPr lang="en-US" altLang="zh-TW" dirty="0"/>
-          </a:p>
-          <a:p>
-            <a:pPr marL="0" indent="0">
-              <a:buNone/>
-            </a:pPr>
-            <a:r>
-              <a:rPr lang="en-US" altLang="zh-TW" dirty="0" smtClean="0"/>
-              <a:t>-----------------------------------</a:t>
-            </a:r>
-            <a:r>
-              <a:rPr lang="zh-TW" altLang="en-US" dirty="0" smtClean="0"/>
-              <a:t>測試</a:t>
-            </a:r>
-            <a:r>
-              <a:rPr lang="en-US" altLang="zh-TW" dirty="0" smtClean="0"/>
-              <a:t>code--------------------------------------------</a:t>
-            </a:r>
-            <a:endParaRPr lang="en-US" altLang="zh-TW" dirty="0"/>
-          </a:p>
-          <a:p>
-            <a:pPr marL="0" indent="0">
-              <a:buNone/>
-            </a:pPr>
-            <a:r>
-              <a:rPr lang="en-US" altLang="zh-TW" dirty="0" err="1" smtClean="0"/>
-              <a:t>timerInThread.c</a:t>
-            </a:r>
-            <a:r>
-              <a:rPr lang="en-US" altLang="zh-TW" dirty="0" smtClean="0"/>
-              <a:t>		</a:t>
-            </a:r>
-            <a:r>
-              <a:rPr lang="en-US" altLang="zh-TW" dirty="0" err="1" smtClean="0"/>
-              <a:t>linux</a:t>
-            </a:r>
-            <a:r>
-              <a:rPr lang="zh-TW" altLang="en-US" dirty="0" smtClean="0"/>
-              <a:t>計時器與執行緒測試</a:t>
-            </a:r>
-            <a:endParaRPr lang="en-US" altLang="zh-TW" dirty="0" smtClean="0"/>
-          </a:p>
-          <a:p>
-            <a:pPr marL="0" indent="0">
-              <a:buNone/>
-            </a:pPr>
-            <a:r>
-              <a:rPr lang="en-US" altLang="zh-TW" dirty="0" err="1" smtClean="0"/>
-              <a:t>timerInThreadJ</a:t>
-            </a:r>
-            <a:r>
-              <a:rPr lang="en-US" altLang="zh-TW" dirty="0" smtClean="0"/>
-              <a:t>		</a:t>
-            </a:r>
-            <a:r>
-              <a:rPr lang="zh-TW" altLang="en-US" dirty="0" smtClean="0"/>
-              <a:t>定時超音波避障測試</a:t>
-            </a:r>
-            <a:endParaRPr lang="zh-TW" altLang="en-US" dirty="0"/>
+              <a:rPr lang="zh-TW" altLang="en-US" dirty="0"/>
+              <a:t>判斷</a:t>
+            </a:r>
           </a:p>
         </p:txBody>
       </p:sp>
     </p:spTree>
     <p:extLst>
       <p:ext uri="{BB962C8B-B14F-4D97-AF65-F5344CB8AC3E}">
-        <p14:creationId xmlns:p14="http://schemas.microsoft.com/office/powerpoint/2010/main" val="187869570"/>
+        <p14:creationId xmlns:p14="http://schemas.microsoft.com/office/powerpoint/2010/main" val="3702527412"/>
       </p:ext>
     </p:extLst>
   </p:cSld>
@@ -10531,95 +9490,683 @@
       </p:grpSpPr>
       <p:sp>
         <p:nvSpPr>
-          <p:cNvPr id="2" name="標題 1"/>
-          <p:cNvSpPr>
-            <a:spLocks noGrp="1"/>
-          </p:cNvSpPr>
-          <p:nvPr>
-            <p:ph type="title"/>
-          </p:nvPr>
-        </p:nvSpPr>
-        <p:spPr/>
-        <p:txBody>
-          <a:bodyPr/>
-          <a:lstStyle/>
-          <a:p>
+          <p:cNvPr id="4" name="橢圓 3"/>
+          <p:cNvSpPr/>
+          <p:nvPr/>
+        </p:nvSpPr>
+        <p:spPr>
+          <a:xfrm>
+            <a:off x="359665" y="129247"/>
+            <a:ext cx="1371600" cy="1288472"/>
+          </a:xfrm>
+          <a:prstGeom prst="ellipse">
+            <a:avLst/>
+          </a:prstGeom>
+          <a:solidFill>
+            <a:schemeClr val="accent2"/>
+          </a:solidFill>
+        </p:spPr>
+        <p:style>
+          <a:lnRef idx="2">
+            <a:schemeClr val="accent1">
+              <a:shade val="50000"/>
+            </a:schemeClr>
+          </a:lnRef>
+          <a:fillRef idx="1">
+            <a:schemeClr val="accent1"/>
+          </a:fillRef>
+          <a:effectRef idx="0">
+            <a:schemeClr val="accent1"/>
+          </a:effectRef>
+          <a:fontRef idx="minor">
+            <a:schemeClr val="lt1"/>
+          </a:fontRef>
+        </p:style>
+        <p:txBody>
+          <a:bodyPr rtlCol="0" anchor="ctr"/>
+          <a:lstStyle/>
+          <a:p>
+            <a:pPr algn="ctr"/>
             <a:r>
               <a:rPr lang="zh-TW" altLang="en-US" dirty="0" smtClean="0"/>
-              <a:t>預估問題</a:t>
-            </a:r>
-            <a:endParaRPr lang="zh-TW" altLang="en-US" dirty="0"/>
-          </a:p>
-        </p:txBody>
-      </p:sp>
-      <p:sp>
-        <p:nvSpPr>
-          <p:cNvPr id="3" name="內容版面配置區 2"/>
-          <p:cNvSpPr>
-            <a:spLocks noGrp="1"/>
-          </p:cNvSpPr>
-          <p:nvPr>
-            <p:ph idx="1"/>
-          </p:nvPr>
-        </p:nvSpPr>
-        <p:spPr/>
-        <p:txBody>
-          <a:bodyPr/>
-          <a:lstStyle/>
-          <a:p>
+              <a:t>建立新地圖</a:t>
+            </a:r>
+            <a:endParaRPr lang="zh-TW" altLang="en-US" dirty="0"/>
+          </a:p>
+        </p:txBody>
+      </p:sp>
+      <p:cxnSp>
+        <p:nvCxnSpPr>
+          <p:cNvPr id="10" name="直線單箭頭接點 9"/>
+          <p:cNvCxnSpPr/>
+          <p:nvPr/>
+        </p:nvCxnSpPr>
+        <p:spPr>
+          <a:xfrm>
+            <a:off x="1891010" y="784966"/>
+            <a:ext cx="935318" cy="0"/>
+          </a:xfrm>
+          <a:prstGeom prst="straightConnector1">
+            <a:avLst/>
+          </a:prstGeom>
+          <a:ln>
+            <a:tailEnd type="triangle"/>
+          </a:ln>
+        </p:spPr>
+        <p:style>
+          <a:lnRef idx="1">
+            <a:schemeClr val="accent1"/>
+          </a:lnRef>
+          <a:fillRef idx="0">
+            <a:schemeClr val="accent1"/>
+          </a:fillRef>
+          <a:effectRef idx="0">
+            <a:schemeClr val="accent1"/>
+          </a:effectRef>
+          <a:fontRef idx="minor">
+            <a:schemeClr val="tx1"/>
+          </a:fontRef>
+        </p:style>
+      </p:cxnSp>
+      <p:sp>
+        <p:nvSpPr>
+          <p:cNvPr id="13" name="圓角矩形 12"/>
+          <p:cNvSpPr/>
+          <p:nvPr/>
+        </p:nvSpPr>
+        <p:spPr>
+          <a:xfrm>
+            <a:off x="3211458" y="140730"/>
+            <a:ext cx="1967212" cy="1186908"/>
+          </a:xfrm>
+          <a:prstGeom prst="roundRect">
+            <a:avLst/>
+          </a:prstGeom>
+          <a:solidFill>
+            <a:schemeClr val="accent2"/>
+          </a:solidFill>
+        </p:spPr>
+        <p:style>
+          <a:lnRef idx="2">
+            <a:schemeClr val="accent1">
+              <a:shade val="50000"/>
+            </a:schemeClr>
+          </a:lnRef>
+          <a:fillRef idx="1">
+            <a:schemeClr val="accent1"/>
+          </a:fillRef>
+          <a:effectRef idx="0">
+            <a:schemeClr val="accent1"/>
+          </a:effectRef>
+          <a:fontRef idx="minor">
+            <a:schemeClr val="lt1"/>
+          </a:fontRef>
+        </p:style>
+        <p:txBody>
+          <a:bodyPr rtlCol="0" anchor="ctr"/>
+          <a:lstStyle/>
+          <a:p>
+            <a:pPr algn="ctr"/>
             <a:r>
               <a:rPr lang="zh-TW" altLang="en-US" dirty="0" smtClean="0"/>
-              <a:t>可能問題車子實際移動不符合預期</a:t>
+              <a:t>發送探測指令</a:t>
+            </a:r>
+            <a:endParaRPr lang="zh-TW" altLang="en-US" dirty="0"/>
+          </a:p>
+        </p:txBody>
+      </p:sp>
+      <p:sp>
+        <p:nvSpPr>
+          <p:cNvPr id="14" name="圓角矩形 13"/>
+          <p:cNvSpPr/>
+          <p:nvPr/>
+        </p:nvSpPr>
+        <p:spPr>
+          <a:xfrm>
+            <a:off x="6658863" y="89948"/>
+            <a:ext cx="1676400" cy="1288472"/>
+          </a:xfrm>
+          <a:prstGeom prst="roundRect">
+            <a:avLst/>
+          </a:prstGeom>
+          <a:solidFill>
+            <a:schemeClr val="accent6"/>
+          </a:solidFill>
+        </p:spPr>
+        <p:style>
+          <a:lnRef idx="2">
+            <a:schemeClr val="accent1">
+              <a:shade val="50000"/>
+            </a:schemeClr>
+          </a:lnRef>
+          <a:fillRef idx="1">
+            <a:schemeClr val="accent1"/>
+          </a:fillRef>
+          <a:effectRef idx="0">
+            <a:schemeClr val="accent1"/>
+          </a:effectRef>
+          <a:fontRef idx="minor">
+            <a:schemeClr val="lt1"/>
+          </a:fontRef>
+        </p:style>
+        <p:txBody>
+          <a:bodyPr rtlCol="0" anchor="ctr"/>
+          <a:lstStyle/>
+          <a:p>
+            <a:pPr algn="ctr"/>
+            <a:r>
+              <a:rPr lang="zh-TW" altLang="en-US" dirty="0"/>
+              <a:t>接收回</a:t>
+            </a:r>
+            <a:r>
+              <a:rPr lang="zh-TW" altLang="en-US" dirty="0" smtClean="0"/>
+              <a:t>傳</a:t>
             </a:r>
             <a:endParaRPr lang="en-US" altLang="zh-TW" dirty="0" smtClean="0"/>
           </a:p>
           <a:p>
+            <a:pPr algn="ctr"/>
             <a:r>
               <a:rPr lang="zh-TW" altLang="en-US" dirty="0" smtClean="0"/>
-              <a:t>移動角度不准、誤差累積</a:t>
-            </a:r>
-            <a:endParaRPr lang="en-US" altLang="zh-TW" dirty="0" smtClean="0"/>
-          </a:p>
-          <a:p>
+              <a:t>資料</a:t>
+            </a:r>
+            <a:endParaRPr lang="zh-TW" altLang="en-US" dirty="0"/>
+          </a:p>
+        </p:txBody>
+      </p:sp>
+      <p:sp>
+        <p:nvSpPr>
+          <p:cNvPr id="17" name="圓角矩形 16"/>
+          <p:cNvSpPr/>
+          <p:nvPr/>
+        </p:nvSpPr>
+        <p:spPr>
+          <a:xfrm>
+            <a:off x="238531" y="2179377"/>
+            <a:ext cx="2819396" cy="1560462"/>
+          </a:xfrm>
+          <a:prstGeom prst="roundRect">
+            <a:avLst/>
+          </a:prstGeom>
+          <a:solidFill>
+            <a:srgbClr val="FF0000"/>
+          </a:solidFill>
+        </p:spPr>
+        <p:style>
+          <a:lnRef idx="2">
+            <a:schemeClr val="accent1">
+              <a:shade val="50000"/>
+            </a:schemeClr>
+          </a:lnRef>
+          <a:fillRef idx="1">
+            <a:schemeClr val="accent1"/>
+          </a:fillRef>
+          <a:effectRef idx="0">
+            <a:schemeClr val="accent1"/>
+          </a:effectRef>
+          <a:fontRef idx="minor">
+            <a:schemeClr val="lt1"/>
+          </a:fontRef>
+        </p:style>
+        <p:txBody>
+          <a:bodyPr rtlCol="0" anchor="ctr"/>
+          <a:lstStyle/>
+          <a:p>
+            <a:pPr algn="ctr"/>
+            <a:r>
+              <a:rPr lang="zh-TW" altLang="en-US" dirty="0"/>
+              <a:t>回</a:t>
+            </a:r>
             <a:r>
               <a:rPr lang="zh-TW" altLang="en-US" dirty="0" smtClean="0"/>
-              <a:t>移動時的控制流程</a:t>
-            </a:r>
-            <a:r>
-              <a:rPr lang="en-US" altLang="zh-TW" dirty="0" smtClean="0"/>
-              <a:t>(</a:t>
+              <a:t>傳</a:t>
+            </a:r>
+            <a:r>
+              <a:rPr lang="zh-TW" altLang="en-US" dirty="0"/>
+              <a:t>最終點</a:t>
             </a:r>
             <a:r>
               <a:rPr lang="zh-TW" altLang="en-US" dirty="0" smtClean="0"/>
-              <a:t>和其他執行緒</a:t>
-            </a:r>
+              <a:t>地圖</a:t>
+            </a:r>
+            <a:r>
+              <a:rPr lang="en-US" altLang="zh-TW" dirty="0"/>
+              <a:t>ID</a:t>
+            </a:r>
+          </a:p>
+          <a:p>
+            <a:pPr algn="ctr"/>
+            <a:r>
+              <a:rPr lang="zh-TW" altLang="en-US" dirty="0"/>
+              <a:t>和面相方位</a:t>
+            </a:r>
+          </a:p>
+        </p:txBody>
+      </p:sp>
+      <p:cxnSp>
+        <p:nvCxnSpPr>
+          <p:cNvPr id="21" name="直線單箭頭接點 20"/>
+          <p:cNvCxnSpPr/>
+          <p:nvPr/>
+        </p:nvCxnSpPr>
+        <p:spPr>
+          <a:xfrm>
+            <a:off x="8483492" y="728013"/>
+            <a:ext cx="942109" cy="0"/>
+          </a:xfrm>
+          <a:prstGeom prst="straightConnector1">
+            <a:avLst/>
+          </a:prstGeom>
+          <a:ln>
+            <a:tailEnd type="triangle"/>
+          </a:ln>
+        </p:spPr>
+        <p:style>
+          <a:lnRef idx="1">
+            <a:schemeClr val="accent1"/>
+          </a:lnRef>
+          <a:fillRef idx="0">
+            <a:schemeClr val="accent1"/>
+          </a:fillRef>
+          <a:effectRef idx="0">
+            <a:schemeClr val="accent1"/>
+          </a:effectRef>
+          <a:fontRef idx="minor">
+            <a:schemeClr val="tx1"/>
+          </a:fontRef>
+        </p:style>
+      </p:cxnSp>
+      <p:cxnSp>
+        <p:nvCxnSpPr>
+          <p:cNvPr id="25" name="直線單箭頭接點 24"/>
+          <p:cNvCxnSpPr/>
+          <p:nvPr/>
+        </p:nvCxnSpPr>
+        <p:spPr>
+          <a:xfrm flipH="1">
+            <a:off x="7781192" y="4073698"/>
+            <a:ext cx="2593731" cy="1621386"/>
+          </a:xfrm>
+          <a:prstGeom prst="straightConnector1">
+            <a:avLst/>
+          </a:prstGeom>
+          <a:ln>
+            <a:tailEnd type="triangle"/>
+          </a:ln>
+        </p:spPr>
+        <p:style>
+          <a:lnRef idx="1">
+            <a:schemeClr val="accent1"/>
+          </a:lnRef>
+          <a:fillRef idx="0">
+            <a:schemeClr val="accent1"/>
+          </a:fillRef>
+          <a:effectRef idx="0">
+            <a:schemeClr val="accent1"/>
+          </a:effectRef>
+          <a:fontRef idx="minor">
+            <a:schemeClr val="tx1"/>
+          </a:fontRef>
+        </p:style>
+      </p:cxnSp>
+      <p:cxnSp>
+        <p:nvCxnSpPr>
+          <p:cNvPr id="22" name="直線單箭頭接點 21"/>
+          <p:cNvCxnSpPr/>
+          <p:nvPr/>
+        </p:nvCxnSpPr>
+        <p:spPr>
+          <a:xfrm>
+            <a:off x="5462421" y="731413"/>
+            <a:ext cx="942109" cy="0"/>
+          </a:xfrm>
+          <a:prstGeom prst="straightConnector1">
+            <a:avLst/>
+          </a:prstGeom>
+          <a:ln>
+            <a:tailEnd type="triangle"/>
+          </a:ln>
+        </p:spPr>
+        <p:style>
+          <a:lnRef idx="1">
+            <a:schemeClr val="accent1"/>
+          </a:lnRef>
+          <a:fillRef idx="0">
+            <a:schemeClr val="accent1"/>
+          </a:fillRef>
+          <a:effectRef idx="0">
+            <a:schemeClr val="accent1"/>
+          </a:effectRef>
+          <a:fontRef idx="minor">
+            <a:schemeClr val="tx1"/>
+          </a:fontRef>
+        </p:style>
+      </p:cxnSp>
+      <p:sp>
+        <p:nvSpPr>
+          <p:cNvPr id="24" name="圓角矩形 23"/>
+          <p:cNvSpPr/>
+          <p:nvPr/>
+        </p:nvSpPr>
+        <p:spPr>
+          <a:xfrm>
+            <a:off x="9727223" y="2582943"/>
+            <a:ext cx="1676400" cy="1288472"/>
+          </a:xfrm>
+          <a:prstGeom prst="roundRect">
+            <a:avLst/>
+          </a:prstGeom>
+          <a:solidFill>
+            <a:schemeClr val="accent6"/>
+          </a:solidFill>
+        </p:spPr>
+        <p:style>
+          <a:lnRef idx="2">
+            <a:schemeClr val="accent1">
+              <a:shade val="50000"/>
+            </a:schemeClr>
+          </a:lnRef>
+          <a:fillRef idx="1">
+            <a:schemeClr val="accent1"/>
+          </a:fillRef>
+          <a:effectRef idx="0">
+            <a:schemeClr val="accent1"/>
+          </a:effectRef>
+          <a:fontRef idx="minor">
+            <a:schemeClr val="lt1"/>
+          </a:fontRef>
+        </p:style>
+        <p:txBody>
+          <a:bodyPr rtlCol="0" anchor="ctr"/>
+          <a:lstStyle/>
+          <a:p>
+            <a:pPr algn="ctr"/>
             <a:r>
               <a:rPr lang="zh-TW" altLang="en-US" dirty="0" smtClean="0"/>
-              <a:t>的相依</a:t>
-            </a:r>
+              <a:t>將資料加上</a:t>
+            </a:r>
+            <a:r>
+              <a:rPr lang="en-US" altLang="zh-TW" dirty="0" smtClean="0"/>
+              <a:t>ID</a:t>
+            </a:r>
+            <a:br>
+              <a:rPr lang="en-US" altLang="zh-TW" dirty="0" smtClean="0"/>
+            </a:br>
             <a:r>
               <a:rPr lang="zh-TW" altLang="en-US" dirty="0" smtClean="0"/>
-              <a:t>關係</a:t>
-            </a:r>
-            <a:r>
-              <a:rPr lang="en-US" altLang="zh-TW" dirty="0" smtClean="0"/>
-              <a:t>)</a:t>
-            </a:r>
-            <a:endParaRPr lang="en-US" altLang="zh-TW" dirty="0" smtClean="0"/>
-          </a:p>
-          <a:p>
+              <a:t>寫入地圖檔</a:t>
+            </a:r>
+            <a:endParaRPr lang="zh-TW" altLang="en-US" dirty="0"/>
+          </a:p>
+        </p:txBody>
+      </p:sp>
+      <p:cxnSp>
+        <p:nvCxnSpPr>
+          <p:cNvPr id="26" name="直線單箭頭接點 25"/>
+          <p:cNvCxnSpPr/>
+          <p:nvPr/>
+        </p:nvCxnSpPr>
+        <p:spPr>
+          <a:xfrm flipH="1">
+            <a:off x="10626969" y="1574626"/>
+            <a:ext cx="1" cy="772920"/>
+          </a:xfrm>
+          <a:prstGeom prst="straightConnector1">
+            <a:avLst/>
+          </a:prstGeom>
+          <a:ln>
+            <a:tailEnd type="triangle"/>
+          </a:ln>
+        </p:spPr>
+        <p:style>
+          <a:lnRef idx="1">
+            <a:schemeClr val="accent1"/>
+          </a:lnRef>
+          <a:fillRef idx="0">
+            <a:schemeClr val="accent1"/>
+          </a:fillRef>
+          <a:effectRef idx="0">
+            <a:schemeClr val="accent1"/>
+          </a:effectRef>
+          <a:fontRef idx="minor">
+            <a:schemeClr val="tx1"/>
+          </a:fontRef>
+        </p:style>
+      </p:cxnSp>
+      <p:sp>
+        <p:nvSpPr>
+          <p:cNvPr id="28" name="橢圓 27"/>
+          <p:cNvSpPr/>
+          <p:nvPr/>
+        </p:nvSpPr>
+        <p:spPr>
+          <a:xfrm>
+            <a:off x="4740080" y="4497461"/>
+            <a:ext cx="2699969" cy="2273236"/>
+          </a:xfrm>
+          <a:prstGeom prst="ellipse">
+            <a:avLst/>
+          </a:prstGeom>
+          <a:solidFill>
+            <a:schemeClr val="accent2"/>
+          </a:solidFill>
+        </p:spPr>
+        <p:style>
+          <a:lnRef idx="2">
+            <a:schemeClr val="accent1">
+              <a:shade val="50000"/>
+            </a:schemeClr>
+          </a:lnRef>
+          <a:fillRef idx="1">
+            <a:schemeClr val="accent1"/>
+          </a:fillRef>
+          <a:effectRef idx="0">
+            <a:schemeClr val="accent1"/>
+          </a:effectRef>
+          <a:fontRef idx="minor">
+            <a:schemeClr val="lt1"/>
+          </a:fontRef>
+        </p:style>
+        <p:txBody>
+          <a:bodyPr rtlCol="0" anchor="ctr"/>
+          <a:lstStyle/>
+          <a:p>
+            <a:pPr algn="ctr"/>
+            <a:r>
+              <a:rPr lang="zh-TW" altLang="en-US" dirty="0"/>
+              <a:t>依演算法</a:t>
+            </a:r>
             <a:r>
               <a:rPr lang="en-US" altLang="zh-TW" dirty="0"/>
-              <a:t>http://viml.nchc.org.tw/blog/paper_info.php?CLASS_ID=1&amp;SUB_ID=1&amp;PAPER_ID=435</a:t>
-            </a:r>
-            <a:endParaRPr lang="zh-TW" altLang="en-US" dirty="0"/>
-          </a:p>
-        </p:txBody>
-      </p:sp>
+              <a:t/>
+            </a:r>
+            <a:br>
+              <a:rPr lang="en-US" altLang="zh-TW" dirty="0"/>
+            </a:br>
+            <a:r>
+              <a:rPr lang="zh-TW" altLang="en-US" dirty="0"/>
+              <a:t>移動到下一個點</a:t>
+            </a:r>
+          </a:p>
+        </p:txBody>
+      </p:sp>
+      <p:sp>
+        <p:nvSpPr>
+          <p:cNvPr id="29" name="文字方塊 28"/>
+          <p:cNvSpPr txBox="1"/>
+          <p:nvPr/>
+        </p:nvSpPr>
+        <p:spPr>
+          <a:xfrm>
+            <a:off x="5236313" y="3440625"/>
+            <a:ext cx="1338828" cy="369332"/>
+          </a:xfrm>
+          <a:prstGeom prst="rect">
+            <a:avLst/>
+          </a:prstGeom>
+          <a:noFill/>
+        </p:spPr>
+        <p:txBody>
+          <a:bodyPr wrap="none" rtlCol="0">
+            <a:spAutoFit/>
+          </a:bodyPr>
+          <a:lstStyle/>
+          <a:p>
+            <a:r>
+              <a:rPr lang="zh-TW" altLang="en-US" dirty="0" smtClean="0"/>
+              <a:t>不是最終點</a:t>
+            </a:r>
+            <a:endParaRPr lang="zh-TW" altLang="en-US" dirty="0"/>
+          </a:p>
+        </p:txBody>
+      </p:sp>
+      <p:cxnSp>
+        <p:nvCxnSpPr>
+          <p:cNvPr id="30" name="直線單箭頭接點 29"/>
+          <p:cNvCxnSpPr/>
+          <p:nvPr/>
+        </p:nvCxnSpPr>
+        <p:spPr>
+          <a:xfrm flipH="1" flipV="1">
+            <a:off x="1891012" y="3807070"/>
+            <a:ext cx="2707365" cy="1327179"/>
+          </a:xfrm>
+          <a:prstGeom prst="straightConnector1">
+            <a:avLst/>
+          </a:prstGeom>
+          <a:ln>
+            <a:tailEnd type="triangle"/>
+          </a:ln>
+        </p:spPr>
+        <p:style>
+          <a:lnRef idx="1">
+            <a:schemeClr val="accent1"/>
+          </a:lnRef>
+          <a:fillRef idx="0">
+            <a:schemeClr val="accent1"/>
+          </a:fillRef>
+          <a:effectRef idx="0">
+            <a:schemeClr val="accent1"/>
+          </a:effectRef>
+          <a:fontRef idx="minor">
+            <a:schemeClr val="tx1"/>
+          </a:fontRef>
+        </p:style>
+      </p:cxnSp>
+      <p:sp>
+        <p:nvSpPr>
+          <p:cNvPr id="32" name="文字方塊 31"/>
+          <p:cNvSpPr txBox="1"/>
+          <p:nvPr/>
+        </p:nvSpPr>
+        <p:spPr>
+          <a:xfrm>
+            <a:off x="770927" y="4073698"/>
+            <a:ext cx="1107996" cy="369332"/>
+          </a:xfrm>
+          <a:prstGeom prst="rect">
+            <a:avLst/>
+          </a:prstGeom>
+          <a:noFill/>
+        </p:spPr>
+        <p:txBody>
+          <a:bodyPr wrap="none" rtlCol="0">
+            <a:spAutoFit/>
+          </a:bodyPr>
+          <a:lstStyle/>
+          <a:p>
+            <a:r>
+              <a:rPr lang="zh-TW" altLang="en-US" dirty="0" smtClean="0"/>
+              <a:t>是最終點</a:t>
+            </a:r>
+            <a:endParaRPr lang="zh-TW" altLang="en-US" dirty="0"/>
+          </a:p>
+        </p:txBody>
+      </p:sp>
+      <p:sp>
+        <p:nvSpPr>
+          <p:cNvPr id="23" name="圓角矩形 22"/>
+          <p:cNvSpPr/>
+          <p:nvPr/>
+        </p:nvSpPr>
+        <p:spPr>
+          <a:xfrm>
+            <a:off x="9508213" y="89948"/>
+            <a:ext cx="1956956" cy="1288472"/>
+          </a:xfrm>
+          <a:prstGeom prst="roundRect">
+            <a:avLst/>
+          </a:prstGeom>
+          <a:solidFill>
+            <a:schemeClr val="accent6"/>
+          </a:solidFill>
+        </p:spPr>
+        <p:style>
+          <a:lnRef idx="2">
+            <a:schemeClr val="accent1">
+              <a:shade val="50000"/>
+            </a:schemeClr>
+          </a:lnRef>
+          <a:fillRef idx="1">
+            <a:schemeClr val="accent1"/>
+          </a:fillRef>
+          <a:effectRef idx="0">
+            <a:schemeClr val="accent1"/>
+          </a:effectRef>
+          <a:fontRef idx="minor">
+            <a:schemeClr val="lt1"/>
+          </a:fontRef>
+        </p:style>
+        <p:txBody>
+          <a:bodyPr rtlCol="0" anchor="ctr"/>
+          <a:lstStyle/>
+          <a:p>
+            <a:pPr algn="ctr"/>
+            <a:r>
+              <a:rPr lang="zh-TW" altLang="en-US" dirty="0" smtClean="0"/>
+              <a:t>資料修正與轉換</a:t>
+            </a:r>
+            <a:endParaRPr lang="zh-TW" altLang="en-US" dirty="0"/>
+          </a:p>
+        </p:txBody>
+      </p:sp>
+      <p:cxnSp>
+        <p:nvCxnSpPr>
+          <p:cNvPr id="31" name="直線單箭頭接點 30"/>
+          <p:cNvCxnSpPr/>
+          <p:nvPr/>
+        </p:nvCxnSpPr>
+        <p:spPr>
+          <a:xfrm flipH="1" flipV="1">
+            <a:off x="4740080" y="1483158"/>
+            <a:ext cx="408617" cy="3198969"/>
+          </a:xfrm>
+          <a:prstGeom prst="straightConnector1">
+            <a:avLst/>
+          </a:prstGeom>
+          <a:ln>
+            <a:tailEnd type="triangle"/>
+          </a:ln>
+        </p:spPr>
+        <p:style>
+          <a:lnRef idx="1">
+            <a:schemeClr val="accent1"/>
+          </a:lnRef>
+          <a:fillRef idx="0">
+            <a:schemeClr val="accent1"/>
+          </a:fillRef>
+          <a:effectRef idx="0">
+            <a:schemeClr val="accent1"/>
+          </a:effectRef>
+          <a:fontRef idx="minor">
+            <a:schemeClr val="tx1"/>
+          </a:fontRef>
+        </p:style>
+      </p:cxnSp>
     </p:spTree>
     <p:extLst>
       <p:ext uri="{BB962C8B-B14F-4D97-AF65-F5344CB8AC3E}">
-        <p14:creationId xmlns:p14="http://schemas.microsoft.com/office/powerpoint/2010/main" val="1817205424"/>
+        <p14:creationId xmlns:p14="http://schemas.microsoft.com/office/powerpoint/2010/main" val="1671653774"/>
       </p:ext>
     </p:extLst>
   </p:cSld>
@@ -10858,6 +10405,44 @@
           </a:p>
           <a:p>
             <a:r>
+              <a:rPr lang="en-US" altLang="zh-TW" sz="2000" dirty="0" smtClean="0"/>
+              <a:t>data1.txt</a:t>
+            </a:r>
+            <a:r>
+              <a:rPr lang="zh-TW" altLang="en-US" sz="2000" dirty="0" smtClean="0"/>
+              <a:t>為接收資料的暫存檔需搭配使用</a:t>
+            </a:r>
+            <a:r>
+              <a:rPr lang="en-US" altLang="zh-TW" sz="2000" dirty="0" err="1"/>
+              <a:t>fixfile</a:t>
+            </a:r>
+            <a:r>
+              <a:rPr lang="en-US" altLang="zh-TW" sz="2000" dirty="0" smtClean="0"/>
+              <a:t>()</a:t>
+            </a:r>
+            <a:r>
+              <a:rPr lang="zh-TW" altLang="en-US" sz="2000" dirty="0" smtClean="0"/>
+              <a:t>和</a:t>
+            </a:r>
+            <a:r>
+              <a:rPr lang="en-US" altLang="zh-TW" sz="2000" dirty="0" err="1" smtClean="0"/>
+              <a:t>load_data</a:t>
+            </a:r>
+            <a:r>
+              <a:rPr lang="en-US" altLang="zh-TW" sz="2000" dirty="0" smtClean="0"/>
+              <a:t>()</a:t>
+            </a:r>
+            <a:r>
+              <a:rPr lang="zh-TW" altLang="en-US" sz="2000" dirty="0" smtClean="0"/>
+              <a:t>才可取出數值使用</a:t>
+            </a:r>
+            <a:endParaRPr lang="en-US" altLang="zh-TW" sz="2000" dirty="0" smtClean="0"/>
+          </a:p>
+          <a:p>
+            <a:endParaRPr lang="en-US" altLang="zh-TW" sz="2000" dirty="0"/>
+          </a:p>
+          <a:p>
+            <a:r>
               <a:rPr lang="zh-TW" altLang="en-US" sz="2000" dirty="0" smtClean="0"/>
               <a:t>如果只是要傳送指令而不需接收回傳資料，建議直接使用</a:t>
             </a:r>
@@ -10880,6 +10465,1336 @@
     <p:extLst>
       <p:ext uri="{BB962C8B-B14F-4D97-AF65-F5344CB8AC3E}">
         <p14:creationId xmlns:p14="http://schemas.microsoft.com/office/powerpoint/2010/main" val="1469634915"/>
+      </p:ext>
+    </p:extLst>
+  </p:cSld>
+  <p:clrMapOvr>
+    <a:masterClrMapping/>
+  </p:clrMapOvr>
+</p:sld>
+</file>
+
+<file path=ppt/slides/slide20.xml><?xml version="1.0" encoding="utf-8"?>
+<p:sld xmlns:a="http://schemas.openxmlformats.org/drawingml/2006/main" xmlns:r="http://schemas.openxmlformats.org/officeDocument/2006/relationships" xmlns:p="http://schemas.openxmlformats.org/presentationml/2006/main">
+  <p:cSld>
+    <p:spTree>
+      <p:nvGrpSpPr>
+        <p:cNvPr id="1" name=""/>
+        <p:cNvGrpSpPr/>
+        <p:nvPr/>
+      </p:nvGrpSpPr>
+      <p:grpSpPr>
+        <a:xfrm>
+          <a:off x="0" y="0"/>
+          <a:ext cx="0" cy="0"/>
+          <a:chOff x="0" y="0"/>
+          <a:chExt cx="0" cy="0"/>
+        </a:xfrm>
+      </p:grpSpPr>
+      <p:cxnSp>
+        <p:nvCxnSpPr>
+          <p:cNvPr id="21" name="直線單箭頭接點 20"/>
+          <p:cNvCxnSpPr/>
+          <p:nvPr/>
+        </p:nvCxnSpPr>
+        <p:spPr>
+          <a:xfrm>
+            <a:off x="9467184" y="4009292"/>
+            <a:ext cx="308255" cy="1237827"/>
+          </a:xfrm>
+          <a:prstGeom prst="straightConnector1">
+            <a:avLst/>
+          </a:prstGeom>
+          <a:ln>
+            <a:tailEnd type="triangle"/>
+          </a:ln>
+        </p:spPr>
+        <p:style>
+          <a:lnRef idx="1">
+            <a:schemeClr val="accent1"/>
+          </a:lnRef>
+          <a:fillRef idx="0">
+            <a:schemeClr val="accent1"/>
+          </a:fillRef>
+          <a:effectRef idx="0">
+            <a:schemeClr val="accent1"/>
+          </a:effectRef>
+          <a:fontRef idx="minor">
+            <a:schemeClr val="tx1"/>
+          </a:fontRef>
+        </p:style>
+      </p:cxnSp>
+      <p:sp>
+        <p:nvSpPr>
+          <p:cNvPr id="28" name="橢圓 27"/>
+          <p:cNvSpPr/>
+          <p:nvPr/>
+        </p:nvSpPr>
+        <p:spPr>
+          <a:xfrm>
+            <a:off x="429607" y="223463"/>
+            <a:ext cx="2605694" cy="1933255"/>
+          </a:xfrm>
+          <a:prstGeom prst="ellipse">
+            <a:avLst/>
+          </a:prstGeom>
+          <a:solidFill>
+            <a:schemeClr val="accent2"/>
+          </a:solidFill>
+        </p:spPr>
+        <p:style>
+          <a:lnRef idx="2">
+            <a:schemeClr val="accent1">
+              <a:shade val="50000"/>
+            </a:schemeClr>
+          </a:lnRef>
+          <a:fillRef idx="1">
+            <a:schemeClr val="accent1"/>
+          </a:fillRef>
+          <a:effectRef idx="0">
+            <a:schemeClr val="accent1"/>
+          </a:effectRef>
+          <a:fontRef idx="minor">
+            <a:schemeClr val="lt1"/>
+          </a:fontRef>
+        </p:style>
+        <p:txBody>
+          <a:bodyPr rtlCol="0" anchor="ctr"/>
+          <a:lstStyle/>
+          <a:p>
+            <a:pPr algn="ctr"/>
+            <a:r>
+              <a:rPr lang="zh-TW" altLang="en-US" dirty="0"/>
+              <a:t>依演算法</a:t>
+            </a:r>
+            <a:r>
+              <a:rPr lang="en-US" altLang="zh-TW" dirty="0"/>
+              <a:t/>
+            </a:r>
+            <a:br>
+              <a:rPr lang="en-US" altLang="zh-TW" dirty="0"/>
+            </a:br>
+            <a:r>
+              <a:rPr lang="zh-TW" altLang="en-US" dirty="0"/>
+              <a:t>移動到下一個點</a:t>
+            </a:r>
+          </a:p>
+        </p:txBody>
+      </p:sp>
+      <p:sp>
+        <p:nvSpPr>
+          <p:cNvPr id="18" name="橢圓 17"/>
+          <p:cNvSpPr/>
+          <p:nvPr/>
+        </p:nvSpPr>
+        <p:spPr>
+          <a:xfrm>
+            <a:off x="8871803" y="5262815"/>
+            <a:ext cx="3267443" cy="1537945"/>
+          </a:xfrm>
+          <a:prstGeom prst="ellipse">
+            <a:avLst/>
+          </a:prstGeom>
+          <a:solidFill>
+            <a:srgbClr val="FF0000"/>
+          </a:solidFill>
+        </p:spPr>
+        <p:style>
+          <a:lnRef idx="2">
+            <a:schemeClr val="accent1">
+              <a:shade val="50000"/>
+            </a:schemeClr>
+          </a:lnRef>
+          <a:fillRef idx="1">
+            <a:schemeClr val="accent1"/>
+          </a:fillRef>
+          <a:effectRef idx="0">
+            <a:schemeClr val="accent1"/>
+          </a:effectRef>
+          <a:fontRef idx="minor">
+            <a:schemeClr val="lt1"/>
+          </a:fontRef>
+        </p:style>
+        <p:txBody>
+          <a:bodyPr rtlCol="0" anchor="ctr"/>
+          <a:lstStyle/>
+          <a:p>
+            <a:pPr algn="ctr"/>
+            <a:r>
+              <a:rPr lang="zh-TW" altLang="en-US" dirty="0" smtClean="0"/>
+              <a:t>實際移動功能</a:t>
+            </a:r>
+            <a:endParaRPr lang="zh-TW" altLang="en-US" dirty="0"/>
+          </a:p>
+        </p:txBody>
+      </p:sp>
+      <p:sp>
+        <p:nvSpPr>
+          <p:cNvPr id="23" name="文字方塊 22"/>
+          <p:cNvSpPr txBox="1"/>
+          <p:nvPr/>
+        </p:nvSpPr>
+        <p:spPr>
+          <a:xfrm>
+            <a:off x="9714698" y="4458620"/>
+            <a:ext cx="2262158" cy="369332"/>
+          </a:xfrm>
+          <a:prstGeom prst="rect">
+            <a:avLst/>
+          </a:prstGeom>
+          <a:noFill/>
+        </p:spPr>
+        <p:txBody>
+          <a:bodyPr wrap="none" rtlCol="0">
+            <a:spAutoFit/>
+          </a:bodyPr>
+          <a:lstStyle/>
+          <a:p>
+            <a:r>
+              <a:rPr lang="zh-TW" altLang="en-US" dirty="0" smtClean="0"/>
+              <a:t>送出移動方向和距離</a:t>
+            </a:r>
+            <a:endParaRPr lang="zh-TW" altLang="en-US" dirty="0"/>
+          </a:p>
+        </p:txBody>
+      </p:sp>
+      <p:sp>
+        <p:nvSpPr>
+          <p:cNvPr id="36" name="圓角矩形 35"/>
+          <p:cNvSpPr/>
+          <p:nvPr/>
+        </p:nvSpPr>
+        <p:spPr>
+          <a:xfrm>
+            <a:off x="9573723" y="153230"/>
+            <a:ext cx="2136857" cy="1288472"/>
+          </a:xfrm>
+          <a:prstGeom prst="roundRect">
+            <a:avLst/>
+          </a:prstGeom>
+          <a:solidFill>
+            <a:srgbClr val="FF0000"/>
+          </a:solidFill>
+        </p:spPr>
+        <p:style>
+          <a:lnRef idx="2">
+            <a:schemeClr val="accent1">
+              <a:shade val="50000"/>
+            </a:schemeClr>
+          </a:lnRef>
+          <a:fillRef idx="1">
+            <a:schemeClr val="accent1"/>
+          </a:fillRef>
+          <a:effectRef idx="0">
+            <a:schemeClr val="accent1"/>
+          </a:effectRef>
+          <a:fontRef idx="minor">
+            <a:schemeClr val="lt1"/>
+          </a:fontRef>
+        </p:style>
+        <p:txBody>
+          <a:bodyPr rtlCol="0" anchor="ctr"/>
+          <a:lstStyle/>
+          <a:p>
+            <a:pPr algn="ctr"/>
+            <a:r>
+              <a:rPr lang="zh-TW" altLang="en-US" dirty="0"/>
+              <a:t>距離與</a:t>
+            </a:r>
+            <a:r>
+              <a:rPr lang="en-US" altLang="zh-TW" dirty="0"/>
+              <a:t>XY</a:t>
+            </a:r>
+            <a:r>
+              <a:rPr lang="zh-TW" altLang="en-US" dirty="0" smtClean="0"/>
+              <a:t>轉換</a:t>
+            </a:r>
+            <a:r>
+              <a:rPr lang="en-US" altLang="zh-TW" dirty="0" smtClean="0"/>
+              <a:t/>
+            </a:r>
+            <a:br>
+              <a:rPr lang="en-US" altLang="zh-TW" dirty="0" smtClean="0"/>
+            </a:br>
+            <a:r>
+              <a:rPr lang="zh-TW" altLang="en-US" dirty="0" smtClean="0"/>
+              <a:t>車子面向方向</a:t>
+            </a:r>
+            <a:r>
+              <a:rPr lang="en-US" altLang="zh-TW" dirty="0" smtClean="0"/>
+              <a:t/>
+            </a:r>
+            <a:br>
+              <a:rPr lang="en-US" altLang="zh-TW" dirty="0" smtClean="0"/>
+            </a:br>
+            <a:r>
+              <a:rPr lang="zh-TW" altLang="en-US" dirty="0" smtClean="0"/>
+              <a:t>地圖資料更新</a:t>
+            </a:r>
+            <a:endParaRPr lang="zh-TW" altLang="en-US" dirty="0"/>
+          </a:p>
+        </p:txBody>
+      </p:sp>
+      <p:sp>
+        <p:nvSpPr>
+          <p:cNvPr id="38" name="圓角矩形 37"/>
+          <p:cNvSpPr/>
+          <p:nvPr/>
+        </p:nvSpPr>
+        <p:spPr>
+          <a:xfrm>
+            <a:off x="4878278" y="545854"/>
+            <a:ext cx="2136857" cy="1288472"/>
+          </a:xfrm>
+          <a:prstGeom prst="roundRect">
+            <a:avLst/>
+          </a:prstGeom>
+          <a:solidFill>
+            <a:schemeClr val="accent2"/>
+          </a:solidFill>
+        </p:spPr>
+        <p:style>
+          <a:lnRef idx="2">
+            <a:schemeClr val="accent1">
+              <a:shade val="50000"/>
+            </a:schemeClr>
+          </a:lnRef>
+          <a:fillRef idx="1">
+            <a:schemeClr val="accent1"/>
+          </a:fillRef>
+          <a:effectRef idx="0">
+            <a:schemeClr val="accent1"/>
+          </a:effectRef>
+          <a:fontRef idx="minor">
+            <a:schemeClr val="lt1"/>
+          </a:fontRef>
+        </p:style>
+        <p:txBody>
+          <a:bodyPr rtlCol="0" anchor="ctr"/>
+          <a:lstStyle/>
+          <a:p>
+            <a:pPr algn="ctr"/>
+            <a:r>
+              <a:rPr lang="zh-TW" altLang="en-US" dirty="0" smtClean="0"/>
+              <a:t>判斷地圖還是否</a:t>
+            </a:r>
+            <a:r>
+              <a:rPr lang="en-US" altLang="zh-TW" dirty="0" smtClean="0"/>
+              <a:t/>
+            </a:r>
+            <a:br>
+              <a:rPr lang="en-US" altLang="zh-TW" dirty="0" smtClean="0"/>
+            </a:br>
+            <a:r>
+              <a:rPr lang="zh-TW" altLang="en-US" dirty="0" smtClean="0"/>
+              <a:t>需要繼續製作</a:t>
+            </a:r>
+            <a:endParaRPr lang="zh-TW" altLang="en-US" dirty="0"/>
+          </a:p>
+        </p:txBody>
+      </p:sp>
+      <p:cxnSp>
+        <p:nvCxnSpPr>
+          <p:cNvPr id="39" name="直線單箭頭接點 38"/>
+          <p:cNvCxnSpPr/>
+          <p:nvPr/>
+        </p:nvCxnSpPr>
+        <p:spPr>
+          <a:xfrm>
+            <a:off x="3557151" y="1120121"/>
+            <a:ext cx="942109" cy="0"/>
+          </a:xfrm>
+          <a:prstGeom prst="straightConnector1">
+            <a:avLst/>
+          </a:prstGeom>
+          <a:ln>
+            <a:tailEnd type="triangle"/>
+          </a:ln>
+        </p:spPr>
+        <p:style>
+          <a:lnRef idx="1">
+            <a:schemeClr val="accent1"/>
+          </a:lnRef>
+          <a:fillRef idx="0">
+            <a:schemeClr val="accent1"/>
+          </a:fillRef>
+          <a:effectRef idx="0">
+            <a:schemeClr val="accent1"/>
+          </a:effectRef>
+          <a:fontRef idx="minor">
+            <a:schemeClr val="tx1"/>
+          </a:fontRef>
+        </p:style>
+      </p:cxnSp>
+      <p:sp>
+        <p:nvSpPr>
+          <p:cNvPr id="40" name="圓角矩形 39"/>
+          <p:cNvSpPr/>
+          <p:nvPr/>
+        </p:nvSpPr>
+        <p:spPr>
+          <a:xfrm>
+            <a:off x="74045" y="2785626"/>
+            <a:ext cx="5922512" cy="3975657"/>
+          </a:xfrm>
+          <a:prstGeom prst="roundRect">
+            <a:avLst/>
+          </a:prstGeom>
+          <a:solidFill>
+            <a:schemeClr val="accent1">
+              <a:lumMod val="40000"/>
+              <a:lumOff val="60000"/>
+            </a:schemeClr>
+          </a:solidFill>
+        </p:spPr>
+        <p:style>
+          <a:lnRef idx="2">
+            <a:schemeClr val="accent1">
+              <a:shade val="50000"/>
+            </a:schemeClr>
+          </a:lnRef>
+          <a:fillRef idx="1">
+            <a:schemeClr val="accent1"/>
+          </a:fillRef>
+          <a:effectRef idx="0">
+            <a:schemeClr val="accent1"/>
+          </a:effectRef>
+          <a:fontRef idx="minor">
+            <a:schemeClr val="lt1"/>
+          </a:fontRef>
+        </p:style>
+        <p:txBody>
+          <a:bodyPr rtlCol="0" anchor="ctr"/>
+          <a:lstStyle/>
+          <a:p>
+            <a:pPr algn="ctr"/>
+            <a:endParaRPr lang="zh-TW" altLang="en-US"/>
+          </a:p>
+        </p:txBody>
+      </p:sp>
+      <p:sp>
+        <p:nvSpPr>
+          <p:cNvPr id="41" name="圓角矩形 40"/>
+          <p:cNvSpPr/>
+          <p:nvPr/>
+        </p:nvSpPr>
+        <p:spPr>
+          <a:xfrm>
+            <a:off x="3097771" y="5247119"/>
+            <a:ext cx="2651272" cy="1288472"/>
+          </a:xfrm>
+          <a:prstGeom prst="roundRect">
+            <a:avLst/>
+          </a:prstGeom>
+          <a:solidFill>
+            <a:srgbClr val="FF0000"/>
+          </a:solidFill>
+        </p:spPr>
+        <p:style>
+          <a:lnRef idx="2">
+            <a:schemeClr val="accent1">
+              <a:shade val="50000"/>
+            </a:schemeClr>
+          </a:lnRef>
+          <a:fillRef idx="1">
+            <a:schemeClr val="accent1"/>
+          </a:fillRef>
+          <a:effectRef idx="0">
+            <a:schemeClr val="accent1"/>
+          </a:effectRef>
+          <a:fontRef idx="minor">
+            <a:schemeClr val="lt1"/>
+          </a:fontRef>
+        </p:style>
+        <p:txBody>
+          <a:bodyPr rtlCol="0" anchor="ctr"/>
+          <a:lstStyle/>
+          <a:p>
+            <a:pPr algn="ctr"/>
+            <a:r>
+              <a:rPr lang="zh-TW" altLang="en-US" dirty="0" smtClean="0"/>
+              <a:t>計算是否有超出初始邊界的點</a:t>
+            </a:r>
+            <a:r>
+              <a:rPr lang="en-US" altLang="zh-TW" dirty="0" smtClean="0"/>
+              <a:t/>
+            </a:r>
+            <a:br>
+              <a:rPr lang="en-US" altLang="zh-TW" dirty="0" smtClean="0"/>
+            </a:br>
+            <a:r>
+              <a:rPr lang="zh-TW" altLang="en-US" dirty="0" smtClean="0"/>
+              <a:t>如有從此點再做前</a:t>
+            </a:r>
+            <a:r>
+              <a:rPr lang="en-US" altLang="zh-TW" dirty="0"/>
+              <a:t>4</a:t>
+            </a:r>
+            <a:r>
+              <a:rPr lang="zh-TW" altLang="en-US" dirty="0"/>
+              <a:t>步行</a:t>
+            </a:r>
+            <a:r>
+              <a:rPr lang="zh-TW" altLang="en-US" dirty="0" smtClean="0"/>
+              <a:t>走直到無邊界外的點</a:t>
+            </a:r>
+            <a:endParaRPr lang="zh-TW" altLang="en-US" dirty="0"/>
+          </a:p>
+        </p:txBody>
+      </p:sp>
+      <p:sp>
+        <p:nvSpPr>
+          <p:cNvPr id="42" name="文字方塊 41"/>
+          <p:cNvSpPr txBox="1"/>
+          <p:nvPr/>
+        </p:nvSpPr>
+        <p:spPr>
+          <a:xfrm>
+            <a:off x="694633" y="4768843"/>
+            <a:ext cx="1338828" cy="369332"/>
+          </a:xfrm>
+          <a:prstGeom prst="rect">
+            <a:avLst/>
+          </a:prstGeom>
+          <a:noFill/>
+        </p:spPr>
+        <p:txBody>
+          <a:bodyPr wrap="none" rtlCol="0">
+            <a:spAutoFit/>
+          </a:bodyPr>
+          <a:lstStyle/>
+          <a:p>
+            <a:r>
+              <a:rPr lang="zh-TW" altLang="en-US" dirty="0" smtClean="0"/>
+              <a:t>遇到邊界點</a:t>
+            </a:r>
+            <a:endParaRPr lang="zh-TW" altLang="en-US" dirty="0"/>
+          </a:p>
+        </p:txBody>
+      </p:sp>
+      <p:sp>
+        <p:nvSpPr>
+          <p:cNvPr id="43" name="圓角矩形 42"/>
+          <p:cNvSpPr/>
+          <p:nvPr/>
+        </p:nvSpPr>
+        <p:spPr>
+          <a:xfrm>
+            <a:off x="241992" y="3218093"/>
+            <a:ext cx="2136857" cy="1288472"/>
+          </a:xfrm>
+          <a:prstGeom prst="roundRect">
+            <a:avLst/>
+          </a:prstGeom>
+          <a:solidFill>
+            <a:srgbClr val="FF0000"/>
+          </a:solidFill>
+        </p:spPr>
+        <p:style>
+          <a:lnRef idx="2">
+            <a:schemeClr val="accent1">
+              <a:shade val="50000"/>
+            </a:schemeClr>
+          </a:lnRef>
+          <a:fillRef idx="1">
+            <a:schemeClr val="accent1"/>
+          </a:fillRef>
+          <a:effectRef idx="0">
+            <a:schemeClr val="accent1"/>
+          </a:effectRef>
+          <a:fontRef idx="minor">
+            <a:schemeClr val="lt1"/>
+          </a:fontRef>
+        </p:style>
+        <p:txBody>
+          <a:bodyPr rtlCol="0" anchor="ctr"/>
+          <a:lstStyle/>
+          <a:p>
+            <a:r>
+              <a:rPr lang="en-US" altLang="zh-TW" dirty="0"/>
+              <a:t>1</a:t>
+            </a:r>
+            <a:r>
+              <a:rPr lang="zh-TW" altLang="en-US" dirty="0" smtClean="0"/>
+              <a:t>直走</a:t>
+            </a:r>
+            <a:endParaRPr lang="en-US" altLang="zh-TW" dirty="0" smtClean="0"/>
+          </a:p>
+          <a:p>
+            <a:r>
+              <a:rPr lang="en-US" altLang="zh-TW" dirty="0" smtClean="0"/>
+              <a:t>2</a:t>
+            </a:r>
+            <a:r>
+              <a:rPr lang="zh-TW" altLang="en-US" dirty="0" smtClean="0"/>
+              <a:t>最遠</a:t>
+            </a:r>
+            <a:r>
+              <a:rPr lang="en-US" altLang="zh-TW" dirty="0" smtClean="0"/>
+              <a:t>45</a:t>
+            </a:r>
+            <a:r>
+              <a:rPr lang="zh-TW" altLang="en-US" dirty="0" smtClean="0"/>
+              <a:t>度角</a:t>
+            </a:r>
+            <a:endParaRPr lang="en-US" altLang="zh-TW" dirty="0" smtClean="0"/>
+          </a:p>
+          <a:p>
+            <a:r>
+              <a:rPr lang="en-US" altLang="zh-TW" dirty="0" smtClean="0"/>
+              <a:t>3</a:t>
+            </a:r>
+            <a:r>
+              <a:rPr lang="zh-TW" altLang="en-US" dirty="0" smtClean="0"/>
+              <a:t>右優先</a:t>
+            </a:r>
+            <a:endParaRPr lang="en-US" altLang="zh-TW" dirty="0" smtClean="0"/>
+          </a:p>
+        </p:txBody>
+      </p:sp>
+      <p:sp>
+        <p:nvSpPr>
+          <p:cNvPr id="44" name="圓角矩形 43"/>
+          <p:cNvSpPr/>
+          <p:nvPr/>
+        </p:nvSpPr>
+        <p:spPr>
+          <a:xfrm>
+            <a:off x="3177524" y="3221740"/>
+            <a:ext cx="2136857" cy="1288472"/>
+          </a:xfrm>
+          <a:prstGeom prst="roundRect">
+            <a:avLst/>
+          </a:prstGeom>
+          <a:solidFill>
+            <a:srgbClr val="FF0000"/>
+          </a:solidFill>
+        </p:spPr>
+        <p:style>
+          <a:lnRef idx="2">
+            <a:schemeClr val="accent1">
+              <a:shade val="50000"/>
+            </a:schemeClr>
+          </a:lnRef>
+          <a:fillRef idx="1">
+            <a:schemeClr val="accent1"/>
+          </a:fillRef>
+          <a:effectRef idx="0">
+            <a:schemeClr val="accent1"/>
+          </a:effectRef>
+          <a:fontRef idx="minor">
+            <a:schemeClr val="lt1"/>
+          </a:fontRef>
+        </p:style>
+        <p:txBody>
+          <a:bodyPr rtlCol="0" anchor="ctr"/>
+          <a:lstStyle/>
+          <a:p>
+            <a:pPr algn="ctr"/>
+            <a:r>
+              <a:rPr lang="en-US" altLang="zh-TW" dirty="0" smtClean="0"/>
+              <a:t>1</a:t>
+            </a:r>
+            <a:r>
+              <a:rPr lang="zh-TW" altLang="en-US" dirty="0" smtClean="0"/>
+              <a:t>找四邊緣</a:t>
+            </a:r>
+            <a:endParaRPr lang="en-US" altLang="zh-TW" dirty="0" smtClean="0"/>
+          </a:p>
+          <a:p>
+            <a:pPr algn="ctr"/>
+            <a:r>
+              <a:rPr lang="en-US" altLang="zh-TW" dirty="0" smtClean="0"/>
+              <a:t>2</a:t>
+            </a:r>
+            <a:r>
+              <a:rPr lang="zh-TW" altLang="en-US" dirty="0" smtClean="0"/>
+              <a:t>找四邊角</a:t>
+            </a:r>
+            <a:endParaRPr lang="zh-TW" altLang="en-US" dirty="0"/>
+          </a:p>
+        </p:txBody>
+      </p:sp>
+      <p:sp>
+        <p:nvSpPr>
+          <p:cNvPr id="45" name="圓角矩形 44"/>
+          <p:cNvSpPr/>
+          <p:nvPr/>
+        </p:nvSpPr>
+        <p:spPr>
+          <a:xfrm>
+            <a:off x="295619" y="5247119"/>
+            <a:ext cx="2136857" cy="1288472"/>
+          </a:xfrm>
+          <a:prstGeom prst="roundRect">
+            <a:avLst/>
+          </a:prstGeom>
+          <a:solidFill>
+            <a:srgbClr val="FF0000"/>
+          </a:solidFill>
+        </p:spPr>
+        <p:style>
+          <a:lnRef idx="2">
+            <a:schemeClr val="accent1">
+              <a:shade val="50000"/>
+            </a:schemeClr>
+          </a:lnRef>
+          <a:fillRef idx="1">
+            <a:schemeClr val="accent1"/>
+          </a:fillRef>
+          <a:effectRef idx="0">
+            <a:schemeClr val="accent1"/>
+          </a:effectRef>
+          <a:fontRef idx="minor">
+            <a:schemeClr val="lt1"/>
+          </a:fontRef>
+        </p:style>
+        <p:txBody>
+          <a:bodyPr rtlCol="0" anchor="ctr"/>
+          <a:lstStyle/>
+          <a:p>
+            <a:r>
+              <a:rPr lang="en-US" altLang="zh-TW" dirty="0" smtClean="0"/>
+              <a:t>1</a:t>
+            </a:r>
+            <a:r>
+              <a:rPr lang="zh-TW" altLang="en-US" dirty="0" smtClean="0"/>
+              <a:t>退回上一個點</a:t>
+            </a:r>
+            <a:endParaRPr lang="en-US" altLang="zh-TW" dirty="0" smtClean="0"/>
+          </a:p>
+          <a:p>
+            <a:r>
+              <a:rPr lang="en-US" altLang="zh-TW" dirty="0" smtClean="0"/>
+              <a:t>2</a:t>
+            </a:r>
+            <a:r>
+              <a:rPr lang="zh-TW" altLang="en-US" dirty="0" smtClean="0"/>
+              <a:t>並記錄此點</a:t>
+            </a:r>
+            <a:endParaRPr lang="en-US" altLang="zh-TW" dirty="0" smtClean="0"/>
+          </a:p>
+        </p:txBody>
+      </p:sp>
+      <p:sp>
+        <p:nvSpPr>
+          <p:cNvPr id="46" name="文字方塊 45"/>
+          <p:cNvSpPr txBox="1"/>
+          <p:nvPr/>
+        </p:nvSpPr>
+        <p:spPr>
+          <a:xfrm>
+            <a:off x="581794" y="2848761"/>
+            <a:ext cx="1569660" cy="369332"/>
+          </a:xfrm>
+          <a:prstGeom prst="rect">
+            <a:avLst/>
+          </a:prstGeom>
+          <a:noFill/>
+        </p:spPr>
+        <p:txBody>
+          <a:bodyPr wrap="none" rtlCol="0">
+            <a:spAutoFit/>
+          </a:bodyPr>
+          <a:lstStyle/>
+          <a:p>
+            <a:r>
+              <a:rPr lang="zh-TW" altLang="en-US" dirty="0" smtClean="0"/>
+              <a:t>一般行走規則</a:t>
+            </a:r>
+            <a:endParaRPr lang="zh-TW" altLang="en-US" dirty="0"/>
+          </a:p>
+        </p:txBody>
+      </p:sp>
+      <p:sp>
+        <p:nvSpPr>
+          <p:cNvPr id="47" name="文字方塊 46"/>
+          <p:cNvSpPr txBox="1"/>
+          <p:nvPr/>
+        </p:nvSpPr>
+        <p:spPr>
+          <a:xfrm>
+            <a:off x="3402613" y="2785627"/>
+            <a:ext cx="1686680" cy="369332"/>
+          </a:xfrm>
+          <a:prstGeom prst="rect">
+            <a:avLst/>
+          </a:prstGeom>
+          <a:noFill/>
+        </p:spPr>
+        <p:txBody>
+          <a:bodyPr wrap="none" rtlCol="0">
+            <a:spAutoFit/>
+          </a:bodyPr>
+          <a:lstStyle/>
+          <a:p>
+            <a:r>
+              <a:rPr lang="zh-TW" altLang="en-US" dirty="0" smtClean="0"/>
+              <a:t>前</a:t>
+            </a:r>
+            <a:r>
+              <a:rPr lang="en-US" altLang="zh-TW" dirty="0" smtClean="0"/>
+              <a:t>4</a:t>
+            </a:r>
+            <a:r>
+              <a:rPr lang="zh-TW" altLang="en-US" dirty="0" smtClean="0"/>
+              <a:t>步行走規則</a:t>
+            </a:r>
+            <a:endParaRPr lang="zh-TW" altLang="en-US" dirty="0"/>
+          </a:p>
+        </p:txBody>
+      </p:sp>
+      <p:sp>
+        <p:nvSpPr>
+          <p:cNvPr id="48" name="文字方塊 47"/>
+          <p:cNvSpPr txBox="1"/>
+          <p:nvPr/>
+        </p:nvSpPr>
+        <p:spPr>
+          <a:xfrm>
+            <a:off x="3292328" y="4877787"/>
+            <a:ext cx="2262158" cy="369332"/>
+          </a:xfrm>
+          <a:prstGeom prst="rect">
+            <a:avLst/>
+          </a:prstGeom>
+          <a:noFill/>
+        </p:spPr>
+        <p:txBody>
+          <a:bodyPr wrap="none" rtlCol="0">
+            <a:spAutoFit/>
+          </a:bodyPr>
+          <a:lstStyle/>
+          <a:p>
+            <a:r>
+              <a:rPr lang="zh-TW" altLang="en-US" dirty="0" smtClean="0"/>
+              <a:t>地圖邊界擴張與結束</a:t>
+            </a:r>
+            <a:endParaRPr lang="zh-TW" altLang="en-US" dirty="0"/>
+          </a:p>
+        </p:txBody>
+      </p:sp>
+      <p:sp>
+        <p:nvSpPr>
+          <p:cNvPr id="49" name="文字方塊 48"/>
+          <p:cNvSpPr txBox="1"/>
+          <p:nvPr/>
+        </p:nvSpPr>
+        <p:spPr>
+          <a:xfrm>
+            <a:off x="2543773" y="2349513"/>
+            <a:ext cx="1107996" cy="369332"/>
+          </a:xfrm>
+          <a:prstGeom prst="rect">
+            <a:avLst/>
+          </a:prstGeom>
+          <a:noFill/>
+        </p:spPr>
+        <p:txBody>
+          <a:bodyPr wrap="none" rtlCol="0">
+            <a:spAutoFit/>
+          </a:bodyPr>
+          <a:lstStyle/>
+          <a:p>
+            <a:r>
+              <a:rPr lang="zh-TW" altLang="en-US" dirty="0" smtClean="0"/>
+              <a:t>移動規則</a:t>
+            </a:r>
+            <a:endParaRPr lang="zh-TW" altLang="en-US" dirty="0"/>
+          </a:p>
+        </p:txBody>
+      </p:sp>
+      <p:cxnSp>
+        <p:nvCxnSpPr>
+          <p:cNvPr id="50" name="直線單箭頭接點 49"/>
+          <p:cNvCxnSpPr/>
+          <p:nvPr/>
+        </p:nvCxnSpPr>
+        <p:spPr>
+          <a:xfrm flipH="1">
+            <a:off x="9608388" y="1521537"/>
+            <a:ext cx="212620" cy="868281"/>
+          </a:xfrm>
+          <a:prstGeom prst="straightConnector1">
+            <a:avLst/>
+          </a:prstGeom>
+          <a:ln w="38100">
+            <a:headEnd type="triangle"/>
+            <a:tailEnd type="triangle"/>
+          </a:ln>
+        </p:spPr>
+        <p:style>
+          <a:lnRef idx="1">
+            <a:schemeClr val="accent1"/>
+          </a:lnRef>
+          <a:fillRef idx="0">
+            <a:schemeClr val="accent1"/>
+          </a:fillRef>
+          <a:effectRef idx="0">
+            <a:schemeClr val="accent1"/>
+          </a:effectRef>
+          <a:fontRef idx="minor">
+            <a:schemeClr val="tx1"/>
+          </a:fontRef>
+        </p:style>
+      </p:cxnSp>
+      <p:cxnSp>
+        <p:nvCxnSpPr>
+          <p:cNvPr id="51" name="直線單箭頭接點 50"/>
+          <p:cNvCxnSpPr/>
+          <p:nvPr/>
+        </p:nvCxnSpPr>
+        <p:spPr>
+          <a:xfrm flipH="1">
+            <a:off x="6279713" y="3218093"/>
+            <a:ext cx="1791625" cy="1288472"/>
+          </a:xfrm>
+          <a:prstGeom prst="straightConnector1">
+            <a:avLst/>
+          </a:prstGeom>
+          <a:ln w="38100">
+            <a:headEnd type="triangle"/>
+            <a:tailEnd type="triangle"/>
+          </a:ln>
+        </p:spPr>
+        <p:style>
+          <a:lnRef idx="1">
+            <a:schemeClr val="accent1"/>
+          </a:lnRef>
+          <a:fillRef idx="0">
+            <a:schemeClr val="accent1"/>
+          </a:fillRef>
+          <a:effectRef idx="0">
+            <a:schemeClr val="accent1"/>
+          </a:effectRef>
+          <a:fontRef idx="minor">
+            <a:schemeClr val="tx1"/>
+          </a:fontRef>
+        </p:style>
+      </p:cxnSp>
+      <p:sp>
+        <p:nvSpPr>
+          <p:cNvPr id="52" name="圓角矩形 51"/>
+          <p:cNvSpPr/>
+          <p:nvPr/>
+        </p:nvSpPr>
+        <p:spPr>
+          <a:xfrm>
+            <a:off x="8285146" y="2512953"/>
+            <a:ext cx="2646485" cy="1288472"/>
+          </a:xfrm>
+          <a:prstGeom prst="roundRect">
+            <a:avLst/>
+          </a:prstGeom>
+          <a:solidFill>
+            <a:srgbClr val="FF0000"/>
+          </a:solidFill>
+        </p:spPr>
+        <p:style>
+          <a:lnRef idx="2">
+            <a:schemeClr val="accent1">
+              <a:shade val="50000"/>
+            </a:schemeClr>
+          </a:lnRef>
+          <a:fillRef idx="1">
+            <a:schemeClr val="accent1"/>
+          </a:fillRef>
+          <a:effectRef idx="0">
+            <a:schemeClr val="accent1"/>
+          </a:effectRef>
+          <a:fontRef idx="minor">
+            <a:schemeClr val="lt1"/>
+          </a:fontRef>
+        </p:style>
+        <p:txBody>
+          <a:bodyPr rtlCol="0" anchor="ctr"/>
+          <a:lstStyle/>
+          <a:p>
+            <a:pPr algn="ctr"/>
+            <a:r>
+              <a:rPr lang="zh-TW" altLang="en-US" dirty="0" smtClean="0"/>
+              <a:t>依規則、現有資料判斷</a:t>
+            </a:r>
+            <a:r>
+              <a:rPr lang="en-US" altLang="zh-TW" dirty="0" smtClean="0"/>
+              <a:t/>
+            </a:r>
+            <a:br>
+              <a:rPr lang="en-US" altLang="zh-TW" dirty="0" smtClean="0"/>
+            </a:br>
+            <a:r>
+              <a:rPr lang="zh-TW" altLang="en-US" dirty="0" smtClean="0"/>
+              <a:t>計算下一步命令</a:t>
+            </a:r>
+            <a:endParaRPr lang="zh-TW" altLang="en-US" dirty="0"/>
+          </a:p>
+        </p:txBody>
+      </p:sp>
+      <p:cxnSp>
+        <p:nvCxnSpPr>
+          <p:cNvPr id="53" name="直線單箭頭接點 52"/>
+          <p:cNvCxnSpPr/>
+          <p:nvPr/>
+        </p:nvCxnSpPr>
+        <p:spPr>
+          <a:xfrm>
+            <a:off x="7015135" y="1925566"/>
+            <a:ext cx="1056203" cy="793279"/>
+          </a:xfrm>
+          <a:prstGeom prst="straightConnector1">
+            <a:avLst/>
+          </a:prstGeom>
+          <a:ln>
+            <a:tailEnd type="triangle"/>
+          </a:ln>
+        </p:spPr>
+        <p:style>
+          <a:lnRef idx="1">
+            <a:schemeClr val="accent1"/>
+          </a:lnRef>
+          <a:fillRef idx="0">
+            <a:schemeClr val="accent1"/>
+          </a:fillRef>
+          <a:effectRef idx="0">
+            <a:schemeClr val="accent1"/>
+          </a:effectRef>
+          <a:fontRef idx="minor">
+            <a:schemeClr val="tx1"/>
+          </a:fontRef>
+        </p:style>
+      </p:cxnSp>
+    </p:spTree>
+    <p:extLst>
+      <p:ext uri="{BB962C8B-B14F-4D97-AF65-F5344CB8AC3E}">
+        <p14:creationId xmlns:p14="http://schemas.microsoft.com/office/powerpoint/2010/main" val="3511601821"/>
+      </p:ext>
+    </p:extLst>
+  </p:cSld>
+  <p:clrMapOvr>
+    <a:masterClrMapping/>
+  </p:clrMapOvr>
+</p:sld>
+</file>
+
+<file path=ppt/slides/slide21.xml><?xml version="1.0" encoding="utf-8"?>
+<p:sld xmlns:a="http://schemas.openxmlformats.org/drawingml/2006/main" xmlns:r="http://schemas.openxmlformats.org/officeDocument/2006/relationships" xmlns:p="http://schemas.openxmlformats.org/presentationml/2006/main">
+  <p:cSld>
+    <p:spTree>
+      <p:nvGrpSpPr>
+        <p:cNvPr id="1" name=""/>
+        <p:cNvGrpSpPr/>
+        <p:nvPr/>
+      </p:nvGrpSpPr>
+      <p:grpSpPr>
+        <a:xfrm>
+          <a:off x="0" y="0"/>
+          <a:ext cx="0" cy="0"/>
+          <a:chOff x="0" y="0"/>
+          <a:chExt cx="0" cy="0"/>
+        </a:xfrm>
+      </p:grpSpPr>
+      <p:sp>
+        <p:nvSpPr>
+          <p:cNvPr id="2" name="標題 1"/>
+          <p:cNvSpPr>
+            <a:spLocks noGrp="1"/>
+          </p:cNvSpPr>
+          <p:nvPr>
+            <p:ph type="title"/>
+          </p:nvPr>
+        </p:nvSpPr>
+        <p:spPr/>
+        <p:txBody>
+          <a:bodyPr/>
+          <a:lstStyle/>
+          <a:p>
+            <a:r>
+              <a:rPr lang="zh-TW" altLang="en-US" dirty="0" smtClean="0"/>
+              <a:t>程式</a:t>
+            </a:r>
+            <a:endParaRPr lang="zh-TW" altLang="en-US" dirty="0"/>
+          </a:p>
+        </p:txBody>
+      </p:sp>
+      <p:sp>
+        <p:nvSpPr>
+          <p:cNvPr id="3" name="內容版面配置區 2"/>
+          <p:cNvSpPr>
+            <a:spLocks noGrp="1"/>
+          </p:cNvSpPr>
+          <p:nvPr>
+            <p:ph idx="1"/>
+          </p:nvPr>
+        </p:nvSpPr>
+        <p:spPr/>
+        <p:txBody>
+          <a:bodyPr>
+            <a:normAutofit fontScale="92500" lnSpcReduction="10000"/>
+          </a:bodyPr>
+          <a:lstStyle/>
+          <a:p>
+            <a:pPr marL="0" indent="0">
+              <a:buNone/>
+            </a:pPr>
+            <a:r>
+              <a:rPr lang="en-US" altLang="zh-TW" dirty="0" smtClean="0"/>
+              <a:t>car_all_v5.0.ino</a:t>
+            </a:r>
+            <a:r>
+              <a:rPr lang="zh-TW" altLang="en-US" dirty="0" smtClean="0"/>
+              <a:t> </a:t>
+            </a:r>
+            <a:r>
+              <a:rPr lang="en-US" altLang="zh-TW" dirty="0" smtClean="0"/>
+              <a:t>		</a:t>
+            </a:r>
+            <a:r>
+              <a:rPr lang="en-US" altLang="zh-TW" dirty="0" err="1" smtClean="0"/>
+              <a:t>arduino</a:t>
+            </a:r>
+            <a:r>
+              <a:rPr lang="zh-TW" altLang="en-US" dirty="0" smtClean="0"/>
+              <a:t>原始碼</a:t>
+            </a:r>
+            <a:endParaRPr lang="en-US" altLang="zh-TW" dirty="0" smtClean="0"/>
+          </a:p>
+          <a:p>
+            <a:pPr marL="0" indent="0">
+              <a:buNone/>
+            </a:pPr>
+            <a:r>
+              <a:rPr lang="en-US" altLang="zh-TW" dirty="0" err="1" smtClean="0"/>
+              <a:t>uart_setting.c</a:t>
+            </a:r>
+            <a:r>
+              <a:rPr lang="en-US" altLang="zh-TW" dirty="0" smtClean="0"/>
+              <a:t>		</a:t>
+            </a:r>
+            <a:r>
+              <a:rPr lang="en-US" altLang="zh-TW" dirty="0" err="1" smtClean="0"/>
+              <a:t>uart</a:t>
+            </a:r>
+            <a:r>
+              <a:rPr lang="zh-TW" altLang="en-US" dirty="0" smtClean="0"/>
+              <a:t>設定函式</a:t>
+            </a:r>
+            <a:endParaRPr lang="en-US" altLang="zh-TW" dirty="0"/>
+          </a:p>
+          <a:p>
+            <a:pPr marL="0" indent="0">
+              <a:buNone/>
+            </a:pPr>
+            <a:r>
+              <a:rPr lang="en-US" altLang="zh-TW" dirty="0" err="1" smtClean="0"/>
+              <a:t>sm_car.c</a:t>
+            </a:r>
+            <a:r>
+              <a:rPr lang="en-US" altLang="zh-TW" dirty="0" smtClean="0"/>
+              <a:t>			</a:t>
+            </a:r>
+            <a:r>
+              <a:rPr lang="zh-TW" altLang="en-US" dirty="0" smtClean="0"/>
+              <a:t>智能車操作函式庫</a:t>
+            </a:r>
+            <a:endParaRPr lang="en-US" altLang="zh-TW" dirty="0" smtClean="0"/>
+          </a:p>
+          <a:p>
+            <a:pPr marL="0" indent="0">
+              <a:buNone/>
+            </a:pPr>
+            <a:endParaRPr lang="en-US" altLang="zh-TW" dirty="0" smtClean="0"/>
+          </a:p>
+          <a:p>
+            <a:pPr marL="0" indent="0">
+              <a:buNone/>
+            </a:pPr>
+            <a:r>
+              <a:rPr lang="en-US" altLang="zh-TW" dirty="0" smtClean="0"/>
+              <a:t>https</a:t>
+            </a:r>
+            <a:r>
+              <a:rPr lang="en-US" altLang="zh-TW" dirty="0"/>
+              <a:t>://drive.google.com/drive/folders/0BysmffTc7ivUeC1XWUVXUlh1bUE?usp=sharing</a:t>
+            </a:r>
+          </a:p>
+          <a:p>
+            <a:pPr marL="0" indent="0">
+              <a:buNone/>
+            </a:pPr>
+            <a:endParaRPr lang="en-US" altLang="zh-TW" dirty="0"/>
+          </a:p>
+          <a:p>
+            <a:pPr marL="0" indent="0">
+              <a:buNone/>
+            </a:pPr>
+            <a:r>
+              <a:rPr lang="en-US" altLang="zh-TW" dirty="0" smtClean="0"/>
+              <a:t>-----------------------------------</a:t>
+            </a:r>
+            <a:r>
+              <a:rPr lang="zh-TW" altLang="en-US" dirty="0" smtClean="0"/>
+              <a:t>測試</a:t>
+            </a:r>
+            <a:r>
+              <a:rPr lang="en-US" altLang="zh-TW" dirty="0" smtClean="0"/>
+              <a:t>code--------------------------------------------</a:t>
+            </a:r>
+            <a:endParaRPr lang="en-US" altLang="zh-TW" dirty="0"/>
+          </a:p>
+          <a:p>
+            <a:pPr marL="0" indent="0">
+              <a:buNone/>
+            </a:pPr>
+            <a:r>
+              <a:rPr lang="en-US" altLang="zh-TW" dirty="0" err="1" smtClean="0"/>
+              <a:t>timerInThread.c</a:t>
+            </a:r>
+            <a:r>
+              <a:rPr lang="en-US" altLang="zh-TW" dirty="0" smtClean="0"/>
+              <a:t>		</a:t>
+            </a:r>
+            <a:r>
+              <a:rPr lang="en-US" altLang="zh-TW" dirty="0" err="1" smtClean="0"/>
+              <a:t>linux</a:t>
+            </a:r>
+            <a:r>
+              <a:rPr lang="zh-TW" altLang="en-US" dirty="0" smtClean="0"/>
+              <a:t>計時器與執行緒測試</a:t>
+            </a:r>
+            <a:endParaRPr lang="en-US" altLang="zh-TW" dirty="0" smtClean="0"/>
+          </a:p>
+          <a:p>
+            <a:pPr marL="0" indent="0">
+              <a:buNone/>
+            </a:pPr>
+            <a:r>
+              <a:rPr lang="en-US" altLang="zh-TW" dirty="0" err="1" smtClean="0"/>
+              <a:t>timerInThreadJ</a:t>
+            </a:r>
+            <a:r>
+              <a:rPr lang="en-US" altLang="zh-TW" dirty="0" smtClean="0"/>
+              <a:t>		</a:t>
+            </a:r>
+            <a:r>
+              <a:rPr lang="zh-TW" altLang="en-US" dirty="0" smtClean="0"/>
+              <a:t>定時超音波避障測試</a:t>
+            </a:r>
+            <a:endParaRPr lang="zh-TW" altLang="en-US" dirty="0"/>
+          </a:p>
+        </p:txBody>
+      </p:sp>
+    </p:spTree>
+    <p:extLst>
+      <p:ext uri="{BB962C8B-B14F-4D97-AF65-F5344CB8AC3E}">
+        <p14:creationId xmlns:p14="http://schemas.microsoft.com/office/powerpoint/2010/main" val="187869570"/>
+      </p:ext>
+    </p:extLst>
+  </p:cSld>
+  <p:clrMapOvr>
+    <a:masterClrMapping/>
+  </p:clrMapOvr>
+</p:sld>
+</file>
+
+<file path=ppt/slides/slide22.xml><?xml version="1.0" encoding="utf-8"?>
+<p:sld xmlns:a="http://schemas.openxmlformats.org/drawingml/2006/main" xmlns:r="http://schemas.openxmlformats.org/officeDocument/2006/relationships" xmlns:p="http://schemas.openxmlformats.org/presentationml/2006/main">
+  <p:cSld>
+    <p:spTree>
+      <p:nvGrpSpPr>
+        <p:cNvPr id="1" name=""/>
+        <p:cNvGrpSpPr/>
+        <p:nvPr/>
+      </p:nvGrpSpPr>
+      <p:grpSpPr>
+        <a:xfrm>
+          <a:off x="0" y="0"/>
+          <a:ext cx="0" cy="0"/>
+          <a:chOff x="0" y="0"/>
+          <a:chExt cx="0" cy="0"/>
+        </a:xfrm>
+      </p:grpSpPr>
+      <p:sp>
+        <p:nvSpPr>
+          <p:cNvPr id="2" name="標題 1"/>
+          <p:cNvSpPr>
+            <a:spLocks noGrp="1"/>
+          </p:cNvSpPr>
+          <p:nvPr>
+            <p:ph type="title"/>
+          </p:nvPr>
+        </p:nvSpPr>
+        <p:spPr/>
+        <p:txBody>
+          <a:bodyPr/>
+          <a:lstStyle/>
+          <a:p>
+            <a:r>
+              <a:rPr lang="zh-TW" altLang="en-US" dirty="0" smtClean="0"/>
+              <a:t>預估問題</a:t>
+            </a:r>
+            <a:endParaRPr lang="zh-TW" altLang="en-US" dirty="0"/>
+          </a:p>
+        </p:txBody>
+      </p:sp>
+      <p:sp>
+        <p:nvSpPr>
+          <p:cNvPr id="3" name="內容版面配置區 2"/>
+          <p:cNvSpPr>
+            <a:spLocks noGrp="1"/>
+          </p:cNvSpPr>
+          <p:nvPr>
+            <p:ph idx="1"/>
+          </p:nvPr>
+        </p:nvSpPr>
+        <p:spPr/>
+        <p:txBody>
+          <a:bodyPr/>
+          <a:lstStyle/>
+          <a:p>
+            <a:r>
+              <a:rPr lang="zh-TW" altLang="en-US" dirty="0" smtClean="0"/>
+              <a:t>可能問題車子實際移動不符合預期</a:t>
+            </a:r>
+            <a:endParaRPr lang="en-US" altLang="zh-TW" dirty="0" smtClean="0"/>
+          </a:p>
+          <a:p>
+            <a:r>
+              <a:rPr lang="zh-TW" altLang="en-US" dirty="0" smtClean="0"/>
+              <a:t>移動角度不准、誤差累積</a:t>
+            </a:r>
+            <a:endParaRPr lang="en-US" altLang="zh-TW" dirty="0" smtClean="0"/>
+          </a:p>
+          <a:p>
+            <a:r>
+              <a:rPr lang="zh-TW" altLang="en-US" dirty="0" smtClean="0"/>
+              <a:t>移動時的控制流程</a:t>
+            </a:r>
+            <a:r>
+              <a:rPr lang="en-US" altLang="zh-TW" dirty="0" smtClean="0"/>
+              <a:t>(</a:t>
+            </a:r>
+            <a:r>
+              <a:rPr lang="zh-TW" altLang="en-US" dirty="0" smtClean="0"/>
+              <a:t>和其他執行緒的相依關係</a:t>
+            </a:r>
+            <a:r>
+              <a:rPr lang="en-US" altLang="zh-TW" dirty="0" smtClean="0"/>
+              <a:t>)</a:t>
+            </a:r>
+          </a:p>
+          <a:p>
+            <a:r>
+              <a:rPr lang="en-US" altLang="zh-TW" dirty="0"/>
+              <a:t>http://viml.nchc.org.tw/blog/paper_info.php?CLASS_ID=1&amp;SUB_ID=1&amp;PAPER_ID=435</a:t>
+            </a:r>
+            <a:endParaRPr lang="zh-TW" altLang="en-US" dirty="0"/>
+          </a:p>
+        </p:txBody>
+      </p:sp>
+    </p:spTree>
+    <p:extLst>
+      <p:ext uri="{BB962C8B-B14F-4D97-AF65-F5344CB8AC3E}">
+        <p14:creationId xmlns:p14="http://schemas.microsoft.com/office/powerpoint/2010/main" val="1817205424"/>
       </p:ext>
     </p:extLst>
   </p:cSld>
@@ -10930,8 +11845,28 @@
               <a:t>()</a:t>
             </a:r>
             <a:r>
+              <a:rPr lang="zh-TW" altLang="en-US" dirty="0" smtClean="0"/>
+              <a:t>、</a:t>
+            </a:r>
+            <a:r>
+              <a:rPr lang="en-US" altLang="zh-TW" dirty="0"/>
+              <a:t> </a:t>
+            </a:r>
+            <a:r>
+              <a:rPr lang="en-US" altLang="zh-TW" dirty="0" err="1"/>
+              <a:t>load_data</a:t>
+            </a:r>
+            <a:r>
+              <a:rPr lang="en-US" altLang="zh-TW" dirty="0" smtClean="0"/>
+              <a:t>()</a:t>
+            </a:r>
+            <a:r>
+              <a:rPr lang="zh-TW" altLang="en-US" dirty="0" smtClean="0"/>
+              <a:t> 函數</a:t>
+            </a:r>
+            <a:r>
               <a:rPr lang="zh-TW" altLang="en-US" dirty="0"/>
-              <a:t>函數說明</a:t>
+              <a:t>說明</a:t>
             </a:r>
           </a:p>
         </p:txBody>
@@ -10954,6 +11889,18 @@
           <a:lstStyle/>
           <a:p>
             <a:r>
+              <a:rPr lang="en-US" altLang="zh-TW" sz="2000" dirty="0" err="1"/>
+              <a:t>fixfile</a:t>
+            </a:r>
+            <a:r>
+              <a:rPr lang="en-US" altLang="zh-TW" sz="2000" dirty="0"/>
+              <a:t>() </a:t>
+            </a:r>
+            <a:r>
+              <a:rPr lang="zh-TW" altLang="en-US" sz="2000" dirty="0" smtClean="0"/>
+              <a:t>是 </a:t>
+            </a:r>
+            <a:r>
               <a:rPr lang="en-US" altLang="zh-TW" sz="2000" dirty="0" err="1" smtClean="0"/>
               <a:t>uart_send_command</a:t>
             </a:r>
@@ -11008,6 +11955,142 @@
             <a:r>
               <a:rPr lang="zh-TW" altLang="en-US" sz="2000" dirty="0" smtClean="0"/>
               <a:t>儲存。</a:t>
+            </a:r>
+            <a:endParaRPr lang="en-US" altLang="zh-TW" sz="2000" dirty="0" smtClean="0"/>
+          </a:p>
+          <a:p>
+            <a:endParaRPr lang="en-US" altLang="zh-TW" sz="2000" dirty="0"/>
+          </a:p>
+          <a:p>
+            <a:r>
+              <a:rPr lang="en-US" altLang="zh-TW" sz="2000" dirty="0" err="1"/>
+              <a:t>load_data</a:t>
+            </a:r>
+            <a:r>
+              <a:rPr lang="en-US" altLang="zh-TW" sz="2000" dirty="0" smtClean="0"/>
+              <a:t>()</a:t>
+            </a:r>
+            <a:r>
+              <a:rPr lang="zh-TW" altLang="en-US" sz="2000" dirty="0" smtClean="0"/>
+              <a:t> 是 </a:t>
+            </a:r>
+            <a:r>
+              <a:rPr lang="en-US" altLang="zh-TW" sz="2000" dirty="0" err="1"/>
+              <a:t>fixfile</a:t>
+            </a:r>
+            <a:r>
+              <a:rPr lang="en-US" altLang="zh-TW" sz="2000" dirty="0" smtClean="0"/>
+              <a:t>()</a:t>
+            </a:r>
+            <a:r>
+              <a:rPr lang="zh-TW" altLang="en-US" sz="2000" dirty="0" smtClean="0"/>
+              <a:t> 功能</a:t>
+            </a:r>
+            <a:r>
+              <a:rPr lang="zh-TW" altLang="en-US" sz="2000" dirty="0"/>
+              <a:t>的後續處理函</a:t>
+            </a:r>
+            <a:r>
+              <a:rPr lang="zh-TW" altLang="en-US" sz="2000" dirty="0" smtClean="0"/>
+              <a:t>式，</a:t>
+            </a:r>
+            <a:r>
+              <a:rPr lang="zh-TW" altLang="en-US" sz="2000" dirty="0"/>
+              <a:t>目的在於</a:t>
+            </a:r>
+            <a:r>
+              <a:rPr lang="zh-TW" altLang="en-US" sz="2000" dirty="0" smtClean="0"/>
+              <a:t>將</a:t>
+            </a:r>
+            <a:r>
+              <a:rPr lang="en-US" altLang="zh-TW" sz="2000" dirty="0" smtClean="0"/>
+              <a:t>data2.txt</a:t>
+            </a:r>
+            <a:r>
+              <a:rPr lang="zh-TW" altLang="en-US" sz="2000" dirty="0" smtClean="0"/>
+              <a:t>的資料載入到記憶體中。</a:t>
+            </a:r>
+            <a:endParaRPr lang="en-US" altLang="zh-TW" sz="2000" dirty="0" smtClean="0"/>
+          </a:p>
+          <a:p>
+            <a:endParaRPr lang="en-US" altLang="zh-TW" sz="2000" dirty="0"/>
+          </a:p>
+          <a:p>
+            <a:r>
+              <a:rPr lang="en-US" altLang="zh-TW" sz="2000" dirty="0" err="1"/>
+              <a:t>uart_send_command</a:t>
+            </a:r>
+            <a:r>
+              <a:rPr lang="en-US" altLang="zh-TW" sz="2000" dirty="0" smtClean="0"/>
+              <a:t>()</a:t>
+            </a:r>
+            <a:r>
+              <a:rPr lang="zh-TW" altLang="en-US" sz="2000" dirty="0" smtClean="0"/>
+              <a:t>、</a:t>
+            </a:r>
+            <a:r>
+              <a:rPr lang="en-US" altLang="zh-TW" sz="2000" dirty="0"/>
+              <a:t> </a:t>
+            </a:r>
+            <a:r>
+              <a:rPr lang="en-US" altLang="zh-TW" sz="2000" dirty="0" err="1"/>
+              <a:t>fixfile</a:t>
+            </a:r>
+            <a:r>
+              <a:rPr lang="en-US" altLang="zh-TW" sz="2000" dirty="0"/>
+              <a:t>() </a:t>
+            </a:r>
+            <a:r>
+              <a:rPr lang="zh-TW" altLang="en-US" sz="2000" dirty="0" smtClean="0"/>
+              <a:t>、</a:t>
+            </a:r>
+            <a:r>
+              <a:rPr lang="en-US" altLang="zh-TW" sz="2000" dirty="0"/>
+              <a:t> </a:t>
+            </a:r>
+            <a:r>
+              <a:rPr lang="en-US" altLang="zh-TW" sz="2000" dirty="0" err="1"/>
+              <a:t>load_data</a:t>
+            </a:r>
+            <a:r>
+              <a:rPr lang="en-US" altLang="zh-TW" sz="2000" dirty="0" smtClean="0"/>
+              <a:t>()</a:t>
+            </a:r>
+            <a:r>
+              <a:rPr lang="zh-TW" altLang="en-US" sz="2000" dirty="0" smtClean="0"/>
+              <a:t> 為相依的程式功能，目的在於將</a:t>
+            </a:r>
+            <a:r>
+              <a:rPr lang="en-US" altLang="zh-TW" sz="2000" dirty="0" err="1" smtClean="0"/>
+              <a:t>Arduino</a:t>
+            </a:r>
+            <a:r>
+              <a:rPr lang="en-US" altLang="zh-TW" sz="2000" dirty="0" smtClean="0"/>
+              <a:t> </a:t>
+            </a:r>
+            <a:r>
+              <a:rPr lang="zh-TW" altLang="en-US" sz="2000" dirty="0" smtClean="0"/>
+              <a:t>送出的特定格式資料進行儲存</a:t>
+            </a:r>
+            <a:r>
+              <a:rPr lang="en-US" altLang="zh-TW" sz="2000" dirty="0" smtClean="0"/>
+              <a:t>(disk)</a:t>
+            </a:r>
+            <a:r>
+              <a:rPr lang="zh-TW" altLang="en-US" sz="2000" dirty="0" smtClean="0"/>
+              <a:t>與載入</a:t>
+            </a:r>
+            <a:r>
+              <a:rPr lang="en-US" altLang="zh-TW" sz="2000" dirty="0"/>
+              <a:t>(memory</a:t>
+            </a:r>
+            <a:r>
+              <a:rPr lang="en-US" altLang="zh-TW" sz="2000" dirty="0" smtClean="0"/>
+              <a:t>)</a:t>
+            </a:r>
+            <a:r>
+              <a:rPr lang="zh-TW" altLang="en-US" sz="2000" dirty="0" smtClean="0"/>
+              <a:t>使用。</a:t>
             </a:r>
             <a:endParaRPr lang="en-US" altLang="zh-TW" sz="2000" dirty="0"/>
           </a:p>
@@ -18425,691 +19508,110 @@
       </p:grpSpPr>
       <p:sp>
         <p:nvSpPr>
-          <p:cNvPr id="4" name="橢圓 3"/>
-          <p:cNvSpPr/>
-          <p:nvPr/>
-        </p:nvSpPr>
-        <p:spPr>
-          <a:xfrm>
-            <a:off x="2168286" y="154584"/>
-            <a:ext cx="1371600" cy="1288472"/>
-          </a:xfrm>
-          <a:prstGeom prst="ellipse">
-            <a:avLst/>
-          </a:prstGeom>
-          <a:solidFill>
-            <a:schemeClr val="accent1"/>
-          </a:solidFill>
-        </p:spPr>
-        <p:style>
-          <a:lnRef idx="2">
-            <a:schemeClr val="accent1">
-              <a:shade val="50000"/>
-            </a:schemeClr>
-          </a:lnRef>
-          <a:fillRef idx="1">
-            <a:schemeClr val="accent1"/>
-          </a:fillRef>
-          <a:effectRef idx="0">
-            <a:schemeClr val="accent1"/>
-          </a:effectRef>
-          <a:fontRef idx="minor">
-            <a:schemeClr val="lt1"/>
-          </a:fontRef>
-        </p:style>
-        <p:txBody>
-          <a:bodyPr rtlCol="0" anchor="ctr"/>
-          <a:lstStyle/>
-          <a:p>
-            <a:pPr algn="ctr"/>
+          <p:cNvPr id="2" name="標題 1"/>
+          <p:cNvSpPr>
+            <a:spLocks noGrp="1"/>
+          </p:cNvSpPr>
+          <p:nvPr>
+            <p:ph type="title"/>
+          </p:nvPr>
+        </p:nvSpPr>
+        <p:spPr/>
+        <p:txBody>
+          <a:bodyPr/>
+          <a:lstStyle/>
+          <a:p>
             <a:r>
               <a:rPr lang="zh-TW" altLang="en-US" dirty="0" smtClean="0"/>
-              <a:t>主架構</a:t>
-            </a:r>
-            <a:endParaRPr lang="zh-TW" altLang="en-US" dirty="0"/>
-          </a:p>
-        </p:txBody>
-      </p:sp>
-      <p:sp>
-        <p:nvSpPr>
-          <p:cNvPr id="5" name="圓角矩形 4"/>
-          <p:cNvSpPr/>
-          <p:nvPr/>
-        </p:nvSpPr>
-        <p:spPr>
-          <a:xfrm>
-            <a:off x="4367626" y="154584"/>
-            <a:ext cx="1676400" cy="1288472"/>
-          </a:xfrm>
-          <a:prstGeom prst="roundRect">
-            <a:avLst/>
-          </a:prstGeom>
-          <a:solidFill>
-            <a:schemeClr val="accent1"/>
-          </a:solidFill>
-        </p:spPr>
-        <p:style>
-          <a:lnRef idx="2">
-            <a:schemeClr val="accent1">
-              <a:shade val="50000"/>
-            </a:schemeClr>
-          </a:lnRef>
-          <a:fillRef idx="1">
-            <a:schemeClr val="accent1"/>
-          </a:fillRef>
-          <a:effectRef idx="0">
-            <a:schemeClr val="accent1"/>
-          </a:effectRef>
-          <a:fontRef idx="minor">
-            <a:schemeClr val="lt1"/>
-          </a:fontRef>
-        </p:style>
-        <p:txBody>
-          <a:bodyPr rtlCol="0" anchor="ctr"/>
-          <a:lstStyle/>
-          <a:p>
-            <a:pPr algn="ctr"/>
-            <a:r>
-              <a:rPr lang="zh-TW" altLang="en-US" dirty="0" smtClean="0"/>
-              <a:t>細部流程</a:t>
-            </a:r>
-            <a:endParaRPr lang="zh-TW" altLang="en-US" dirty="0"/>
-          </a:p>
-        </p:txBody>
-      </p:sp>
-      <p:sp>
-        <p:nvSpPr>
-          <p:cNvPr id="9" name="圓角矩形 8"/>
-          <p:cNvSpPr/>
-          <p:nvPr/>
-        </p:nvSpPr>
-        <p:spPr>
-          <a:xfrm>
-            <a:off x="1330086" y="4213965"/>
-            <a:ext cx="1676400" cy="1288472"/>
-          </a:xfrm>
-          <a:prstGeom prst="roundRect">
-            <a:avLst/>
-          </a:prstGeom>
-          <a:solidFill>
-            <a:srgbClr val="FF0000"/>
-          </a:solidFill>
-          <a:ln>
-            <a:solidFill>
-              <a:schemeClr val="bg1"/>
-            </a:solidFill>
-          </a:ln>
-        </p:spPr>
-        <p:style>
-          <a:lnRef idx="2">
-            <a:schemeClr val="accent1">
-              <a:shade val="50000"/>
-            </a:schemeClr>
-          </a:lnRef>
-          <a:fillRef idx="1">
-            <a:schemeClr val="accent1"/>
-          </a:fillRef>
-          <a:effectRef idx="0">
-            <a:schemeClr val="accent1"/>
-          </a:effectRef>
-          <a:fontRef idx="minor">
-            <a:schemeClr val="lt1"/>
-          </a:fontRef>
-        </p:style>
-        <p:txBody>
-          <a:bodyPr rtlCol="0" anchor="ctr"/>
-          <a:lstStyle/>
-          <a:p>
-            <a:pPr algn="ctr"/>
-            <a:r>
-              <a:rPr lang="zh-TW" altLang="en-US" dirty="0" smtClean="0"/>
-              <a:t>紅色底色</a:t>
-            </a:r>
-            <a:endParaRPr lang="en-US" altLang="zh-TW" dirty="0" smtClean="0"/>
-          </a:p>
-          <a:p>
-            <a:pPr algn="ctr"/>
-            <a:r>
-              <a:rPr lang="en-US" altLang="zh-TW" dirty="0" smtClean="0"/>
-              <a:t>(</a:t>
-            </a:r>
-            <a:r>
-              <a:rPr lang="zh-TW" altLang="en-US" dirty="0" smtClean="0"/>
-              <a:t>未開始</a:t>
-            </a:r>
-            <a:r>
-              <a:rPr lang="en-US" altLang="zh-TW" dirty="0" smtClean="0"/>
-              <a:t>)</a:t>
-            </a:r>
-            <a:endParaRPr lang="zh-TW" altLang="en-US" dirty="0"/>
-          </a:p>
-        </p:txBody>
-      </p:sp>
-      <p:sp>
-        <p:nvSpPr>
-          <p:cNvPr id="10" name="圓角矩形 9"/>
-          <p:cNvSpPr/>
-          <p:nvPr/>
-        </p:nvSpPr>
-        <p:spPr>
-          <a:xfrm>
-            <a:off x="5565168" y="4213965"/>
-            <a:ext cx="1676400" cy="1288472"/>
-          </a:xfrm>
-          <a:prstGeom prst="roundRect">
-            <a:avLst/>
-          </a:prstGeom>
-          <a:solidFill>
-            <a:schemeClr val="accent4"/>
-          </a:solidFill>
-          <a:ln>
-            <a:solidFill>
-              <a:schemeClr val="bg1"/>
-            </a:solidFill>
-          </a:ln>
-        </p:spPr>
-        <p:style>
-          <a:lnRef idx="2">
-            <a:schemeClr val="accent1">
-              <a:shade val="50000"/>
-            </a:schemeClr>
-          </a:lnRef>
-          <a:fillRef idx="1">
-            <a:schemeClr val="accent1"/>
-          </a:fillRef>
-          <a:effectRef idx="0">
-            <a:schemeClr val="accent1"/>
-          </a:effectRef>
-          <a:fontRef idx="minor">
-            <a:schemeClr val="lt1"/>
-          </a:fontRef>
-        </p:style>
-        <p:txBody>
-          <a:bodyPr rtlCol="0" anchor="ctr"/>
-          <a:lstStyle/>
-          <a:p>
-            <a:pPr algn="ctr"/>
-            <a:r>
-              <a:rPr lang="zh-TW" altLang="en-US" dirty="0"/>
-              <a:t>黃色底色</a:t>
-            </a:r>
-            <a:endParaRPr lang="en-US" altLang="zh-TW" dirty="0"/>
-          </a:p>
-          <a:p>
-            <a:pPr algn="ctr"/>
+              <a:t>外部環境偵測與地圖建立</a:t>
+            </a:r>
+            <a:endParaRPr lang="zh-TW" altLang="en-US" dirty="0"/>
+          </a:p>
+        </p:txBody>
+      </p:sp>
+      <p:sp>
+        <p:nvSpPr>
+          <p:cNvPr id="3" name="內容版面配置區 2"/>
+          <p:cNvSpPr>
+            <a:spLocks noGrp="1"/>
+          </p:cNvSpPr>
+          <p:nvPr>
+            <p:ph idx="1"/>
+          </p:nvPr>
+        </p:nvSpPr>
+        <p:spPr/>
+        <p:txBody>
+          <a:bodyPr/>
+          <a:lstStyle/>
+          <a:p>
+            <a:r>
+              <a:rPr lang="en-US" altLang="zh-TW" dirty="0" smtClean="0"/>
+              <a:t>1</a:t>
+            </a:r>
             <a:r>
               <a:rPr lang="en-US" altLang="zh-TW" dirty="0"/>
-              <a:t>(</a:t>
-            </a:r>
-            <a:r>
-              <a:rPr lang="zh-TW" altLang="en-US" dirty="0"/>
-              <a:t>待驗證</a:t>
-            </a:r>
+              <a:t>.</a:t>
+            </a:r>
+            <a:r>
+              <a:rPr lang="zh-TW" altLang="zh-TW" dirty="0"/>
+              <a:t>使用超聲波感測器對外部環境進行掃描。</a:t>
+            </a:r>
+          </a:p>
+          <a:p>
             <a:r>
               <a:rPr lang="en-US" altLang="zh-TW" dirty="0"/>
-              <a:t>)</a:t>
-            </a:r>
-            <a:endParaRPr lang="zh-TW" altLang="en-US" dirty="0"/>
-          </a:p>
-        </p:txBody>
-      </p:sp>
-      <p:sp>
-        <p:nvSpPr>
-          <p:cNvPr id="11" name="圓角矩形 10"/>
-          <p:cNvSpPr/>
-          <p:nvPr/>
-        </p:nvSpPr>
-        <p:spPr>
-          <a:xfrm>
-            <a:off x="7765424" y="4193183"/>
-            <a:ext cx="1676400" cy="1288472"/>
-          </a:xfrm>
-          <a:prstGeom prst="roundRect">
-            <a:avLst/>
-          </a:prstGeom>
-          <a:solidFill>
-            <a:schemeClr val="accent6"/>
-          </a:solidFill>
-          <a:ln>
-            <a:solidFill>
-              <a:schemeClr val="bg1"/>
-            </a:solidFill>
-          </a:ln>
-        </p:spPr>
-        <p:style>
-          <a:lnRef idx="2">
-            <a:schemeClr val="accent1">
-              <a:shade val="50000"/>
-            </a:schemeClr>
-          </a:lnRef>
-          <a:fillRef idx="1">
-            <a:schemeClr val="accent1"/>
-          </a:fillRef>
-          <a:effectRef idx="0">
-            <a:schemeClr val="accent1"/>
-          </a:effectRef>
-          <a:fontRef idx="minor">
-            <a:schemeClr val="lt1"/>
-          </a:fontRef>
-        </p:style>
-        <p:txBody>
-          <a:bodyPr rtlCol="0" anchor="ctr"/>
-          <a:lstStyle/>
-          <a:p>
-            <a:pPr algn="ctr"/>
-            <a:r>
-              <a:rPr lang="zh-TW" altLang="en-US" dirty="0" smtClean="0"/>
-              <a:t>綠色底色</a:t>
-            </a:r>
-            <a:endParaRPr lang="en-US" altLang="zh-TW" dirty="0" smtClean="0"/>
-          </a:p>
-          <a:p>
-            <a:pPr algn="ctr"/>
-            <a:r>
-              <a:rPr lang="en-US" altLang="zh-TW" dirty="0" smtClean="0"/>
-              <a:t>(</a:t>
-            </a:r>
-            <a:r>
-              <a:rPr lang="zh-TW" altLang="en-US" dirty="0" smtClean="0"/>
-              <a:t>已完成</a:t>
-            </a:r>
-            <a:r>
-              <a:rPr lang="en-US" altLang="zh-TW" dirty="0" smtClean="0"/>
-              <a:t>)</a:t>
-            </a:r>
-            <a:endParaRPr lang="zh-TW" altLang="en-US" dirty="0"/>
-          </a:p>
-        </p:txBody>
-      </p:sp>
-      <p:sp>
-        <p:nvSpPr>
-          <p:cNvPr id="12" name="圓角矩形 11"/>
-          <p:cNvSpPr/>
-          <p:nvPr/>
-        </p:nvSpPr>
-        <p:spPr>
-          <a:xfrm>
-            <a:off x="2247880" y="1930681"/>
-            <a:ext cx="3796146" cy="1704109"/>
-          </a:xfrm>
-          <a:prstGeom prst="roundRect">
-            <a:avLst/>
-          </a:prstGeom>
-          <a:solidFill>
-            <a:schemeClr val="accent1">
-              <a:lumMod val="40000"/>
-              <a:lumOff val="60000"/>
-            </a:schemeClr>
-          </a:solidFill>
-        </p:spPr>
-        <p:style>
-          <a:lnRef idx="2">
-            <a:schemeClr val="accent1">
-              <a:shade val="50000"/>
-            </a:schemeClr>
-          </a:lnRef>
-          <a:fillRef idx="1">
-            <a:schemeClr val="accent1"/>
-          </a:fillRef>
-          <a:effectRef idx="0">
-            <a:schemeClr val="accent1"/>
-          </a:effectRef>
-          <a:fontRef idx="minor">
-            <a:schemeClr val="lt1"/>
-          </a:fontRef>
-        </p:style>
-        <p:txBody>
-          <a:bodyPr rtlCol="0" anchor="ctr"/>
-          <a:lstStyle/>
-          <a:p>
-            <a:pPr algn="ctr"/>
-            <a:endParaRPr lang="zh-TW" altLang="en-US"/>
-          </a:p>
-        </p:txBody>
-      </p:sp>
-      <p:sp>
-        <p:nvSpPr>
-          <p:cNvPr id="13" name="圓角矩形 12"/>
-          <p:cNvSpPr/>
-          <p:nvPr/>
-        </p:nvSpPr>
-        <p:spPr>
-          <a:xfrm>
-            <a:off x="2462624" y="2126829"/>
-            <a:ext cx="1676400" cy="1288472"/>
-          </a:xfrm>
-          <a:prstGeom prst="roundRect">
-            <a:avLst/>
-          </a:prstGeom>
-          <a:solidFill>
-            <a:schemeClr val="accent1"/>
-          </a:solidFill>
-        </p:spPr>
-        <p:style>
-          <a:lnRef idx="2">
-            <a:schemeClr val="accent1">
-              <a:shade val="50000"/>
-            </a:schemeClr>
-          </a:lnRef>
-          <a:fillRef idx="1">
-            <a:schemeClr val="accent1"/>
-          </a:fillRef>
-          <a:effectRef idx="0">
-            <a:schemeClr val="accent1"/>
-          </a:effectRef>
-          <a:fontRef idx="minor">
-            <a:schemeClr val="lt1"/>
-          </a:fontRef>
-        </p:style>
-        <p:txBody>
-          <a:bodyPr rtlCol="0" anchor="ctr"/>
-          <a:lstStyle/>
-          <a:p>
-            <a:pPr algn="ctr"/>
-            <a:r>
-              <a:rPr lang="zh-TW" altLang="en-US" dirty="0" smtClean="0"/>
-              <a:t>多選多</a:t>
-            </a:r>
-            <a:r>
-              <a:rPr lang="en-US" altLang="zh-TW" dirty="0" smtClean="0"/>
-              <a:t/>
-            </a:r>
-            <a:br>
-              <a:rPr lang="en-US" altLang="zh-TW" dirty="0" smtClean="0"/>
-            </a:br>
-            <a:r>
-              <a:rPr lang="zh-TW" altLang="en-US" dirty="0" smtClean="0"/>
-              <a:t>流程</a:t>
-            </a:r>
-            <a:r>
-              <a:rPr lang="en-US" altLang="zh-TW" dirty="0" smtClean="0"/>
-              <a:t>1</a:t>
-            </a:r>
-            <a:endParaRPr lang="zh-TW" altLang="en-US" dirty="0"/>
-          </a:p>
-        </p:txBody>
-      </p:sp>
-      <p:sp>
-        <p:nvSpPr>
-          <p:cNvPr id="14" name="圓角矩形 13"/>
-          <p:cNvSpPr/>
-          <p:nvPr/>
-        </p:nvSpPr>
-        <p:spPr>
-          <a:xfrm>
-            <a:off x="4270505" y="2131572"/>
-            <a:ext cx="1676400" cy="1288472"/>
-          </a:xfrm>
-          <a:prstGeom prst="roundRect">
-            <a:avLst/>
-          </a:prstGeom>
-          <a:solidFill>
-            <a:schemeClr val="accent1"/>
-          </a:solidFill>
-        </p:spPr>
-        <p:style>
-          <a:lnRef idx="2">
-            <a:schemeClr val="accent1">
-              <a:shade val="50000"/>
-            </a:schemeClr>
-          </a:lnRef>
-          <a:fillRef idx="1">
-            <a:schemeClr val="accent1"/>
-          </a:fillRef>
-          <a:effectRef idx="0">
-            <a:schemeClr val="accent1"/>
-          </a:effectRef>
-          <a:fontRef idx="minor">
-            <a:schemeClr val="lt1"/>
-          </a:fontRef>
-        </p:style>
-        <p:txBody>
-          <a:bodyPr rtlCol="0" anchor="ctr"/>
-          <a:lstStyle/>
-          <a:p>
-            <a:pPr algn="ctr"/>
-            <a:r>
-              <a:rPr lang="zh-TW" altLang="en-US" dirty="0"/>
-              <a:t>多選</a:t>
-            </a:r>
-            <a:r>
-              <a:rPr lang="zh-TW" altLang="en-US" dirty="0" smtClean="0"/>
-              <a:t>多</a:t>
-            </a:r>
-            <a:r>
-              <a:rPr lang="en-US" altLang="zh-TW" dirty="0" smtClean="0"/>
-              <a:t/>
-            </a:r>
-            <a:br>
-              <a:rPr lang="en-US" altLang="zh-TW" dirty="0" smtClean="0"/>
-            </a:br>
-            <a:r>
-              <a:rPr lang="zh-TW" altLang="en-US" dirty="0" smtClean="0"/>
-              <a:t>流程</a:t>
+              <a:t>2.zedboard</a:t>
+            </a:r>
+            <a:r>
+              <a:rPr lang="zh-TW" altLang="zh-TW" dirty="0"/>
+              <a:t>發出控制</a:t>
+            </a:r>
+            <a:r>
+              <a:rPr lang="en-US" altLang="zh-TW" dirty="0" err="1"/>
+              <a:t>arduino</a:t>
+            </a:r>
+            <a:r>
+              <a:rPr lang="zh-TW" altLang="zh-TW" dirty="0"/>
+              <a:t>指令</a:t>
             </a:r>
             <a:r>
               <a:rPr lang="en-US" altLang="zh-TW" dirty="0"/>
-              <a:t>2</a:t>
-            </a:r>
-            <a:endParaRPr lang="zh-TW" altLang="en-US" dirty="0"/>
-          </a:p>
-        </p:txBody>
-      </p:sp>
-      <p:sp>
-        <p:nvSpPr>
-          <p:cNvPr id="2" name="橢圓 1"/>
-          <p:cNvSpPr/>
-          <p:nvPr/>
-        </p:nvSpPr>
-        <p:spPr>
-          <a:xfrm>
-            <a:off x="6611816" y="1704798"/>
-            <a:ext cx="4747846" cy="2057400"/>
-          </a:xfrm>
-          <a:prstGeom prst="ellipse">
-            <a:avLst/>
-          </a:prstGeom>
-          <a:solidFill>
-            <a:schemeClr val="accent5">
-              <a:lumMod val="20000"/>
-              <a:lumOff val="80000"/>
-            </a:schemeClr>
-          </a:solidFill>
-        </p:spPr>
-        <p:style>
-          <a:lnRef idx="2">
-            <a:schemeClr val="accent1">
-              <a:shade val="50000"/>
-            </a:schemeClr>
-          </a:lnRef>
-          <a:fillRef idx="1">
-            <a:schemeClr val="accent1"/>
-          </a:fillRef>
-          <a:effectRef idx="0">
-            <a:schemeClr val="accent1"/>
-          </a:effectRef>
-          <a:fontRef idx="minor">
-            <a:schemeClr val="lt1"/>
-          </a:fontRef>
-        </p:style>
-        <p:txBody>
-          <a:bodyPr rtlCol="0" anchor="ctr"/>
-          <a:lstStyle/>
-          <a:p>
-            <a:pPr algn="ctr"/>
-            <a:endParaRPr lang="zh-TW" altLang="en-US"/>
-          </a:p>
-        </p:txBody>
-      </p:sp>
-      <p:sp>
-        <p:nvSpPr>
-          <p:cNvPr id="15" name="圓角矩形 14"/>
-          <p:cNvSpPr/>
-          <p:nvPr/>
-        </p:nvSpPr>
-        <p:spPr>
-          <a:xfrm>
-            <a:off x="7414846" y="2083962"/>
-            <a:ext cx="1676400" cy="1288472"/>
-          </a:xfrm>
-          <a:prstGeom prst="roundRect">
-            <a:avLst/>
-          </a:prstGeom>
-          <a:solidFill>
-            <a:schemeClr val="accent1"/>
-          </a:solidFill>
-        </p:spPr>
-        <p:style>
-          <a:lnRef idx="2">
-            <a:schemeClr val="accent1">
-              <a:shade val="50000"/>
-            </a:schemeClr>
-          </a:lnRef>
-          <a:fillRef idx="1">
-            <a:schemeClr val="accent1"/>
-          </a:fillRef>
-          <a:effectRef idx="0">
-            <a:schemeClr val="accent1"/>
-          </a:effectRef>
-          <a:fontRef idx="minor">
-            <a:schemeClr val="lt1"/>
-          </a:fontRef>
-        </p:style>
-        <p:txBody>
-          <a:bodyPr rtlCol="0" anchor="ctr"/>
-          <a:lstStyle/>
-          <a:p>
-            <a:pPr algn="ctr"/>
-            <a:r>
-              <a:rPr lang="zh-TW" altLang="en-US" dirty="0" smtClean="0"/>
-              <a:t>多選一流程</a:t>
-            </a:r>
-            <a:r>
-              <a:rPr lang="en-US" altLang="zh-TW" dirty="0" smtClean="0"/>
-              <a:t>1</a:t>
-            </a:r>
-            <a:endParaRPr lang="zh-TW" altLang="en-US" dirty="0"/>
-          </a:p>
-        </p:txBody>
-      </p:sp>
-      <p:sp>
-        <p:nvSpPr>
-          <p:cNvPr id="16" name="圓角矩形 15"/>
-          <p:cNvSpPr/>
-          <p:nvPr/>
-        </p:nvSpPr>
-        <p:spPr>
-          <a:xfrm>
-            <a:off x="9091246" y="2083962"/>
-            <a:ext cx="1676400" cy="1288472"/>
-          </a:xfrm>
-          <a:prstGeom prst="roundRect">
-            <a:avLst/>
-          </a:prstGeom>
-          <a:solidFill>
-            <a:schemeClr val="accent1"/>
-          </a:solidFill>
-        </p:spPr>
-        <p:style>
-          <a:lnRef idx="2">
-            <a:schemeClr val="accent1">
-              <a:shade val="50000"/>
-            </a:schemeClr>
-          </a:lnRef>
-          <a:fillRef idx="1">
-            <a:schemeClr val="accent1"/>
-          </a:fillRef>
-          <a:effectRef idx="0">
-            <a:schemeClr val="accent1"/>
-          </a:effectRef>
-          <a:fontRef idx="minor">
-            <a:schemeClr val="lt1"/>
-          </a:fontRef>
-        </p:style>
-        <p:txBody>
-          <a:bodyPr rtlCol="0" anchor="ctr"/>
-          <a:lstStyle/>
-          <a:p>
-            <a:pPr algn="ctr"/>
-            <a:r>
-              <a:rPr lang="zh-TW" altLang="en-US" dirty="0" smtClean="0"/>
-              <a:t>多選一流程</a:t>
-            </a:r>
+              <a:t>:</a:t>
+            </a:r>
+            <a:r>
+              <a:rPr lang="zh-TW" altLang="zh-TW" dirty="0"/>
+              <a:t>要求回傳超聲波感測器取得數值。</a:t>
+            </a:r>
+          </a:p>
+          <a:p>
             <a:r>
               <a:rPr lang="en-US" altLang="zh-TW" dirty="0"/>
-              <a:t>2</a:t>
-            </a:r>
-            <a:endParaRPr lang="zh-TW" altLang="en-US" dirty="0"/>
-          </a:p>
-        </p:txBody>
-      </p:sp>
-      <p:sp>
-        <p:nvSpPr>
-          <p:cNvPr id="17" name="圓角矩形 16"/>
-          <p:cNvSpPr/>
-          <p:nvPr/>
-        </p:nvSpPr>
-        <p:spPr>
-          <a:xfrm>
-            <a:off x="3364912" y="4193183"/>
-            <a:ext cx="1676400" cy="1288472"/>
-          </a:xfrm>
-          <a:prstGeom prst="roundRect">
-            <a:avLst/>
-          </a:prstGeom>
-          <a:solidFill>
-            <a:schemeClr val="accent2"/>
-          </a:solidFill>
-          <a:ln>
-            <a:solidFill>
-              <a:schemeClr val="bg1"/>
-            </a:solidFill>
-          </a:ln>
-        </p:spPr>
-        <p:style>
-          <a:lnRef idx="2">
-            <a:schemeClr val="accent1">
-              <a:shade val="50000"/>
-            </a:schemeClr>
-          </a:lnRef>
-          <a:fillRef idx="1">
-            <a:schemeClr val="accent1"/>
-          </a:fillRef>
-          <a:effectRef idx="0">
-            <a:schemeClr val="accent1"/>
-          </a:effectRef>
-          <a:fontRef idx="minor">
-            <a:schemeClr val="lt1"/>
-          </a:fontRef>
-        </p:style>
-        <p:txBody>
-          <a:bodyPr rtlCol="0" anchor="ctr"/>
-          <a:lstStyle/>
-          <a:p>
-            <a:pPr algn="ctr"/>
-            <a:r>
-              <a:rPr lang="zh-TW" altLang="en-US" dirty="0" smtClean="0"/>
-              <a:t>橘色底色</a:t>
-            </a:r>
-            <a:r>
-              <a:rPr lang="en-US" altLang="zh-TW" dirty="0" smtClean="0"/>
-              <a:t/>
-            </a:r>
-            <a:br>
-              <a:rPr lang="en-US" altLang="zh-TW" dirty="0" smtClean="0"/>
-            </a:br>
-            <a:r>
-              <a:rPr lang="en-US" altLang="zh-TW" dirty="0" smtClean="0"/>
-              <a:t>(</a:t>
-            </a:r>
-            <a:r>
-              <a:rPr lang="zh-TW" altLang="en-US" dirty="0" smtClean="0"/>
-              <a:t>進行中</a:t>
-            </a:r>
-            <a:r>
-              <a:rPr lang="en-US" altLang="zh-TW" dirty="0" smtClean="0"/>
-              <a:t>)</a:t>
-            </a:r>
+              <a:t>3.arduino </a:t>
+            </a:r>
+            <a:r>
+              <a:rPr lang="zh-TW" altLang="zh-TW" dirty="0"/>
+              <a:t>接收指令控制步進馬達轉動與超聲波感測器進行資料收集，並回傳</a:t>
+            </a:r>
+            <a:r>
+              <a:rPr lang="en-US" altLang="zh-TW" dirty="0" err="1"/>
+              <a:t>zedboard</a:t>
+            </a:r>
+            <a:r>
+              <a:rPr lang="zh-TW" altLang="zh-TW" dirty="0"/>
+              <a:t>感測器取得的數值。</a:t>
+            </a:r>
+          </a:p>
+          <a:p>
+            <a:r>
+              <a:rPr lang="en-US" altLang="zh-TW" dirty="0"/>
+              <a:t>4.zedboard</a:t>
+            </a:r>
+            <a:r>
+              <a:rPr lang="zh-TW" altLang="zh-TW" dirty="0"/>
+              <a:t>對數值進行處理並依造格式轉換為地圖檔。</a:t>
+            </a:r>
+          </a:p>
+          <a:p>
             <a:endParaRPr lang="zh-TW" altLang="en-US" dirty="0"/>
           </a:p>
         </p:txBody>
@@ -19117,20 +19619,13 @@
     </p:spTree>
     <p:extLst>
       <p:ext uri="{BB962C8B-B14F-4D97-AF65-F5344CB8AC3E}">
-        <p14:creationId xmlns:p14="http://schemas.microsoft.com/office/powerpoint/2010/main" val="328797581"/>
+        <p14:creationId xmlns:p14="http://schemas.microsoft.com/office/powerpoint/2010/main" val="2263801974"/>
       </p:ext>
     </p:extLst>
   </p:cSld>
   <p:clrMapOvr>
     <a:masterClrMapping/>
   </p:clrMapOvr>
-  <p:timing>
-    <p:tnLst>
-      <p:par>
-        <p:cTn id="1" dur="indefinite" restart="never" nodeType="tmRoot"/>
-      </p:par>
-    </p:tnLst>
-  </p:timing>
 </p:sld>
 </file>
 
@@ -19177,7 +19672,7 @@
     </a:clrScheme>
     <a:fontScheme name="Office">
       <a:majorFont>
-        <a:latin typeface="Calibri Light" panose="020F0302020204030204"/>
+        <a:latin typeface="Calibri Light"/>
         <a:ea typeface=""/>
         <a:cs typeface=""/>
         <a:font script="Jpan" typeface="游ゴシック Light"/>
@@ -19212,7 +19707,7 @@
         <a:font script="Geor" typeface="Sylfaen"/>
       </a:majorFont>
       <a:minorFont>
-        <a:latin typeface="Calibri" panose="020F0502020204030204"/>
+        <a:latin typeface="Calibri"/>
         <a:ea typeface=""/>
         <a:cs typeface=""/>
         <a:font script="Jpan" typeface="游ゴシック"/>
